--- a/src/docs/presentations/21maggio.pptx
+++ b/src/docs/presentations/21maggio.pptx
@@ -69,7 +69,7 @@
         <p:txBody>
           <a:bodyPr/>
           <a:p>
-            <a:fld id="{511B7743-0F19-446B-92F4-6E45AE4DF814}" type="slidenum">
+            <a:fld id="{213E653F-020F-4F83-8C87-3714D54741DE}" type="slidenum">
               <a:t>&lt;#&gt;</a:t>
             </a:fld>
           </a:p>
@@ -257,7 +257,7 @@
         <p:txBody>
           <a:bodyPr/>
           <a:p>
-            <a:fld id="{98C7E96F-DBED-4A18-93AB-6A1740D06F85}" type="slidenum">
+            <a:fld id="{B1AF9F48-E029-45C5-AC3F-2135BED2829E}" type="slidenum">
               <a:t>&lt;#&gt;</a:t>
             </a:fld>
           </a:p>
@@ -513,7 +513,7 @@
         <p:txBody>
           <a:bodyPr/>
           <a:p>
-            <a:fld id="{8AE96FF7-9FEE-4AE5-9646-E7E69C3EA034}" type="slidenum">
+            <a:fld id="{32CF131A-2E0D-4596-9CB6-EA586B735040}" type="slidenum">
               <a:t>&lt;#&gt;</a:t>
             </a:fld>
           </a:p>
@@ -837,7 +837,7 @@
         <p:txBody>
           <a:bodyPr/>
           <a:p>
-            <a:fld id="{090C9B57-B20C-4C11-B3EA-8FFC9DF9CB40}" type="slidenum">
+            <a:fld id="{8EDAF94C-E4BB-4115-B44D-49BE0E33B562}" type="slidenum">
               <a:t>&lt;#&gt;</a:t>
             </a:fld>
           </a:p>
@@ -920,7 +920,7 @@
         <p:txBody>
           <a:bodyPr/>
           <a:p>
-            <a:fld id="{D028C9ED-12DA-4982-82FA-04420BC44428}" type="slidenum">
+            <a:fld id="{28220CBA-C854-42A6-BF12-6061A1811518}" type="slidenum">
               <a:t>&lt;#&gt;</a:t>
             </a:fld>
           </a:p>
@@ -1077,7 +1077,7 @@
         <p:txBody>
           <a:bodyPr/>
           <a:p>
-            <a:fld id="{BB5FF594-90D5-4DAD-9060-29A4E2A3698B}" type="slidenum">
+            <a:fld id="{4632ED60-13EA-4871-AC13-E9241160FA5A}" type="slidenum">
               <a:t>&lt;#&gt;</a:t>
             </a:fld>
           </a:p>
@@ -1231,7 +1231,7 @@
         <p:txBody>
           <a:bodyPr/>
           <a:p>
-            <a:fld id="{D9D37EA8-31B2-4F6E-AA0A-A6C4A92B96E9}" type="slidenum">
+            <a:fld id="{4C137BAF-43A0-4823-BF6B-2184D69C56DF}" type="slidenum">
               <a:t>&lt;#&gt;</a:t>
             </a:fld>
           </a:p>
@@ -1419,7 +1419,7 @@
         <p:txBody>
           <a:bodyPr/>
           <a:p>
-            <a:fld id="{1E0236D5-B29B-4F0B-A1B5-7405BD9FA66F}" type="slidenum">
+            <a:fld id="{CDD530EF-0542-4934-A5F7-26D087130BC9}" type="slidenum">
               <a:t>&lt;#&gt;</a:t>
             </a:fld>
           </a:p>
@@ -1539,7 +1539,7 @@
         <p:txBody>
           <a:bodyPr/>
           <a:p>
-            <a:fld id="{D7E41BCB-2E6C-45A4-A67E-CA872EAE368A}" type="slidenum">
+            <a:fld id="{074525DB-E80D-4224-9157-0A6D8DA77864}" type="slidenum">
               <a:t>&lt;#&gt;</a:t>
             </a:fld>
           </a:p>
@@ -1659,7 +1659,7 @@
         <p:txBody>
           <a:bodyPr/>
           <a:p>
-            <a:fld id="{224B5286-76A3-4C3F-9502-7874CAC0D7E7}" type="slidenum">
+            <a:fld id="{FB76AD69-4430-4A26-9DEC-BEA43CF4FE01}" type="slidenum">
               <a:t>&lt;#&gt;</a:t>
             </a:fld>
           </a:p>
@@ -1881,7 +1881,7 @@
         <p:txBody>
           <a:bodyPr/>
           <a:p>
-            <a:fld id="{5DD1AFB9-84B9-4C27-BC56-B5C574468916}" type="slidenum">
+            <a:fld id="{8D3DF665-66E6-4830-926E-9FC2414C972A}" type="slidenum">
               <a:t>&lt;#&gt;</a:t>
             </a:fld>
           </a:p>
@@ -2038,7 +2038,7 @@
         <p:txBody>
           <a:bodyPr/>
           <a:p>
-            <a:fld id="{C0861DCA-8983-422B-BDB5-FD5E7FDBA1AB}" type="slidenum">
+            <a:fld id="{0DC3C18F-64F3-40EA-98E5-4F4173235B47}" type="slidenum">
               <a:t>&lt;#&gt;</a:t>
             </a:fld>
           </a:p>
@@ -2260,7 +2260,7 @@
         <p:txBody>
           <a:bodyPr/>
           <a:p>
-            <a:fld id="{819939B8-4345-4D10-8DFE-067B6142D456}" type="slidenum">
+            <a:fld id="{E6886626-AB71-47AF-B619-E6F59335DC5A}" type="slidenum">
               <a:t>&lt;#&gt;</a:t>
             </a:fld>
           </a:p>
@@ -2482,7 +2482,7 @@
         <p:txBody>
           <a:bodyPr/>
           <a:p>
-            <a:fld id="{440EB18B-A7B8-434B-BCD4-772CC8B7D563}" type="slidenum">
+            <a:fld id="{9D2A3DE1-5CF1-4663-BF8A-84E473E8940E}" type="slidenum">
               <a:t>&lt;#&gt;</a:t>
             </a:fld>
           </a:p>
@@ -2670,7 +2670,7 @@
         <p:txBody>
           <a:bodyPr/>
           <a:p>
-            <a:fld id="{B6030D74-3810-4875-A749-C889C7F659A9}" type="slidenum">
+            <a:fld id="{5AF8A2E5-D789-4E8B-9D73-C83C97670955}" type="slidenum">
               <a:t>&lt;#&gt;</a:t>
             </a:fld>
           </a:p>
@@ -2926,7 +2926,7 @@
         <p:txBody>
           <a:bodyPr/>
           <a:p>
-            <a:fld id="{1A5A5D15-3562-4F15-987E-63CBF2A25C63}" type="slidenum">
+            <a:fld id="{2C718EDB-79D3-4021-97BD-A313F7511B6F}" type="slidenum">
               <a:t>&lt;#&gt;</a:t>
             </a:fld>
           </a:p>
@@ -3250,7 +3250,7 @@
         <p:txBody>
           <a:bodyPr/>
           <a:p>
-            <a:fld id="{0ED2FF13-67FB-4C36-8F23-9725CE025C06}" type="slidenum">
+            <a:fld id="{76CCE4A2-8E42-4A3F-A0B7-62A339C472DD}" type="slidenum">
               <a:t>&lt;#&gt;</a:t>
             </a:fld>
           </a:p>
@@ -3404,7 +3404,7 @@
         <p:txBody>
           <a:bodyPr/>
           <a:p>
-            <a:fld id="{AC8609A9-49AD-4A66-B03F-3064E4972415}" type="slidenum">
+            <a:fld id="{B937FC7D-7E3E-4AB0-AB57-BF83016086FE}" type="slidenum">
               <a:t>&lt;#&gt;</a:t>
             </a:fld>
           </a:p>
@@ -3592,7 +3592,7 @@
         <p:txBody>
           <a:bodyPr/>
           <a:p>
-            <a:fld id="{01EB5C57-F997-4D9C-82D9-FFC64E601B4F}" type="slidenum">
+            <a:fld id="{BC926940-2841-4D28-BC0E-763C8B1DD585}" type="slidenum">
               <a:t>&lt;#&gt;</a:t>
             </a:fld>
           </a:p>
@@ -3712,7 +3712,7 @@
         <p:txBody>
           <a:bodyPr/>
           <a:p>
-            <a:fld id="{3C5AF11C-3B77-4CC8-A4BC-B74313EB6719}" type="slidenum">
+            <a:fld id="{2AAF488B-5212-4A98-BBC3-0896CC5880AF}" type="slidenum">
               <a:t>&lt;#&gt;</a:t>
             </a:fld>
           </a:p>
@@ -3832,7 +3832,7 @@
         <p:txBody>
           <a:bodyPr/>
           <a:p>
-            <a:fld id="{4FED5BDC-C218-4B8E-94B0-DFAE77D9B83E}" type="slidenum">
+            <a:fld id="{AF74DF92-851A-4EAD-A157-1D6C9A64007A}" type="slidenum">
               <a:t>&lt;#&gt;</a:t>
             </a:fld>
           </a:p>
@@ -4054,7 +4054,7 @@
         <p:txBody>
           <a:bodyPr/>
           <a:p>
-            <a:fld id="{5912596E-1771-4A78-90B4-48CDA9039B37}" type="slidenum">
+            <a:fld id="{B40CA6F5-3933-493B-AA56-E01797F16B28}" type="slidenum">
               <a:t>&lt;#&gt;</a:t>
             </a:fld>
           </a:p>
@@ -4276,7 +4276,7 @@
         <p:txBody>
           <a:bodyPr/>
           <a:p>
-            <a:fld id="{89B90C59-BFFD-4EF9-BB2B-5A8B198DCF7B}" type="slidenum">
+            <a:fld id="{305229B2-B0BF-46EF-A625-C6BA045EBAF9}" type="slidenum">
               <a:t>&lt;#&gt;</a:t>
             </a:fld>
           </a:p>
@@ -4498,7 +4498,7 @@
         <p:txBody>
           <a:bodyPr/>
           <a:p>
-            <a:fld id="{936B9445-E42B-4F1B-A2B3-F456959563BD}" type="slidenum">
+            <a:fld id="{7EB875FA-34C4-4279-A889-87ECC9AA2F5E}" type="slidenum">
               <a:t>&lt;#&gt;</a:t>
             </a:fld>
           </a:p>
@@ -4919,14 +4919,14 @@
               </a:lnSpc>
               <a:buNone/>
             </a:pPr>
-            <a:fld id="{ABAE1C98-D6A2-466C-8509-98EEEA855108}" type="slidenum">
+            <a:fld id="{6B5672DB-C00D-48EF-9C01-8D0EC42E2A67}" type="slidenum">
               <a:rPr b="1" lang="en-US" sz="1600" spc="126" strike="noStrike">
                 <a:solidFill>
                   <a:srgbClr val="ffffff"/>
                 </a:solidFill>
                 <a:latin typeface="Meiryo"/>
               </a:rPr>
-              <a:t>&lt;number&gt;</a:t>
+              <a:t>6</a:t>
             </a:fld>
             <a:endParaRPr b="0" lang="it-IT" sz="1600" spc="-1" strike="noStrike">
               <a:latin typeface="Times New Roman"/>
@@ -4973,7 +4973,7 @@
               <a:rPr b="0" lang="it-IT" sz="1400" spc="-1" strike="noStrike">
                 <a:latin typeface="Times New Roman"/>
               </a:rPr>
-              <a:t>&lt;date/time&gt;</a:t>
+              <a:t> </a:t>
             </a:r>
             <a:endParaRPr b="0" lang="it-IT" sz="1400" spc="-1" strike="noStrike">
               <a:latin typeface="Times New Roman"/>
@@ -5654,7 +5654,7 @@
               </a:lnSpc>
               <a:buNone/>
             </a:pPr>
-            <a:fld id="{2635022F-2596-4760-8EAB-E63DF04D7A18}" type="slidenum">
+            <a:fld id="{26927FF1-4FAB-45CB-832A-465A13196E39}" type="slidenum">
               <a:rPr b="1" lang="en-US" sz="1600" spc="126" strike="noStrike">
                 <a:solidFill>
                   <a:srgbClr val="404040"/>
@@ -6499,14 +6499,14 @@
               </a:lnSpc>
               <a:buNone/>
             </a:pPr>
-            <a:fld id="{FB3880A6-CCEE-4C0E-A3E5-C4D665FF4217}" type="slidenum">
+            <a:fld id="{C52F731E-54A5-42E7-91E3-988AE1503D6F}" type="slidenum">
               <a:rPr b="1" lang="en-US" sz="1600" spc="126" strike="noStrike">
                 <a:solidFill>
                   <a:srgbClr val="ffffff"/>
                 </a:solidFill>
                 <a:latin typeface="Meiryo"/>
               </a:rPr>
-              <a:t>&lt;number&gt;</a:t>
+              <a:t>1</a:t>
             </a:fld>
             <a:endParaRPr b="0" lang="it-IT" sz="1600" spc="-1" strike="noStrike">
               <a:latin typeface="Times New Roman"/>
@@ -6641,14 +6641,14 @@
               </a:lnSpc>
               <a:buNone/>
             </a:pPr>
-            <a:fld id="{2761C244-95BD-4B88-BD3B-134D595D003F}" type="slidenum">
+            <a:fld id="{E7672E59-3DF7-4C46-B7FC-EA4509BC7F1D}" type="slidenum">
               <a:rPr b="1" lang="en-US" sz="1600" spc="126" strike="noStrike">
                 <a:solidFill>
                   <a:srgbClr val="404040"/>
                 </a:solidFill>
                 <a:latin typeface="Meiryo"/>
               </a:rPr>
-              <a:t>&lt;number&gt;</a:t>
+              <a:t>1</a:t>
             </a:fld>
             <a:endParaRPr b="0" lang="it-IT" sz="1600" spc="-1" strike="noStrike">
               <a:latin typeface="Times New Roman"/>
@@ -6950,14 +6950,14 @@
               </a:lnSpc>
               <a:buNone/>
             </a:pPr>
-            <a:fld id="{E48CC420-E5DA-40E7-A62A-AFDDA032C324}" type="slidenum">
+            <a:fld id="{51AA9902-3C33-418C-8CB8-F8B7A7AADB2D}" type="slidenum">
               <a:rPr b="1" lang="en-US" sz="1600" spc="126" strike="noStrike">
                 <a:solidFill>
                   <a:srgbClr val="404040"/>
                 </a:solidFill>
                 <a:latin typeface="Meiryo"/>
               </a:rPr>
-              <a:t>&lt;number&gt;</a:t>
+              <a:t>1</a:t>
             </a:fld>
             <a:endParaRPr b="0" lang="it-IT" sz="1600" spc="-1" strike="noStrike">
               <a:latin typeface="Times New Roman"/>
@@ -7107,7 +7107,7 @@
                 <a:latin typeface="Meiryo"/>
                 <a:ea typeface="DejaVu Sans"/>
               </a:rPr>
-              <a:t>Place a drop of ink on the physical artwork: </a:t>
+              <a:t>Place a drop of ink on the physical artwork </a:t>
             </a:r>
             <a:endParaRPr b="0" lang="it-IT" sz="2400" spc="-1" strike="noStrike">
               <a:latin typeface="Arial"/>
@@ -7448,14 +7448,14 @@
               </a:lnSpc>
               <a:buNone/>
             </a:pPr>
-            <a:fld id="{8A98A494-6115-4664-8394-01C392C87F1F}" type="slidenum">
+            <a:fld id="{AA9DD5F4-470E-4EDF-B118-713B97BE2726}" type="slidenum">
               <a:rPr b="1" lang="en-US" sz="1600" spc="126" strike="noStrike">
                 <a:solidFill>
                   <a:srgbClr val="404040"/>
                 </a:solidFill>
                 <a:latin typeface="Meiryo"/>
               </a:rPr>
-              <a:t>&lt;number&gt;</a:t>
+              <a:t>1</a:t>
             </a:fld>
             <a:endParaRPr b="0" lang="it-IT" sz="1600" spc="-1" strike="noStrike">
               <a:latin typeface="Times New Roman"/>
@@ -7596,7 +7596,7 @@
                 <a:latin typeface="Meiryo"/>
                 <a:ea typeface="DejaVu Sans"/>
               </a:rPr>
-              <a:t>Artwork Owner: Insert Mark in blockchain  (cartridge id and ink position on the artwork)</a:t>
+              <a:t>Artwork Owner: Insert Mark in blockchain  (cartridge identifier and ink position on the artwork)</a:t>
             </a:r>
             <a:endParaRPr b="0" lang="it-IT" sz="2400" spc="-1" strike="noStrike">
               <a:latin typeface="Arial"/>
@@ -7780,7 +7780,7 @@
               </a:lnSpc>
               <a:buNone/>
             </a:pPr>
-            <a:fld id="{2B93AF47-F159-4994-9C7E-B5368558A848}" type="slidenum">
+            <a:fld id="{51FC3D9F-80D6-44BD-9D1A-194C09AD58E2}" type="slidenum">
               <a:rPr b="1" lang="en-US" sz="1600" spc="126" strike="noStrike">
                 <a:solidFill>
                   <a:srgbClr val="404040"/>
@@ -7860,6 +7860,29 @@
           </a:p>
         </p:txBody>
       </p:sp>
+      <p:pic>
+        <p:nvPicPr>
+          <p:cNvPr id="122" name="" descr=""/>
+          <p:cNvPicPr/>
+          <p:nvPr/>
+        </p:nvPicPr>
+        <p:blipFill>
+          <a:blip r:embed="rId1"/>
+          <a:stretch/>
+        </p:blipFill>
+        <p:spPr>
+          <a:xfrm>
+            <a:off x="2744280" y="342360"/>
+            <a:ext cx="6702840" cy="6857640"/>
+          </a:xfrm>
+          <a:prstGeom prst="rect">
+            <a:avLst/>
+          </a:prstGeom>
+          <a:ln w="0">
+            <a:noFill/>
+          </a:ln>
+        </p:spPr>
+      </p:pic>
     </p:spTree>
   </p:cSld>
   <mc:AlternateContent>
@@ -7892,7 +7915,7 @@
       </p:grpSpPr>
       <p:sp>
         <p:nvSpPr>
-          <p:cNvPr id="122" name="PlaceHolder 1"/>
+          <p:cNvPr id="123" name="PlaceHolder 1"/>
           <p:cNvSpPr>
             <a:spLocks noGrp="1"/>
           </p:cNvSpPr>
@@ -7931,7 +7954,7 @@
                 </a:solidFill>
                 <a:latin typeface="Meiryo"/>
               </a:rPr>
-              <a:t>Real Product needs</a:t>
+              <a:t>Final Product needs</a:t>
             </a:r>
             <a:endParaRPr b="0" lang="it-IT" sz="3600" spc="-1" strike="noStrike">
               <a:latin typeface="Arial"/>
@@ -7941,7 +7964,7 @@
       </p:sp>
       <p:sp>
         <p:nvSpPr>
-          <p:cNvPr id="123" name="PlaceHolder 2"/>
+          <p:cNvPr id="124" name="PlaceHolder 2"/>
           <p:cNvSpPr>
             <a:spLocks noGrp="1"/>
           </p:cNvSpPr>
@@ -7987,7 +8010,7 @@
               </a:lnSpc>
               <a:buNone/>
             </a:pPr>
-            <a:fld id="{8A071269-B9C0-4AC9-A551-24D9147F00D8}" type="slidenum">
+            <a:fld id="{EA489399-D800-4C1C-8B07-306DB5513744}" type="slidenum">
               <a:rPr b="1" lang="en-US" sz="1600" spc="126" strike="noStrike">
                 <a:solidFill>
                   <a:srgbClr val="404040"/>
@@ -8004,14 +8027,14 @@
       </p:sp>
       <p:sp>
         <p:nvSpPr>
-          <p:cNvPr id="124" name="CasellaDiTesto 4"/>
+          <p:cNvPr id="125" name="CasellaDiTesto 4"/>
           <p:cNvSpPr/>
           <p:nvPr/>
         </p:nvSpPr>
         <p:spPr>
           <a:xfrm>
             <a:off x="528840" y="1441080"/>
-            <a:ext cx="11017080" cy="4524840"/>
+            <a:ext cx="11017080" cy="4911120"/>
           </a:xfrm>
           <a:prstGeom prst="rect">
             <a:avLst/>
@@ -8138,7 +8161,27 @@
                 <a:latin typeface="Meiryo"/>
                 <a:ea typeface="DejaVu Sans"/>
               </a:rPr>
-              <a:t>Cartridge ans Services Purchase: prefer Fiat money over crypto (ICME Labs, Quark), or on ramp solutions (alchemy, banxa, onramp.money)</a:t>
+              <a:t>Cartridge and Services Purchase: prefer Fiat money over crypto using </a:t>
+            </a:r>
+            <a:r>
+              <a:rPr b="0" i="1" lang="it-IT" sz="2400" spc="-1" strike="noStrike">
+                <a:solidFill>
+                  <a:srgbClr val="000000"/>
+                </a:solidFill>
+                <a:latin typeface="Meiryo"/>
+                <a:ea typeface="DejaVu Sans"/>
+              </a:rPr>
+              <a:t>on ramp</a:t>
+            </a:r>
+            <a:r>
+              <a:rPr b="0" lang="it-IT" sz="2400" spc="-1" strike="noStrike">
+                <a:solidFill>
+                  <a:srgbClr val="000000"/>
+                </a:solidFill>
+                <a:latin typeface="Meiryo"/>
+                <a:ea typeface="DejaVu Sans"/>
+              </a:rPr>
+              <a:t> solutions (alchemy, banxa, onramp.money), like Yuku.io</a:t>
             </a:r>
             <a:endParaRPr b="0" lang="it-IT" sz="2400" spc="-1" strike="noStrike">
               <a:latin typeface="Arial"/>
@@ -8170,7 +8213,7 @@
                 <a:latin typeface="Meiryo"/>
                 <a:ea typeface="DejaVu Sans"/>
               </a:rPr>
-              <a:t>KYC</a:t>
+              <a:t>KYC for physical delivery of cardridges</a:t>
             </a:r>
             <a:endParaRPr b="0" lang="it-IT" sz="2400" spc="-1" strike="noStrike">
               <a:latin typeface="Arial"/>
@@ -8202,7 +8245,7 @@
                 <a:latin typeface="Meiryo"/>
                 <a:ea typeface="DejaVu Sans"/>
               </a:rPr>
-              <a:t>Build Trust:</a:t>
+              <a:t>Enforce Trust and Privacy:</a:t>
             </a:r>
             <a:endParaRPr b="0" lang="it-IT" sz="2400" spc="-1" strike="noStrike">
               <a:latin typeface="Arial"/>
@@ -8234,7 +8277,39 @@
                 <a:latin typeface="Meiryo"/>
                 <a:ea typeface="DejaVu Sans"/>
               </a:rPr>
-              <a:t>Certified Assets</a:t>
+              <a:t>IC Certified Assets</a:t>
+            </a:r>
+            <a:endParaRPr b="0" lang="it-IT" sz="2400" spc="-1" strike="noStrike">
+              <a:latin typeface="Arial"/>
+            </a:endParaRPr>
+          </a:p>
+          <a:p>
+            <a:pPr lvl="1" marL="432000" indent="-216000" algn="just">
+              <a:lnSpc>
+                <a:spcPct val="90000"/>
+              </a:lnSpc>
+              <a:spcBef>
+                <a:spcPts val="451"/>
+              </a:spcBef>
+              <a:buClr>
+                <a:srgbClr val="000000"/>
+              </a:buClr>
+              <a:buSzPct val="45000"/>
+              <a:buFont typeface="Wingdings" charset="2"/>
+              <a:buChar char=""/>
+              <a:tabLst>
+                <a:tab algn="l" pos="0"/>
+              </a:tabLst>
+            </a:pPr>
+            <a:r>
+              <a:rPr b="0" lang="it-IT" sz="2400" spc="-1" strike="noStrike">
+                <a:solidFill>
+                  <a:srgbClr val="000000"/>
+                </a:solidFill>
+                <a:latin typeface="Meiryo"/>
+                <a:ea typeface="DejaVu Sans"/>
+              </a:rPr>
+              <a:t>Encryption (Vet keys?)</a:t>
             </a:r>
             <a:endParaRPr b="0" lang="it-IT" sz="2400" spc="-1" strike="noStrike">
               <a:latin typeface="Arial"/>

--- a/src/docs/presentations/21maggio.pptx
+++ b/src/docs/presentations/21maggio.pptx
@@ -69,7 +69,7 @@
         <p:txBody>
           <a:bodyPr/>
           <a:p>
-            <a:fld id="{213E653F-020F-4F83-8C87-3714D54741DE}" type="slidenum">
+            <a:fld id="{8EEB8668-16C9-4082-9937-86B4B4BDAE56}" type="slidenum">
               <a:t>&lt;#&gt;</a:t>
             </a:fld>
           </a:p>
@@ -257,7 +257,7 @@
         <p:txBody>
           <a:bodyPr/>
           <a:p>
-            <a:fld id="{B1AF9F48-E029-45C5-AC3F-2135BED2829E}" type="slidenum">
+            <a:fld id="{4BE7F892-1838-4C73-81E9-6EF70F73E2C8}" type="slidenum">
               <a:t>&lt;#&gt;</a:t>
             </a:fld>
           </a:p>
@@ -513,7 +513,7 @@
         <p:txBody>
           <a:bodyPr/>
           <a:p>
-            <a:fld id="{32CF131A-2E0D-4596-9CB6-EA586B735040}" type="slidenum">
+            <a:fld id="{DC7407A8-6F5B-45AE-8872-765FF74E752D}" type="slidenum">
               <a:t>&lt;#&gt;</a:t>
             </a:fld>
           </a:p>
@@ -837,7 +837,7 @@
         <p:txBody>
           <a:bodyPr/>
           <a:p>
-            <a:fld id="{8EDAF94C-E4BB-4115-B44D-49BE0E33B562}" type="slidenum">
+            <a:fld id="{A31300BC-D91D-48D3-8843-15F4B53CCD00}" type="slidenum">
               <a:t>&lt;#&gt;</a:t>
             </a:fld>
           </a:p>
@@ -920,7 +920,7 @@
         <p:txBody>
           <a:bodyPr/>
           <a:p>
-            <a:fld id="{28220CBA-C854-42A6-BF12-6061A1811518}" type="slidenum">
+            <a:fld id="{890014B5-F78D-425B-B025-C371F7B81AE6}" type="slidenum">
               <a:t>&lt;#&gt;</a:t>
             </a:fld>
           </a:p>
@@ -1077,7 +1077,7 @@
         <p:txBody>
           <a:bodyPr/>
           <a:p>
-            <a:fld id="{4632ED60-13EA-4871-AC13-E9241160FA5A}" type="slidenum">
+            <a:fld id="{5FB54A25-3AE7-4DA1-93F4-BB854E51C43B}" type="slidenum">
               <a:t>&lt;#&gt;</a:t>
             </a:fld>
           </a:p>
@@ -1231,7 +1231,7 @@
         <p:txBody>
           <a:bodyPr/>
           <a:p>
-            <a:fld id="{4C137BAF-43A0-4823-BF6B-2184D69C56DF}" type="slidenum">
+            <a:fld id="{044EE76E-C4F8-4233-BA4F-EE7FAD58E70B}" type="slidenum">
               <a:t>&lt;#&gt;</a:t>
             </a:fld>
           </a:p>
@@ -1419,7 +1419,7 @@
         <p:txBody>
           <a:bodyPr/>
           <a:p>
-            <a:fld id="{CDD530EF-0542-4934-A5F7-26D087130BC9}" type="slidenum">
+            <a:fld id="{9B9776FF-B0CF-4EBC-9740-53758D62EF43}" type="slidenum">
               <a:t>&lt;#&gt;</a:t>
             </a:fld>
           </a:p>
@@ -1539,7 +1539,7 @@
         <p:txBody>
           <a:bodyPr/>
           <a:p>
-            <a:fld id="{074525DB-E80D-4224-9157-0A6D8DA77864}" type="slidenum">
+            <a:fld id="{BF28877A-C4B8-4C58-A777-BBC095501AE9}" type="slidenum">
               <a:t>&lt;#&gt;</a:t>
             </a:fld>
           </a:p>
@@ -1659,7 +1659,7 @@
         <p:txBody>
           <a:bodyPr/>
           <a:p>
-            <a:fld id="{FB76AD69-4430-4A26-9DEC-BEA43CF4FE01}" type="slidenum">
+            <a:fld id="{6D537161-0517-45E8-ADAE-811B70E19E53}" type="slidenum">
               <a:t>&lt;#&gt;</a:t>
             </a:fld>
           </a:p>
@@ -1881,7 +1881,7 @@
         <p:txBody>
           <a:bodyPr/>
           <a:p>
-            <a:fld id="{8D3DF665-66E6-4830-926E-9FC2414C972A}" type="slidenum">
+            <a:fld id="{7F6513D2-45B1-4F3B-922B-42322FDFE1F8}" type="slidenum">
               <a:t>&lt;#&gt;</a:t>
             </a:fld>
           </a:p>
@@ -2038,7 +2038,7 @@
         <p:txBody>
           <a:bodyPr/>
           <a:p>
-            <a:fld id="{0DC3C18F-64F3-40EA-98E5-4F4173235B47}" type="slidenum">
+            <a:fld id="{0BD299E0-47DE-4706-8D98-2873784659D0}" type="slidenum">
               <a:t>&lt;#&gt;</a:t>
             </a:fld>
           </a:p>
@@ -2260,7 +2260,7 @@
         <p:txBody>
           <a:bodyPr/>
           <a:p>
-            <a:fld id="{E6886626-AB71-47AF-B619-E6F59335DC5A}" type="slidenum">
+            <a:fld id="{64BBC044-A866-4490-842E-3BF2FCBE0442}" type="slidenum">
               <a:t>&lt;#&gt;</a:t>
             </a:fld>
           </a:p>
@@ -2482,7 +2482,7 @@
         <p:txBody>
           <a:bodyPr/>
           <a:p>
-            <a:fld id="{9D2A3DE1-5CF1-4663-BF8A-84E473E8940E}" type="slidenum">
+            <a:fld id="{4A17AA8F-42B0-41DE-A02C-6357B13280D6}" type="slidenum">
               <a:t>&lt;#&gt;</a:t>
             </a:fld>
           </a:p>
@@ -2670,7 +2670,7 @@
         <p:txBody>
           <a:bodyPr/>
           <a:p>
-            <a:fld id="{5AF8A2E5-D789-4E8B-9D73-C83C97670955}" type="slidenum">
+            <a:fld id="{FCBBA52D-8830-4B07-87C8-FD9569588F82}" type="slidenum">
               <a:t>&lt;#&gt;</a:t>
             </a:fld>
           </a:p>
@@ -2926,7 +2926,7 @@
         <p:txBody>
           <a:bodyPr/>
           <a:p>
-            <a:fld id="{2C718EDB-79D3-4021-97BD-A313F7511B6F}" type="slidenum">
+            <a:fld id="{2FC48882-E278-4137-B527-6DB4F79D6E81}" type="slidenum">
               <a:t>&lt;#&gt;</a:t>
             </a:fld>
           </a:p>
@@ -3250,7 +3250,7 @@
         <p:txBody>
           <a:bodyPr/>
           <a:p>
-            <a:fld id="{76CCE4A2-8E42-4A3F-A0B7-62A339C472DD}" type="slidenum">
+            <a:fld id="{C8EC868C-FD9C-4038-ACFE-BD2619A1179E}" type="slidenum">
               <a:t>&lt;#&gt;</a:t>
             </a:fld>
           </a:p>
@@ -3404,7 +3404,7 @@
         <p:txBody>
           <a:bodyPr/>
           <a:p>
-            <a:fld id="{B937FC7D-7E3E-4AB0-AB57-BF83016086FE}" type="slidenum">
+            <a:fld id="{6346C029-AB1E-40E7-AB43-FDDB8E2A7EDA}" type="slidenum">
               <a:t>&lt;#&gt;</a:t>
             </a:fld>
           </a:p>
@@ -3592,7 +3592,7 @@
         <p:txBody>
           <a:bodyPr/>
           <a:p>
-            <a:fld id="{BC926940-2841-4D28-BC0E-763C8B1DD585}" type="slidenum">
+            <a:fld id="{466E48A1-A93F-4DC9-A608-F54C400DCF8C}" type="slidenum">
               <a:t>&lt;#&gt;</a:t>
             </a:fld>
           </a:p>
@@ -3712,7 +3712,7 @@
         <p:txBody>
           <a:bodyPr/>
           <a:p>
-            <a:fld id="{2AAF488B-5212-4A98-BBC3-0896CC5880AF}" type="slidenum">
+            <a:fld id="{80C43043-B775-49B5-9D33-453022ADA598}" type="slidenum">
               <a:t>&lt;#&gt;</a:t>
             </a:fld>
           </a:p>
@@ -3832,7 +3832,7 @@
         <p:txBody>
           <a:bodyPr/>
           <a:p>
-            <a:fld id="{AF74DF92-851A-4EAD-A157-1D6C9A64007A}" type="slidenum">
+            <a:fld id="{83374148-A62F-45B7-A5A1-673773CCE02A}" type="slidenum">
               <a:t>&lt;#&gt;</a:t>
             </a:fld>
           </a:p>
@@ -4054,7 +4054,7 @@
         <p:txBody>
           <a:bodyPr/>
           <a:p>
-            <a:fld id="{B40CA6F5-3933-493B-AA56-E01797F16B28}" type="slidenum">
+            <a:fld id="{19574019-3138-49C0-A599-7D26826C6055}" type="slidenum">
               <a:t>&lt;#&gt;</a:t>
             </a:fld>
           </a:p>
@@ -4276,7 +4276,7 @@
         <p:txBody>
           <a:bodyPr/>
           <a:p>
-            <a:fld id="{305229B2-B0BF-46EF-A625-C6BA045EBAF9}" type="slidenum">
+            <a:fld id="{4456662C-2770-4CAD-9530-2D8A104DF71B}" type="slidenum">
               <a:t>&lt;#&gt;</a:t>
             </a:fld>
           </a:p>
@@ -4498,7 +4498,7 @@
         <p:txBody>
           <a:bodyPr/>
           <a:p>
-            <a:fld id="{7EB875FA-34C4-4279-A889-87ECC9AA2F5E}" type="slidenum">
+            <a:fld id="{A11ABC20-6C91-413F-84B8-2AE3BB42EB06}" type="slidenum">
               <a:t>&lt;#&gt;</a:t>
             </a:fld>
           </a:p>
@@ -4563,7 +4563,7 @@
         <p:spPr>
           <a:xfrm>
             <a:off x="4718160" y="0"/>
-            <a:ext cx="7470360" cy="6854760"/>
+            <a:ext cx="7469640" cy="6854040"/>
           </a:xfrm>
           <a:prstGeom prst="rect">
             <a:avLst/>
@@ -4601,7 +4601,7 @@
         <p:spPr>
           <a:xfrm rot="5400000">
             <a:off x="1257120" y="3396960"/>
-            <a:ext cx="6854760" cy="60840"/>
+            <a:ext cx="6854040" cy="60120"/>
           </a:xfrm>
           <a:prstGeom prst="rect">
             <a:avLst/>
@@ -4636,8 +4636,8 @@
         </p:nvSpPr>
         <p:spPr>
           <a:xfrm flipH="1">
-            <a:off x="-2880" y="0"/>
-            <a:ext cx="12188880" cy="6854760"/>
+            <a:off x="-3600" y="0"/>
+            <a:ext cx="12188160" cy="6854040"/>
           </a:xfrm>
           <a:prstGeom prst="rect">
             <a:avLst/>
@@ -4673,7 +4673,7 @@
         <p:spPr>
           <a:xfrm>
             <a:off x="0" y="825840"/>
-            <a:ext cx="6792840" cy="2590920"/>
+            <a:ext cx="6792120" cy="2590200"/>
           </a:xfrm>
           <a:prstGeom prst="rect">
             <a:avLst/>
@@ -4709,7 +4709,7 @@
         <p:spPr>
           <a:xfrm>
             <a:off x="0" y="889560"/>
-            <a:ext cx="1067400" cy="2463120"/>
+            <a:ext cx="1066680" cy="2462400"/>
           </a:xfrm>
           <a:prstGeom prst="rect">
             <a:avLst/>
@@ -4744,8 +4744,8 @@
         </p:nvSpPr>
         <p:spPr>
           <a:xfrm rot="5400000">
-            <a:off x="-2361960" y="3396960"/>
-            <a:ext cx="6854760" cy="60840"/>
+            <a:off x="-2361240" y="3396960"/>
+            <a:ext cx="6854040" cy="60120"/>
           </a:xfrm>
           <a:prstGeom prst="rect">
             <a:avLst/>
@@ -4781,7 +4781,7 @@
         <p:spPr>
           <a:xfrm rot="5400000">
             <a:off x="3398760" y="3396960"/>
-            <a:ext cx="6854760" cy="60840"/>
+            <a:ext cx="6854040" cy="60120"/>
           </a:xfrm>
           <a:prstGeom prst="rect">
             <a:avLst/>
@@ -4821,7 +4821,7 @@
         <p:spPr>
           <a:xfrm>
             <a:off x="1635120" y="6309360"/>
-            <a:ext cx="4794120" cy="453960"/>
+            <a:ext cx="4793400" cy="453240"/>
           </a:xfrm>
           <a:prstGeom prst="rect">
             <a:avLst/>
@@ -4841,7 +4841,7 @@
                 <a:spcPct val="100000"/>
               </a:lnSpc>
               <a:buNone/>
-              <a:defRPr b="0" lang="en-GB" sz="1200" spc="126" strike="noStrike">
+              <a:defRPr b="0" lang="en-GB" sz="1200" spc="120" strike="noStrike">
                 <a:solidFill>
                   <a:srgbClr val="404040"/>
                 </a:solidFill>
@@ -4857,13 +4857,13 @@
               <a:buNone/>
             </a:pPr>
             <a:r>
-              <a:rPr b="0" lang="en-GB" sz="1200" spc="126" strike="noStrike">
+              <a:rPr b="0" lang="en-GB" sz="1200" spc="120" strike="noStrike">
                 <a:solidFill>
                   <a:srgbClr val="404040"/>
                 </a:solidFill>
                 <a:latin typeface="Meiryo"/>
               </a:rPr>
-              <a:t> </a:t>
+              <a:t>&lt;footer&gt;</a:t>
             </a:r>
             <a:endParaRPr b="0" lang="it-IT" sz="1200" spc="-1" strike="noStrike">
               <a:latin typeface="Times New Roman"/>
@@ -4884,7 +4884,7 @@
         <p:spPr>
           <a:xfrm>
             <a:off x="10569240" y="6309360"/>
-            <a:ext cx="976680" cy="453960"/>
+            <a:ext cx="975960" cy="453240"/>
           </a:xfrm>
           <a:prstGeom prst="rect">
             <a:avLst/>
@@ -4904,7 +4904,7 @@
                 <a:spcPct val="100000"/>
               </a:lnSpc>
               <a:buNone/>
-              <a:defRPr b="1" lang="en-US" sz="1600" spc="126" strike="noStrike">
+              <a:defRPr b="1" lang="en-US" sz="1600" spc="120" strike="noStrike">
                 <a:solidFill>
                   <a:srgbClr val="ffffff"/>
                 </a:solidFill>
@@ -4919,14 +4919,14 @@
               </a:lnSpc>
               <a:buNone/>
             </a:pPr>
-            <a:fld id="{6B5672DB-C00D-48EF-9C01-8D0EC42E2A67}" type="slidenum">
-              <a:rPr b="1" lang="en-US" sz="1600" spc="126" strike="noStrike">
+            <a:fld id="{22B5B8A3-50E6-421E-B0E5-1D45B3D49FE6}" type="slidenum">
+              <a:rPr b="1" lang="en-US" sz="1600" spc="120" strike="noStrike">
                 <a:solidFill>
                   <a:srgbClr val="ffffff"/>
                 </a:solidFill>
                 <a:latin typeface="Meiryo"/>
               </a:rPr>
-              <a:t>6</a:t>
+              <a:t>&lt;number&gt;</a:t>
             </a:fld>
             <a:endParaRPr b="0" lang="it-IT" sz="1600" spc="-1" strike="noStrike">
               <a:latin typeface="Times New Roman"/>
@@ -4947,7 +4947,7 @@
         <p:spPr>
           <a:xfrm>
             <a:off x="8197200" y="6309360"/>
-            <a:ext cx="2147760" cy="453960"/>
+            <a:ext cx="2147040" cy="453240"/>
           </a:xfrm>
           <a:prstGeom prst="rect">
             <a:avLst/>
@@ -4973,7 +4973,7 @@
               <a:rPr b="0" lang="it-IT" sz="1400" spc="-1" strike="noStrike">
                 <a:latin typeface="Times New Roman"/>
               </a:rPr>
-              <a:t> </a:t>
+              <a:t>&lt;date/time&gt;</a:t>
             </a:r>
             <a:endParaRPr b="0" lang="it-IT" sz="1400" spc="-1" strike="noStrike">
               <a:latin typeface="Times New Roman"/>
@@ -5260,7 +5260,7 @@
         <p:spPr>
           <a:xfrm>
             <a:off x="4718160" y="0"/>
-            <a:ext cx="7470360" cy="6854760"/>
+            <a:ext cx="7469640" cy="6854040"/>
           </a:xfrm>
           <a:prstGeom prst="rect">
             <a:avLst/>
@@ -5298,7 +5298,7 @@
         <p:spPr>
           <a:xfrm rot="5400000">
             <a:off x="1257120" y="3396960"/>
-            <a:ext cx="6854760" cy="60840"/>
+            <a:ext cx="6854040" cy="60120"/>
           </a:xfrm>
           <a:prstGeom prst="rect">
             <a:avLst/>
@@ -5334,7 +5334,7 @@
         <p:spPr>
           <a:xfrm>
             <a:off x="0" y="0"/>
-            <a:ext cx="12185640" cy="6854760"/>
+            <a:ext cx="12184920" cy="6854040"/>
           </a:xfrm>
           <a:prstGeom prst="rect">
             <a:avLst/>
@@ -5370,7 +5370,7 @@
         <p:spPr>
           <a:xfrm>
             <a:off x="0" y="3960"/>
-            <a:ext cx="12188880" cy="1344600"/>
+            <a:ext cx="12188160" cy="1343880"/>
           </a:xfrm>
           <a:prstGeom prst="rect">
             <a:avLst/>
@@ -5406,7 +5406,7 @@
         <p:spPr>
           <a:xfrm>
             <a:off x="0" y="1351440"/>
-            <a:ext cx="12188880" cy="4746240"/>
+            <a:ext cx="12188160" cy="4745520"/>
           </a:xfrm>
           <a:prstGeom prst="rect">
             <a:avLst/>
@@ -5444,7 +5444,7 @@
         <p:spPr>
           <a:xfrm>
             <a:off x="0" y="6107760"/>
-            <a:ext cx="4647960" cy="747000"/>
+            <a:ext cx="4647240" cy="746280"/>
           </a:xfrm>
           <a:prstGeom prst="rect">
             <a:avLst/>
@@ -5480,7 +5480,7 @@
         <p:spPr>
           <a:xfrm>
             <a:off x="1440" y="6101280"/>
-            <a:ext cx="12185640" cy="60840"/>
+            <a:ext cx="12184920" cy="60120"/>
           </a:xfrm>
           <a:prstGeom prst="rect">
             <a:avLst/>
@@ -5516,7 +5516,7 @@
         <p:spPr>
           <a:xfrm>
             <a:off x="4633920" y="6117480"/>
-            <a:ext cx="60840" cy="737280"/>
+            <a:ext cx="60120" cy="736560"/>
           </a:xfrm>
           <a:prstGeom prst="rect">
             <a:avLst/>
@@ -5556,7 +5556,7 @@
         <p:spPr>
           <a:xfrm>
             <a:off x="642960" y="6309360"/>
-            <a:ext cx="3420720" cy="453960"/>
+            <a:ext cx="3420000" cy="453240"/>
           </a:xfrm>
           <a:prstGeom prst="rect">
             <a:avLst/>
@@ -5576,7 +5576,7 @@
                 <a:spcPct val="100000"/>
               </a:lnSpc>
               <a:buNone/>
-              <a:defRPr b="0" lang="en-GB" sz="1200" spc="126" strike="noStrike">
+              <a:defRPr b="0" lang="en-GB" sz="1200" spc="120" strike="noStrike">
                 <a:solidFill>
                   <a:srgbClr val="ffffff"/>
                 </a:solidFill>
@@ -5592,7 +5592,7 @@
               <a:buNone/>
             </a:pPr>
             <a:r>
-              <a:rPr b="0" lang="en-GB" sz="1200" spc="126" strike="noStrike">
+              <a:rPr b="0" lang="en-GB" sz="1200" spc="120" strike="noStrike">
                 <a:solidFill>
                   <a:srgbClr val="ffffff"/>
                 </a:solidFill>
@@ -5619,7 +5619,7 @@
         <p:spPr>
           <a:xfrm>
             <a:off x="10569240" y="6309360"/>
-            <a:ext cx="976680" cy="453960"/>
+            <a:ext cx="975960" cy="453240"/>
           </a:xfrm>
           <a:prstGeom prst="rect">
             <a:avLst/>
@@ -5639,7 +5639,7 @@
                 <a:spcPct val="100000"/>
               </a:lnSpc>
               <a:buNone/>
-              <a:defRPr b="1" lang="en-US" sz="1600" spc="126" strike="noStrike">
+              <a:defRPr b="1" lang="en-US" sz="1600" spc="120" strike="noStrike">
                 <a:solidFill>
                   <a:srgbClr val="404040"/>
                 </a:solidFill>
@@ -5654,8 +5654,8 @@
               </a:lnSpc>
               <a:buNone/>
             </a:pPr>
-            <a:fld id="{26927FF1-4FAB-45CB-832A-465A13196E39}" type="slidenum">
-              <a:rPr b="1" lang="en-US" sz="1600" spc="126" strike="noStrike">
+            <a:fld id="{826858B0-701D-43BC-8BA9-B57CB158EB0A}" type="slidenum">
+              <a:rPr b="1" lang="en-US" sz="1600" spc="120" strike="noStrike">
                 <a:solidFill>
                   <a:srgbClr val="404040"/>
                 </a:solidFill>
@@ -5682,7 +5682,7 @@
         <p:spPr>
           <a:xfrm>
             <a:off x="5373720" y="6309360"/>
-            <a:ext cx="3408840" cy="453960"/>
+            <a:ext cx="3408120" cy="453240"/>
           </a:xfrm>
           <a:prstGeom prst="rect">
             <a:avLst/>
@@ -5995,7 +5995,7 @@
         <p:spPr>
           <a:xfrm>
             <a:off x="7573680" y="0"/>
-            <a:ext cx="4614840" cy="6854760"/>
+            <a:ext cx="4614120" cy="6854040"/>
           </a:xfrm>
           <a:prstGeom prst="rect">
             <a:avLst/>
@@ -6083,7 +6083,7 @@
         <p:spPr>
           <a:xfrm rot="5400000">
             <a:off x="4101120" y="3396960"/>
-            <a:ext cx="6854760" cy="60840"/>
+            <a:ext cx="6854040" cy="60120"/>
           </a:xfrm>
           <a:prstGeom prst="rect">
             <a:avLst/>
@@ -6118,8 +6118,8 @@
         </p:nvSpPr>
         <p:spPr>
           <a:xfrm flipH="1">
-            <a:off x="719280" y="-540000"/>
-            <a:ext cx="12188880" cy="6854760"/>
+            <a:off x="718560" y="-540000"/>
+            <a:ext cx="12188160" cy="6854040"/>
           </a:xfrm>
           <a:prstGeom prst="rect">
             <a:avLst/>
@@ -6154,8 +6154,8 @@
         </p:nvSpPr>
         <p:spPr>
           <a:xfrm flipH="1">
-            <a:off x="-2880" y="0"/>
-            <a:ext cx="4422960" cy="1800720"/>
+            <a:off x="-3600" y="0"/>
+            <a:ext cx="4422240" cy="1800000"/>
           </a:xfrm>
           <a:prstGeom prst="rect">
             <a:avLst/>
@@ -6196,7 +6196,7 @@
         <p:spPr>
           <a:xfrm>
             <a:off x="0" y="1803960"/>
-            <a:ext cx="4454640" cy="4346640"/>
+            <a:ext cx="4453920" cy="4345920"/>
           </a:xfrm>
           <a:prstGeom prst="rect">
             <a:avLst/>
@@ -6214,8 +6214,8 @@
         </p:nvSpPr>
         <p:spPr>
           <a:xfrm flipH="1">
-            <a:off x="4836960" y="1335600"/>
-            <a:ext cx="7762680" cy="4424400"/>
+            <a:off x="4836240" y="1335600"/>
+            <a:ext cx="7761960" cy="4423680"/>
           </a:xfrm>
           <a:prstGeom prst="rect">
             <a:avLst/>
@@ -6257,7 +6257,7 @@
         <p:spPr>
           <a:xfrm>
             <a:off x="4881960" y="2146680"/>
-            <a:ext cx="6663600" cy="2655000"/>
+            <a:ext cx="6662880" cy="2654280"/>
           </a:xfrm>
           <a:prstGeom prst="rect">
             <a:avLst/>
@@ -6279,7 +6279,7 @@
               <a:buNone/>
             </a:pPr>
             <a:r>
-              <a:rPr b="0" lang="en-US" sz="3200" spc="126" strike="noStrike" cap="all">
+              <a:rPr b="0" lang="en-US" sz="3200" spc="120" strike="noStrike" cap="all">
                 <a:solidFill>
                   <a:srgbClr val="404040"/>
                 </a:solidFill>
@@ -6291,7 +6291,7 @@
               <a:rPr sz="3200"/>
             </a:br>
             <a:r>
-              <a:rPr b="0" lang="en-US" sz="3200" spc="126" strike="noStrike" cap="all">
+              <a:rPr b="0" lang="en-US" sz="3200" spc="120" strike="noStrike" cap="all">
                 <a:solidFill>
                   <a:srgbClr val="404040"/>
                 </a:solidFill>
@@ -6314,7 +6314,7 @@
         <p:spPr>
           <a:xfrm>
             <a:off x="1440" y="1753920"/>
-            <a:ext cx="12185640" cy="60840"/>
+            <a:ext cx="12184920" cy="60120"/>
           </a:xfrm>
           <a:prstGeom prst="rect">
             <a:avLst/>
@@ -6349,8 +6349,8 @@
         </p:nvSpPr>
         <p:spPr>
           <a:xfrm flipH="1">
-            <a:off x="-5760" y="6167520"/>
-            <a:ext cx="12188880" cy="687240"/>
+            <a:off x="-6480" y="6167520"/>
+            <a:ext cx="12188160" cy="686520"/>
           </a:xfrm>
           <a:prstGeom prst="rect">
             <a:avLst/>
@@ -6388,7 +6388,7 @@
         <p:spPr>
           <a:xfrm>
             <a:off x="1440" y="6109560"/>
-            <a:ext cx="12185640" cy="60840"/>
+            <a:ext cx="12184920" cy="60120"/>
           </a:xfrm>
           <a:prstGeom prst="rect">
             <a:avLst/>
@@ -6424,7 +6424,7 @@
         <p:spPr>
           <a:xfrm>
             <a:off x="4394160" y="0"/>
-            <a:ext cx="60840" cy="6854760"/>
+            <a:ext cx="60120" cy="6854040"/>
           </a:xfrm>
           <a:prstGeom prst="rect">
             <a:avLst/>
@@ -6464,7 +6464,7 @@
         <p:spPr>
           <a:xfrm>
             <a:off x="10569240" y="6309360"/>
-            <a:ext cx="976680" cy="453960"/>
+            <a:ext cx="975960" cy="453240"/>
           </a:xfrm>
           <a:prstGeom prst="rect">
             <a:avLst/>
@@ -6484,7 +6484,7 @@
                 <a:spcPct val="100000"/>
               </a:lnSpc>
               <a:buNone/>
-              <a:defRPr b="1" lang="en-US" sz="1600" spc="126" strike="noStrike">
+              <a:defRPr b="1" lang="en-US" sz="1600" spc="120" strike="noStrike">
                 <a:solidFill>
                   <a:srgbClr val="ffffff"/>
                 </a:solidFill>
@@ -6499,8 +6499,8 @@
               </a:lnSpc>
               <a:buNone/>
             </a:pPr>
-            <a:fld id="{C52F731E-54A5-42E7-91E3-988AE1503D6F}" type="slidenum">
-              <a:rPr b="1" lang="en-US" sz="1600" spc="126" strike="noStrike">
+            <a:fld id="{088F67D5-A81A-4798-89E4-265403EA992B}" type="slidenum">
+              <a:rPr b="1" lang="en-US" sz="1600" spc="120" strike="noStrike">
                 <a:solidFill>
                   <a:srgbClr val="ffffff"/>
                 </a:solidFill>
@@ -6557,7 +6557,7 @@
         <p:spPr>
           <a:xfrm>
             <a:off x="322560" y="180720"/>
-            <a:ext cx="11597040" cy="932400"/>
+            <a:ext cx="11596320" cy="931680"/>
           </a:xfrm>
           <a:prstGeom prst="rect">
             <a:avLst/>
@@ -6579,7 +6579,7 @@
               <a:buNone/>
             </a:pPr>
             <a:r>
-              <a:rPr b="1" lang="it-IT" sz="3600" spc="126" strike="noStrike">
+              <a:rPr b="1" lang="it-IT" sz="3600" spc="120" strike="noStrike">
                 <a:solidFill>
                   <a:srgbClr val="ffffff"/>
                 </a:solidFill>
@@ -6606,7 +6606,7 @@
         <p:spPr>
           <a:xfrm>
             <a:off x="10569240" y="6309360"/>
-            <a:ext cx="976680" cy="453960"/>
+            <a:ext cx="975960" cy="453240"/>
           </a:xfrm>
           <a:prstGeom prst="rect">
             <a:avLst/>
@@ -6626,7 +6626,7 @@
                 <a:spcPct val="100000"/>
               </a:lnSpc>
               <a:buNone/>
-              <a:defRPr b="1" lang="en-US" sz="1600" spc="126" strike="noStrike">
+              <a:defRPr b="1" lang="en-US" sz="1600" spc="120" strike="noStrike">
                 <a:solidFill>
                   <a:srgbClr val="404040"/>
                 </a:solidFill>
@@ -6641,8 +6641,8 @@
               </a:lnSpc>
               <a:buNone/>
             </a:pPr>
-            <a:fld id="{E7672E59-3DF7-4C46-B7FC-EA4509BC7F1D}" type="slidenum">
-              <a:rPr b="1" lang="en-US" sz="1600" spc="126" strike="noStrike">
+            <a:fld id="{408BCD73-806F-41C5-94DF-C79C99E8D4B1}" type="slidenum">
+              <a:rPr b="1" lang="en-US" sz="1600" spc="120" strike="noStrike">
                 <a:solidFill>
                   <a:srgbClr val="404040"/>
                 </a:solidFill>
@@ -6665,7 +6665,7 @@
         <p:spPr>
           <a:xfrm>
             <a:off x="528840" y="1441080"/>
-            <a:ext cx="11017080" cy="2149920"/>
+            <a:ext cx="11016360" cy="2149920"/>
           </a:xfrm>
           <a:prstGeom prst="rect">
             <a:avLst/>
@@ -6866,7 +6866,7 @@
         <p:spPr>
           <a:xfrm>
             <a:off x="322560" y="180720"/>
-            <a:ext cx="11597040" cy="932400"/>
+            <a:ext cx="11596320" cy="931680"/>
           </a:xfrm>
           <a:prstGeom prst="rect">
             <a:avLst/>
@@ -6888,7 +6888,7 @@
               <a:buNone/>
             </a:pPr>
             <a:r>
-              <a:rPr b="1" lang="it-IT" sz="3600" spc="126" strike="noStrike">
+              <a:rPr b="1" lang="it-IT" sz="3600" spc="120" strike="noStrike">
                 <a:solidFill>
                   <a:srgbClr val="ffffff"/>
                 </a:solidFill>
@@ -6915,7 +6915,7 @@
         <p:spPr>
           <a:xfrm>
             <a:off x="10569240" y="6309360"/>
-            <a:ext cx="976680" cy="453960"/>
+            <a:ext cx="975960" cy="453240"/>
           </a:xfrm>
           <a:prstGeom prst="rect">
             <a:avLst/>
@@ -6935,7 +6935,7 @@
                 <a:spcPct val="100000"/>
               </a:lnSpc>
               <a:buNone/>
-              <a:defRPr b="1" lang="en-US" sz="1600" spc="126" strike="noStrike">
+              <a:defRPr b="1" lang="en-US" sz="1600" spc="120" strike="noStrike">
                 <a:solidFill>
                   <a:srgbClr val="404040"/>
                 </a:solidFill>
@@ -6950,14 +6950,14 @@
               </a:lnSpc>
               <a:buNone/>
             </a:pPr>
-            <a:fld id="{51AA9902-3C33-418C-8CB8-F8B7A7AADB2D}" type="slidenum">
-              <a:rPr b="1" lang="en-US" sz="1600" spc="126" strike="noStrike">
+            <a:fld id="{71F49607-41B3-4CF2-8E8B-D2A14536FAA6}" type="slidenum">
+              <a:rPr b="1" lang="en-US" sz="1600" spc="120" strike="noStrike">
                 <a:solidFill>
                   <a:srgbClr val="404040"/>
                 </a:solidFill>
                 <a:latin typeface="Meiryo"/>
               </a:rPr>
-              <a:t>1</a:t>
+              <a:t>&lt;number&gt;</a:t>
             </a:fld>
             <a:endParaRPr b="0" lang="it-IT" sz="1600" spc="-1" strike="noStrike">
               <a:latin typeface="Times New Roman"/>
@@ -6974,7 +6974,7 @@
         <p:spPr>
           <a:xfrm>
             <a:off x="528840" y="1441080"/>
-            <a:ext cx="11017080" cy="3695040"/>
+            <a:ext cx="11016360" cy="3695040"/>
           </a:xfrm>
           <a:prstGeom prst="rect">
             <a:avLst/>
@@ -7364,7 +7364,7 @@
         <p:spPr>
           <a:xfrm>
             <a:off x="322560" y="180720"/>
-            <a:ext cx="11597040" cy="932400"/>
+            <a:ext cx="11596320" cy="931680"/>
           </a:xfrm>
           <a:prstGeom prst="rect">
             <a:avLst/>
@@ -7386,7 +7386,7 @@
               <a:buNone/>
             </a:pPr>
             <a:r>
-              <a:rPr b="1" lang="it-IT" sz="3600" spc="126" strike="noStrike">
+              <a:rPr b="1" lang="it-IT" sz="3600" spc="120" strike="noStrike">
                 <a:solidFill>
                   <a:srgbClr val="ffffff"/>
                 </a:solidFill>
@@ -7413,7 +7413,7 @@
         <p:spPr>
           <a:xfrm>
             <a:off x="10569240" y="6309360"/>
-            <a:ext cx="976680" cy="453960"/>
+            <a:ext cx="975960" cy="453240"/>
           </a:xfrm>
           <a:prstGeom prst="rect">
             <a:avLst/>
@@ -7433,7 +7433,7 @@
                 <a:spcPct val="100000"/>
               </a:lnSpc>
               <a:buNone/>
-              <a:defRPr b="1" lang="en-US" sz="1600" spc="126" strike="noStrike">
+              <a:defRPr b="1" lang="en-US" sz="1600" spc="120" strike="noStrike">
                 <a:solidFill>
                   <a:srgbClr val="404040"/>
                 </a:solidFill>
@@ -7448,14 +7448,14 @@
               </a:lnSpc>
               <a:buNone/>
             </a:pPr>
-            <a:fld id="{AA9DD5F4-470E-4EDF-B118-713B97BE2726}" type="slidenum">
-              <a:rPr b="1" lang="en-US" sz="1600" spc="126" strike="noStrike">
+            <a:fld id="{2DD42884-8521-42F6-BB88-3081773BF74D}" type="slidenum">
+              <a:rPr b="1" lang="en-US" sz="1600" spc="120" strike="noStrike">
                 <a:solidFill>
                   <a:srgbClr val="404040"/>
                 </a:solidFill>
                 <a:latin typeface="Meiryo"/>
               </a:rPr>
-              <a:t>1</a:t>
+              <a:t>&lt;number&gt;</a:t>
             </a:fld>
             <a:endParaRPr b="0" lang="it-IT" sz="1600" spc="-1" strike="noStrike">
               <a:latin typeface="Times New Roman"/>
@@ -7472,7 +7472,7 @@
         <p:spPr>
           <a:xfrm>
             <a:off x="528840" y="1441080"/>
-            <a:ext cx="11017080" cy="2938680"/>
+            <a:ext cx="11016360" cy="2938680"/>
           </a:xfrm>
           <a:prstGeom prst="rect">
             <a:avLst/>
@@ -7696,7 +7696,7 @@
         <p:spPr>
           <a:xfrm>
             <a:off x="322560" y="180720"/>
-            <a:ext cx="11597040" cy="932400"/>
+            <a:ext cx="11596320" cy="931680"/>
           </a:xfrm>
           <a:prstGeom prst="rect">
             <a:avLst/>
@@ -7718,7 +7718,7 @@
               <a:buNone/>
             </a:pPr>
             <a:r>
-              <a:rPr b="1" lang="it-IT" sz="3600" spc="126" strike="noStrike">
+              <a:rPr b="1" lang="it-IT" sz="3600" spc="120" strike="noStrike">
                 <a:solidFill>
                   <a:srgbClr val="ffffff"/>
                 </a:solidFill>
@@ -7745,7 +7745,7 @@
         <p:spPr>
           <a:xfrm>
             <a:off x="10569240" y="6309360"/>
-            <a:ext cx="976680" cy="453960"/>
+            <a:ext cx="975960" cy="453240"/>
           </a:xfrm>
           <a:prstGeom prst="rect">
             <a:avLst/>
@@ -7765,7 +7765,7 @@
                 <a:spcPct val="100000"/>
               </a:lnSpc>
               <a:buNone/>
-              <a:defRPr b="1" lang="en-US" sz="1600" spc="126" strike="noStrike">
+              <a:defRPr b="1" lang="en-US" sz="1600" spc="120" strike="noStrike">
                 <a:solidFill>
                   <a:srgbClr val="404040"/>
                 </a:solidFill>
@@ -7780,8 +7780,8 @@
               </a:lnSpc>
               <a:buNone/>
             </a:pPr>
-            <a:fld id="{51FC3D9F-80D6-44BD-9D1A-194C09AD58E2}" type="slidenum">
-              <a:rPr b="1" lang="en-US" sz="1600" spc="126" strike="noStrike">
+            <a:fld id="{AAD0E61E-6193-4D1A-9983-2F892FEE64D9}" type="slidenum">
+              <a:rPr b="1" lang="en-US" sz="1600" spc="120" strike="noStrike">
                 <a:solidFill>
                   <a:srgbClr val="404040"/>
                 </a:solidFill>
@@ -7804,7 +7804,7 @@
         <p:spPr>
           <a:xfrm>
             <a:off x="528840" y="1441080"/>
-            <a:ext cx="11017080" cy="720000"/>
+            <a:ext cx="11016360" cy="719280"/>
           </a:xfrm>
           <a:prstGeom prst="rect">
             <a:avLst/>
@@ -7872,7 +7872,7 @@
         </p:blipFill>
         <p:spPr>
           <a:xfrm>
-            <a:off x="2744280" y="342360"/>
+            <a:off x="3557160" y="342360"/>
             <a:ext cx="6702840" cy="6857640"/>
           </a:xfrm>
           <a:prstGeom prst="rect">
@@ -7926,7 +7926,7 @@
         <p:spPr>
           <a:xfrm>
             <a:off x="322560" y="180720"/>
-            <a:ext cx="11597040" cy="932400"/>
+            <a:ext cx="11596320" cy="931680"/>
           </a:xfrm>
           <a:prstGeom prst="rect">
             <a:avLst/>
@@ -7948,7 +7948,7 @@
               <a:buNone/>
             </a:pPr>
             <a:r>
-              <a:rPr b="1" lang="it-IT" sz="3600" spc="126" strike="noStrike">
+              <a:rPr b="1" lang="it-IT" sz="3600" spc="120" strike="noStrike">
                 <a:solidFill>
                   <a:srgbClr val="ffffff"/>
                 </a:solidFill>
@@ -7975,7 +7975,7 @@
         <p:spPr>
           <a:xfrm>
             <a:off x="10569240" y="6309360"/>
-            <a:ext cx="976680" cy="453960"/>
+            <a:ext cx="975960" cy="453240"/>
           </a:xfrm>
           <a:prstGeom prst="rect">
             <a:avLst/>
@@ -7995,7 +7995,7 @@
                 <a:spcPct val="100000"/>
               </a:lnSpc>
               <a:buNone/>
-              <a:defRPr b="1" lang="en-US" sz="1600" spc="126" strike="noStrike">
+              <a:defRPr b="1" lang="en-US" sz="1600" spc="120" strike="noStrike">
                 <a:solidFill>
                   <a:srgbClr val="404040"/>
                 </a:solidFill>
@@ -8010,8 +8010,8 @@
               </a:lnSpc>
               <a:buNone/>
             </a:pPr>
-            <a:fld id="{EA489399-D800-4C1C-8B07-306DB5513744}" type="slidenum">
-              <a:rPr b="1" lang="en-US" sz="1600" spc="126" strike="noStrike">
+            <a:fld id="{3E05FA7E-BFD3-42EA-B7F4-1705D5123DB9}" type="slidenum">
+              <a:rPr b="1" lang="en-US" sz="1600" spc="120" strike="noStrike">
                 <a:solidFill>
                   <a:srgbClr val="404040"/>
                 </a:solidFill>
@@ -8034,7 +8034,7 @@
         <p:spPr>
           <a:xfrm>
             <a:off x="528840" y="1441080"/>
-            <a:ext cx="11017080" cy="4911120"/>
+            <a:ext cx="11016360" cy="5240160"/>
           </a:xfrm>
           <a:prstGeom prst="rect">
             <a:avLst/>
@@ -8161,7 +8161,7 @@
                 <a:latin typeface="Meiryo"/>
                 <a:ea typeface="DejaVu Sans"/>
               </a:rPr>
-              <a:t>Cartridge and Services Purchase: prefer Fiat money over crypto using </a:t>
+              <a:t>Cartridge and Services Purchase: </a:t>
             </a:r>
             <a:r>
               <a:rPr b="0" i="1" lang="it-IT" sz="2400" spc="-1" strike="noStrike">
@@ -8181,7 +8181,7 @@
                 <a:latin typeface="Meiryo"/>
                 <a:ea typeface="DejaVu Sans"/>
               </a:rPr>
-              <a:t> solutions (alchemy, banxa, onramp.money), like Yuku.io</a:t>
+              <a:t> solutions (alchemy, banxa, ...), or even pure Fiat, off chain money</a:t>
             </a:r>
             <a:endParaRPr b="0" lang="it-IT" sz="2400" spc="-1" strike="noStrike">
               <a:latin typeface="Arial"/>
@@ -8309,7 +8309,7 @@
                 <a:latin typeface="Meiryo"/>
                 <a:ea typeface="DejaVu Sans"/>
               </a:rPr>
-              <a:t>Encryption (Vet keys?)</a:t>
+              <a:t>Encryption (Vet keys?) for data and documents</a:t>
             </a:r>
             <a:endParaRPr b="0" lang="it-IT" sz="2400" spc="-1" strike="noStrike">
               <a:latin typeface="Arial"/>
@@ -8373,26 +8373,21 @@
                 <a:latin typeface="Meiryo"/>
                 <a:ea typeface="DejaVu Sans"/>
               </a:rPr>
-              <a:t>Mint NFT of each artwork</a:t>
+              <a:t>Mint NFT of each artwork (enrich image with custom EXIF/XMP tags for DNA strings)</a:t>
             </a:r>
             <a:endParaRPr b="0" lang="it-IT" sz="2400" spc="-1" strike="noStrike">
               <a:latin typeface="Arial"/>
             </a:endParaRPr>
           </a:p>
           <a:p>
-            <a:pPr lvl="2" marL="648000" indent="-216000" algn="just">
+            <a:pPr algn="just">
               <a:lnSpc>
                 <a:spcPct val="90000"/>
               </a:lnSpc>
               <a:spcBef>
                 <a:spcPts val="451"/>
               </a:spcBef>
-              <a:buClr>
-                <a:srgbClr val="000000"/>
-              </a:buClr>
-              <a:buSzPct val="45000"/>
-              <a:buFont typeface="Wingdings" charset="2"/>
-              <a:buChar char=""/>
+              <a:buNone/>
               <a:tabLst>
                 <a:tab algn="l" pos="0"/>
               </a:tabLst>

--- a/src/docs/presentations/21maggio.pptx
+++ b/src/docs/presentations/21maggio.pptx
@@ -12,6 +12,14 @@
     <p:sldId id="259" r:id="rId7"/>
     <p:sldId id="260" r:id="rId8"/>
     <p:sldId id="261" r:id="rId9"/>
+    <p:sldId id="262" r:id="rId10"/>
+    <p:sldId id="263" r:id="rId11"/>
+    <p:sldId id="264" r:id="rId12"/>
+    <p:sldId id="265" r:id="rId13"/>
+    <p:sldId id="266" r:id="rId14"/>
+    <p:sldId id="267" r:id="rId15"/>
+    <p:sldId id="268" r:id="rId16"/>
+    <p:sldId id="269" r:id="rId17"/>
   </p:sldIdLst>
   <p:sldSz cx="12192000" cy="6858000"/>
   <p:notesSz cx="7772400" cy="10058400"/>
@@ -69,7 +77,7 @@
         <p:txBody>
           <a:bodyPr/>
           <a:p>
-            <a:fld id="{8EEB8668-16C9-4082-9937-86B4B4BDAE56}" type="slidenum">
+            <a:fld id="{98096731-1C20-453D-B713-473BD1BFEC01}" type="slidenum">
               <a:t>&lt;#&gt;</a:t>
             </a:fld>
           </a:p>
@@ -257,7 +265,7 @@
         <p:txBody>
           <a:bodyPr/>
           <a:p>
-            <a:fld id="{4BE7F892-1838-4C73-81E9-6EF70F73E2C8}" type="slidenum">
+            <a:fld id="{07C63666-6596-46AF-80EB-1112EAFB773D}" type="slidenum">
               <a:t>&lt;#&gt;</a:t>
             </a:fld>
           </a:p>
@@ -513,7 +521,7 @@
         <p:txBody>
           <a:bodyPr/>
           <a:p>
-            <a:fld id="{DC7407A8-6F5B-45AE-8872-765FF74E752D}" type="slidenum">
+            <a:fld id="{B6516C09-E823-4054-8E9E-C393712B4DDD}" type="slidenum">
               <a:t>&lt;#&gt;</a:t>
             </a:fld>
           </a:p>
@@ -837,7 +845,7 @@
         <p:txBody>
           <a:bodyPr/>
           <a:p>
-            <a:fld id="{A31300BC-D91D-48D3-8843-15F4B53CCD00}" type="slidenum">
+            <a:fld id="{83BFEBC6-4144-4B25-8CA7-A35D11DD706C}" type="slidenum">
               <a:t>&lt;#&gt;</a:t>
             </a:fld>
           </a:p>
@@ -920,7 +928,7 @@
         <p:txBody>
           <a:bodyPr/>
           <a:p>
-            <a:fld id="{890014B5-F78D-425B-B025-C371F7B81AE6}" type="slidenum">
+            <a:fld id="{8E09A811-9C1D-4B92-A669-AFC3D9D266F8}" type="slidenum">
               <a:t>&lt;#&gt;</a:t>
             </a:fld>
           </a:p>
@@ -1077,7 +1085,7 @@
         <p:txBody>
           <a:bodyPr/>
           <a:p>
-            <a:fld id="{5FB54A25-3AE7-4DA1-93F4-BB854E51C43B}" type="slidenum">
+            <a:fld id="{6E03A776-0A4F-4483-A4B7-6129A76F86DE}" type="slidenum">
               <a:t>&lt;#&gt;</a:t>
             </a:fld>
           </a:p>
@@ -1231,7 +1239,7 @@
         <p:txBody>
           <a:bodyPr/>
           <a:p>
-            <a:fld id="{044EE76E-C4F8-4233-BA4F-EE7FAD58E70B}" type="slidenum">
+            <a:fld id="{65160F9E-E6E4-420A-A386-AB63A9E5EA5C}" type="slidenum">
               <a:t>&lt;#&gt;</a:t>
             </a:fld>
           </a:p>
@@ -1419,7 +1427,7 @@
         <p:txBody>
           <a:bodyPr/>
           <a:p>
-            <a:fld id="{9B9776FF-B0CF-4EBC-9740-53758D62EF43}" type="slidenum">
+            <a:fld id="{E5124602-B12B-45F8-953A-0E10882BEF55}" type="slidenum">
               <a:t>&lt;#&gt;</a:t>
             </a:fld>
           </a:p>
@@ -1539,7 +1547,7 @@
         <p:txBody>
           <a:bodyPr/>
           <a:p>
-            <a:fld id="{BF28877A-C4B8-4C58-A777-BBC095501AE9}" type="slidenum">
+            <a:fld id="{45CC22A7-30B9-438B-AE2D-6EDF12CD3550}" type="slidenum">
               <a:t>&lt;#&gt;</a:t>
             </a:fld>
           </a:p>
@@ -1659,7 +1667,7 @@
         <p:txBody>
           <a:bodyPr/>
           <a:p>
-            <a:fld id="{6D537161-0517-45E8-ADAE-811B70E19E53}" type="slidenum">
+            <a:fld id="{9B1C3A68-CC2C-438A-B80E-BCFFE77D4703}" type="slidenum">
               <a:t>&lt;#&gt;</a:t>
             </a:fld>
           </a:p>
@@ -1881,7 +1889,7 @@
         <p:txBody>
           <a:bodyPr/>
           <a:p>
-            <a:fld id="{7F6513D2-45B1-4F3B-922B-42322FDFE1F8}" type="slidenum">
+            <a:fld id="{F2EA9198-A4DF-4065-9060-77B73D1D31E9}" type="slidenum">
               <a:t>&lt;#&gt;</a:t>
             </a:fld>
           </a:p>
@@ -2038,7 +2046,7 @@
         <p:txBody>
           <a:bodyPr/>
           <a:p>
-            <a:fld id="{0BD299E0-47DE-4706-8D98-2873784659D0}" type="slidenum">
+            <a:fld id="{DD257F49-C669-4F5E-B02D-42FF185AAE62}" type="slidenum">
               <a:t>&lt;#&gt;</a:t>
             </a:fld>
           </a:p>
@@ -2260,7 +2268,7 @@
         <p:txBody>
           <a:bodyPr/>
           <a:p>
-            <a:fld id="{64BBC044-A866-4490-842E-3BF2FCBE0442}" type="slidenum">
+            <a:fld id="{8C1F2898-0E24-4BC1-A202-7ADC08765969}" type="slidenum">
               <a:t>&lt;#&gt;</a:t>
             </a:fld>
           </a:p>
@@ -2482,7 +2490,7 @@
         <p:txBody>
           <a:bodyPr/>
           <a:p>
-            <a:fld id="{4A17AA8F-42B0-41DE-A02C-6357B13280D6}" type="slidenum">
+            <a:fld id="{CF36F770-DE3D-4F7D-96FD-4353A4775286}" type="slidenum">
               <a:t>&lt;#&gt;</a:t>
             </a:fld>
           </a:p>
@@ -2670,7 +2678,7 @@
         <p:txBody>
           <a:bodyPr/>
           <a:p>
-            <a:fld id="{FCBBA52D-8830-4B07-87C8-FD9569588F82}" type="slidenum">
+            <a:fld id="{02A33D09-593E-4088-B163-D750B1F7F8A4}" type="slidenum">
               <a:t>&lt;#&gt;</a:t>
             </a:fld>
           </a:p>
@@ -2926,7 +2934,7 @@
         <p:txBody>
           <a:bodyPr/>
           <a:p>
-            <a:fld id="{2FC48882-E278-4137-B527-6DB4F79D6E81}" type="slidenum">
+            <a:fld id="{B1D02978-F5F8-4D4F-B39C-1AD883E827EA}" type="slidenum">
               <a:t>&lt;#&gt;</a:t>
             </a:fld>
           </a:p>
@@ -3250,7 +3258,7 @@
         <p:txBody>
           <a:bodyPr/>
           <a:p>
-            <a:fld id="{C8EC868C-FD9C-4038-ACFE-BD2619A1179E}" type="slidenum">
+            <a:fld id="{900E609D-6A0D-4C15-836A-8BAB5A992C38}" type="slidenum">
               <a:t>&lt;#&gt;</a:t>
             </a:fld>
           </a:p>
@@ -3404,7 +3412,7 @@
         <p:txBody>
           <a:bodyPr/>
           <a:p>
-            <a:fld id="{6346C029-AB1E-40E7-AB43-FDDB8E2A7EDA}" type="slidenum">
+            <a:fld id="{CA62BDCF-9F86-4BA6-B623-9483F5DA12E3}" type="slidenum">
               <a:t>&lt;#&gt;</a:t>
             </a:fld>
           </a:p>
@@ -3592,7 +3600,7 @@
         <p:txBody>
           <a:bodyPr/>
           <a:p>
-            <a:fld id="{466E48A1-A93F-4DC9-A608-F54C400DCF8C}" type="slidenum">
+            <a:fld id="{6027CA4E-77C7-460F-8813-74DBE9D35B6A}" type="slidenum">
               <a:t>&lt;#&gt;</a:t>
             </a:fld>
           </a:p>
@@ -3712,7 +3720,7 @@
         <p:txBody>
           <a:bodyPr/>
           <a:p>
-            <a:fld id="{80C43043-B775-49B5-9D33-453022ADA598}" type="slidenum">
+            <a:fld id="{66AF9F5A-F5A3-424C-A27A-5263DF1FE359}" type="slidenum">
               <a:t>&lt;#&gt;</a:t>
             </a:fld>
           </a:p>
@@ -3832,7 +3840,7 @@
         <p:txBody>
           <a:bodyPr/>
           <a:p>
-            <a:fld id="{83374148-A62F-45B7-A5A1-673773CCE02A}" type="slidenum">
+            <a:fld id="{4D85DB63-E59A-4BF6-A4AE-8D3574745594}" type="slidenum">
               <a:t>&lt;#&gt;</a:t>
             </a:fld>
           </a:p>
@@ -4054,7 +4062,7 @@
         <p:txBody>
           <a:bodyPr/>
           <a:p>
-            <a:fld id="{19574019-3138-49C0-A599-7D26826C6055}" type="slidenum">
+            <a:fld id="{AC77D559-50D5-47F9-83E9-071FBE499232}" type="slidenum">
               <a:t>&lt;#&gt;</a:t>
             </a:fld>
           </a:p>
@@ -4276,7 +4284,7 @@
         <p:txBody>
           <a:bodyPr/>
           <a:p>
-            <a:fld id="{4456662C-2770-4CAD-9530-2D8A104DF71B}" type="slidenum">
+            <a:fld id="{F5A8D15E-982D-4156-BE94-D3D98807F6E1}" type="slidenum">
               <a:t>&lt;#&gt;</a:t>
             </a:fld>
           </a:p>
@@ -4498,7 +4506,7 @@
         <p:txBody>
           <a:bodyPr/>
           <a:p>
-            <a:fld id="{A11ABC20-6C91-413F-84B8-2AE3BB42EB06}" type="slidenum">
+            <a:fld id="{7B6F705B-83CA-4FAC-86EA-EBD75A2EF888}" type="slidenum">
               <a:t>&lt;#&gt;</a:t>
             </a:fld>
           </a:p>
@@ -4563,32 +4571,24 @@
         <p:spPr>
           <a:xfrm>
             <a:off x="4718160" y="0"/>
-            <a:ext cx="7469640" cy="6854040"/>
+            <a:ext cx="7468920" cy="6853320"/>
           </a:xfrm>
           <a:prstGeom prst="rect">
             <a:avLst/>
           </a:prstGeom>
           <a:solidFill>
-            <a:schemeClr val="bg1">
+            <a:srgbClr val="ffffff">
               <a:alpha val="75000"/>
-            </a:schemeClr>
+            </a:srgbClr>
           </a:solidFill>
-          <a:ln>
+          <a:ln w="25560">
             <a:noFill/>
           </a:ln>
         </p:spPr>
         <p:style>
-          <a:lnRef idx="2">
-            <a:schemeClr val="accent1">
-              <a:shade val="50000"/>
-            </a:schemeClr>
-          </a:lnRef>
-          <a:fillRef idx="1">
-            <a:schemeClr val="accent1"/>
-          </a:fillRef>
-          <a:effectRef idx="0">
-            <a:schemeClr val="accent1"/>
-          </a:effectRef>
+          <a:lnRef idx="0"/>
+          <a:fillRef idx="0"/>
+          <a:effectRef idx="0"/>
           <a:fontRef idx="minor"/>
         </p:style>
       </p:sp>
@@ -4601,30 +4601,22 @@
         <p:spPr>
           <a:xfrm rot="5400000">
             <a:off x="1257120" y="3396960"/>
-            <a:ext cx="6854040" cy="60120"/>
+            <a:ext cx="6853320" cy="59400"/>
           </a:xfrm>
           <a:prstGeom prst="rect">
             <a:avLst/>
           </a:prstGeom>
           <a:solidFill>
-            <a:schemeClr val="tx2"/>
+            <a:srgbClr val="595460"/>
           </a:solidFill>
-          <a:ln>
+          <a:ln w="25560">
             <a:noFill/>
           </a:ln>
         </p:spPr>
         <p:style>
-          <a:lnRef idx="2">
-            <a:schemeClr val="accent1">
-              <a:shade val="50000"/>
-            </a:schemeClr>
-          </a:lnRef>
-          <a:fillRef idx="1">
-            <a:schemeClr val="accent1"/>
-          </a:fillRef>
-          <a:effectRef idx="0">
-            <a:schemeClr val="accent1"/>
-          </a:effectRef>
+          <a:lnRef idx="0"/>
+          <a:fillRef idx="0"/>
+          <a:effectRef idx="0"/>
           <a:fontRef idx="minor"/>
         </p:style>
       </p:sp>
@@ -4636,31 +4628,23 @@
         </p:nvSpPr>
         <p:spPr>
           <a:xfrm flipH="1">
-            <a:off x="-3600" y="0"/>
-            <a:ext cx="12188160" cy="6854040"/>
+            <a:off x="-5040" y="0"/>
+            <a:ext cx="12187440" cy="6853320"/>
           </a:xfrm>
           <a:prstGeom prst="rect">
             <a:avLst/>
           </a:prstGeom>
           <a:solidFill>
-            <a:schemeClr val="bg2"/>
+            <a:srgbClr val="ebedeb"/>
           </a:solidFill>
-          <a:ln>
+          <a:ln w="25560">
             <a:noFill/>
           </a:ln>
         </p:spPr>
         <p:style>
-          <a:lnRef idx="2">
-            <a:schemeClr val="accent1">
-              <a:shade val="50000"/>
-            </a:schemeClr>
-          </a:lnRef>
-          <a:fillRef idx="1">
-            <a:schemeClr val="accent1"/>
-          </a:fillRef>
-          <a:effectRef idx="0">
-            <a:schemeClr val="accent1"/>
-          </a:effectRef>
+          <a:lnRef idx="0"/>
+          <a:fillRef idx="0"/>
+          <a:effectRef idx="0"/>
           <a:fontRef idx="minor"/>
         </p:style>
       </p:sp>
@@ -4673,30 +4657,22 @@
         <p:spPr>
           <a:xfrm>
             <a:off x="0" y="825840"/>
-            <a:ext cx="6792120" cy="2590200"/>
+            <a:ext cx="6791400" cy="2589480"/>
           </a:xfrm>
           <a:prstGeom prst="rect">
             <a:avLst/>
           </a:prstGeom>
           <a:solidFill>
-            <a:schemeClr val="tx2"/>
+            <a:srgbClr val="595460"/>
           </a:solidFill>
-          <a:ln>
+          <a:ln w="25560">
             <a:noFill/>
           </a:ln>
         </p:spPr>
         <p:style>
-          <a:lnRef idx="2">
-            <a:schemeClr val="accent1">
-              <a:shade val="50000"/>
-            </a:schemeClr>
-          </a:lnRef>
-          <a:fillRef idx="1">
-            <a:schemeClr val="accent1"/>
-          </a:fillRef>
-          <a:effectRef idx="0">
-            <a:schemeClr val="accent1"/>
-          </a:effectRef>
+          <a:lnRef idx="0"/>
+          <a:fillRef idx="0"/>
+          <a:effectRef idx="0"/>
           <a:fontRef idx="minor"/>
         </p:style>
       </p:sp>
@@ -4709,30 +4685,22 @@
         <p:spPr>
           <a:xfrm>
             <a:off x="0" y="889560"/>
-            <a:ext cx="1066680" cy="2462400"/>
+            <a:ext cx="1065960" cy="2461680"/>
           </a:xfrm>
           <a:prstGeom prst="rect">
             <a:avLst/>
           </a:prstGeom>
           <a:solidFill>
-            <a:schemeClr val="accent1"/>
+            <a:srgbClr val="97a7b8"/>
           </a:solidFill>
-          <a:ln>
+          <a:ln w="25560">
             <a:noFill/>
           </a:ln>
         </p:spPr>
         <p:style>
-          <a:lnRef idx="2">
-            <a:schemeClr val="accent1">
-              <a:shade val="50000"/>
-            </a:schemeClr>
-          </a:lnRef>
-          <a:fillRef idx="1">
-            <a:schemeClr val="accent1"/>
-          </a:fillRef>
-          <a:effectRef idx="0">
-            <a:schemeClr val="accent1"/>
-          </a:effectRef>
+          <a:lnRef idx="0"/>
+          <a:fillRef idx="0"/>
+          <a:effectRef idx="0"/>
           <a:fontRef idx="minor"/>
         </p:style>
       </p:sp>
@@ -4744,31 +4712,23 @@
         </p:nvSpPr>
         <p:spPr>
           <a:xfrm rot="5400000">
-            <a:off x="-2361240" y="3396960"/>
-            <a:ext cx="6854040" cy="60120"/>
+            <a:off x="-2360520" y="3396960"/>
+            <a:ext cx="6853320" cy="59400"/>
           </a:xfrm>
           <a:prstGeom prst="rect">
             <a:avLst/>
           </a:prstGeom>
           <a:solidFill>
-            <a:schemeClr val="tx2"/>
+            <a:srgbClr val="595460"/>
           </a:solidFill>
-          <a:ln>
+          <a:ln w="25560">
             <a:noFill/>
           </a:ln>
         </p:spPr>
         <p:style>
-          <a:lnRef idx="2">
-            <a:schemeClr val="accent1">
-              <a:shade val="50000"/>
-            </a:schemeClr>
-          </a:lnRef>
-          <a:fillRef idx="1">
-            <a:schemeClr val="accent1"/>
-          </a:fillRef>
-          <a:effectRef idx="0">
-            <a:schemeClr val="accent1"/>
-          </a:effectRef>
+          <a:lnRef idx="0"/>
+          <a:fillRef idx="0"/>
+          <a:effectRef idx="0"/>
           <a:fontRef idx="minor"/>
         </p:style>
       </p:sp>
@@ -4781,30 +4741,22 @@
         <p:spPr>
           <a:xfrm rot="5400000">
             <a:off x="3398760" y="3396960"/>
-            <a:ext cx="6854040" cy="60120"/>
+            <a:ext cx="6853320" cy="59400"/>
           </a:xfrm>
           <a:prstGeom prst="rect">
             <a:avLst/>
           </a:prstGeom>
           <a:solidFill>
-            <a:schemeClr val="tx2"/>
+            <a:srgbClr val="595460"/>
           </a:solidFill>
-          <a:ln>
+          <a:ln w="25560">
             <a:noFill/>
           </a:ln>
         </p:spPr>
         <p:style>
-          <a:lnRef idx="2">
-            <a:schemeClr val="accent1">
-              <a:shade val="50000"/>
-            </a:schemeClr>
-          </a:lnRef>
-          <a:fillRef idx="1">
-            <a:schemeClr val="accent1"/>
-          </a:fillRef>
-          <a:effectRef idx="0">
-            <a:schemeClr val="accent1"/>
-          </a:effectRef>
+          <a:lnRef idx="0"/>
+          <a:fillRef idx="0"/>
+          <a:effectRef idx="0"/>
           <a:fontRef idx="minor"/>
         </p:style>
       </p:sp>
@@ -4815,13 +4767,53 @@
             <a:spLocks noGrp="1"/>
           </p:cNvSpPr>
           <p:nvPr>
+            <p:ph type="title"/>
+          </p:nvPr>
+        </p:nvSpPr>
+        <p:spPr>
+          <a:xfrm>
+            <a:off x="609480" y="273600"/>
+            <a:ext cx="10972080" cy="1144440"/>
+          </a:xfrm>
+          <a:prstGeom prst="rect">
+            <a:avLst/>
+          </a:prstGeom>
+          <a:noFill/>
+          <a:ln w="0">
+            <a:noFill/>
+          </a:ln>
+        </p:spPr>
+        <p:txBody>
+          <a:bodyPr lIns="0" rIns="0" tIns="0" bIns="0" anchor="ctr">
+            <a:noAutofit/>
+          </a:bodyPr>
+          <a:p>
+            <a:r>
+              <a:rPr b="0" lang="it-IT" sz="1800" spc="-1" strike="noStrike">
+                <a:latin typeface="Arial"/>
+              </a:rPr>
+              <a:t>Click to edit the title text format</a:t>
+            </a:r>
+            <a:endParaRPr b="0" lang="it-IT" sz="1800" spc="-1" strike="noStrike">
+              <a:latin typeface="Arial"/>
+            </a:endParaRPr>
+          </a:p>
+        </p:txBody>
+      </p:sp>
+      <p:sp>
+        <p:nvSpPr>
+          <p:cNvPr id="8" name="PlaceHolder 2"/>
+          <p:cNvSpPr>
+            <a:spLocks noGrp="1"/>
+          </p:cNvSpPr>
+          <p:nvPr>
             <p:ph type="ftr" idx="1"/>
           </p:nvPr>
         </p:nvSpPr>
         <p:spPr>
           <a:xfrm>
             <a:off x="1635120" y="6309360"/>
-            <a:ext cx="4793400" cy="453240"/>
+            <a:ext cx="4792680" cy="452520"/>
           </a:xfrm>
           <a:prstGeom prst="rect">
             <a:avLst/>
@@ -4841,7 +4833,7 @@
                 <a:spcPct val="100000"/>
               </a:lnSpc>
               <a:buNone/>
-              <a:defRPr b="0" lang="en-GB" sz="1200" spc="120" strike="noStrike">
+              <a:defRPr b="0" lang="en-GB" sz="1200" spc="114" strike="noStrike">
                 <a:solidFill>
                   <a:srgbClr val="404040"/>
                 </a:solidFill>
@@ -4857,7 +4849,7 @@
               <a:buNone/>
             </a:pPr>
             <a:r>
-              <a:rPr b="0" lang="en-GB" sz="1200" spc="120" strike="noStrike">
+              <a:rPr b="0" lang="en-GB" sz="1200" spc="114" strike="noStrike">
                 <a:solidFill>
                   <a:srgbClr val="404040"/>
                 </a:solidFill>
@@ -4873,7 +4865,7 @@
       </p:sp>
       <p:sp>
         <p:nvSpPr>
-          <p:cNvPr id="8" name="PlaceHolder 2"/>
+          <p:cNvPr id="9" name="PlaceHolder 3"/>
           <p:cNvSpPr>
             <a:spLocks noGrp="1"/>
           </p:cNvSpPr>
@@ -4884,7 +4876,7 @@
         <p:spPr>
           <a:xfrm>
             <a:off x="10569240" y="6309360"/>
-            <a:ext cx="975960" cy="453240"/>
+            <a:ext cx="975240" cy="452520"/>
           </a:xfrm>
           <a:prstGeom prst="rect">
             <a:avLst/>
@@ -4904,7 +4896,7 @@
                 <a:spcPct val="100000"/>
               </a:lnSpc>
               <a:buNone/>
-              <a:defRPr b="1" lang="en-US" sz="1600" spc="120" strike="noStrike">
+              <a:defRPr b="1" lang="en-US" sz="1600" spc="114" strike="noStrike">
                 <a:solidFill>
                   <a:srgbClr val="ffffff"/>
                 </a:solidFill>
@@ -4919,8 +4911,8 @@
               </a:lnSpc>
               <a:buNone/>
             </a:pPr>
-            <a:fld id="{22B5B8A3-50E6-421E-B0E5-1D45B3D49FE6}" type="slidenum">
-              <a:rPr b="1" lang="en-US" sz="1600" spc="120" strike="noStrike">
+            <a:fld id="{58263FC2-935B-4086-98B6-94C811090233}" type="slidenum">
+              <a:rPr b="1" lang="en-US" sz="1600" spc="114" strike="noStrike">
                 <a:solidFill>
                   <a:srgbClr val="ffffff"/>
                 </a:solidFill>
@@ -4936,7 +4928,7 @@
       </p:sp>
       <p:sp>
         <p:nvSpPr>
-          <p:cNvPr id="9" name="PlaceHolder 3"/>
+          <p:cNvPr id="10" name="PlaceHolder 4"/>
           <p:cNvSpPr>
             <a:spLocks noGrp="1"/>
           </p:cNvSpPr>
@@ -4947,7 +4939,7 @@
         <p:spPr>
           <a:xfrm>
             <a:off x="8197200" y="6309360"/>
-            <a:ext cx="2147040" cy="453240"/>
+            <a:ext cx="2146320" cy="452520"/>
           </a:xfrm>
           <a:prstGeom prst="rect">
             <a:avLst/>
@@ -4977,49 +4969,6 @@
             </a:r>
             <a:endParaRPr b="0" lang="it-IT" sz="1400" spc="-1" strike="noStrike">
               <a:latin typeface="Times New Roman"/>
-            </a:endParaRPr>
-          </a:p>
-        </p:txBody>
-      </p:sp>
-      <p:sp>
-        <p:nvSpPr>
-          <p:cNvPr id="10" name="PlaceHolder 4"/>
-          <p:cNvSpPr>
-            <a:spLocks noGrp="1"/>
-          </p:cNvSpPr>
-          <p:nvPr>
-            <p:ph type="title"/>
-          </p:nvPr>
-        </p:nvSpPr>
-        <p:spPr>
-          <a:xfrm>
-            <a:off x="609480" y="273600"/>
-            <a:ext cx="10972440" cy="1144800"/>
-          </a:xfrm>
-          <a:prstGeom prst="rect">
-            <a:avLst/>
-          </a:prstGeom>
-          <a:noFill/>
-          <a:ln w="0">
-            <a:noFill/>
-          </a:ln>
-        </p:spPr>
-        <p:txBody>
-          <a:bodyPr lIns="0" rIns="0" tIns="0" bIns="0" anchor="ctr">
-            <a:noAutofit/>
-          </a:bodyPr>
-          <a:p>
-            <a:pPr algn="ctr">
-              <a:buNone/>
-            </a:pPr>
-            <a:r>
-              <a:rPr b="0" lang="it-IT" sz="4400" spc="-1" strike="noStrike">
-                <a:latin typeface="Arial"/>
-              </a:rPr>
-              <a:t>Click to edit the title text format</a:t>
-            </a:r>
-            <a:endParaRPr b="0" lang="it-IT" sz="4400" spc="-1" strike="noStrike">
-              <a:latin typeface="Arial"/>
             </a:endParaRPr>
           </a:p>
         </p:txBody>
@@ -5260,32 +5209,24 @@
         <p:spPr>
           <a:xfrm>
             <a:off x="4718160" y="0"/>
-            <a:ext cx="7469640" cy="6854040"/>
+            <a:ext cx="7468920" cy="6853320"/>
           </a:xfrm>
           <a:prstGeom prst="rect">
             <a:avLst/>
           </a:prstGeom>
           <a:solidFill>
-            <a:schemeClr val="bg1">
+            <a:srgbClr val="ffffff">
               <a:alpha val="75000"/>
-            </a:schemeClr>
+            </a:srgbClr>
           </a:solidFill>
-          <a:ln>
+          <a:ln w="25560">
             <a:noFill/>
           </a:ln>
         </p:spPr>
         <p:style>
-          <a:lnRef idx="2">
-            <a:schemeClr val="accent1">
-              <a:shade val="50000"/>
-            </a:schemeClr>
-          </a:lnRef>
-          <a:fillRef idx="1">
-            <a:schemeClr val="accent1"/>
-          </a:fillRef>
-          <a:effectRef idx="0">
-            <a:schemeClr val="accent1"/>
-          </a:effectRef>
+          <a:lnRef idx="0"/>
+          <a:fillRef idx="0"/>
+          <a:effectRef idx="0"/>
           <a:fontRef idx="minor"/>
         </p:style>
       </p:sp>
@@ -5298,30 +5239,22 @@
         <p:spPr>
           <a:xfrm rot="5400000">
             <a:off x="1257120" y="3396960"/>
-            <a:ext cx="6854040" cy="60120"/>
+            <a:ext cx="6853320" cy="59400"/>
           </a:xfrm>
           <a:prstGeom prst="rect">
             <a:avLst/>
           </a:prstGeom>
           <a:solidFill>
-            <a:schemeClr val="tx2"/>
+            <a:srgbClr val="595460"/>
           </a:solidFill>
-          <a:ln>
+          <a:ln w="25560">
             <a:noFill/>
           </a:ln>
         </p:spPr>
         <p:style>
-          <a:lnRef idx="2">
-            <a:schemeClr val="accent1">
-              <a:shade val="50000"/>
-            </a:schemeClr>
-          </a:lnRef>
-          <a:fillRef idx="1">
-            <a:schemeClr val="accent1"/>
-          </a:fillRef>
-          <a:effectRef idx="0">
-            <a:schemeClr val="accent1"/>
-          </a:effectRef>
+          <a:lnRef idx="0"/>
+          <a:fillRef idx="0"/>
+          <a:effectRef idx="0"/>
           <a:fontRef idx="minor"/>
         </p:style>
       </p:sp>
@@ -5334,30 +5267,22 @@
         <p:spPr>
           <a:xfrm>
             <a:off x="0" y="0"/>
-            <a:ext cx="12184920" cy="6854040"/>
+            <a:ext cx="12184200" cy="6853320"/>
           </a:xfrm>
           <a:prstGeom prst="rect">
             <a:avLst/>
           </a:prstGeom>
           <a:solidFill>
-            <a:schemeClr val="bg2"/>
+            <a:srgbClr val="ebedeb"/>
           </a:solidFill>
-          <a:ln>
+          <a:ln w="25560">
             <a:noFill/>
           </a:ln>
         </p:spPr>
         <p:style>
-          <a:lnRef idx="2">
-            <a:schemeClr val="accent1">
-              <a:shade val="50000"/>
-            </a:schemeClr>
-          </a:lnRef>
-          <a:fillRef idx="1">
-            <a:schemeClr val="accent1"/>
-          </a:fillRef>
-          <a:effectRef idx="0">
-            <a:schemeClr val="accent1"/>
-          </a:effectRef>
+          <a:lnRef idx="0"/>
+          <a:fillRef idx="0"/>
+          <a:effectRef idx="0"/>
           <a:fontRef idx="minor"/>
         </p:style>
       </p:sp>
@@ -5370,30 +5295,22 @@
         <p:spPr>
           <a:xfrm>
             <a:off x="0" y="3960"/>
-            <a:ext cx="12188160" cy="1343880"/>
+            <a:ext cx="12187440" cy="1343160"/>
           </a:xfrm>
           <a:prstGeom prst="rect">
             <a:avLst/>
           </a:prstGeom>
           <a:solidFill>
-            <a:schemeClr val="tx2"/>
+            <a:srgbClr val="595460"/>
           </a:solidFill>
-          <a:ln>
+          <a:ln w="25560">
             <a:noFill/>
           </a:ln>
         </p:spPr>
         <p:style>
-          <a:lnRef idx="2">
-            <a:schemeClr val="accent1">
-              <a:shade val="50000"/>
-            </a:schemeClr>
-          </a:lnRef>
-          <a:fillRef idx="1">
-            <a:schemeClr val="accent1"/>
-          </a:fillRef>
-          <a:effectRef idx="0">
-            <a:schemeClr val="accent1"/>
-          </a:effectRef>
+          <a:lnRef idx="0"/>
+          <a:fillRef idx="0"/>
+          <a:effectRef idx="0"/>
           <a:fontRef idx="minor"/>
         </p:style>
       </p:sp>
@@ -5406,32 +5323,24 @@
         <p:spPr>
           <a:xfrm>
             <a:off x="0" y="1351440"/>
-            <a:ext cx="12188160" cy="4745520"/>
+            <a:ext cx="12187440" cy="4744800"/>
           </a:xfrm>
           <a:prstGeom prst="rect">
             <a:avLst/>
           </a:prstGeom>
           <a:solidFill>
-            <a:schemeClr val="bg1">
+            <a:srgbClr val="ffffff">
               <a:alpha val="60000"/>
-            </a:schemeClr>
+            </a:srgbClr>
           </a:solidFill>
-          <a:ln>
+          <a:ln w="25560">
             <a:noFill/>
           </a:ln>
         </p:spPr>
         <p:style>
-          <a:lnRef idx="2">
-            <a:schemeClr val="accent1">
-              <a:shade val="50000"/>
-            </a:schemeClr>
-          </a:lnRef>
-          <a:fillRef idx="1">
-            <a:schemeClr val="accent1"/>
-          </a:fillRef>
-          <a:effectRef idx="0">
-            <a:schemeClr val="accent1"/>
-          </a:effectRef>
+          <a:lnRef idx="0"/>
+          <a:fillRef idx="0"/>
+          <a:effectRef idx="0"/>
           <a:fontRef idx="minor"/>
         </p:style>
       </p:sp>
@@ -5444,30 +5353,22 @@
         <p:spPr>
           <a:xfrm>
             <a:off x="0" y="6107760"/>
-            <a:ext cx="4647240" cy="746280"/>
+            <a:ext cx="4646520" cy="745560"/>
           </a:xfrm>
           <a:prstGeom prst="rect">
             <a:avLst/>
           </a:prstGeom>
           <a:solidFill>
-            <a:schemeClr val="accent1"/>
+            <a:srgbClr val="97a7b8"/>
           </a:solidFill>
-          <a:ln>
+          <a:ln w="25560">
             <a:noFill/>
           </a:ln>
         </p:spPr>
         <p:style>
-          <a:lnRef idx="2">
-            <a:schemeClr val="accent1">
-              <a:shade val="50000"/>
-            </a:schemeClr>
-          </a:lnRef>
-          <a:fillRef idx="1">
-            <a:schemeClr val="accent1"/>
-          </a:fillRef>
-          <a:effectRef idx="0">
-            <a:schemeClr val="accent1"/>
-          </a:effectRef>
+          <a:lnRef idx="0"/>
+          <a:fillRef idx="0"/>
+          <a:effectRef idx="0"/>
           <a:fontRef idx="minor"/>
         </p:style>
       </p:sp>
@@ -5480,30 +5381,22 @@
         <p:spPr>
           <a:xfrm>
             <a:off x="1440" y="6101280"/>
-            <a:ext cx="12184920" cy="60120"/>
+            <a:ext cx="12184200" cy="59400"/>
           </a:xfrm>
           <a:prstGeom prst="rect">
             <a:avLst/>
           </a:prstGeom>
           <a:solidFill>
-            <a:schemeClr val="tx2"/>
+            <a:srgbClr val="595460"/>
           </a:solidFill>
-          <a:ln>
+          <a:ln w="25560">
             <a:noFill/>
           </a:ln>
         </p:spPr>
         <p:style>
-          <a:lnRef idx="2">
-            <a:schemeClr val="accent1">
-              <a:shade val="50000"/>
-            </a:schemeClr>
-          </a:lnRef>
-          <a:fillRef idx="1">
-            <a:schemeClr val="accent1"/>
-          </a:fillRef>
-          <a:effectRef idx="0">
-            <a:schemeClr val="accent1"/>
-          </a:effectRef>
+          <a:lnRef idx="0"/>
+          <a:fillRef idx="0"/>
+          <a:effectRef idx="0"/>
           <a:fontRef idx="minor"/>
         </p:style>
       </p:sp>
@@ -5516,30 +5409,22 @@
         <p:spPr>
           <a:xfrm>
             <a:off x="4633920" y="6117480"/>
-            <a:ext cx="60120" cy="736560"/>
+            <a:ext cx="59400" cy="735840"/>
           </a:xfrm>
           <a:prstGeom prst="rect">
             <a:avLst/>
           </a:prstGeom>
           <a:solidFill>
-            <a:schemeClr val="tx2"/>
+            <a:srgbClr val="595460"/>
           </a:solidFill>
-          <a:ln>
+          <a:ln w="25560">
             <a:noFill/>
           </a:ln>
         </p:spPr>
         <p:style>
-          <a:lnRef idx="2">
-            <a:schemeClr val="accent1">
-              <a:shade val="50000"/>
-            </a:schemeClr>
-          </a:lnRef>
-          <a:fillRef idx="1">
-            <a:schemeClr val="accent1"/>
-          </a:fillRef>
-          <a:effectRef idx="0">
-            <a:schemeClr val="accent1"/>
-          </a:effectRef>
+          <a:lnRef idx="0"/>
+          <a:fillRef idx="0"/>
+          <a:effectRef idx="0"/>
           <a:fontRef idx="minor"/>
         </p:style>
       </p:sp>
@@ -5556,7 +5441,7 @@
         <p:spPr>
           <a:xfrm>
             <a:off x="642960" y="6309360"/>
-            <a:ext cx="3420000" cy="453240"/>
+            <a:ext cx="3419280" cy="452520"/>
           </a:xfrm>
           <a:prstGeom prst="rect">
             <a:avLst/>
@@ -5576,7 +5461,7 @@
                 <a:spcPct val="100000"/>
               </a:lnSpc>
               <a:buNone/>
-              <a:defRPr b="0" lang="en-GB" sz="1200" spc="120" strike="noStrike">
+              <a:defRPr b="0" lang="en-GB" sz="1200" spc="114" strike="noStrike">
                 <a:solidFill>
                   <a:srgbClr val="ffffff"/>
                 </a:solidFill>
@@ -5592,7 +5477,7 @@
               <a:buNone/>
             </a:pPr>
             <a:r>
-              <a:rPr b="0" lang="en-GB" sz="1200" spc="120" strike="noStrike">
+              <a:rPr b="0" lang="en-GB" sz="1200" spc="114" strike="noStrike">
                 <a:solidFill>
                   <a:srgbClr val="ffffff"/>
                 </a:solidFill>
@@ -5619,7 +5504,7 @@
         <p:spPr>
           <a:xfrm>
             <a:off x="10569240" y="6309360"/>
-            <a:ext cx="975960" cy="453240"/>
+            <a:ext cx="975240" cy="452520"/>
           </a:xfrm>
           <a:prstGeom prst="rect">
             <a:avLst/>
@@ -5639,7 +5524,7 @@
                 <a:spcPct val="100000"/>
               </a:lnSpc>
               <a:buNone/>
-              <a:defRPr b="1" lang="en-US" sz="1600" spc="120" strike="noStrike">
+              <a:defRPr b="1" lang="en-US" sz="1600" spc="114" strike="noStrike">
                 <a:solidFill>
                   <a:srgbClr val="404040"/>
                 </a:solidFill>
@@ -5654,8 +5539,8 @@
               </a:lnSpc>
               <a:buNone/>
             </a:pPr>
-            <a:fld id="{826858B0-701D-43BC-8BA9-B57CB158EB0A}" type="slidenum">
-              <a:rPr b="1" lang="en-US" sz="1600" spc="120" strike="noStrike">
+            <a:fld id="{18FC4CD0-D5A3-4AE0-8CB9-B40274115A6B}" type="slidenum">
+              <a:rPr b="1" lang="en-US" sz="1600" spc="114" strike="noStrike">
                 <a:solidFill>
                   <a:srgbClr val="404040"/>
                 </a:solidFill>
@@ -5682,7 +5567,7 @@
         <p:spPr>
           <a:xfrm>
             <a:off x="5373720" y="6309360"/>
-            <a:ext cx="3408120" cy="453240"/>
+            <a:ext cx="3407400" cy="452520"/>
           </a:xfrm>
           <a:prstGeom prst="rect">
             <a:avLst/>
@@ -5995,32 +5880,24 @@
         <p:spPr>
           <a:xfrm>
             <a:off x="7573680" y="0"/>
-            <a:ext cx="4614120" cy="6854040"/>
+            <a:ext cx="4613400" cy="6853320"/>
           </a:xfrm>
           <a:prstGeom prst="rect">
             <a:avLst/>
           </a:prstGeom>
           <a:solidFill>
-            <a:schemeClr val="bg1">
+            <a:srgbClr val="ffffff">
               <a:alpha val="75000"/>
-            </a:schemeClr>
+            </a:srgbClr>
           </a:solidFill>
-          <a:ln>
+          <a:ln w="25560">
             <a:noFill/>
           </a:ln>
         </p:spPr>
         <p:style>
-          <a:lnRef idx="2">
-            <a:schemeClr val="accent1">
-              <a:shade val="50000"/>
-            </a:schemeClr>
-          </a:lnRef>
-          <a:fillRef idx="1">
-            <a:schemeClr val="accent1"/>
-          </a:fillRef>
-          <a:effectRef idx="0">
-            <a:schemeClr val="accent1"/>
-          </a:effectRef>
+          <a:lnRef idx="0"/>
+          <a:fillRef idx="0"/>
+          <a:effectRef idx="0"/>
           <a:fontRef idx="minor"/>
         </p:style>
       </p:sp>
@@ -6083,30 +5960,22 @@
         <p:spPr>
           <a:xfrm rot="5400000">
             <a:off x="4101120" y="3396960"/>
-            <a:ext cx="6854040" cy="60120"/>
+            <a:ext cx="6853320" cy="59400"/>
           </a:xfrm>
           <a:prstGeom prst="rect">
             <a:avLst/>
           </a:prstGeom>
           <a:solidFill>
-            <a:schemeClr val="tx2"/>
+            <a:srgbClr val="595460"/>
           </a:solidFill>
-          <a:ln>
+          <a:ln w="25560">
             <a:noFill/>
           </a:ln>
         </p:spPr>
         <p:style>
-          <a:lnRef idx="2">
-            <a:schemeClr val="accent1">
-              <a:shade val="50000"/>
-            </a:schemeClr>
-          </a:lnRef>
-          <a:fillRef idx="1">
-            <a:schemeClr val="accent1"/>
-          </a:fillRef>
-          <a:effectRef idx="0">
-            <a:schemeClr val="accent1"/>
-          </a:effectRef>
+          <a:lnRef idx="0"/>
+          <a:fillRef idx="0"/>
+          <a:effectRef idx="0"/>
           <a:fontRef idx="minor"/>
         </p:style>
       </p:sp>
@@ -6118,31 +5987,23 @@
         </p:nvSpPr>
         <p:spPr>
           <a:xfrm flipH="1">
-            <a:off x="718560" y="-540000"/>
-            <a:ext cx="12188160" cy="6854040"/>
+            <a:off x="717120" y="-540000"/>
+            <a:ext cx="12187440" cy="6853320"/>
           </a:xfrm>
           <a:prstGeom prst="rect">
             <a:avLst/>
           </a:prstGeom>
           <a:solidFill>
-            <a:schemeClr val="bg2"/>
+            <a:srgbClr val="ebedeb"/>
           </a:solidFill>
-          <a:ln>
+          <a:ln w="25560">
             <a:noFill/>
           </a:ln>
         </p:spPr>
         <p:style>
-          <a:lnRef idx="2">
-            <a:schemeClr val="accent1">
-              <a:shade val="50000"/>
-            </a:schemeClr>
-          </a:lnRef>
-          <a:fillRef idx="1">
-            <a:schemeClr val="accent1"/>
-          </a:fillRef>
-          <a:effectRef idx="0">
-            <a:schemeClr val="accent1"/>
-          </a:effectRef>
+          <a:lnRef idx="0"/>
+          <a:fillRef idx="0"/>
+          <a:effectRef idx="0"/>
           <a:fontRef idx="minor"/>
         </p:style>
       </p:sp>
@@ -6154,31 +6015,23 @@
         </p:nvSpPr>
         <p:spPr>
           <a:xfrm flipH="1">
-            <a:off x="-3600" y="0"/>
-            <a:ext cx="4422240" cy="1800000"/>
+            <a:off x="-5040" y="0"/>
+            <a:ext cx="4421520" cy="1799280"/>
           </a:xfrm>
           <a:prstGeom prst="rect">
             <a:avLst/>
           </a:prstGeom>
           <a:solidFill>
-            <a:schemeClr val="accent1"/>
+            <a:srgbClr val="97a7b8"/>
           </a:solidFill>
-          <a:ln>
+          <a:ln w="25560">
             <a:noFill/>
           </a:ln>
         </p:spPr>
         <p:style>
-          <a:lnRef idx="2">
-            <a:schemeClr val="accent1">
-              <a:shade val="50000"/>
-            </a:schemeClr>
-          </a:lnRef>
-          <a:fillRef idx="1">
-            <a:schemeClr val="accent1"/>
-          </a:fillRef>
-          <a:effectRef idx="0">
-            <a:schemeClr val="accent1"/>
-          </a:effectRef>
+          <a:lnRef idx="0"/>
+          <a:fillRef idx="0"/>
+          <a:effectRef idx="0"/>
           <a:fontRef idx="minor"/>
         </p:style>
       </p:sp>
@@ -6196,7 +6049,7 @@
         <p:spPr>
           <a:xfrm>
             <a:off x="0" y="1803960"/>
-            <a:ext cx="4453920" cy="4345920"/>
+            <a:ext cx="4453200" cy="4345200"/>
           </a:xfrm>
           <a:prstGeom prst="rect">
             <a:avLst/>
@@ -6214,33 +6067,25 @@
         </p:nvSpPr>
         <p:spPr>
           <a:xfrm flipH="1">
-            <a:off x="4836240" y="1335600"/>
-            <a:ext cx="7761960" cy="4423680"/>
+            <a:off x="4835520" y="1335600"/>
+            <a:ext cx="7761240" cy="4422960"/>
           </a:xfrm>
           <a:prstGeom prst="rect">
             <a:avLst/>
           </a:prstGeom>
           <a:solidFill>
-            <a:schemeClr val="bg1">
+            <a:srgbClr val="ffffff">
               <a:alpha val="75000"/>
-            </a:schemeClr>
+            </a:srgbClr>
           </a:solidFill>
-          <a:ln>
+          <a:ln w="25560">
             <a:noFill/>
           </a:ln>
         </p:spPr>
         <p:style>
-          <a:lnRef idx="2">
-            <a:schemeClr val="accent1">
-              <a:shade val="50000"/>
-            </a:schemeClr>
-          </a:lnRef>
-          <a:fillRef idx="1">
-            <a:schemeClr val="accent1"/>
-          </a:fillRef>
-          <a:effectRef idx="0">
-            <a:schemeClr val="accent1"/>
-          </a:effectRef>
+          <a:lnRef idx="0"/>
+          <a:fillRef idx="0"/>
+          <a:effectRef idx="0"/>
           <a:fontRef idx="minor"/>
         </p:style>
       </p:sp>
@@ -6257,7 +6102,7 @@
         <p:spPr>
           <a:xfrm>
             <a:off x="4881960" y="2146680"/>
-            <a:ext cx="6662880" cy="2654280"/>
+            <a:ext cx="6662160" cy="2653560"/>
           </a:xfrm>
           <a:prstGeom prst="rect">
             <a:avLst/>
@@ -6279,7 +6124,7 @@
               <a:buNone/>
             </a:pPr>
             <a:r>
-              <a:rPr b="0" lang="en-US" sz="3200" spc="120" strike="noStrike" cap="all">
+              <a:rPr b="0" lang="en-US" sz="3200" spc="114" strike="noStrike" cap="all">
                 <a:solidFill>
                   <a:srgbClr val="404040"/>
                 </a:solidFill>
@@ -6291,7 +6136,7 @@
               <a:rPr sz="3200"/>
             </a:br>
             <a:r>
-              <a:rPr b="0" lang="en-US" sz="3200" spc="120" strike="noStrike" cap="all">
+              <a:rPr b="0" lang="en-US" sz="3200" spc="114" strike="noStrike" cap="all">
                 <a:solidFill>
                   <a:srgbClr val="404040"/>
                 </a:solidFill>
@@ -6314,30 +6159,22 @@
         <p:spPr>
           <a:xfrm>
             <a:off x="1440" y="1753920"/>
-            <a:ext cx="12184920" cy="60120"/>
+            <a:ext cx="12184200" cy="59400"/>
           </a:xfrm>
           <a:prstGeom prst="rect">
             <a:avLst/>
           </a:prstGeom>
           <a:solidFill>
-            <a:schemeClr val="tx2"/>
+            <a:srgbClr val="595460"/>
           </a:solidFill>
-          <a:ln>
+          <a:ln w="25560">
             <a:noFill/>
           </a:ln>
         </p:spPr>
         <p:style>
-          <a:lnRef idx="2">
-            <a:schemeClr val="accent1">
-              <a:shade val="50000"/>
-            </a:schemeClr>
-          </a:lnRef>
-          <a:fillRef idx="1">
-            <a:schemeClr val="accent1"/>
-          </a:fillRef>
-          <a:effectRef idx="0">
-            <a:schemeClr val="accent1"/>
-          </a:effectRef>
+          <a:lnRef idx="0"/>
+          <a:fillRef idx="0"/>
+          <a:effectRef idx="0"/>
           <a:fontRef idx="minor"/>
         </p:style>
       </p:sp>
@@ -6349,33 +6186,25 @@
         </p:nvSpPr>
         <p:spPr>
           <a:xfrm flipH="1">
-            <a:off x="-6480" y="6167520"/>
-            <a:ext cx="12188160" cy="686520"/>
+            <a:off x="-7920" y="6167520"/>
+            <a:ext cx="12187440" cy="685800"/>
           </a:xfrm>
           <a:prstGeom prst="rect">
             <a:avLst/>
           </a:prstGeom>
           <a:solidFill>
-            <a:schemeClr val="bg1">
+            <a:srgbClr val="ffffff">
               <a:alpha val="75000"/>
-            </a:schemeClr>
+            </a:srgbClr>
           </a:solidFill>
-          <a:ln>
+          <a:ln w="25560">
             <a:noFill/>
           </a:ln>
         </p:spPr>
         <p:style>
-          <a:lnRef idx="2">
-            <a:schemeClr val="accent1">
-              <a:shade val="50000"/>
-            </a:schemeClr>
-          </a:lnRef>
-          <a:fillRef idx="1">
-            <a:schemeClr val="accent1"/>
-          </a:fillRef>
-          <a:effectRef idx="0">
-            <a:schemeClr val="accent1"/>
-          </a:effectRef>
+          <a:lnRef idx="0"/>
+          <a:fillRef idx="0"/>
+          <a:effectRef idx="0"/>
           <a:fontRef idx="minor"/>
         </p:style>
       </p:sp>
@@ -6388,30 +6217,22 @@
         <p:spPr>
           <a:xfrm>
             <a:off x="1440" y="6109560"/>
-            <a:ext cx="12184920" cy="60120"/>
+            <a:ext cx="12184200" cy="59400"/>
           </a:xfrm>
           <a:prstGeom prst="rect">
             <a:avLst/>
           </a:prstGeom>
           <a:solidFill>
-            <a:schemeClr val="tx2"/>
+            <a:srgbClr val="595460"/>
           </a:solidFill>
-          <a:ln>
+          <a:ln w="25560">
             <a:noFill/>
           </a:ln>
         </p:spPr>
         <p:style>
-          <a:lnRef idx="2">
-            <a:schemeClr val="accent1">
-              <a:shade val="50000"/>
-            </a:schemeClr>
-          </a:lnRef>
-          <a:fillRef idx="1">
-            <a:schemeClr val="accent1"/>
-          </a:fillRef>
-          <a:effectRef idx="0">
-            <a:schemeClr val="accent1"/>
-          </a:effectRef>
+          <a:lnRef idx="0"/>
+          <a:fillRef idx="0"/>
+          <a:effectRef idx="0"/>
           <a:fontRef idx="minor"/>
         </p:style>
       </p:sp>
@@ -6424,30 +6245,22 @@
         <p:spPr>
           <a:xfrm>
             <a:off x="4394160" y="0"/>
-            <a:ext cx="60120" cy="6854040"/>
+            <a:ext cx="59400" cy="6853320"/>
           </a:xfrm>
           <a:prstGeom prst="rect">
             <a:avLst/>
           </a:prstGeom>
           <a:solidFill>
-            <a:schemeClr val="tx2"/>
+            <a:srgbClr val="595460"/>
           </a:solidFill>
-          <a:ln>
+          <a:ln w="25560">
             <a:noFill/>
           </a:ln>
         </p:spPr>
         <p:style>
-          <a:lnRef idx="2">
-            <a:schemeClr val="accent1">
-              <a:shade val="50000"/>
-            </a:schemeClr>
-          </a:lnRef>
-          <a:fillRef idx="1">
-            <a:schemeClr val="accent1"/>
-          </a:fillRef>
-          <a:effectRef idx="0">
-            <a:schemeClr val="accent1"/>
-          </a:effectRef>
+          <a:lnRef idx="0"/>
+          <a:fillRef idx="0"/>
+          <a:effectRef idx="0"/>
           <a:fontRef idx="minor"/>
         </p:style>
       </p:sp>
@@ -6464,7 +6277,7 @@
         <p:spPr>
           <a:xfrm>
             <a:off x="10569240" y="6309360"/>
-            <a:ext cx="975960" cy="453240"/>
+            <a:ext cx="975240" cy="452520"/>
           </a:xfrm>
           <a:prstGeom prst="rect">
             <a:avLst/>
@@ -6484,7 +6297,7 @@
                 <a:spcPct val="100000"/>
               </a:lnSpc>
               <a:buNone/>
-              <a:defRPr b="1" lang="en-US" sz="1600" spc="120" strike="noStrike">
+              <a:defRPr b="1" lang="en-US" sz="1600" spc="114" strike="noStrike">
                 <a:solidFill>
                   <a:srgbClr val="ffffff"/>
                 </a:solidFill>
@@ -6499,8 +6312,8 @@
               </a:lnSpc>
               <a:buNone/>
             </a:pPr>
-            <a:fld id="{088F67D5-A81A-4798-89E4-265403EA992B}" type="slidenum">
-              <a:rPr b="1" lang="en-US" sz="1600" spc="120" strike="noStrike">
+            <a:fld id="{43D043C8-F544-456A-AF6B-76C50124C232}" type="slidenum">
+              <a:rPr b="1" lang="en-US" sz="1600" spc="114" strike="noStrike">
                 <a:solidFill>
                   <a:srgbClr val="ffffff"/>
                 </a:solidFill>
@@ -6510,6 +6323,1434 @@
             </a:fld>
             <a:endParaRPr b="0" lang="it-IT" sz="1600" spc="-1" strike="noStrike">
               <a:latin typeface="Times New Roman"/>
+            </a:endParaRPr>
+          </a:p>
+        </p:txBody>
+      </p:sp>
+    </p:spTree>
+  </p:cSld>
+  <mc:AlternateContent>
+    <mc:Choice Requires="p14">
+      <p:transition spd="slow" p14:dur="2000"/>
+    </mc:Choice>
+    <mc:Fallback>
+      <p:transition spd="slow"/>
+    </mc:Fallback>
+  </mc:AlternateContent>
+</p:sld>
+</file>
+
+<file path=ppt/slides/slide10.xml><?xml version="1.0" encoding="utf-8"?>
+<p:sld xmlns:a="http://schemas.openxmlformats.org/drawingml/2006/main" xmlns:p="http://schemas.openxmlformats.org/presentationml/2006/main" xmlns:r="http://schemas.openxmlformats.org/officeDocument/2006/relationships" xmlns:p14="http://schemas.microsoft.com/office/powerpoint/2010/main" xmlns:p15="http://schemas.microsoft.com/office/powerpoint/2012/main" xmlns:mc="http://schemas.openxmlformats.org/markup-compatibility/2006">
+  <p:cSld>
+    <p:spTree>
+      <p:nvGrpSpPr>
+        <p:cNvPr id="1" name=""/>
+        <p:cNvGrpSpPr/>
+        <p:nvPr/>
+      </p:nvGrpSpPr>
+      <p:grpSpPr>
+        <a:xfrm>
+          <a:off x="0" y="0"/>
+          <a:ext cx="0" cy="0"/>
+          <a:chOff x="0" y="0"/>
+          <a:chExt cx="0" cy="0"/>
+        </a:xfrm>
+      </p:grpSpPr>
+      <p:sp>
+        <p:nvSpPr>
+          <p:cNvPr id="140" name="PlaceHolder 1"/>
+          <p:cNvSpPr>
+            <a:spLocks noGrp="1"/>
+          </p:cNvSpPr>
+          <p:nvPr>
+            <p:ph type="title"/>
+          </p:nvPr>
+        </p:nvSpPr>
+        <p:spPr>
+          <a:xfrm>
+            <a:off x="322560" y="180720"/>
+            <a:ext cx="11595600" cy="930960"/>
+          </a:xfrm>
+          <a:prstGeom prst="rect">
+            <a:avLst/>
+          </a:prstGeom>
+          <a:noFill/>
+          <a:ln w="0">
+            <a:noFill/>
+          </a:ln>
+        </p:spPr>
+        <p:txBody>
+          <a:bodyPr lIns="109800" rIns="109800" tIns="109800" bIns="91440" anchor="ctr">
+            <a:noAutofit/>
+          </a:bodyPr>
+          <a:p>
+            <a:pPr>
+              <a:lnSpc>
+                <a:spcPct val="150000"/>
+              </a:lnSpc>
+              <a:buNone/>
+            </a:pPr>
+            <a:r>
+              <a:rPr b="1" lang="it-IT" sz="3600" spc="114" strike="noStrike">
+                <a:solidFill>
+                  <a:srgbClr val="ffffff"/>
+                </a:solidFill>
+                <a:latin typeface="Meiryo"/>
+              </a:rPr>
+              <a:t>Owner: Register the DNA in Blockchain</a:t>
+            </a:r>
+            <a:endParaRPr b="0" lang="it-IT" sz="3600" spc="-1" strike="noStrike">
+              <a:latin typeface="Arial"/>
+            </a:endParaRPr>
+          </a:p>
+        </p:txBody>
+      </p:sp>
+      <p:sp>
+        <p:nvSpPr>
+          <p:cNvPr id="141" name="PlaceHolder 2"/>
+          <p:cNvSpPr>
+            <a:spLocks noGrp="1"/>
+          </p:cNvSpPr>
+          <p:nvPr>
+            <p:ph type="sldNum" idx="16"/>
+          </p:nvPr>
+        </p:nvSpPr>
+        <p:spPr>
+          <a:xfrm>
+            <a:off x="10569240" y="6309360"/>
+            <a:ext cx="975240" cy="452520"/>
+          </a:xfrm>
+          <a:prstGeom prst="rect">
+            <a:avLst/>
+          </a:prstGeom>
+          <a:noFill/>
+          <a:ln w="0">
+            <a:noFill/>
+          </a:ln>
+        </p:spPr>
+        <p:txBody>
+          <a:bodyPr lIns="109800" rIns="109800" tIns="109800" bIns="91440" anchor="b">
+            <a:noAutofit/>
+          </a:bodyPr>
+          <a:lstStyle>
+            <a:lvl1pPr algn="r">
+              <a:lnSpc>
+                <a:spcPct val="100000"/>
+              </a:lnSpc>
+              <a:buNone/>
+              <a:defRPr b="1" lang="en-US" sz="1600" spc="114" strike="noStrike">
+                <a:solidFill>
+                  <a:srgbClr val="404040"/>
+                </a:solidFill>
+                <a:latin typeface="Meiryo"/>
+              </a:defRPr>
+            </a:lvl1pPr>
+          </a:lstStyle>
+          <a:p>
+            <a:pPr algn="r">
+              <a:lnSpc>
+                <a:spcPct val="100000"/>
+              </a:lnSpc>
+              <a:buNone/>
+            </a:pPr>
+            <a:fld id="{FA49F1E7-FA4F-4AA2-8A22-697EC57CF1A6}" type="slidenum">
+              <a:rPr b="1" lang="en-US" sz="1600" spc="114" strike="noStrike">
+                <a:solidFill>
+                  <a:srgbClr val="404040"/>
+                </a:solidFill>
+                <a:latin typeface="Meiryo"/>
+              </a:rPr>
+              <a:t>1</a:t>
+            </a:fld>
+            <a:endParaRPr b="0" lang="it-IT" sz="1600" spc="-1" strike="noStrike">
+              <a:latin typeface="Times New Roman"/>
+            </a:endParaRPr>
+          </a:p>
+        </p:txBody>
+      </p:sp>
+      <p:sp>
+        <p:nvSpPr>
+          <p:cNvPr id="142" name="CasellaDiTesto 9"/>
+          <p:cNvSpPr/>
+          <p:nvPr/>
+        </p:nvSpPr>
+        <p:spPr>
+          <a:xfrm>
+            <a:off x="528840" y="1441080"/>
+            <a:ext cx="11015640" cy="4097160"/>
+          </a:xfrm>
+          <a:prstGeom prst="rect">
+            <a:avLst/>
+          </a:prstGeom>
+          <a:noFill/>
+          <a:ln w="0">
+            <a:noFill/>
+          </a:ln>
+        </p:spPr>
+        <p:style>
+          <a:lnRef idx="0"/>
+          <a:fillRef idx="0"/>
+          <a:effectRef idx="0"/>
+          <a:fontRef idx="minor"/>
+        </p:style>
+      </p:sp>
+      <p:pic>
+        <p:nvPicPr>
+          <p:cNvPr id="143" name="" descr=""/>
+          <p:cNvPicPr/>
+          <p:nvPr/>
+        </p:nvPicPr>
+        <p:blipFill>
+          <a:blip r:embed="rId1"/>
+          <a:stretch/>
+        </p:blipFill>
+        <p:spPr>
+          <a:xfrm>
+            <a:off x="2873520" y="1440000"/>
+            <a:ext cx="6486120" cy="4678560"/>
+          </a:xfrm>
+          <a:prstGeom prst="rect">
+            <a:avLst/>
+          </a:prstGeom>
+          <a:ln w="0">
+            <a:noFill/>
+          </a:ln>
+        </p:spPr>
+      </p:pic>
+    </p:spTree>
+  </p:cSld>
+  <mc:AlternateContent>
+    <mc:Choice Requires="p14">
+      <p:transition spd="slow" p14:dur="2000"/>
+    </mc:Choice>
+    <mc:Fallback>
+      <p:transition spd="slow"/>
+    </mc:Fallback>
+  </mc:AlternateContent>
+</p:sld>
+</file>
+
+<file path=ppt/slides/slide11.xml><?xml version="1.0" encoding="utf-8"?>
+<p:sld xmlns:a="http://schemas.openxmlformats.org/drawingml/2006/main" xmlns:p="http://schemas.openxmlformats.org/presentationml/2006/main" xmlns:r="http://schemas.openxmlformats.org/officeDocument/2006/relationships" xmlns:p14="http://schemas.microsoft.com/office/powerpoint/2010/main" xmlns:p15="http://schemas.microsoft.com/office/powerpoint/2012/main" xmlns:mc="http://schemas.openxmlformats.org/markup-compatibility/2006">
+  <p:cSld>
+    <p:spTree>
+      <p:nvGrpSpPr>
+        <p:cNvPr id="1" name=""/>
+        <p:cNvGrpSpPr/>
+        <p:nvPr/>
+      </p:nvGrpSpPr>
+      <p:grpSpPr>
+        <a:xfrm>
+          <a:off x="0" y="0"/>
+          <a:ext cx="0" cy="0"/>
+          <a:chOff x="0" y="0"/>
+          <a:chExt cx="0" cy="0"/>
+        </a:xfrm>
+      </p:grpSpPr>
+      <p:sp>
+        <p:nvSpPr>
+          <p:cNvPr id="144" name="PlaceHolder 1"/>
+          <p:cNvSpPr>
+            <a:spLocks noGrp="1"/>
+          </p:cNvSpPr>
+          <p:nvPr>
+            <p:ph type="title"/>
+          </p:nvPr>
+        </p:nvSpPr>
+        <p:spPr>
+          <a:xfrm>
+            <a:off x="322560" y="180720"/>
+            <a:ext cx="11595600" cy="930960"/>
+          </a:xfrm>
+          <a:prstGeom prst="rect">
+            <a:avLst/>
+          </a:prstGeom>
+          <a:noFill/>
+          <a:ln w="0">
+            <a:noFill/>
+          </a:ln>
+        </p:spPr>
+        <p:txBody>
+          <a:bodyPr lIns="109800" rIns="109800" tIns="109800" bIns="91440" anchor="ctr">
+            <a:noAutofit/>
+          </a:bodyPr>
+          <a:p>
+            <a:pPr>
+              <a:lnSpc>
+                <a:spcPct val="150000"/>
+              </a:lnSpc>
+              <a:buNone/>
+            </a:pPr>
+            <a:r>
+              <a:rPr b="1" lang="it-IT" sz="2400" spc="114" strike="noStrike">
+                <a:solidFill>
+                  <a:srgbClr val="ffffff"/>
+                </a:solidFill>
+                <a:latin typeface="Meiryo"/>
+              </a:rPr>
+              <a:t>Stakeholder: Pick the DNA with a swab and analyze it</a:t>
+            </a:r>
+            <a:endParaRPr b="0" lang="it-IT" sz="2400" spc="-1" strike="noStrike">
+              <a:latin typeface="Arial"/>
+            </a:endParaRPr>
+          </a:p>
+        </p:txBody>
+      </p:sp>
+      <p:sp>
+        <p:nvSpPr>
+          <p:cNvPr id="145" name="PlaceHolder 2"/>
+          <p:cNvSpPr>
+            <a:spLocks noGrp="1"/>
+          </p:cNvSpPr>
+          <p:nvPr>
+            <p:ph type="sldNum" idx="17"/>
+          </p:nvPr>
+        </p:nvSpPr>
+        <p:spPr>
+          <a:xfrm>
+            <a:off x="10569240" y="6309360"/>
+            <a:ext cx="975240" cy="452520"/>
+          </a:xfrm>
+          <a:prstGeom prst="rect">
+            <a:avLst/>
+          </a:prstGeom>
+          <a:noFill/>
+          <a:ln w="0">
+            <a:noFill/>
+          </a:ln>
+        </p:spPr>
+        <p:txBody>
+          <a:bodyPr lIns="109800" rIns="109800" tIns="109800" bIns="91440" anchor="b">
+            <a:noAutofit/>
+          </a:bodyPr>
+          <a:lstStyle>
+            <a:lvl1pPr algn="r">
+              <a:lnSpc>
+                <a:spcPct val="100000"/>
+              </a:lnSpc>
+              <a:buNone/>
+              <a:defRPr b="1" lang="en-US" sz="1600" spc="114" strike="noStrike">
+                <a:solidFill>
+                  <a:srgbClr val="404040"/>
+                </a:solidFill>
+                <a:latin typeface="Meiryo"/>
+              </a:defRPr>
+            </a:lvl1pPr>
+          </a:lstStyle>
+          <a:p>
+            <a:pPr algn="r">
+              <a:lnSpc>
+                <a:spcPct val="100000"/>
+              </a:lnSpc>
+              <a:buNone/>
+            </a:pPr>
+            <a:fld id="{FBCC5483-4F3A-4481-897A-2D610322CBE6}" type="slidenum">
+              <a:rPr b="1" lang="en-US" sz="1600" spc="114" strike="noStrike">
+                <a:solidFill>
+                  <a:srgbClr val="404040"/>
+                </a:solidFill>
+                <a:latin typeface="Meiryo"/>
+              </a:rPr>
+              <a:t>1</a:t>
+            </a:fld>
+            <a:endParaRPr b="0" lang="it-IT" sz="1600" spc="-1" strike="noStrike">
+              <a:latin typeface="Times New Roman"/>
+            </a:endParaRPr>
+          </a:p>
+        </p:txBody>
+      </p:sp>
+      <p:sp>
+        <p:nvSpPr>
+          <p:cNvPr id="146" name="CasellaDiTesto 13"/>
+          <p:cNvSpPr/>
+          <p:nvPr/>
+        </p:nvSpPr>
+        <p:spPr>
+          <a:xfrm>
+            <a:off x="528840" y="1441080"/>
+            <a:ext cx="11015640" cy="4097160"/>
+          </a:xfrm>
+          <a:prstGeom prst="rect">
+            <a:avLst/>
+          </a:prstGeom>
+          <a:noFill/>
+          <a:ln w="0">
+            <a:noFill/>
+          </a:ln>
+        </p:spPr>
+        <p:style>
+          <a:lnRef idx="0"/>
+          <a:fillRef idx="0"/>
+          <a:effectRef idx="0"/>
+          <a:fontRef idx="minor"/>
+        </p:style>
+      </p:sp>
+      <p:pic>
+        <p:nvPicPr>
+          <p:cNvPr id="147" name="" descr=""/>
+          <p:cNvPicPr/>
+          <p:nvPr/>
+        </p:nvPicPr>
+        <p:blipFill>
+          <a:blip r:embed="rId1"/>
+          <a:stretch/>
+        </p:blipFill>
+        <p:spPr>
+          <a:xfrm rot="5411400">
+            <a:off x="-371880" y="1968840"/>
+            <a:ext cx="4530960" cy="3398040"/>
+          </a:xfrm>
+          <a:prstGeom prst="rect">
+            <a:avLst/>
+          </a:prstGeom>
+          <a:ln w="0">
+            <a:noFill/>
+          </a:ln>
+        </p:spPr>
+      </p:pic>
+      <p:pic>
+        <p:nvPicPr>
+          <p:cNvPr id="148" name="" descr=""/>
+          <p:cNvPicPr/>
+          <p:nvPr/>
+        </p:nvPicPr>
+        <p:blipFill>
+          <a:blip r:embed="rId2"/>
+          <a:stretch/>
+        </p:blipFill>
+        <p:spPr>
+          <a:xfrm>
+            <a:off x="4212000" y="1441080"/>
+            <a:ext cx="7847640" cy="4405320"/>
+          </a:xfrm>
+          <a:prstGeom prst="rect">
+            <a:avLst/>
+          </a:prstGeom>
+          <a:ln w="0">
+            <a:noFill/>
+          </a:ln>
+        </p:spPr>
+      </p:pic>
+    </p:spTree>
+  </p:cSld>
+  <mc:AlternateContent>
+    <mc:Choice Requires="p14">
+      <p:transition spd="slow" p14:dur="2000"/>
+    </mc:Choice>
+    <mc:Fallback>
+      <p:transition spd="slow"/>
+    </mc:Fallback>
+  </mc:AlternateContent>
+</p:sld>
+</file>
+
+<file path=ppt/slides/slide12.xml><?xml version="1.0" encoding="utf-8"?>
+<p:sld xmlns:a="http://schemas.openxmlformats.org/drawingml/2006/main" xmlns:p="http://schemas.openxmlformats.org/presentationml/2006/main" xmlns:r="http://schemas.openxmlformats.org/officeDocument/2006/relationships" xmlns:p14="http://schemas.microsoft.com/office/powerpoint/2010/main" xmlns:p15="http://schemas.microsoft.com/office/powerpoint/2012/main" xmlns:mc="http://schemas.openxmlformats.org/markup-compatibility/2006">
+  <p:cSld>
+    <p:spTree>
+      <p:nvGrpSpPr>
+        <p:cNvPr id="1" name=""/>
+        <p:cNvGrpSpPr/>
+        <p:nvPr/>
+      </p:nvGrpSpPr>
+      <p:grpSpPr>
+        <a:xfrm>
+          <a:off x="0" y="0"/>
+          <a:ext cx="0" cy="0"/>
+          <a:chOff x="0" y="0"/>
+          <a:chExt cx="0" cy="0"/>
+        </a:xfrm>
+      </p:grpSpPr>
+      <p:sp>
+        <p:nvSpPr>
+          <p:cNvPr id="149" name="PlaceHolder 1"/>
+          <p:cNvSpPr>
+            <a:spLocks noGrp="1"/>
+          </p:cNvSpPr>
+          <p:nvPr>
+            <p:ph type="title"/>
+          </p:nvPr>
+        </p:nvSpPr>
+        <p:spPr>
+          <a:xfrm>
+            <a:off x="322560" y="180720"/>
+            <a:ext cx="11595600" cy="930960"/>
+          </a:xfrm>
+          <a:prstGeom prst="rect">
+            <a:avLst/>
+          </a:prstGeom>
+          <a:noFill/>
+          <a:ln w="0">
+            <a:noFill/>
+          </a:ln>
+        </p:spPr>
+        <p:txBody>
+          <a:bodyPr lIns="109800" rIns="109800" tIns="109800" bIns="91440" anchor="ctr">
+            <a:noAutofit/>
+          </a:bodyPr>
+          <a:p>
+            <a:pPr>
+              <a:lnSpc>
+                <a:spcPct val="150000"/>
+              </a:lnSpc>
+              <a:buNone/>
+            </a:pPr>
+            <a:r>
+              <a:rPr b="1" lang="it-IT" sz="3600" spc="114" strike="noStrike">
+                <a:solidFill>
+                  <a:srgbClr val="ffffff"/>
+                </a:solidFill>
+                <a:latin typeface="Meiryo"/>
+              </a:rPr>
+              <a:t>Stakeholder: Verify authenticity in BC</a:t>
+            </a:r>
+            <a:endParaRPr b="0" lang="it-IT" sz="3600" spc="-1" strike="noStrike">
+              <a:latin typeface="Arial"/>
+            </a:endParaRPr>
+          </a:p>
+        </p:txBody>
+      </p:sp>
+      <p:sp>
+        <p:nvSpPr>
+          <p:cNvPr id="150" name="PlaceHolder 2"/>
+          <p:cNvSpPr>
+            <a:spLocks noGrp="1"/>
+          </p:cNvSpPr>
+          <p:nvPr>
+            <p:ph type="sldNum" idx="18"/>
+          </p:nvPr>
+        </p:nvSpPr>
+        <p:spPr>
+          <a:xfrm>
+            <a:off x="10569240" y="6309360"/>
+            <a:ext cx="975240" cy="452520"/>
+          </a:xfrm>
+          <a:prstGeom prst="rect">
+            <a:avLst/>
+          </a:prstGeom>
+          <a:noFill/>
+          <a:ln w="0">
+            <a:noFill/>
+          </a:ln>
+        </p:spPr>
+        <p:txBody>
+          <a:bodyPr lIns="109800" rIns="109800" tIns="109800" bIns="91440" anchor="b">
+            <a:noAutofit/>
+          </a:bodyPr>
+          <a:lstStyle>
+            <a:lvl1pPr algn="r">
+              <a:lnSpc>
+                <a:spcPct val="100000"/>
+              </a:lnSpc>
+              <a:buNone/>
+              <a:defRPr b="1" lang="en-US" sz="1600" spc="114" strike="noStrike">
+                <a:solidFill>
+                  <a:srgbClr val="404040"/>
+                </a:solidFill>
+                <a:latin typeface="Meiryo"/>
+              </a:defRPr>
+            </a:lvl1pPr>
+          </a:lstStyle>
+          <a:p>
+            <a:pPr algn="r">
+              <a:lnSpc>
+                <a:spcPct val="100000"/>
+              </a:lnSpc>
+              <a:buNone/>
+            </a:pPr>
+            <a:fld id="{C186ECEA-D536-4DD7-ADEF-4D5BE7D576A8}" type="slidenum">
+              <a:rPr b="1" lang="en-US" sz="1600" spc="114" strike="noStrike">
+                <a:solidFill>
+                  <a:srgbClr val="404040"/>
+                </a:solidFill>
+                <a:latin typeface="Meiryo"/>
+              </a:rPr>
+              <a:t>1</a:t>
+            </a:fld>
+            <a:endParaRPr b="0" lang="it-IT" sz="1600" spc="-1" strike="noStrike">
+              <a:latin typeface="Times New Roman"/>
+            </a:endParaRPr>
+          </a:p>
+        </p:txBody>
+      </p:sp>
+      <p:sp>
+        <p:nvSpPr>
+          <p:cNvPr id="151" name="CasellaDiTesto 11"/>
+          <p:cNvSpPr/>
+          <p:nvPr/>
+        </p:nvSpPr>
+        <p:spPr>
+          <a:xfrm>
+            <a:off x="528840" y="1441080"/>
+            <a:ext cx="11015640" cy="4097160"/>
+          </a:xfrm>
+          <a:prstGeom prst="rect">
+            <a:avLst/>
+          </a:prstGeom>
+          <a:noFill/>
+          <a:ln w="0">
+            <a:noFill/>
+          </a:ln>
+        </p:spPr>
+        <p:style>
+          <a:lnRef idx="0"/>
+          <a:fillRef idx="0"/>
+          <a:effectRef idx="0"/>
+          <a:fontRef idx="minor"/>
+        </p:style>
+      </p:sp>
+      <p:pic>
+        <p:nvPicPr>
+          <p:cNvPr id="152" name="" descr=""/>
+          <p:cNvPicPr/>
+          <p:nvPr/>
+        </p:nvPicPr>
+        <p:blipFill>
+          <a:blip r:embed="rId1"/>
+          <a:stretch/>
+        </p:blipFill>
+        <p:spPr>
+          <a:xfrm>
+            <a:off x="-108360" y="1344240"/>
+            <a:ext cx="6588000" cy="4775400"/>
+          </a:xfrm>
+          <a:prstGeom prst="rect">
+            <a:avLst/>
+          </a:prstGeom>
+          <a:ln w="0">
+            <a:noFill/>
+          </a:ln>
+        </p:spPr>
+      </p:pic>
+      <p:pic>
+        <p:nvPicPr>
+          <p:cNvPr id="153" name="" descr=""/>
+          <p:cNvPicPr/>
+          <p:nvPr/>
+        </p:nvPicPr>
+        <p:blipFill>
+          <a:blip r:embed="rId2"/>
+          <a:stretch/>
+        </p:blipFill>
+        <p:spPr>
+          <a:xfrm>
+            <a:off x="7020000" y="1441080"/>
+            <a:ext cx="4319640" cy="4669200"/>
+          </a:xfrm>
+          <a:prstGeom prst="rect">
+            <a:avLst/>
+          </a:prstGeom>
+          <a:ln w="0">
+            <a:noFill/>
+          </a:ln>
+        </p:spPr>
+      </p:pic>
+    </p:spTree>
+  </p:cSld>
+  <mc:AlternateContent>
+    <mc:Choice Requires="p14">
+      <p:transition spd="slow" p14:dur="2000"/>
+    </mc:Choice>
+    <mc:Fallback>
+      <p:transition spd="slow"/>
+    </mc:Fallback>
+  </mc:AlternateContent>
+</p:sld>
+</file>
+
+<file path=ppt/slides/slide13.xml><?xml version="1.0" encoding="utf-8"?>
+<p:sld xmlns:a="http://schemas.openxmlformats.org/drawingml/2006/main" xmlns:p="http://schemas.openxmlformats.org/presentationml/2006/main" xmlns:r="http://schemas.openxmlformats.org/officeDocument/2006/relationships" xmlns:p14="http://schemas.microsoft.com/office/powerpoint/2010/main" xmlns:p15="http://schemas.microsoft.com/office/powerpoint/2012/main" xmlns:mc="http://schemas.openxmlformats.org/markup-compatibility/2006">
+  <p:cSld>
+    <p:spTree>
+      <p:nvGrpSpPr>
+        <p:cNvPr id="1" name=""/>
+        <p:cNvGrpSpPr/>
+        <p:nvPr/>
+      </p:nvGrpSpPr>
+      <p:grpSpPr>
+        <a:xfrm>
+          <a:off x="0" y="0"/>
+          <a:ext cx="0" cy="0"/>
+          <a:chOff x="0" y="0"/>
+          <a:chExt cx="0" cy="0"/>
+        </a:xfrm>
+      </p:grpSpPr>
+      <p:sp>
+        <p:nvSpPr>
+          <p:cNvPr id="154" name="PlaceHolder 1"/>
+          <p:cNvSpPr>
+            <a:spLocks noGrp="1"/>
+          </p:cNvSpPr>
+          <p:nvPr>
+            <p:ph type="title"/>
+          </p:nvPr>
+        </p:nvSpPr>
+        <p:spPr>
+          <a:xfrm>
+            <a:off x="322560" y="180720"/>
+            <a:ext cx="11595600" cy="930960"/>
+          </a:xfrm>
+          <a:prstGeom prst="rect">
+            <a:avLst/>
+          </a:prstGeom>
+          <a:noFill/>
+          <a:ln w="0">
+            <a:noFill/>
+          </a:ln>
+        </p:spPr>
+        <p:txBody>
+          <a:bodyPr lIns="109800" rIns="109800" tIns="109800" bIns="91440" anchor="ctr">
+            <a:noAutofit/>
+          </a:bodyPr>
+          <a:p>
+            <a:pPr>
+              <a:lnSpc>
+                <a:spcPct val="150000"/>
+              </a:lnSpc>
+              <a:buNone/>
+            </a:pPr>
+            <a:r>
+              <a:rPr b="1" lang="it-IT" sz="3600" spc="114" strike="noStrike">
+                <a:solidFill>
+                  <a:srgbClr val="ffffff"/>
+                </a:solidFill>
+                <a:latin typeface="Meiryo"/>
+              </a:rPr>
+              <a:t>MVP Architecure</a:t>
+            </a:r>
+            <a:endParaRPr b="0" lang="it-IT" sz="3600" spc="-1" strike="noStrike">
+              <a:latin typeface="Arial"/>
+            </a:endParaRPr>
+          </a:p>
+        </p:txBody>
+      </p:sp>
+      <p:sp>
+        <p:nvSpPr>
+          <p:cNvPr id="155" name="PlaceHolder 2"/>
+          <p:cNvSpPr>
+            <a:spLocks noGrp="1"/>
+          </p:cNvSpPr>
+          <p:nvPr>
+            <p:ph type="sldNum" idx="19"/>
+          </p:nvPr>
+        </p:nvSpPr>
+        <p:spPr>
+          <a:xfrm>
+            <a:off x="10569240" y="6309360"/>
+            <a:ext cx="975240" cy="452520"/>
+          </a:xfrm>
+          <a:prstGeom prst="rect">
+            <a:avLst/>
+          </a:prstGeom>
+          <a:noFill/>
+          <a:ln w="0">
+            <a:noFill/>
+          </a:ln>
+        </p:spPr>
+        <p:txBody>
+          <a:bodyPr lIns="109800" rIns="109800" tIns="109800" bIns="91440" anchor="b">
+            <a:noAutofit/>
+          </a:bodyPr>
+          <a:lstStyle>
+            <a:lvl1pPr algn="r">
+              <a:lnSpc>
+                <a:spcPct val="100000"/>
+              </a:lnSpc>
+              <a:buNone/>
+              <a:defRPr b="1" lang="en-US" sz="1600" spc="114" strike="noStrike">
+                <a:solidFill>
+                  <a:srgbClr val="404040"/>
+                </a:solidFill>
+                <a:latin typeface="Meiryo"/>
+              </a:defRPr>
+            </a:lvl1pPr>
+          </a:lstStyle>
+          <a:p>
+            <a:pPr algn="r">
+              <a:lnSpc>
+                <a:spcPct val="100000"/>
+              </a:lnSpc>
+              <a:buNone/>
+            </a:pPr>
+            <a:fld id="{006DE9DD-6E3E-4DF2-BBC6-3C607423057A}" type="slidenum">
+              <a:rPr b="1" lang="en-US" sz="1600" spc="114" strike="noStrike">
+                <a:solidFill>
+                  <a:srgbClr val="404040"/>
+                </a:solidFill>
+                <a:latin typeface="Meiryo"/>
+              </a:rPr>
+              <a:t>1</a:t>
+            </a:fld>
+            <a:endParaRPr b="0" lang="it-IT" sz="1600" spc="-1" strike="noStrike">
+              <a:latin typeface="Times New Roman"/>
+            </a:endParaRPr>
+          </a:p>
+        </p:txBody>
+      </p:sp>
+      <p:sp>
+        <p:nvSpPr>
+          <p:cNvPr id="156" name="CasellaDiTesto 2"/>
+          <p:cNvSpPr/>
+          <p:nvPr/>
+        </p:nvSpPr>
+        <p:spPr>
+          <a:xfrm>
+            <a:off x="528840" y="1441080"/>
+            <a:ext cx="11015640" cy="719280"/>
+          </a:xfrm>
+          <a:prstGeom prst="rect">
+            <a:avLst/>
+          </a:prstGeom>
+          <a:noFill/>
+          <a:ln w="0">
+            <a:noFill/>
+          </a:ln>
+        </p:spPr>
+        <p:style>
+          <a:lnRef idx="0"/>
+          <a:fillRef idx="0"/>
+          <a:effectRef idx="0"/>
+          <a:fontRef idx="minor"/>
+        </p:style>
+        <p:txBody>
+          <a:bodyPr lIns="90000" rIns="90000" tIns="45000" bIns="45000" anchor="t">
+            <a:spAutoFit/>
+          </a:bodyPr>
+          <a:p>
+            <a:pPr marL="274320" indent="-228600" algn="just">
+              <a:lnSpc>
+                <a:spcPct val="90000"/>
+              </a:lnSpc>
+              <a:spcBef>
+                <a:spcPts val="451"/>
+              </a:spcBef>
+              <a:buNone/>
+              <a:tabLst>
+                <a:tab algn="l" pos="0"/>
+              </a:tabLst>
+            </a:pPr>
+            <a:endParaRPr b="0" lang="it-IT" sz="1600" spc="-1" strike="noStrike">
+              <a:latin typeface="Arial"/>
+            </a:endParaRPr>
+          </a:p>
+          <a:p>
+            <a:pPr marL="502920" indent="-228600" algn="just">
+              <a:lnSpc>
+                <a:spcPct val="90000"/>
+              </a:lnSpc>
+              <a:spcBef>
+                <a:spcPts val="451"/>
+              </a:spcBef>
+              <a:buNone/>
+              <a:tabLst>
+                <a:tab algn="l" pos="0"/>
+              </a:tabLst>
+            </a:pPr>
+            <a:endParaRPr b="0" lang="it-IT" sz="2400" spc="-1" strike="noStrike">
+              <a:latin typeface="Arial"/>
+            </a:endParaRPr>
+          </a:p>
+        </p:txBody>
+      </p:sp>
+      <p:pic>
+        <p:nvPicPr>
+          <p:cNvPr id="157" name="" descr=""/>
+          <p:cNvPicPr/>
+          <p:nvPr/>
+        </p:nvPicPr>
+        <p:blipFill>
+          <a:blip r:embed="rId1"/>
+          <a:stretch/>
+        </p:blipFill>
+        <p:spPr>
+          <a:xfrm>
+            <a:off x="5490000" y="343080"/>
+            <a:ext cx="6702120" cy="6856920"/>
+          </a:xfrm>
+          <a:prstGeom prst="rect">
+            <a:avLst/>
+          </a:prstGeom>
+          <a:ln w="0">
+            <a:noFill/>
+          </a:ln>
+        </p:spPr>
+      </p:pic>
+      <p:sp>
+        <p:nvSpPr>
+          <p:cNvPr id="158" name=""/>
+          <p:cNvSpPr txBox="1"/>
+          <p:nvPr/>
+        </p:nvSpPr>
+        <p:spPr>
+          <a:xfrm>
+            <a:off x="384840" y="5220000"/>
+            <a:ext cx="4655160" cy="602280"/>
+          </a:xfrm>
+          <a:prstGeom prst="rect">
+            <a:avLst/>
+          </a:prstGeom>
+          <a:noFill/>
+          <a:ln w="0">
+            <a:noFill/>
+          </a:ln>
+        </p:spPr>
+        <p:txBody>
+          <a:bodyPr lIns="90000" rIns="90000" tIns="45000" bIns="45000" anchor="t">
+            <a:noAutofit/>
+          </a:bodyPr>
+          <a:p>
+            <a:r>
+              <a:rPr b="0" lang="it-IT" sz="1800" spc="-1" strike="noStrike">
+                <a:latin typeface="Arial"/>
+              </a:rPr>
+              <a:t>MVP in mainnet:</a:t>
+            </a:r>
+            <a:endParaRPr b="0" lang="it-IT" sz="1800" spc="-1" strike="noStrike">
+              <a:latin typeface="Arial"/>
+            </a:endParaRPr>
+          </a:p>
+          <a:p>
+            <a:r>
+              <a:rPr b="0" lang="it-IT" sz="1800" spc="-1" strike="noStrike">
+                <a:latin typeface="Arial"/>
+              </a:rPr>
+              <a:t>https://way7l-iqaaa-aaaan-qmfoa-cai.icp0.io/</a:t>
+            </a:r>
+            <a:endParaRPr b="0" lang="it-IT" sz="1800" spc="-1" strike="noStrike">
+              <a:latin typeface="Arial"/>
+            </a:endParaRPr>
+          </a:p>
+        </p:txBody>
+      </p:sp>
+    </p:spTree>
+  </p:cSld>
+  <mc:AlternateContent>
+    <mc:Choice Requires="p14">
+      <p:transition spd="slow" p14:dur="2000"/>
+    </mc:Choice>
+    <mc:Fallback>
+      <p:transition spd="slow"/>
+    </mc:Fallback>
+  </mc:AlternateContent>
+</p:sld>
+</file>
+
+<file path=ppt/slides/slide14.xml><?xml version="1.0" encoding="utf-8"?>
+<p:sld xmlns:a="http://schemas.openxmlformats.org/drawingml/2006/main" xmlns:p="http://schemas.openxmlformats.org/presentationml/2006/main" xmlns:r="http://schemas.openxmlformats.org/officeDocument/2006/relationships" xmlns:p14="http://schemas.microsoft.com/office/powerpoint/2010/main" xmlns:p15="http://schemas.microsoft.com/office/powerpoint/2012/main" xmlns:mc="http://schemas.openxmlformats.org/markup-compatibility/2006">
+  <p:cSld>
+    <p:spTree>
+      <p:nvGrpSpPr>
+        <p:cNvPr id="1" name=""/>
+        <p:cNvGrpSpPr/>
+        <p:nvPr/>
+      </p:nvGrpSpPr>
+      <p:grpSpPr>
+        <a:xfrm>
+          <a:off x="0" y="0"/>
+          <a:ext cx="0" cy="0"/>
+          <a:chOff x="0" y="0"/>
+          <a:chExt cx="0" cy="0"/>
+        </a:xfrm>
+      </p:grpSpPr>
+      <p:sp>
+        <p:nvSpPr>
+          <p:cNvPr id="159" name="PlaceHolder 1"/>
+          <p:cNvSpPr>
+            <a:spLocks noGrp="1"/>
+          </p:cNvSpPr>
+          <p:nvPr>
+            <p:ph type="title"/>
+          </p:nvPr>
+        </p:nvSpPr>
+        <p:spPr>
+          <a:xfrm>
+            <a:off x="322560" y="180720"/>
+            <a:ext cx="11595600" cy="930960"/>
+          </a:xfrm>
+          <a:prstGeom prst="rect">
+            <a:avLst/>
+          </a:prstGeom>
+          <a:noFill/>
+          <a:ln w="0">
+            <a:noFill/>
+          </a:ln>
+        </p:spPr>
+        <p:txBody>
+          <a:bodyPr lIns="109800" rIns="109800" tIns="109800" bIns="91440" anchor="ctr">
+            <a:noAutofit/>
+          </a:bodyPr>
+          <a:p>
+            <a:pPr>
+              <a:lnSpc>
+                <a:spcPct val="150000"/>
+              </a:lnSpc>
+              <a:buNone/>
+            </a:pPr>
+            <a:r>
+              <a:rPr b="1" lang="it-IT" sz="3600" spc="114" strike="noStrike">
+                <a:solidFill>
+                  <a:srgbClr val="ffffff"/>
+                </a:solidFill>
+                <a:latin typeface="Meiryo"/>
+              </a:rPr>
+              <a:t>Final Product needs</a:t>
+            </a:r>
+            <a:endParaRPr b="0" lang="it-IT" sz="3600" spc="-1" strike="noStrike">
+              <a:latin typeface="Arial"/>
+            </a:endParaRPr>
+          </a:p>
+        </p:txBody>
+      </p:sp>
+      <p:sp>
+        <p:nvSpPr>
+          <p:cNvPr id="160" name="PlaceHolder 2"/>
+          <p:cNvSpPr>
+            <a:spLocks noGrp="1"/>
+          </p:cNvSpPr>
+          <p:nvPr>
+            <p:ph type="sldNum" idx="20"/>
+          </p:nvPr>
+        </p:nvSpPr>
+        <p:spPr>
+          <a:xfrm>
+            <a:off x="10569240" y="6309360"/>
+            <a:ext cx="975240" cy="452520"/>
+          </a:xfrm>
+          <a:prstGeom prst="rect">
+            <a:avLst/>
+          </a:prstGeom>
+          <a:noFill/>
+          <a:ln w="0">
+            <a:noFill/>
+          </a:ln>
+        </p:spPr>
+        <p:txBody>
+          <a:bodyPr lIns="109800" rIns="109800" tIns="109800" bIns="91440" anchor="b">
+            <a:noAutofit/>
+          </a:bodyPr>
+          <a:lstStyle>
+            <a:lvl1pPr algn="r">
+              <a:lnSpc>
+                <a:spcPct val="100000"/>
+              </a:lnSpc>
+              <a:buNone/>
+              <a:defRPr b="1" lang="en-US" sz="1600" spc="114" strike="noStrike">
+                <a:solidFill>
+                  <a:srgbClr val="404040"/>
+                </a:solidFill>
+                <a:latin typeface="Meiryo"/>
+              </a:defRPr>
+            </a:lvl1pPr>
+          </a:lstStyle>
+          <a:p>
+            <a:pPr algn="r">
+              <a:lnSpc>
+                <a:spcPct val="100000"/>
+              </a:lnSpc>
+              <a:buNone/>
+            </a:pPr>
+            <a:fld id="{64A2AC3C-1C8A-4275-BE84-050353510F29}" type="slidenum">
+              <a:rPr b="1" lang="en-US" sz="1600" spc="114" strike="noStrike">
+                <a:solidFill>
+                  <a:srgbClr val="404040"/>
+                </a:solidFill>
+                <a:latin typeface="Meiryo"/>
+              </a:rPr>
+              <a:t>&lt;number&gt;</a:t>
+            </a:fld>
+            <a:endParaRPr b="0" lang="it-IT" sz="1600" spc="-1" strike="noStrike">
+              <a:latin typeface="Times New Roman"/>
+            </a:endParaRPr>
+          </a:p>
+        </p:txBody>
+      </p:sp>
+      <p:sp>
+        <p:nvSpPr>
+          <p:cNvPr id="161" name="CasellaDiTesto 4"/>
+          <p:cNvSpPr/>
+          <p:nvPr/>
+        </p:nvSpPr>
+        <p:spPr>
+          <a:xfrm>
+            <a:off x="528840" y="1441080"/>
+            <a:ext cx="11015640" cy="5240160"/>
+          </a:xfrm>
+          <a:prstGeom prst="rect">
+            <a:avLst/>
+          </a:prstGeom>
+          <a:noFill/>
+          <a:ln w="0">
+            <a:noFill/>
+          </a:ln>
+        </p:spPr>
+        <p:style>
+          <a:lnRef idx="0"/>
+          <a:fillRef idx="0"/>
+          <a:effectRef idx="0"/>
+          <a:fontRef idx="minor"/>
+        </p:style>
+        <p:txBody>
+          <a:bodyPr lIns="90000" rIns="90000" tIns="45000" bIns="45000" anchor="t">
+            <a:spAutoFit/>
+          </a:bodyPr>
+          <a:p>
+            <a:pPr marL="274320" indent="-228600" algn="just">
+              <a:lnSpc>
+                <a:spcPct val="90000"/>
+              </a:lnSpc>
+              <a:spcBef>
+                <a:spcPts val="451"/>
+              </a:spcBef>
+              <a:buNone/>
+              <a:tabLst>
+                <a:tab algn="l" pos="0"/>
+              </a:tabLst>
+            </a:pPr>
+            <a:endParaRPr b="0" lang="it-IT" sz="1600" spc="-1" strike="noStrike">
+              <a:latin typeface="Arial"/>
+            </a:endParaRPr>
+          </a:p>
+          <a:p>
+            <a:pPr marL="274320" indent="-228600" algn="just">
+              <a:lnSpc>
+                <a:spcPct val="90000"/>
+              </a:lnSpc>
+              <a:spcBef>
+                <a:spcPts val="451"/>
+              </a:spcBef>
+              <a:buClr>
+                <a:srgbClr val="000000"/>
+              </a:buClr>
+              <a:buSzPct val="45000"/>
+              <a:buFont typeface="Wingdings" charset="2"/>
+              <a:buChar char=""/>
+              <a:tabLst>
+                <a:tab algn="l" pos="0"/>
+              </a:tabLst>
+            </a:pPr>
+            <a:r>
+              <a:rPr b="0" lang="it-IT" sz="2400" spc="-1" strike="noStrike">
+                <a:solidFill>
+                  <a:srgbClr val="000000"/>
+                </a:solidFill>
+                <a:latin typeface="Meiryo"/>
+                <a:ea typeface="DejaVu Sans"/>
+              </a:rPr>
+              <a:t>Reduce adoption friction:</a:t>
+            </a:r>
+            <a:endParaRPr b="0" lang="it-IT" sz="2400" spc="-1" strike="noStrike">
+              <a:latin typeface="Arial"/>
+            </a:endParaRPr>
+          </a:p>
+          <a:p>
+            <a:pPr lvl="2" marL="648000" indent="-216000" algn="just">
+              <a:lnSpc>
+                <a:spcPct val="90000"/>
+              </a:lnSpc>
+              <a:spcBef>
+                <a:spcPts val="451"/>
+              </a:spcBef>
+              <a:buClr>
+                <a:srgbClr val="000000"/>
+              </a:buClr>
+              <a:buSzPct val="45000"/>
+              <a:buFont typeface="Wingdings" charset="2"/>
+              <a:buChar char=""/>
+              <a:tabLst>
+                <a:tab algn="l" pos="0"/>
+              </a:tabLst>
+            </a:pPr>
+            <a:r>
+              <a:rPr b="0" lang="it-IT" sz="2400" spc="-1" strike="noStrike">
+                <a:solidFill>
+                  <a:srgbClr val="000000"/>
+                </a:solidFill>
+                <a:latin typeface="Meiryo"/>
+                <a:ea typeface="DejaVu Sans"/>
+              </a:rPr>
+              <a:t>NFID authentication?</a:t>
+            </a:r>
+            <a:endParaRPr b="0" lang="it-IT" sz="2400" spc="-1" strike="noStrike">
+              <a:latin typeface="Arial"/>
+            </a:endParaRPr>
+          </a:p>
+          <a:p>
+            <a:pPr lvl="2" marL="648000" indent="-216000" algn="just">
+              <a:lnSpc>
+                <a:spcPct val="90000"/>
+              </a:lnSpc>
+              <a:spcBef>
+                <a:spcPts val="451"/>
+              </a:spcBef>
+              <a:buClr>
+                <a:srgbClr val="000000"/>
+              </a:buClr>
+              <a:buSzPct val="45000"/>
+              <a:buFont typeface="Wingdings" charset="2"/>
+              <a:buChar char=""/>
+              <a:tabLst>
+                <a:tab algn="l" pos="0"/>
+              </a:tabLst>
+            </a:pPr>
+            <a:r>
+              <a:rPr b="0" lang="it-IT" sz="2400" spc="-1" strike="noStrike">
+                <a:solidFill>
+                  <a:srgbClr val="000000"/>
+                </a:solidFill>
+                <a:latin typeface="Meiryo"/>
+                <a:ea typeface="DejaVu Sans"/>
+              </a:rPr>
+              <a:t>Cartridge and Services Purchase: </a:t>
+            </a:r>
+            <a:r>
+              <a:rPr b="0" i="1" lang="it-IT" sz="2400" spc="-1" strike="noStrike">
+                <a:solidFill>
+                  <a:srgbClr val="000000"/>
+                </a:solidFill>
+                <a:latin typeface="Meiryo"/>
+                <a:ea typeface="DejaVu Sans"/>
+              </a:rPr>
+              <a:t>on ramp</a:t>
+            </a:r>
+            <a:r>
+              <a:rPr b="0" lang="it-IT" sz="2400" spc="-1" strike="noStrike">
+                <a:solidFill>
+                  <a:srgbClr val="000000"/>
+                </a:solidFill>
+                <a:latin typeface="Meiryo"/>
+                <a:ea typeface="DejaVu Sans"/>
+              </a:rPr>
+              <a:t> solutions (alchemy, banxa, ...), or even pure Fiat, off chain money</a:t>
+            </a:r>
+            <a:endParaRPr b="0" lang="it-IT" sz="2400" spc="-1" strike="noStrike">
+              <a:latin typeface="Arial"/>
+            </a:endParaRPr>
+          </a:p>
+          <a:p>
+            <a:pPr lvl="2" marL="648000" indent="-216000" algn="just">
+              <a:lnSpc>
+                <a:spcPct val="90000"/>
+              </a:lnSpc>
+              <a:spcBef>
+                <a:spcPts val="451"/>
+              </a:spcBef>
+              <a:buClr>
+                <a:srgbClr val="000000"/>
+              </a:buClr>
+              <a:buSzPct val="45000"/>
+              <a:buFont typeface="Wingdings" charset="2"/>
+              <a:buChar char=""/>
+              <a:tabLst>
+                <a:tab algn="l" pos="0"/>
+              </a:tabLst>
+            </a:pPr>
+            <a:r>
+              <a:rPr b="0" lang="it-IT" sz="2400" spc="-1" strike="noStrike">
+                <a:solidFill>
+                  <a:srgbClr val="000000"/>
+                </a:solidFill>
+                <a:latin typeface="Meiryo"/>
+                <a:ea typeface="DejaVu Sans"/>
+              </a:rPr>
+              <a:t>KYC for physical delivery of cardridges</a:t>
+            </a:r>
+            <a:endParaRPr b="0" lang="it-IT" sz="2400" spc="-1" strike="noStrike">
+              <a:latin typeface="Arial"/>
+            </a:endParaRPr>
+          </a:p>
+          <a:p>
+            <a:pPr marL="274320" indent="-228600" algn="just">
+              <a:lnSpc>
+                <a:spcPct val="90000"/>
+              </a:lnSpc>
+              <a:spcBef>
+                <a:spcPts val="451"/>
+              </a:spcBef>
+              <a:buClr>
+                <a:srgbClr val="000000"/>
+              </a:buClr>
+              <a:buSzPct val="45000"/>
+              <a:buFont typeface="Wingdings" charset="2"/>
+              <a:buChar char=""/>
+              <a:tabLst>
+                <a:tab algn="l" pos="0"/>
+              </a:tabLst>
+            </a:pPr>
+            <a:r>
+              <a:rPr b="0" lang="it-IT" sz="2400" spc="-1" strike="noStrike">
+                <a:solidFill>
+                  <a:srgbClr val="000000"/>
+                </a:solidFill>
+                <a:latin typeface="Meiryo"/>
+                <a:ea typeface="DejaVu Sans"/>
+              </a:rPr>
+              <a:t>Enforce Trust and Privacy:</a:t>
+            </a:r>
+            <a:endParaRPr b="0" lang="it-IT" sz="2400" spc="-1" strike="noStrike">
+              <a:latin typeface="Arial"/>
+            </a:endParaRPr>
+          </a:p>
+          <a:p>
+            <a:pPr lvl="1" marL="432000" indent="-216000" algn="just">
+              <a:lnSpc>
+                <a:spcPct val="90000"/>
+              </a:lnSpc>
+              <a:spcBef>
+                <a:spcPts val="451"/>
+              </a:spcBef>
+              <a:buClr>
+                <a:srgbClr val="000000"/>
+              </a:buClr>
+              <a:buSzPct val="45000"/>
+              <a:buFont typeface="Wingdings" charset="2"/>
+              <a:buChar char=""/>
+              <a:tabLst>
+                <a:tab algn="l" pos="0"/>
+              </a:tabLst>
+            </a:pPr>
+            <a:r>
+              <a:rPr b="0" lang="it-IT" sz="2400" spc="-1" strike="noStrike">
+                <a:solidFill>
+                  <a:srgbClr val="000000"/>
+                </a:solidFill>
+                <a:latin typeface="Meiryo"/>
+                <a:ea typeface="DejaVu Sans"/>
+              </a:rPr>
+              <a:t>IC Certified Assets</a:t>
+            </a:r>
+            <a:endParaRPr b="0" lang="it-IT" sz="2400" spc="-1" strike="noStrike">
+              <a:latin typeface="Arial"/>
+            </a:endParaRPr>
+          </a:p>
+          <a:p>
+            <a:pPr lvl="1" marL="432000" indent="-216000" algn="just">
+              <a:lnSpc>
+                <a:spcPct val="90000"/>
+              </a:lnSpc>
+              <a:spcBef>
+                <a:spcPts val="451"/>
+              </a:spcBef>
+              <a:buClr>
+                <a:srgbClr val="000000"/>
+              </a:buClr>
+              <a:buSzPct val="45000"/>
+              <a:buFont typeface="Wingdings" charset="2"/>
+              <a:buChar char=""/>
+              <a:tabLst>
+                <a:tab algn="l" pos="0"/>
+              </a:tabLst>
+            </a:pPr>
+            <a:r>
+              <a:rPr b="0" lang="it-IT" sz="2400" spc="-1" strike="noStrike">
+                <a:solidFill>
+                  <a:srgbClr val="000000"/>
+                </a:solidFill>
+                <a:latin typeface="Meiryo"/>
+                <a:ea typeface="DejaVu Sans"/>
+              </a:rPr>
+              <a:t>Encryption (Vet keys?) for data and documents</a:t>
+            </a:r>
+            <a:endParaRPr b="0" lang="it-IT" sz="2400" spc="-1" strike="noStrike">
+              <a:latin typeface="Arial"/>
+            </a:endParaRPr>
+          </a:p>
+          <a:p>
+            <a:pPr marL="274320" indent="-228600" algn="just">
+              <a:lnSpc>
+                <a:spcPct val="90000"/>
+              </a:lnSpc>
+              <a:spcBef>
+                <a:spcPts val="451"/>
+              </a:spcBef>
+              <a:buClr>
+                <a:srgbClr val="000000"/>
+              </a:buClr>
+              <a:buSzPct val="45000"/>
+              <a:buFont typeface="Wingdings" charset="2"/>
+              <a:buChar char=""/>
+              <a:tabLst>
+                <a:tab algn="l" pos="0"/>
+              </a:tabLst>
+            </a:pPr>
+            <a:r>
+              <a:rPr b="0" lang="it-IT" sz="2400" spc="-1" strike="noStrike">
+                <a:solidFill>
+                  <a:srgbClr val="000000"/>
+                </a:solidFill>
+                <a:latin typeface="Meiryo"/>
+                <a:ea typeface="DejaVu Sans"/>
+              </a:rPr>
+              <a:t>Enpower financial operations:</a:t>
+            </a:r>
+            <a:endParaRPr b="0" lang="it-IT" sz="2400" spc="-1" strike="noStrike">
+              <a:latin typeface="Arial"/>
+            </a:endParaRPr>
+          </a:p>
+          <a:p>
+            <a:pPr lvl="2" marL="648000" indent="-216000" algn="just">
+              <a:lnSpc>
+                <a:spcPct val="90000"/>
+              </a:lnSpc>
+              <a:spcBef>
+                <a:spcPts val="451"/>
+              </a:spcBef>
+              <a:buClr>
+                <a:srgbClr val="000000"/>
+              </a:buClr>
+              <a:buSzPct val="45000"/>
+              <a:buFont typeface="Wingdings" charset="2"/>
+              <a:buChar char=""/>
+              <a:tabLst>
+                <a:tab algn="l" pos="0"/>
+              </a:tabLst>
+            </a:pPr>
+            <a:r>
+              <a:rPr b="0" lang="it-IT" sz="2400" spc="-1" strike="noStrike">
+                <a:solidFill>
+                  <a:srgbClr val="000000"/>
+                </a:solidFill>
+                <a:latin typeface="Meiryo"/>
+                <a:ea typeface="DejaVu Sans"/>
+              </a:rPr>
+              <a:t>Mint NFT of each artwork (enrich image with custom EXIF/XMP tags for DNA strings)</a:t>
+            </a:r>
+            <a:endParaRPr b="0" lang="it-IT" sz="2400" spc="-1" strike="noStrike">
+              <a:latin typeface="Arial"/>
+            </a:endParaRPr>
+          </a:p>
+          <a:p>
+            <a:pPr algn="just">
+              <a:lnSpc>
+                <a:spcPct val="90000"/>
+              </a:lnSpc>
+              <a:spcBef>
+                <a:spcPts val="451"/>
+              </a:spcBef>
+              <a:buNone/>
+              <a:tabLst>
+                <a:tab algn="l" pos="0"/>
+              </a:tabLst>
+            </a:pPr>
+            <a:endParaRPr b="0" lang="it-IT" sz="2400" spc="-1" strike="noStrike">
+              <a:latin typeface="Arial"/>
+            </a:endParaRPr>
+          </a:p>
+          <a:p>
+            <a:pPr marL="502920" indent="-228600" algn="just">
+              <a:lnSpc>
+                <a:spcPct val="90000"/>
+              </a:lnSpc>
+              <a:spcBef>
+                <a:spcPts val="451"/>
+              </a:spcBef>
+              <a:buNone/>
+              <a:tabLst>
+                <a:tab algn="l" pos="0"/>
+              </a:tabLst>
+            </a:pPr>
+            <a:endParaRPr b="0" lang="it-IT" sz="2400" spc="-1" strike="noStrike">
+              <a:latin typeface="Arial"/>
             </a:endParaRPr>
           </a:p>
         </p:txBody>
@@ -6557,7 +7798,7 @@
         <p:spPr>
           <a:xfrm>
             <a:off x="322560" y="180720"/>
-            <a:ext cx="11596320" cy="931680"/>
+            <a:ext cx="11595600" cy="930960"/>
           </a:xfrm>
           <a:prstGeom prst="rect">
             <a:avLst/>
@@ -6579,7 +7820,7 @@
               <a:buNone/>
             </a:pPr>
             <a:r>
-              <a:rPr b="1" lang="it-IT" sz="3600" spc="120" strike="noStrike">
+              <a:rPr b="1" lang="it-IT" sz="3600" spc="114" strike="noStrike">
                 <a:solidFill>
                   <a:srgbClr val="ffffff"/>
                 </a:solidFill>
@@ -6606,7 +7847,7 @@
         <p:spPr>
           <a:xfrm>
             <a:off x="10569240" y="6309360"/>
-            <a:ext cx="975960" cy="453240"/>
+            <a:ext cx="975240" cy="452520"/>
           </a:xfrm>
           <a:prstGeom prst="rect">
             <a:avLst/>
@@ -6626,7 +7867,7 @@
                 <a:spcPct val="100000"/>
               </a:lnSpc>
               <a:buNone/>
-              <a:defRPr b="1" lang="en-US" sz="1600" spc="120" strike="noStrike">
+              <a:defRPr b="1" lang="en-US" sz="1600" spc="114" strike="noStrike">
                 <a:solidFill>
                   <a:srgbClr val="404040"/>
                 </a:solidFill>
@@ -6641,8 +7882,8 @@
               </a:lnSpc>
               <a:buNone/>
             </a:pPr>
-            <a:fld id="{408BCD73-806F-41C5-94DF-C79C99E8D4B1}" type="slidenum">
-              <a:rPr b="1" lang="en-US" sz="1600" spc="120" strike="noStrike">
+            <a:fld id="{551D0432-F9DC-43AC-B914-8CD049698110}" type="slidenum">
+              <a:rPr b="1" lang="en-US" sz="1600" spc="114" strike="noStrike">
                 <a:solidFill>
                   <a:srgbClr val="404040"/>
                 </a:solidFill>
@@ -6665,7 +7906,7 @@
         <p:spPr>
           <a:xfrm>
             <a:off x="528840" y="1441080"/>
-            <a:ext cx="11016360" cy="2149920"/>
+            <a:ext cx="11015640" cy="2865240"/>
           </a:xfrm>
           <a:prstGeom prst="rect">
             <a:avLst/>
@@ -6747,7 +7988,7 @@
                 <a:latin typeface="Meiryo"/>
                 <a:ea typeface="DejaVu Sans"/>
               </a:rPr>
-              <a:t>Arwork forgery is a big concern. Our aim is to create an unbreakable and unique bond between the physical artwork and its digital representation, that will help to fight fakes</a:t>
+              <a:t>Artwork forgery is a big concern. Our aim is to create an unbreakable and unique bond between the physical artwork and its digital representation, that will help to fight fakes</a:t>
             </a:r>
             <a:endParaRPr b="0" lang="it-IT" sz="2400" spc="-1" strike="noStrike">
               <a:latin typeface="Arial"/>
@@ -6798,6 +8039,57 @@
                 <a:latin typeface="Meiryo"/>
                 <a:ea typeface="DejaVu Sans"/>
               </a:rPr>
+              <a:t>The bond is made up of two elements: the genetic ink on the artwork and its digital representation on the IC Blockchain</a:t>
+            </a:r>
+            <a:endParaRPr b="0" lang="it-IT" sz="2400" spc="-1" strike="noStrike">
+              <a:latin typeface="Arial"/>
+            </a:endParaRPr>
+          </a:p>
+          <a:p>
+            <a:pPr lvl="1" marL="502920" indent="-228600" algn="just">
+              <a:lnSpc>
+                <a:spcPct val="90000"/>
+              </a:lnSpc>
+              <a:spcBef>
+                <a:spcPts val="451"/>
+              </a:spcBef>
+              <a:buClr>
+                <a:srgbClr val="000000"/>
+              </a:buClr>
+              <a:buSzPct val="80000"/>
+              <a:buFont typeface="Wingdings" charset="2"/>
+              <a:buChar char=""/>
+              <a:tabLst>
+                <a:tab algn="l" pos="446040"/>
+                <a:tab algn="l" pos="895320"/>
+                <a:tab algn="l" pos="1344600"/>
+                <a:tab algn="l" pos="1793880"/>
+                <a:tab algn="l" pos="2243160"/>
+                <a:tab algn="l" pos="2692440"/>
+                <a:tab algn="l" pos="3141720"/>
+                <a:tab algn="l" pos="3591000"/>
+                <a:tab algn="l" pos="4040280"/>
+                <a:tab algn="l" pos="4489560"/>
+                <a:tab algn="l" pos="4938840"/>
+                <a:tab algn="l" pos="5388120"/>
+                <a:tab algn="l" pos="5837400"/>
+                <a:tab algn="l" pos="6286680"/>
+                <a:tab algn="l" pos="6735600"/>
+                <a:tab algn="l" pos="7184880"/>
+                <a:tab algn="l" pos="7634160"/>
+                <a:tab algn="l" pos="8083440"/>
+                <a:tab algn="l" pos="8532720"/>
+                <a:tab algn="l" pos="8982000"/>
+              </a:tabLst>
+            </a:pPr>
+            <a:r>
+              <a:rPr b="0" lang="it-IT" sz="2400" spc="-1" strike="noStrike">
+                <a:solidFill>
+                  <a:srgbClr val="595959"/>
+                </a:solidFill>
+                <a:latin typeface="Meiryo"/>
+                <a:ea typeface="DejaVu Sans"/>
+              </a:rPr>
               <a:t>The MVP will focus on the application logic of this solution</a:t>
             </a:r>
             <a:endParaRPr b="0" lang="it-IT" sz="2400" spc="-1" strike="noStrike">
@@ -6866,7 +8158,7 @@
         <p:spPr>
           <a:xfrm>
             <a:off x="322560" y="180720"/>
-            <a:ext cx="11596320" cy="931680"/>
+            <a:ext cx="11595600" cy="930960"/>
           </a:xfrm>
           <a:prstGeom prst="rect">
             <a:avLst/>
@@ -6888,13 +8180,13 @@
               <a:buNone/>
             </a:pPr>
             <a:r>
-              <a:rPr b="1" lang="it-IT" sz="3600" spc="120" strike="noStrike">
+              <a:rPr b="1" lang="it-IT" sz="3600" spc="114" strike="noStrike">
                 <a:solidFill>
                   <a:srgbClr val="ffffff"/>
                 </a:solidFill>
                 <a:latin typeface="Meiryo"/>
               </a:rPr>
-              <a:t>Solution Flow</a:t>
+              <a:t>Simplified Solution Flow</a:t>
             </a:r>
             <a:endParaRPr b="0" lang="it-IT" sz="3600" spc="-1" strike="noStrike">
               <a:latin typeface="Arial"/>
@@ -6915,7 +8207,7 @@
         <p:spPr>
           <a:xfrm>
             <a:off x="10569240" y="6309360"/>
-            <a:ext cx="975960" cy="453240"/>
+            <a:ext cx="975240" cy="452520"/>
           </a:xfrm>
           <a:prstGeom prst="rect">
             <a:avLst/>
@@ -6935,7 +8227,7 @@
                 <a:spcPct val="100000"/>
               </a:lnSpc>
               <a:buNone/>
-              <a:defRPr b="1" lang="en-US" sz="1600" spc="120" strike="noStrike">
+              <a:defRPr b="1" lang="en-US" sz="1600" spc="114" strike="noStrike">
                 <a:solidFill>
                   <a:srgbClr val="404040"/>
                 </a:solidFill>
@@ -6950,14 +8242,14 @@
               </a:lnSpc>
               <a:buNone/>
             </a:pPr>
-            <a:fld id="{71F49607-41B3-4CF2-8E8B-D2A14536FAA6}" type="slidenum">
-              <a:rPr b="1" lang="en-US" sz="1600" spc="120" strike="noStrike">
+            <a:fld id="{0E87DD34-CB54-482D-9FFD-22F9DBE7F07A}" type="slidenum">
+              <a:rPr b="1" lang="en-US" sz="1600" spc="114" strike="noStrike">
                 <a:solidFill>
                   <a:srgbClr val="404040"/>
                 </a:solidFill>
                 <a:latin typeface="Meiryo"/>
               </a:rPr>
-              <a:t>&lt;number&gt;</a:t>
+              <a:t>1</a:t>
             </a:fld>
             <a:endParaRPr b="0" lang="it-IT" sz="1600" spc="-1" strike="noStrike">
               <a:latin typeface="Times New Roman"/>
@@ -6967,14 +8259,14 @@
       </p:sp>
       <p:sp>
         <p:nvSpPr>
-          <p:cNvPr id="115" name="CasellaDiTesto 1"/>
+          <p:cNvPr id="115" name="CasellaDiTesto 10"/>
           <p:cNvSpPr/>
           <p:nvPr/>
         </p:nvSpPr>
         <p:spPr>
           <a:xfrm>
-            <a:off x="528840" y="1441080"/>
-            <a:ext cx="11016360" cy="3695040"/>
+            <a:off x="540000" y="1111680"/>
+            <a:ext cx="11015640" cy="5256360"/>
           </a:xfrm>
           <a:prstGeom prst="rect">
             <a:avLst/>
@@ -7012,7 +8304,7 @@
             </a:endParaRPr>
           </a:p>
           <a:p>
-            <a:pPr marL="216000" indent="-216000" algn="just">
+            <a:pPr marL="274320" indent="-228600" algn="just">
               <a:lnSpc>
                 <a:spcPct val="90000"/>
               </a:lnSpc>
@@ -7022,48 +8314,29 @@
               <a:buClr>
                 <a:srgbClr val="000000"/>
               </a:buClr>
-              <a:buSzPct val="80000"/>
+              <a:buSzPct val="45000"/>
               <a:buFont typeface="Wingdings" charset="2"/>
               <a:buChar char=""/>
               <a:tabLst>
-                <a:tab algn="l" pos="446040"/>
-                <a:tab algn="l" pos="895320"/>
-                <a:tab algn="l" pos="1344600"/>
-                <a:tab algn="l" pos="1793880"/>
-                <a:tab algn="l" pos="2243160"/>
-                <a:tab algn="l" pos="2692440"/>
-                <a:tab algn="l" pos="3141720"/>
-                <a:tab algn="l" pos="3591000"/>
-                <a:tab algn="l" pos="4040280"/>
-                <a:tab algn="l" pos="4489560"/>
-                <a:tab algn="l" pos="4938840"/>
-                <a:tab algn="l" pos="5388120"/>
-                <a:tab algn="l" pos="5837400"/>
-                <a:tab algn="l" pos="6286680"/>
-                <a:tab algn="l" pos="6735600"/>
-                <a:tab algn="l" pos="7184880"/>
-                <a:tab algn="l" pos="7634160"/>
-                <a:tab algn="l" pos="8083440"/>
-                <a:tab algn="l" pos="8532720"/>
-                <a:tab algn="l" pos="8982000"/>
+                <a:tab algn="l" pos="0"/>
               </a:tabLst>
             </a:pPr>
             <a:r>
               <a:rPr b="0" lang="it-IT" sz="2400" spc="-1" strike="noStrike">
                 <a:solidFill>
-                  <a:srgbClr val="595959"/>
+                  <a:srgbClr val="000000"/>
                 </a:solidFill>
                 <a:latin typeface="Meiryo"/>
                 <a:ea typeface="DejaVu Sans"/>
               </a:rPr>
-              <a:t>Create Cartridge of ink containing a unique DNA, and analyze it</a:t>
+              <a:t>Laboratory: </a:t>
             </a:r>
             <a:endParaRPr b="0" lang="it-IT" sz="2400" spc="-1" strike="noStrike">
               <a:latin typeface="Arial"/>
             </a:endParaRPr>
           </a:p>
           <a:p>
-            <a:pPr marL="216000" indent="-216000" algn="just">
+            <a:pPr lvl="2" marL="648000" indent="-216000" algn="just">
               <a:lnSpc>
                 <a:spcPct val="90000"/>
               </a:lnSpc>
@@ -7073,48 +8346,29 @@
               <a:buClr>
                 <a:srgbClr val="000000"/>
               </a:buClr>
-              <a:buSzPct val="80000"/>
+              <a:buSzPct val="45000"/>
               <a:buFont typeface="Wingdings" charset="2"/>
               <a:buChar char=""/>
               <a:tabLst>
-                <a:tab algn="l" pos="446040"/>
-                <a:tab algn="l" pos="895320"/>
-                <a:tab algn="l" pos="1344600"/>
-                <a:tab algn="l" pos="1793880"/>
-                <a:tab algn="l" pos="2243160"/>
-                <a:tab algn="l" pos="2692440"/>
-                <a:tab algn="l" pos="3141720"/>
-                <a:tab algn="l" pos="3591000"/>
-                <a:tab algn="l" pos="4040280"/>
-                <a:tab algn="l" pos="4489560"/>
-                <a:tab algn="l" pos="4938840"/>
-                <a:tab algn="l" pos="5388120"/>
-                <a:tab algn="l" pos="5837400"/>
-                <a:tab algn="l" pos="6286680"/>
-                <a:tab algn="l" pos="6735600"/>
-                <a:tab algn="l" pos="7184880"/>
-                <a:tab algn="l" pos="7634160"/>
-                <a:tab algn="l" pos="8083440"/>
-                <a:tab algn="l" pos="8532720"/>
-                <a:tab algn="l" pos="8982000"/>
+                <a:tab algn="l" pos="0"/>
               </a:tabLst>
             </a:pPr>
             <a:r>
               <a:rPr b="0" lang="it-IT" sz="2400" spc="-1" strike="noStrike">
                 <a:solidFill>
-                  <a:srgbClr val="595959"/>
+                  <a:srgbClr val="000000"/>
                 </a:solidFill>
                 <a:latin typeface="Meiryo"/>
                 <a:ea typeface="DejaVu Sans"/>
               </a:rPr>
-              <a:t>Place a drop of ink on the physical artwork </a:t>
+              <a:t>Create DNA Cartridge</a:t>
             </a:r>
             <a:endParaRPr b="0" lang="it-IT" sz="2400" spc="-1" strike="noStrike">
               <a:latin typeface="Arial"/>
             </a:endParaRPr>
           </a:p>
           <a:p>
-            <a:pPr marL="216000" indent="-216000" algn="just">
+            <a:pPr lvl="2" marL="648000" indent="-216000" algn="just">
               <a:lnSpc>
                 <a:spcPct val="90000"/>
               </a:lnSpc>
@@ -7124,48 +8378,29 @@
               <a:buClr>
                 <a:srgbClr val="000000"/>
               </a:buClr>
-              <a:buSzPct val="80000"/>
+              <a:buSzPct val="45000"/>
               <a:buFont typeface="Wingdings" charset="2"/>
               <a:buChar char=""/>
               <a:tabLst>
-                <a:tab algn="l" pos="446040"/>
-                <a:tab algn="l" pos="895320"/>
-                <a:tab algn="l" pos="1344600"/>
-                <a:tab algn="l" pos="1793880"/>
-                <a:tab algn="l" pos="2243160"/>
-                <a:tab algn="l" pos="2692440"/>
-                <a:tab algn="l" pos="3141720"/>
-                <a:tab algn="l" pos="3591000"/>
-                <a:tab algn="l" pos="4040280"/>
-                <a:tab algn="l" pos="4489560"/>
-                <a:tab algn="l" pos="4938840"/>
-                <a:tab algn="l" pos="5388120"/>
-                <a:tab algn="l" pos="5837400"/>
-                <a:tab algn="l" pos="6286680"/>
-                <a:tab algn="l" pos="6735600"/>
-                <a:tab algn="l" pos="7184880"/>
-                <a:tab algn="l" pos="7634160"/>
-                <a:tab algn="l" pos="8083440"/>
-                <a:tab algn="l" pos="8532720"/>
-                <a:tab algn="l" pos="8982000"/>
+                <a:tab algn="l" pos="0"/>
               </a:tabLst>
             </a:pPr>
             <a:r>
               <a:rPr b="0" lang="it-IT" sz="2400" spc="-1" strike="noStrike">
                 <a:solidFill>
-                  <a:srgbClr val="595959"/>
+                  <a:srgbClr val="000000"/>
                 </a:solidFill>
                 <a:latin typeface="Meiryo"/>
                 <a:ea typeface="DejaVu Sans"/>
               </a:rPr>
-              <a:t>Create on the Blockchain a digital folder of documents and images related to the artwork</a:t>
+              <a:t>Insert the DNA analysis (both xls and pdf) in BlockChain</a:t>
             </a:r>
             <a:endParaRPr b="0" lang="it-IT" sz="2400" spc="-1" strike="noStrike">
               <a:latin typeface="Arial"/>
             </a:endParaRPr>
           </a:p>
           <a:p>
-            <a:pPr marL="216000" indent="-216000" algn="just">
+            <a:pPr marL="274320" indent="-228600" algn="just">
               <a:lnSpc>
                 <a:spcPct val="90000"/>
               </a:lnSpc>
@@ -7175,48 +8410,29 @@
               <a:buClr>
                 <a:srgbClr val="000000"/>
               </a:buClr>
-              <a:buSzPct val="80000"/>
+              <a:buSzPct val="45000"/>
               <a:buFont typeface="Wingdings" charset="2"/>
               <a:buChar char=""/>
               <a:tabLst>
-                <a:tab algn="l" pos="446040"/>
-                <a:tab algn="l" pos="895320"/>
-                <a:tab algn="l" pos="1344600"/>
-                <a:tab algn="l" pos="1793880"/>
-                <a:tab algn="l" pos="2243160"/>
-                <a:tab algn="l" pos="2692440"/>
-                <a:tab algn="l" pos="3141720"/>
-                <a:tab algn="l" pos="3591000"/>
-                <a:tab algn="l" pos="4040280"/>
-                <a:tab algn="l" pos="4489560"/>
-                <a:tab algn="l" pos="4938840"/>
-                <a:tab algn="l" pos="5388120"/>
-                <a:tab algn="l" pos="5837400"/>
-                <a:tab algn="l" pos="6286680"/>
-                <a:tab algn="l" pos="6735600"/>
-                <a:tab algn="l" pos="7184880"/>
-                <a:tab algn="l" pos="7634160"/>
-                <a:tab algn="l" pos="8083440"/>
-                <a:tab algn="l" pos="8532720"/>
-                <a:tab algn="l" pos="8982000"/>
+                <a:tab algn="l" pos="0"/>
               </a:tabLst>
             </a:pPr>
             <a:r>
               <a:rPr b="0" lang="it-IT" sz="2400" spc="-1" strike="noStrike">
                 <a:solidFill>
-                  <a:srgbClr val="595959"/>
+                  <a:srgbClr val="000000"/>
                 </a:solidFill>
                 <a:latin typeface="Meiryo"/>
                 <a:ea typeface="DejaVu Sans"/>
               </a:rPr>
-              <a:t>Add the DNA analysis to the folder </a:t>
+              <a:t>Artwork Owner: </a:t>
             </a:r>
             <a:endParaRPr b="0" lang="it-IT" sz="2400" spc="-1" strike="noStrike">
               <a:latin typeface="Arial"/>
             </a:endParaRPr>
           </a:p>
           <a:p>
-            <a:pPr marL="216000" indent="-216000" algn="just">
+            <a:pPr lvl="2" marL="648000" indent="-216000" algn="just">
               <a:lnSpc>
                 <a:spcPct val="90000"/>
               </a:lnSpc>
@@ -7226,78 +8442,180 @@
               <a:buClr>
                 <a:srgbClr val="000000"/>
               </a:buClr>
-              <a:buSzPct val="80000"/>
+              <a:buSzPct val="45000"/>
               <a:buFont typeface="Wingdings" charset="2"/>
               <a:buChar char=""/>
               <a:tabLst>
-                <a:tab algn="l" pos="446040"/>
-                <a:tab algn="l" pos="895320"/>
-                <a:tab algn="l" pos="1344600"/>
-                <a:tab algn="l" pos="1793880"/>
-                <a:tab algn="l" pos="2243160"/>
-                <a:tab algn="l" pos="2692440"/>
-                <a:tab algn="l" pos="3141720"/>
-                <a:tab algn="l" pos="3591000"/>
-                <a:tab algn="l" pos="4040280"/>
-                <a:tab algn="l" pos="4489560"/>
-                <a:tab algn="l" pos="4938840"/>
-                <a:tab algn="l" pos="5388120"/>
-                <a:tab algn="l" pos="5837400"/>
-                <a:tab algn="l" pos="6286680"/>
-                <a:tab algn="l" pos="6735600"/>
-                <a:tab algn="l" pos="7184880"/>
-                <a:tab algn="l" pos="7634160"/>
-                <a:tab algn="l" pos="8083440"/>
-                <a:tab algn="l" pos="8532720"/>
-                <a:tab algn="l" pos="8982000"/>
+                <a:tab algn="l" pos="0"/>
               </a:tabLst>
             </a:pPr>
             <a:r>
               <a:rPr b="0" lang="it-IT" sz="2400" spc="-1" strike="noStrike">
                 <a:solidFill>
-                  <a:srgbClr val="595959"/>
+                  <a:srgbClr val="000000"/>
                 </a:solidFill>
                 <a:latin typeface="Meiryo"/>
                 <a:ea typeface="DejaVu Sans"/>
               </a:rPr>
-              <a:t>Verify that the DNA on the artwork (collected with a swab) is the same registered on the blockchain</a:t>
+              <a:t>create the opera folder in BC</a:t>
             </a:r>
             <a:endParaRPr b="0" lang="it-IT" sz="2400" spc="-1" strike="noStrike">
               <a:latin typeface="Arial"/>
             </a:endParaRPr>
           </a:p>
           <a:p>
-            <a:pPr algn="just">
+            <a:pPr lvl="2" marL="648000" indent="-216000" algn="just">
               <a:lnSpc>
                 <a:spcPct val="90000"/>
               </a:lnSpc>
               <a:spcBef>
                 <a:spcPts val="451"/>
               </a:spcBef>
-              <a:buNone/>
+              <a:buClr>
+                <a:srgbClr val="000000"/>
+              </a:buClr>
+              <a:buSzPct val="45000"/>
+              <a:buFont typeface="Wingdings" charset="2"/>
+              <a:buChar char=""/>
               <a:tabLst>
-                <a:tab algn="l" pos="446040"/>
-                <a:tab algn="l" pos="895320"/>
-                <a:tab algn="l" pos="1344600"/>
-                <a:tab algn="l" pos="1793880"/>
-                <a:tab algn="l" pos="2243160"/>
-                <a:tab algn="l" pos="2692440"/>
-                <a:tab algn="l" pos="3141720"/>
-                <a:tab algn="l" pos="3591000"/>
-                <a:tab algn="l" pos="4040280"/>
-                <a:tab algn="l" pos="4489560"/>
-                <a:tab algn="l" pos="4938840"/>
-                <a:tab algn="l" pos="5388120"/>
-                <a:tab algn="l" pos="5837400"/>
-                <a:tab algn="l" pos="6286680"/>
-                <a:tab algn="l" pos="6735600"/>
-                <a:tab algn="l" pos="7184880"/>
-                <a:tab algn="l" pos="7634160"/>
-                <a:tab algn="l" pos="8083440"/>
-                <a:tab algn="l" pos="8532720"/>
-                <a:tab algn="l" pos="8982000"/>
+                <a:tab algn="l" pos="0"/>
               </a:tabLst>
             </a:pPr>
+            <a:r>
+              <a:rPr b="0" lang="it-IT" sz="2400" spc="-1" strike="noStrike">
+                <a:solidFill>
+                  <a:srgbClr val="000000"/>
+                </a:solidFill>
+                <a:latin typeface="Meiryo"/>
+                <a:ea typeface="DejaVu Sans"/>
+              </a:rPr>
+              <a:t>Purchase cartridges</a:t>
+            </a:r>
+            <a:endParaRPr b="0" lang="it-IT" sz="2400" spc="-1" strike="noStrike">
+              <a:latin typeface="Arial"/>
+            </a:endParaRPr>
+          </a:p>
+          <a:p>
+            <a:pPr lvl="2" marL="648000" indent="-216000" algn="just">
+              <a:lnSpc>
+                <a:spcPct val="90000"/>
+              </a:lnSpc>
+              <a:spcBef>
+                <a:spcPts val="451"/>
+              </a:spcBef>
+              <a:buClr>
+                <a:srgbClr val="000000"/>
+              </a:buClr>
+              <a:buSzPct val="45000"/>
+              <a:buFont typeface="Wingdings" charset="2"/>
+              <a:buChar char=""/>
+              <a:tabLst>
+                <a:tab algn="l" pos="0"/>
+              </a:tabLst>
+            </a:pPr>
+            <a:r>
+              <a:rPr b="0" lang="it-IT" sz="2400" spc="-1" strike="noStrike">
+                <a:solidFill>
+                  <a:srgbClr val="000000"/>
+                </a:solidFill>
+                <a:latin typeface="Meiryo"/>
+                <a:ea typeface="DejaVu Sans"/>
+              </a:rPr>
+              <a:t>Place DNA ink on the artwork</a:t>
+            </a:r>
+            <a:endParaRPr b="0" lang="it-IT" sz="2400" spc="-1" strike="noStrike">
+              <a:latin typeface="Arial"/>
+            </a:endParaRPr>
+          </a:p>
+          <a:p>
+            <a:pPr lvl="2" marL="648000" indent="-216000">
+              <a:lnSpc>
+                <a:spcPct val="100000"/>
+              </a:lnSpc>
+              <a:buClr>
+                <a:srgbClr val="000000"/>
+              </a:buClr>
+              <a:buSzPct val="45000"/>
+              <a:buFont typeface="Wingdings" charset="2"/>
+              <a:buChar char=""/>
+              <a:tabLst>
+                <a:tab algn="l" pos="0"/>
+              </a:tabLst>
+            </a:pPr>
+            <a:r>
+              <a:rPr b="0" lang="it-IT" sz="2400" spc="-1" strike="noStrike">
+                <a:solidFill>
+                  <a:srgbClr val="000000"/>
+                </a:solidFill>
+                <a:latin typeface="Meiryo"/>
+                <a:ea typeface="DejaVu Sans"/>
+              </a:rPr>
+              <a:t>Insert Dna data in blockchain  (cartridge identifier and ink position on the artwork)</a:t>
+            </a:r>
+            <a:endParaRPr b="0" lang="it-IT" sz="2400" spc="-1" strike="noStrike">
+              <a:latin typeface="Arial"/>
+            </a:endParaRPr>
+          </a:p>
+          <a:p>
+            <a:pPr marL="274320" indent="-228600" algn="just">
+              <a:lnSpc>
+                <a:spcPct val="90000"/>
+              </a:lnSpc>
+              <a:spcBef>
+                <a:spcPts val="451"/>
+              </a:spcBef>
+              <a:buClr>
+                <a:srgbClr val="000000"/>
+              </a:buClr>
+              <a:buSzPct val="45000"/>
+              <a:buFont typeface="Wingdings" charset="2"/>
+              <a:buChar char=""/>
+              <a:tabLst>
+                <a:tab algn="l" pos="0"/>
+              </a:tabLst>
+            </a:pPr>
+            <a:r>
+              <a:rPr b="0" lang="it-IT" sz="2400" spc="-1" strike="noStrike">
+                <a:solidFill>
+                  <a:srgbClr val="000000"/>
+                </a:solidFill>
+                <a:latin typeface="Meiryo"/>
+                <a:ea typeface="DejaVu Sans"/>
+              </a:rPr>
+              <a:t>Artwork Stakeholder: </a:t>
+            </a:r>
+            <a:endParaRPr b="0" lang="it-IT" sz="2400" spc="-1" strike="noStrike">
+              <a:latin typeface="Arial"/>
+            </a:endParaRPr>
+          </a:p>
+          <a:p>
+            <a:pPr lvl="2" marL="648000" indent="-216000" algn="just">
+              <a:lnSpc>
+                <a:spcPct val="90000"/>
+              </a:lnSpc>
+              <a:spcBef>
+                <a:spcPts val="451"/>
+              </a:spcBef>
+              <a:buClr>
+                <a:srgbClr val="000000"/>
+              </a:buClr>
+              <a:buSzPct val="45000"/>
+              <a:buFont typeface="Wingdings" charset="2"/>
+              <a:buChar char=""/>
+              <a:tabLst>
+                <a:tab algn="l" pos="0"/>
+              </a:tabLst>
+            </a:pPr>
+            <a:r>
+              <a:rPr b="0" lang="it-IT" sz="2400" spc="-1" strike="noStrike">
+                <a:solidFill>
+                  <a:srgbClr val="000000"/>
+                </a:solidFill>
+                <a:latin typeface="Meiryo"/>
+                <a:ea typeface="DejaVu Sans"/>
+              </a:rPr>
+              <a:t>DNA verify (xls analysis of the swab and ink position are checked against the Blockchain record)</a:t>
+            </a:r>
             <a:endParaRPr b="0" lang="it-IT" sz="2400" spc="-1" strike="noStrike">
               <a:latin typeface="Arial"/>
             </a:endParaRPr>
@@ -7364,7 +8682,7 @@
         <p:spPr>
           <a:xfrm>
             <a:off x="322560" y="180720"/>
-            <a:ext cx="11596320" cy="931680"/>
+            <a:ext cx="11595600" cy="930960"/>
           </a:xfrm>
           <a:prstGeom prst="rect">
             <a:avLst/>
@@ -7386,13 +8704,13 @@
               <a:buNone/>
             </a:pPr>
             <a:r>
-              <a:rPr b="1" lang="it-IT" sz="3600" spc="120" strike="noStrike">
+              <a:rPr b="1" lang="it-IT" sz="3600" spc="114" strike="noStrike">
                 <a:solidFill>
                   <a:srgbClr val="ffffff"/>
                 </a:solidFill>
                 <a:latin typeface="Meiryo"/>
               </a:rPr>
-              <a:t>MVP Contents (Software only)</a:t>
+              <a:t>Laboratory: Create DNA Cartridge</a:t>
             </a:r>
             <a:endParaRPr b="0" lang="it-IT" sz="3600" spc="-1" strike="noStrike">
               <a:latin typeface="Arial"/>
@@ -7413,7 +8731,7 @@
         <p:spPr>
           <a:xfrm>
             <a:off x="10569240" y="6309360"/>
-            <a:ext cx="975960" cy="453240"/>
+            <a:ext cx="975240" cy="452520"/>
           </a:xfrm>
           <a:prstGeom prst="rect">
             <a:avLst/>
@@ -7433,7 +8751,7 @@
                 <a:spcPct val="100000"/>
               </a:lnSpc>
               <a:buNone/>
-              <a:defRPr b="1" lang="en-US" sz="1600" spc="120" strike="noStrike">
+              <a:defRPr b="1" lang="en-US" sz="1600" spc="114" strike="noStrike">
                 <a:solidFill>
                   <a:srgbClr val="404040"/>
                 </a:solidFill>
@@ -7448,14 +8766,14 @@
               </a:lnSpc>
               <a:buNone/>
             </a:pPr>
-            <a:fld id="{2DD42884-8521-42F6-BB88-3081773BF74D}" type="slidenum">
-              <a:rPr b="1" lang="en-US" sz="1600" spc="120" strike="noStrike">
+            <a:fld id="{54C8554A-CF24-4DF4-8CC3-F24E8B44DF79}" type="slidenum">
+              <a:rPr b="1" lang="en-US" sz="1600" spc="114" strike="noStrike">
                 <a:solidFill>
                   <a:srgbClr val="404040"/>
                 </a:solidFill>
                 <a:latin typeface="Meiryo"/>
               </a:rPr>
-              <a:t>&lt;number&gt;</a:t>
+              <a:t>1</a:t>
             </a:fld>
             <a:endParaRPr b="0" lang="it-IT" sz="1600" spc="-1" strike="noStrike">
               <a:latin typeface="Times New Roman"/>
@@ -7465,14 +8783,14 @@
       </p:sp>
       <p:sp>
         <p:nvSpPr>
-          <p:cNvPr id="118" name="CasellaDiTesto 10"/>
+          <p:cNvPr id="118" name="CasellaDiTesto 5"/>
           <p:cNvSpPr/>
           <p:nvPr/>
         </p:nvSpPr>
         <p:spPr>
           <a:xfrm>
             <a:off x="528840" y="1441080"/>
-            <a:ext cx="11016360" cy="2938680"/>
+            <a:ext cx="11015640" cy="4097520"/>
           </a:xfrm>
           <a:prstGeom prst="rect">
             <a:avLst/>
@@ -7488,171 +8806,30 @@
           <a:effectRef idx="0"/>
           <a:fontRef idx="minor"/>
         </p:style>
-        <p:txBody>
-          <a:bodyPr lIns="90000" rIns="90000" tIns="45000" bIns="45000" anchor="t">
-            <a:spAutoFit/>
-          </a:bodyPr>
-          <a:p>
-            <a:pPr marL="274320" indent="-228600" algn="just">
-              <a:lnSpc>
-                <a:spcPct val="90000"/>
-              </a:lnSpc>
-              <a:spcBef>
-                <a:spcPts val="451"/>
-              </a:spcBef>
-              <a:buNone/>
-              <a:tabLst>
-                <a:tab algn="l" pos="0"/>
-              </a:tabLst>
-            </a:pPr>
-            <a:endParaRPr b="0" lang="it-IT" sz="1600" spc="-1" strike="noStrike">
-              <a:latin typeface="Arial"/>
-            </a:endParaRPr>
-          </a:p>
-          <a:p>
-            <a:pPr marL="274320" indent="-228600" algn="just">
-              <a:lnSpc>
-                <a:spcPct val="90000"/>
-              </a:lnSpc>
-              <a:spcBef>
-                <a:spcPts val="451"/>
-              </a:spcBef>
-              <a:buClr>
-                <a:srgbClr val="000000"/>
-              </a:buClr>
-              <a:buSzPct val="45000"/>
-              <a:buFont typeface="Wingdings" charset="2"/>
-              <a:buChar char=""/>
-              <a:tabLst>
-                <a:tab algn="l" pos="0"/>
-              </a:tabLst>
-            </a:pPr>
-            <a:r>
-              <a:rPr b="0" lang="it-IT" sz="2400" spc="-1" strike="noStrike">
-                <a:solidFill>
-                  <a:srgbClr val="000000"/>
-                </a:solidFill>
-                <a:latin typeface="Meiryo"/>
-                <a:ea typeface="DejaVu Sans"/>
-              </a:rPr>
-              <a:t>Laboratory: Insert the DNA analysis (both xls and pdf) in BlockChain</a:t>
-            </a:r>
-            <a:endParaRPr b="0" lang="it-IT" sz="2400" spc="-1" strike="noStrike">
-              <a:latin typeface="Arial"/>
-            </a:endParaRPr>
-          </a:p>
-          <a:p>
-            <a:pPr marL="274320" indent="-228600" algn="just">
-              <a:lnSpc>
-                <a:spcPct val="90000"/>
-              </a:lnSpc>
-              <a:spcBef>
-                <a:spcPts val="451"/>
-              </a:spcBef>
-              <a:buClr>
-                <a:srgbClr val="000000"/>
-              </a:buClr>
-              <a:buSzPct val="45000"/>
-              <a:buFont typeface="Wingdings" charset="2"/>
-              <a:buChar char=""/>
-              <a:tabLst>
-                <a:tab algn="l" pos="0"/>
-              </a:tabLst>
-            </a:pPr>
-            <a:r>
-              <a:rPr b="0" lang="it-IT" sz="2400" spc="-1" strike="noStrike">
-                <a:solidFill>
-                  <a:srgbClr val="000000"/>
-                </a:solidFill>
-                <a:latin typeface="Meiryo"/>
-                <a:ea typeface="DejaVu Sans"/>
-              </a:rPr>
-              <a:t>Artwork Owner: Purchase cartridges</a:t>
-            </a:r>
-            <a:endParaRPr b="0" lang="it-IT" sz="2400" spc="-1" strike="noStrike">
-              <a:latin typeface="Arial"/>
-            </a:endParaRPr>
-          </a:p>
-          <a:p>
-            <a:pPr marL="216000" indent="-216000">
-              <a:lnSpc>
-                <a:spcPct val="100000"/>
-              </a:lnSpc>
-              <a:buClr>
-                <a:srgbClr val="000000"/>
-              </a:buClr>
-              <a:buSzPct val="45000"/>
-              <a:buFont typeface="Wingdings" charset="2"/>
-              <a:buChar char=""/>
-              <a:tabLst>
-                <a:tab algn="l" pos="0"/>
-              </a:tabLst>
-            </a:pPr>
-            <a:r>
-              <a:rPr b="0" lang="it-IT" sz="2400" spc="-1" strike="noStrike">
-                <a:solidFill>
-                  <a:srgbClr val="000000"/>
-                </a:solidFill>
-                <a:latin typeface="Meiryo"/>
-                <a:ea typeface="DejaVu Sans"/>
-              </a:rPr>
-              <a:t>Artwork Owner: Insert Mark in blockchain  (cartridge identifier and ink position on the artwork)</a:t>
-            </a:r>
-            <a:endParaRPr b="0" lang="it-IT" sz="2400" spc="-1" strike="noStrike">
-              <a:latin typeface="Arial"/>
-            </a:endParaRPr>
-          </a:p>
-          <a:p>
-            <a:pPr marL="274320" indent="-228600" algn="just">
-              <a:lnSpc>
-                <a:spcPct val="90000"/>
-              </a:lnSpc>
-              <a:spcBef>
-                <a:spcPts val="451"/>
-              </a:spcBef>
-              <a:buClr>
-                <a:srgbClr val="000000"/>
-              </a:buClr>
-              <a:buSzPct val="45000"/>
-              <a:buFont typeface="Wingdings" charset="2"/>
-              <a:buChar char=""/>
-              <a:tabLst>
-                <a:tab algn="l" pos="0"/>
-              </a:tabLst>
-            </a:pPr>
-            <a:r>
-              <a:rPr b="0" lang="it-IT" sz="2400" spc="-1" strike="noStrike">
-                <a:solidFill>
-                  <a:srgbClr val="000000"/>
-                </a:solidFill>
-                <a:latin typeface="Meiryo"/>
-                <a:ea typeface="DejaVu Sans"/>
-              </a:rPr>
-              <a:t>Artwork Stakeholder: DNA verify (xls analysis of the swab and ink position are checked against the Blockchain record)</a:t>
-            </a:r>
-            <a:endParaRPr b="0" lang="it-IT" sz="2400" spc="-1" strike="noStrike">
-              <a:latin typeface="Arial"/>
-            </a:endParaRPr>
-          </a:p>
-          <a:p>
-            <a:pPr marL="502920" indent="-228600" algn="just">
-              <a:lnSpc>
-                <a:spcPct val="90000"/>
-              </a:lnSpc>
-              <a:spcBef>
-                <a:spcPts val="451"/>
-              </a:spcBef>
-              <a:buNone/>
-              <a:tabLst>
-                <a:tab algn="l" pos="0"/>
-              </a:tabLst>
-            </a:pPr>
-            <a:endParaRPr b="0" lang="it-IT" sz="2400" spc="-1" strike="noStrike">
-              <a:latin typeface="Arial"/>
-            </a:endParaRPr>
-          </a:p>
-        </p:txBody>
-      </p:sp>
+      </p:sp>
+      <p:pic>
+        <p:nvPicPr>
+          <p:cNvPr id="119" name="" descr=""/>
+          <p:cNvPicPr/>
+          <p:nvPr/>
+        </p:nvPicPr>
+        <p:blipFill>
+          <a:blip r:embed="rId1"/>
+          <a:stretch/>
+        </p:blipFill>
+        <p:spPr>
+          <a:xfrm>
+            <a:off x="2880000" y="1653120"/>
+            <a:ext cx="5259960" cy="3566520"/>
+          </a:xfrm>
+          <a:prstGeom prst="rect">
+            <a:avLst/>
+          </a:prstGeom>
+          <a:ln w="0">
+            <a:noFill/>
+          </a:ln>
+        </p:spPr>
+      </p:pic>
     </p:spTree>
   </p:cSld>
   <mc:AlternateContent>
@@ -7685,7 +8862,7 @@
       </p:grpSpPr>
       <p:sp>
         <p:nvSpPr>
-          <p:cNvPr id="119" name="PlaceHolder 1"/>
+          <p:cNvPr id="120" name="PlaceHolder 1"/>
           <p:cNvSpPr>
             <a:spLocks noGrp="1"/>
           </p:cNvSpPr>
@@ -7696,7 +8873,7 @@
         <p:spPr>
           <a:xfrm>
             <a:off x="322560" y="180720"/>
-            <a:ext cx="11596320" cy="931680"/>
+            <a:ext cx="11595600" cy="930960"/>
           </a:xfrm>
           <a:prstGeom prst="rect">
             <a:avLst/>
@@ -7718,13 +8895,13 @@
               <a:buNone/>
             </a:pPr>
             <a:r>
-              <a:rPr b="1" lang="it-IT" sz="3600" spc="120" strike="noStrike">
+              <a:rPr b="1" lang="it-IT" sz="3600" spc="114" strike="noStrike">
                 <a:solidFill>
                   <a:srgbClr val="ffffff"/>
                 </a:solidFill>
                 <a:latin typeface="Meiryo"/>
               </a:rPr>
-              <a:t>MVP Architecure</a:t>
+              <a:t>Laboratory: Perform Analysis</a:t>
             </a:r>
             <a:endParaRPr b="0" lang="it-IT" sz="3600" spc="-1" strike="noStrike">
               <a:latin typeface="Arial"/>
@@ -7734,7 +8911,7 @@
       </p:sp>
       <p:sp>
         <p:nvSpPr>
-          <p:cNvPr id="120" name="PlaceHolder 2"/>
+          <p:cNvPr id="121" name="PlaceHolder 2"/>
           <p:cNvSpPr>
             <a:spLocks noGrp="1"/>
           </p:cNvSpPr>
@@ -7745,7 +8922,7 @@
         <p:spPr>
           <a:xfrm>
             <a:off x="10569240" y="6309360"/>
-            <a:ext cx="975960" cy="453240"/>
+            <a:ext cx="975240" cy="452520"/>
           </a:xfrm>
           <a:prstGeom prst="rect">
             <a:avLst/>
@@ -7765,7 +8942,7 @@
                 <a:spcPct val="100000"/>
               </a:lnSpc>
               <a:buNone/>
-              <a:defRPr b="1" lang="en-US" sz="1600" spc="120" strike="noStrike">
+              <a:defRPr b="1" lang="en-US" sz="1600" spc="114" strike="noStrike">
                 <a:solidFill>
                   <a:srgbClr val="404040"/>
                 </a:solidFill>
@@ -7780,14 +8957,14 @@
               </a:lnSpc>
               <a:buNone/>
             </a:pPr>
-            <a:fld id="{AAD0E61E-6193-4D1A-9983-2F892FEE64D9}" type="slidenum">
-              <a:rPr b="1" lang="en-US" sz="1600" spc="120" strike="noStrike">
+            <a:fld id="{6E4DC44A-7383-4E62-BAF5-7360CE658573}" type="slidenum">
+              <a:rPr b="1" lang="en-US" sz="1600" spc="114" strike="noStrike">
                 <a:solidFill>
                   <a:srgbClr val="404040"/>
                 </a:solidFill>
                 <a:latin typeface="Meiryo"/>
               </a:rPr>
-              <a:t>&lt;number&gt;</a:t>
+              <a:t>1</a:t>
             </a:fld>
             <a:endParaRPr b="0" lang="it-IT" sz="1600" spc="-1" strike="noStrike">
               <a:latin typeface="Times New Roman"/>
@@ -7797,14 +8974,14 @@
       </p:sp>
       <p:sp>
         <p:nvSpPr>
-          <p:cNvPr id="121" name="CasellaDiTesto 2"/>
+          <p:cNvPr id="122" name="CasellaDiTesto 6"/>
           <p:cNvSpPr/>
           <p:nvPr/>
         </p:nvSpPr>
         <p:spPr>
           <a:xfrm>
             <a:off x="528840" y="1441080"/>
-            <a:ext cx="11016360" cy="719280"/>
+            <a:ext cx="11015640" cy="4097160"/>
           </a:xfrm>
           <a:prstGeom prst="rect">
             <a:avLst/>
@@ -7820,49 +8997,10 @@
           <a:effectRef idx="0"/>
           <a:fontRef idx="minor"/>
         </p:style>
-        <p:txBody>
-          <a:bodyPr lIns="90000" rIns="90000" tIns="45000" bIns="45000" anchor="t">
-            <a:spAutoFit/>
-          </a:bodyPr>
-          <a:p>
-            <a:pPr marL="274320" indent="-228600" algn="just">
-              <a:lnSpc>
-                <a:spcPct val="90000"/>
-              </a:lnSpc>
-              <a:spcBef>
-                <a:spcPts val="451"/>
-              </a:spcBef>
-              <a:buNone/>
-              <a:tabLst>
-                <a:tab algn="l" pos="0"/>
-              </a:tabLst>
-            </a:pPr>
-            <a:endParaRPr b="0" lang="it-IT" sz="1600" spc="-1" strike="noStrike">
-              <a:latin typeface="Arial"/>
-            </a:endParaRPr>
-          </a:p>
-          <a:p>
-            <a:pPr marL="502920" indent="-228600" algn="just">
-              <a:lnSpc>
-                <a:spcPct val="90000"/>
-              </a:lnSpc>
-              <a:spcBef>
-                <a:spcPts val="451"/>
-              </a:spcBef>
-              <a:buNone/>
-              <a:tabLst>
-                <a:tab algn="l" pos="0"/>
-              </a:tabLst>
-            </a:pPr>
-            <a:endParaRPr b="0" lang="it-IT" sz="2400" spc="-1" strike="noStrike">
-              <a:latin typeface="Arial"/>
-            </a:endParaRPr>
-          </a:p>
-        </p:txBody>
       </p:sp>
       <p:pic>
         <p:nvPicPr>
-          <p:cNvPr id="122" name="" descr=""/>
+          <p:cNvPr id="123" name="" descr=""/>
           <p:cNvPicPr/>
           <p:nvPr/>
         </p:nvPicPr>
@@ -7872,8 +9010,8 @@
         </p:blipFill>
         <p:spPr>
           <a:xfrm>
-            <a:off x="3557160" y="342360"/>
-            <a:ext cx="6702840" cy="6857640"/>
+            <a:off x="720000" y="1584720"/>
+            <a:ext cx="9030240" cy="3814920"/>
           </a:xfrm>
           <a:prstGeom prst="rect">
             <a:avLst/>
@@ -7915,7 +9053,7 @@
       </p:grpSpPr>
       <p:sp>
         <p:nvSpPr>
-          <p:cNvPr id="123" name="PlaceHolder 1"/>
+          <p:cNvPr id="124" name="PlaceHolder 1"/>
           <p:cNvSpPr>
             <a:spLocks noGrp="1"/>
           </p:cNvSpPr>
@@ -7926,7 +9064,7 @@
         <p:spPr>
           <a:xfrm>
             <a:off x="322560" y="180720"/>
-            <a:ext cx="11596320" cy="931680"/>
+            <a:ext cx="11595600" cy="930960"/>
           </a:xfrm>
           <a:prstGeom prst="rect">
             <a:avLst/>
@@ -7948,13 +9086,13 @@
               <a:buNone/>
             </a:pPr>
             <a:r>
-              <a:rPr b="1" lang="it-IT" sz="3600" spc="120" strike="noStrike">
+              <a:rPr b="1" lang="it-IT" sz="3600" spc="114" strike="noStrike">
                 <a:solidFill>
                   <a:srgbClr val="ffffff"/>
                 </a:solidFill>
                 <a:latin typeface="Meiryo"/>
               </a:rPr>
-              <a:t>Final Product needs</a:t>
+              <a:t>Laboratory: Insert DNA in BC</a:t>
             </a:r>
             <a:endParaRPr b="0" lang="it-IT" sz="3600" spc="-1" strike="noStrike">
               <a:latin typeface="Arial"/>
@@ -7964,7 +9102,7 @@
       </p:sp>
       <p:sp>
         <p:nvSpPr>
-          <p:cNvPr id="124" name="PlaceHolder 2"/>
+          <p:cNvPr id="125" name="PlaceHolder 2"/>
           <p:cNvSpPr>
             <a:spLocks noGrp="1"/>
           </p:cNvSpPr>
@@ -7975,7 +9113,7 @@
         <p:spPr>
           <a:xfrm>
             <a:off x="10569240" y="6309360"/>
-            <a:ext cx="975960" cy="453240"/>
+            <a:ext cx="975240" cy="452520"/>
           </a:xfrm>
           <a:prstGeom prst="rect">
             <a:avLst/>
@@ -7995,7 +9133,7 @@
                 <a:spcPct val="100000"/>
               </a:lnSpc>
               <a:buNone/>
-              <a:defRPr b="1" lang="en-US" sz="1600" spc="120" strike="noStrike">
+              <a:defRPr b="1" lang="en-US" sz="1600" spc="114" strike="noStrike">
                 <a:solidFill>
                   <a:srgbClr val="404040"/>
                 </a:solidFill>
@@ -8010,14 +9148,14 @@
               </a:lnSpc>
               <a:buNone/>
             </a:pPr>
-            <a:fld id="{3E05FA7E-BFD3-42EA-B7F4-1705D5123DB9}" type="slidenum">
-              <a:rPr b="1" lang="en-US" sz="1600" spc="120" strike="noStrike">
+            <a:fld id="{935B0E43-2E6F-4166-90D1-44F1C665E137}" type="slidenum">
+              <a:rPr b="1" lang="en-US" sz="1600" spc="114" strike="noStrike">
                 <a:solidFill>
                   <a:srgbClr val="404040"/>
                 </a:solidFill>
                 <a:latin typeface="Meiryo"/>
               </a:rPr>
-              <a:t>&lt;number&gt;</a:t>
+              <a:t>1</a:t>
             </a:fld>
             <a:endParaRPr b="0" lang="it-IT" sz="1600" spc="-1" strike="noStrike">
               <a:latin typeface="Times New Roman"/>
@@ -8027,14 +9165,14 @@
       </p:sp>
       <p:sp>
         <p:nvSpPr>
-          <p:cNvPr id="125" name="CasellaDiTesto 4"/>
+          <p:cNvPr id="126" name="CasellaDiTesto 7"/>
           <p:cNvSpPr/>
           <p:nvPr/>
         </p:nvSpPr>
         <p:spPr>
           <a:xfrm>
             <a:off x="528840" y="1441080"/>
-            <a:ext cx="11016360" cy="5240160"/>
+            <a:ext cx="11015640" cy="4097160"/>
           </a:xfrm>
           <a:prstGeom prst="rect">
             <a:avLst/>
@@ -8050,371 +9188,603 @@
           <a:effectRef idx="0"/>
           <a:fontRef idx="minor"/>
         </p:style>
-        <p:txBody>
-          <a:bodyPr lIns="90000" rIns="90000" tIns="45000" bIns="45000" anchor="t">
-            <a:spAutoFit/>
-          </a:bodyPr>
-          <a:p>
-            <a:pPr marL="274320" indent="-228600" algn="just">
+      </p:sp>
+      <p:pic>
+        <p:nvPicPr>
+          <p:cNvPr id="127" name="" descr=""/>
+          <p:cNvPicPr/>
+          <p:nvPr/>
+        </p:nvPicPr>
+        <p:blipFill>
+          <a:blip r:embed="rId1"/>
+          <a:stretch/>
+        </p:blipFill>
+        <p:spPr>
+          <a:xfrm>
+            <a:off x="3600000" y="1551960"/>
+            <a:ext cx="5832720" cy="4207680"/>
+          </a:xfrm>
+          <a:prstGeom prst="rect">
+            <a:avLst/>
+          </a:prstGeom>
+          <a:ln w="0">
+            <a:noFill/>
+          </a:ln>
+        </p:spPr>
+      </p:pic>
+    </p:spTree>
+  </p:cSld>
+  <mc:AlternateContent>
+    <mc:Choice Requires="p14">
+      <p:transition spd="slow" p14:dur="2000"/>
+    </mc:Choice>
+    <mc:Fallback>
+      <p:transition spd="slow"/>
+    </mc:Fallback>
+  </mc:AlternateContent>
+</p:sld>
+</file>
+
+<file path=ppt/slides/slide7.xml><?xml version="1.0" encoding="utf-8"?>
+<p:sld xmlns:a="http://schemas.openxmlformats.org/drawingml/2006/main" xmlns:p="http://schemas.openxmlformats.org/presentationml/2006/main" xmlns:r="http://schemas.openxmlformats.org/officeDocument/2006/relationships" xmlns:p14="http://schemas.microsoft.com/office/powerpoint/2010/main" xmlns:p15="http://schemas.microsoft.com/office/powerpoint/2012/main" xmlns:mc="http://schemas.openxmlformats.org/markup-compatibility/2006">
+  <p:cSld>
+    <p:spTree>
+      <p:nvGrpSpPr>
+        <p:cNvPr id="1" name=""/>
+        <p:cNvGrpSpPr/>
+        <p:nvPr/>
+      </p:nvGrpSpPr>
+      <p:grpSpPr>
+        <a:xfrm>
+          <a:off x="0" y="0"/>
+          <a:ext cx="0" cy="0"/>
+          <a:chOff x="0" y="0"/>
+          <a:chExt cx="0" cy="0"/>
+        </a:xfrm>
+      </p:grpSpPr>
+      <p:sp>
+        <p:nvSpPr>
+          <p:cNvPr id="128" name="PlaceHolder 1"/>
+          <p:cNvSpPr>
+            <a:spLocks noGrp="1"/>
+          </p:cNvSpPr>
+          <p:nvPr>
+            <p:ph type="title"/>
+          </p:nvPr>
+        </p:nvSpPr>
+        <p:spPr>
+          <a:xfrm>
+            <a:off x="322560" y="180720"/>
+            <a:ext cx="11595600" cy="930960"/>
+          </a:xfrm>
+          <a:prstGeom prst="rect">
+            <a:avLst/>
+          </a:prstGeom>
+          <a:noFill/>
+          <a:ln w="0">
+            <a:noFill/>
+          </a:ln>
+        </p:spPr>
+        <p:txBody>
+          <a:bodyPr lIns="109800" rIns="109800" tIns="109800" bIns="91440" anchor="ctr">
+            <a:noAutofit/>
+          </a:bodyPr>
+          <a:p>
+            <a:pPr>
               <a:lnSpc>
-                <a:spcPct val="90000"/>
+                <a:spcPct val="150000"/>
               </a:lnSpc>
-              <a:spcBef>
-                <a:spcPts val="451"/>
-              </a:spcBef>
               <a:buNone/>
-              <a:tabLst>
-                <a:tab algn="l" pos="0"/>
-              </a:tabLst>
             </a:pPr>
-            <a:endParaRPr b="0" lang="it-IT" sz="1600" spc="-1" strike="noStrike">
-              <a:latin typeface="Arial"/>
-            </a:endParaRPr>
-          </a:p>
-          <a:p>
-            <a:pPr marL="274320" indent="-228600" algn="just">
-              <a:lnSpc>
-                <a:spcPct val="90000"/>
-              </a:lnSpc>
-              <a:spcBef>
-                <a:spcPts val="451"/>
-              </a:spcBef>
-              <a:buClr>
-                <a:srgbClr val="000000"/>
-              </a:buClr>
-              <a:buSzPct val="45000"/>
-              <a:buFont typeface="Wingdings" charset="2"/>
-              <a:buChar char=""/>
-              <a:tabLst>
-                <a:tab algn="l" pos="0"/>
-              </a:tabLst>
-            </a:pPr>
-            <a:r>
-              <a:rPr b="0" lang="it-IT" sz="2400" spc="-1" strike="noStrike">
+            <a:r>
+              <a:rPr b="1" lang="it-IT" sz="3600" spc="114" strike="noStrike">
                 <a:solidFill>
-                  <a:srgbClr val="000000"/>
+                  <a:srgbClr val="ffffff"/>
                 </a:solidFill>
                 <a:latin typeface="Meiryo"/>
-                <a:ea typeface="DejaVu Sans"/>
               </a:rPr>
-              <a:t>Reduce adoption friction:</a:t>
-            </a:r>
-            <a:endParaRPr b="0" lang="it-IT" sz="2400" spc="-1" strike="noStrike">
-              <a:latin typeface="Arial"/>
-            </a:endParaRPr>
-          </a:p>
-          <a:p>
-            <a:pPr lvl="2" marL="648000" indent="-216000" algn="just">
+              <a:t>Owners: Create Artworks Archive</a:t>
+            </a:r>
+            <a:endParaRPr b="0" lang="it-IT" sz="3600" spc="-1" strike="noStrike">
+              <a:latin typeface="Arial"/>
+            </a:endParaRPr>
+          </a:p>
+        </p:txBody>
+      </p:sp>
+      <p:sp>
+        <p:nvSpPr>
+          <p:cNvPr id="129" name="PlaceHolder 2"/>
+          <p:cNvSpPr>
+            <a:spLocks noGrp="1"/>
+          </p:cNvSpPr>
+          <p:nvPr>
+            <p:ph type="sldNum" idx="13"/>
+          </p:nvPr>
+        </p:nvSpPr>
+        <p:spPr>
+          <a:xfrm>
+            <a:off x="10569240" y="6309360"/>
+            <a:ext cx="975240" cy="452520"/>
+          </a:xfrm>
+          <a:prstGeom prst="rect">
+            <a:avLst/>
+          </a:prstGeom>
+          <a:noFill/>
+          <a:ln w="0">
+            <a:noFill/>
+          </a:ln>
+        </p:spPr>
+        <p:txBody>
+          <a:bodyPr lIns="109800" rIns="109800" tIns="109800" bIns="91440" anchor="b">
+            <a:noAutofit/>
+          </a:bodyPr>
+          <a:lstStyle>
+            <a:lvl1pPr algn="r">
               <a:lnSpc>
-                <a:spcPct val="90000"/>
+                <a:spcPct val="100000"/>
               </a:lnSpc>
-              <a:spcBef>
-                <a:spcPts val="451"/>
-              </a:spcBef>
-              <a:buClr>
-                <a:srgbClr val="000000"/>
-              </a:buClr>
-              <a:buSzPct val="45000"/>
-              <a:buFont typeface="Wingdings" charset="2"/>
-              <a:buChar char=""/>
-              <a:tabLst>
-                <a:tab algn="l" pos="0"/>
-              </a:tabLst>
-            </a:pPr>
-            <a:r>
-              <a:rPr b="0" lang="it-IT" sz="2400" spc="-1" strike="noStrike">
+              <a:buNone/>
+              <a:defRPr b="1" lang="en-US" sz="1600" spc="114" strike="noStrike">
                 <a:solidFill>
-                  <a:srgbClr val="000000"/>
+                  <a:srgbClr val="404040"/>
                 </a:solidFill>
                 <a:latin typeface="Meiryo"/>
-                <a:ea typeface="DejaVu Sans"/>
-              </a:rPr>
-              <a:t>NFID authentication?</a:t>
-            </a:r>
-            <a:endParaRPr b="0" lang="it-IT" sz="2400" spc="-1" strike="noStrike">
-              <a:latin typeface="Arial"/>
-            </a:endParaRPr>
-          </a:p>
-          <a:p>
-            <a:pPr lvl="2" marL="648000" indent="-216000" algn="just">
+              </a:defRPr>
+            </a:lvl1pPr>
+          </a:lstStyle>
+          <a:p>
+            <a:pPr algn="r">
               <a:lnSpc>
-                <a:spcPct val="90000"/>
+                <a:spcPct val="100000"/>
               </a:lnSpc>
-              <a:spcBef>
-                <a:spcPts val="451"/>
-              </a:spcBef>
-              <a:buClr>
-                <a:srgbClr val="000000"/>
-              </a:buClr>
-              <a:buSzPct val="45000"/>
-              <a:buFont typeface="Wingdings" charset="2"/>
-              <a:buChar char=""/>
-              <a:tabLst>
-                <a:tab algn="l" pos="0"/>
-              </a:tabLst>
+              <a:buNone/>
             </a:pPr>
-            <a:r>
-              <a:rPr b="0" lang="it-IT" sz="2400" spc="-1" strike="noStrike">
+            <a:fld id="{3A938B9F-21EC-4862-BBF2-CAD37666F8CC}" type="slidenum">
+              <a:rPr b="1" lang="en-US" sz="1600" spc="114" strike="noStrike">
                 <a:solidFill>
-                  <a:srgbClr val="000000"/>
+                  <a:srgbClr val="404040"/>
                 </a:solidFill>
                 <a:latin typeface="Meiryo"/>
-                <a:ea typeface="DejaVu Sans"/>
               </a:rPr>
-              <a:t>Cartridge and Services Purchase: </a:t>
-            </a:r>
-            <a:r>
-              <a:rPr b="0" i="1" lang="it-IT" sz="2400" spc="-1" strike="noStrike">
+              <a:t>1</a:t>
+            </a:fld>
+            <a:endParaRPr b="0" lang="it-IT" sz="1600" spc="-1" strike="noStrike">
+              <a:latin typeface="Times New Roman"/>
+            </a:endParaRPr>
+          </a:p>
+        </p:txBody>
+      </p:sp>
+      <p:sp>
+        <p:nvSpPr>
+          <p:cNvPr id="130" name="CasellaDiTesto 8"/>
+          <p:cNvSpPr/>
+          <p:nvPr/>
+        </p:nvSpPr>
+        <p:spPr>
+          <a:xfrm>
+            <a:off x="528840" y="1441080"/>
+            <a:ext cx="11015640" cy="4097160"/>
+          </a:xfrm>
+          <a:prstGeom prst="rect">
+            <a:avLst/>
+          </a:prstGeom>
+          <a:noFill/>
+          <a:ln w="0">
+            <a:noFill/>
+          </a:ln>
+        </p:spPr>
+        <p:style>
+          <a:lnRef idx="0"/>
+          <a:fillRef idx="0"/>
+          <a:effectRef idx="0"/>
+          <a:fontRef idx="minor"/>
+        </p:style>
+      </p:sp>
+      <p:pic>
+        <p:nvPicPr>
+          <p:cNvPr id="131" name="" descr=""/>
+          <p:cNvPicPr/>
+          <p:nvPr/>
+        </p:nvPicPr>
+        <p:blipFill>
+          <a:blip r:embed="rId1"/>
+          <a:stretch/>
+        </p:blipFill>
+        <p:spPr>
+          <a:xfrm>
+            <a:off x="528840" y="1413000"/>
+            <a:ext cx="10904040" cy="4526640"/>
+          </a:xfrm>
+          <a:prstGeom prst="rect">
+            <a:avLst/>
+          </a:prstGeom>
+          <a:ln w="0">
+            <a:noFill/>
+          </a:ln>
+        </p:spPr>
+      </p:pic>
+    </p:spTree>
+  </p:cSld>
+  <mc:AlternateContent>
+    <mc:Choice Requires="p14">
+      <p:transition spd="slow" p14:dur="2000"/>
+    </mc:Choice>
+    <mc:Fallback>
+      <p:transition spd="slow"/>
+    </mc:Fallback>
+  </mc:AlternateContent>
+</p:sld>
+</file>
+
+<file path=ppt/slides/slide8.xml><?xml version="1.0" encoding="utf-8"?>
+<p:sld xmlns:a="http://schemas.openxmlformats.org/drawingml/2006/main" xmlns:p="http://schemas.openxmlformats.org/presentationml/2006/main" xmlns:r="http://schemas.openxmlformats.org/officeDocument/2006/relationships" xmlns:p14="http://schemas.microsoft.com/office/powerpoint/2010/main" xmlns:p15="http://schemas.microsoft.com/office/powerpoint/2012/main" xmlns:mc="http://schemas.openxmlformats.org/markup-compatibility/2006">
+  <p:cSld>
+    <p:spTree>
+      <p:nvGrpSpPr>
+        <p:cNvPr id="1" name=""/>
+        <p:cNvGrpSpPr/>
+        <p:nvPr/>
+      </p:nvGrpSpPr>
+      <p:grpSpPr>
+        <a:xfrm>
+          <a:off x="0" y="0"/>
+          <a:ext cx="0" cy="0"/>
+          <a:chOff x="0" y="0"/>
+          <a:chExt cx="0" cy="0"/>
+        </a:xfrm>
+      </p:grpSpPr>
+      <p:sp>
+        <p:nvSpPr>
+          <p:cNvPr id="132" name="PlaceHolder 1"/>
+          <p:cNvSpPr>
+            <a:spLocks noGrp="1"/>
+          </p:cNvSpPr>
+          <p:nvPr>
+            <p:ph type="title"/>
+          </p:nvPr>
+        </p:nvSpPr>
+        <p:spPr>
+          <a:xfrm>
+            <a:off x="322560" y="180720"/>
+            <a:ext cx="11595600" cy="930960"/>
+          </a:xfrm>
+          <a:prstGeom prst="rect">
+            <a:avLst/>
+          </a:prstGeom>
+          <a:noFill/>
+          <a:ln w="0">
+            <a:noFill/>
+          </a:ln>
+        </p:spPr>
+        <p:txBody>
+          <a:bodyPr lIns="109800" rIns="109800" tIns="109800" bIns="91440" anchor="ctr">
+            <a:noAutofit/>
+          </a:bodyPr>
+          <a:p>
+            <a:pPr>
+              <a:lnSpc>
+                <a:spcPct val="150000"/>
+              </a:lnSpc>
+              <a:buNone/>
+            </a:pPr>
+            <a:r>
+              <a:rPr b="1" lang="it-IT" sz="3600" spc="114" strike="noStrike">
                 <a:solidFill>
-                  <a:srgbClr val="000000"/>
+                  <a:srgbClr val="ffffff"/>
                 </a:solidFill>
                 <a:latin typeface="Meiryo"/>
-                <a:ea typeface="DejaVu Sans"/>
               </a:rPr>
-              <a:t>on ramp</a:t>
-            </a:r>
-            <a:r>
-              <a:rPr b="0" lang="it-IT" sz="2400" spc="-1" strike="noStrike">
+              <a:t>Owners: Opera detail</a:t>
+            </a:r>
+            <a:endParaRPr b="0" lang="it-IT" sz="3600" spc="-1" strike="noStrike">
+              <a:latin typeface="Arial"/>
+            </a:endParaRPr>
+          </a:p>
+        </p:txBody>
+      </p:sp>
+      <p:sp>
+        <p:nvSpPr>
+          <p:cNvPr id="133" name="PlaceHolder 2"/>
+          <p:cNvSpPr>
+            <a:spLocks noGrp="1"/>
+          </p:cNvSpPr>
+          <p:nvPr>
+            <p:ph type="sldNum" idx="14"/>
+          </p:nvPr>
+        </p:nvSpPr>
+        <p:spPr>
+          <a:xfrm>
+            <a:off x="10569240" y="6309360"/>
+            <a:ext cx="975240" cy="452520"/>
+          </a:xfrm>
+          <a:prstGeom prst="rect">
+            <a:avLst/>
+          </a:prstGeom>
+          <a:noFill/>
+          <a:ln w="0">
+            <a:noFill/>
+          </a:ln>
+        </p:spPr>
+        <p:txBody>
+          <a:bodyPr lIns="109800" rIns="109800" tIns="109800" bIns="91440" anchor="b">
+            <a:noAutofit/>
+          </a:bodyPr>
+          <a:lstStyle>
+            <a:lvl1pPr algn="r">
+              <a:lnSpc>
+                <a:spcPct val="100000"/>
+              </a:lnSpc>
+              <a:buNone/>
+              <a:defRPr b="1" lang="en-US" sz="1600" spc="114" strike="noStrike">
                 <a:solidFill>
-                  <a:srgbClr val="000000"/>
+                  <a:srgbClr val="404040"/>
                 </a:solidFill>
                 <a:latin typeface="Meiryo"/>
-                <a:ea typeface="DejaVu Sans"/>
-              </a:rPr>
-              <a:t> solutions (alchemy, banxa, ...), or even pure Fiat, off chain money</a:t>
-            </a:r>
-            <a:endParaRPr b="0" lang="it-IT" sz="2400" spc="-1" strike="noStrike">
-              <a:latin typeface="Arial"/>
-            </a:endParaRPr>
-          </a:p>
-          <a:p>
-            <a:pPr lvl="2" marL="648000" indent="-216000" algn="just">
+              </a:defRPr>
+            </a:lvl1pPr>
+          </a:lstStyle>
+          <a:p>
+            <a:pPr algn="r">
               <a:lnSpc>
-                <a:spcPct val="90000"/>
+                <a:spcPct val="100000"/>
               </a:lnSpc>
-              <a:spcBef>
-                <a:spcPts val="451"/>
-              </a:spcBef>
-              <a:buClr>
-                <a:srgbClr val="000000"/>
-              </a:buClr>
-              <a:buSzPct val="45000"/>
-              <a:buFont typeface="Wingdings" charset="2"/>
-              <a:buChar char=""/>
-              <a:tabLst>
-                <a:tab algn="l" pos="0"/>
-              </a:tabLst>
+              <a:buNone/>
             </a:pPr>
-            <a:r>
-              <a:rPr b="0" lang="it-IT" sz="2400" spc="-1" strike="noStrike">
+            <a:fld id="{AFF8A40C-A364-4D2A-AE81-6B58439E89CD}" type="slidenum">
+              <a:rPr b="1" lang="en-US" sz="1600" spc="114" strike="noStrike">
                 <a:solidFill>
-                  <a:srgbClr val="000000"/>
+                  <a:srgbClr val="404040"/>
                 </a:solidFill>
                 <a:latin typeface="Meiryo"/>
-                <a:ea typeface="DejaVu Sans"/>
               </a:rPr>
-              <a:t>KYC for physical delivery of cardridges</a:t>
-            </a:r>
-            <a:endParaRPr b="0" lang="it-IT" sz="2400" spc="-1" strike="noStrike">
-              <a:latin typeface="Arial"/>
-            </a:endParaRPr>
-          </a:p>
-          <a:p>
-            <a:pPr marL="274320" indent="-228600" algn="just">
+              <a:t>1</a:t>
+            </a:fld>
+            <a:endParaRPr b="0" lang="it-IT" sz="1600" spc="-1" strike="noStrike">
+              <a:latin typeface="Times New Roman"/>
+            </a:endParaRPr>
+          </a:p>
+        </p:txBody>
+      </p:sp>
+      <p:sp>
+        <p:nvSpPr>
+          <p:cNvPr id="134" name="CasellaDiTesto 1"/>
+          <p:cNvSpPr/>
+          <p:nvPr/>
+        </p:nvSpPr>
+        <p:spPr>
+          <a:xfrm>
+            <a:off x="528840" y="1441080"/>
+            <a:ext cx="11015640" cy="4097160"/>
+          </a:xfrm>
+          <a:prstGeom prst="rect">
+            <a:avLst/>
+          </a:prstGeom>
+          <a:noFill/>
+          <a:ln w="0">
+            <a:noFill/>
+          </a:ln>
+        </p:spPr>
+        <p:style>
+          <a:lnRef idx="0"/>
+          <a:fillRef idx="0"/>
+          <a:effectRef idx="0"/>
+          <a:fontRef idx="minor"/>
+        </p:style>
+      </p:sp>
+      <p:pic>
+        <p:nvPicPr>
+          <p:cNvPr id="135" name="" descr=""/>
+          <p:cNvPicPr/>
+          <p:nvPr/>
+        </p:nvPicPr>
+        <p:blipFill>
+          <a:blip r:embed="rId1"/>
+          <a:stretch/>
+        </p:blipFill>
+        <p:spPr>
+          <a:xfrm>
+            <a:off x="1023480" y="1386000"/>
+            <a:ext cx="7796160" cy="5453640"/>
+          </a:xfrm>
+          <a:prstGeom prst="rect">
+            <a:avLst/>
+          </a:prstGeom>
+          <a:ln w="0">
+            <a:noFill/>
+          </a:ln>
+        </p:spPr>
+      </p:pic>
+    </p:spTree>
+  </p:cSld>
+  <mc:AlternateContent>
+    <mc:Choice Requires="p14">
+      <p:transition spd="slow" p14:dur="2000"/>
+    </mc:Choice>
+    <mc:Fallback>
+      <p:transition spd="slow"/>
+    </mc:Fallback>
+  </mc:AlternateContent>
+</p:sld>
+</file>
+
+<file path=ppt/slides/slide9.xml><?xml version="1.0" encoding="utf-8"?>
+<p:sld xmlns:a="http://schemas.openxmlformats.org/drawingml/2006/main" xmlns:p="http://schemas.openxmlformats.org/presentationml/2006/main" xmlns:r="http://schemas.openxmlformats.org/officeDocument/2006/relationships" xmlns:p14="http://schemas.microsoft.com/office/powerpoint/2010/main" xmlns:p15="http://schemas.microsoft.com/office/powerpoint/2012/main" xmlns:mc="http://schemas.openxmlformats.org/markup-compatibility/2006">
+  <p:cSld>
+    <p:spTree>
+      <p:nvGrpSpPr>
+        <p:cNvPr id="1" name=""/>
+        <p:cNvGrpSpPr/>
+        <p:nvPr/>
+      </p:nvGrpSpPr>
+      <p:grpSpPr>
+        <a:xfrm>
+          <a:off x="0" y="0"/>
+          <a:ext cx="0" cy="0"/>
+          <a:chOff x="0" y="0"/>
+          <a:chExt cx="0" cy="0"/>
+        </a:xfrm>
+      </p:grpSpPr>
+      <p:sp>
+        <p:nvSpPr>
+          <p:cNvPr id="136" name="PlaceHolder 1"/>
+          <p:cNvSpPr>
+            <a:spLocks noGrp="1"/>
+          </p:cNvSpPr>
+          <p:nvPr>
+            <p:ph type="title"/>
+          </p:nvPr>
+        </p:nvSpPr>
+        <p:spPr>
+          <a:xfrm>
+            <a:off x="322560" y="180720"/>
+            <a:ext cx="11595600" cy="930960"/>
+          </a:xfrm>
+          <a:prstGeom prst="rect">
+            <a:avLst/>
+          </a:prstGeom>
+          <a:noFill/>
+          <a:ln w="0">
+            <a:noFill/>
+          </a:ln>
+        </p:spPr>
+        <p:txBody>
+          <a:bodyPr lIns="109800" rIns="109800" tIns="109800" bIns="91440" anchor="ctr">
+            <a:noAutofit/>
+          </a:bodyPr>
+          <a:p>
+            <a:pPr>
               <a:lnSpc>
-                <a:spcPct val="90000"/>
+                <a:spcPct val="150000"/>
               </a:lnSpc>
-              <a:spcBef>
-                <a:spcPts val="451"/>
-              </a:spcBef>
-              <a:buClr>
-                <a:srgbClr val="000000"/>
-              </a:buClr>
-              <a:buSzPct val="45000"/>
-              <a:buFont typeface="Wingdings" charset="2"/>
-              <a:buChar char=""/>
-              <a:tabLst>
-                <a:tab algn="l" pos="0"/>
-              </a:tabLst>
+              <a:buNone/>
             </a:pPr>
             <a:r>
-              <a:rPr b="0" lang="it-IT" sz="2400" spc="-1" strike="noStrike">
+              <a:rPr b="1" lang="it-IT" sz="3600" spc="114" strike="noStrike">
                 <a:solidFill>
-                  <a:srgbClr val="000000"/>
+                  <a:srgbClr val="ffffff"/>
                 </a:solidFill>
                 <a:latin typeface="Meiryo"/>
-                <a:ea typeface="DejaVu Sans"/>
               </a:rPr>
-              <a:t>Enforce Trust and Privacy:</a:t>
-            </a:r>
-            <a:endParaRPr b="0" lang="it-IT" sz="2400" spc="-1" strike="noStrike">
-              <a:latin typeface="Arial"/>
-            </a:endParaRPr>
-          </a:p>
-          <a:p>
-            <a:pPr lvl="1" marL="432000" indent="-216000" algn="just">
+              <a:t>Owner: Put the genetic ink on the opera</a:t>
+            </a:r>
+            <a:endParaRPr b="0" lang="it-IT" sz="3600" spc="-1" strike="noStrike">
+              <a:latin typeface="Arial"/>
+            </a:endParaRPr>
+          </a:p>
+        </p:txBody>
+      </p:sp>
+      <p:sp>
+        <p:nvSpPr>
+          <p:cNvPr id="137" name="PlaceHolder 2"/>
+          <p:cNvSpPr>
+            <a:spLocks noGrp="1"/>
+          </p:cNvSpPr>
+          <p:nvPr>
+            <p:ph type="sldNum" idx="15"/>
+          </p:nvPr>
+        </p:nvSpPr>
+        <p:spPr>
+          <a:xfrm>
+            <a:off x="10569240" y="6309360"/>
+            <a:ext cx="975240" cy="452520"/>
+          </a:xfrm>
+          <a:prstGeom prst="rect">
+            <a:avLst/>
+          </a:prstGeom>
+          <a:noFill/>
+          <a:ln w="0">
+            <a:noFill/>
+          </a:ln>
+        </p:spPr>
+        <p:txBody>
+          <a:bodyPr lIns="109800" rIns="109800" tIns="109800" bIns="91440" anchor="b">
+            <a:noAutofit/>
+          </a:bodyPr>
+          <a:lstStyle>
+            <a:lvl1pPr algn="r">
               <a:lnSpc>
-                <a:spcPct val="90000"/>
+                <a:spcPct val="100000"/>
               </a:lnSpc>
-              <a:spcBef>
-                <a:spcPts val="451"/>
-              </a:spcBef>
-              <a:buClr>
-                <a:srgbClr val="000000"/>
-              </a:buClr>
-              <a:buSzPct val="45000"/>
-              <a:buFont typeface="Wingdings" charset="2"/>
-              <a:buChar char=""/>
-              <a:tabLst>
-                <a:tab algn="l" pos="0"/>
-              </a:tabLst>
-            </a:pPr>
-            <a:r>
-              <a:rPr b="0" lang="it-IT" sz="2400" spc="-1" strike="noStrike">
+              <a:buNone/>
+              <a:defRPr b="1" lang="en-US" sz="1600" spc="114" strike="noStrike">
                 <a:solidFill>
-                  <a:srgbClr val="000000"/>
+                  <a:srgbClr val="404040"/>
                 </a:solidFill>
                 <a:latin typeface="Meiryo"/>
-                <a:ea typeface="DejaVu Sans"/>
-              </a:rPr>
-              <a:t>IC Certified Assets</a:t>
-            </a:r>
-            <a:endParaRPr b="0" lang="it-IT" sz="2400" spc="-1" strike="noStrike">
-              <a:latin typeface="Arial"/>
-            </a:endParaRPr>
-          </a:p>
-          <a:p>
-            <a:pPr lvl="1" marL="432000" indent="-216000" algn="just">
+              </a:defRPr>
+            </a:lvl1pPr>
+          </a:lstStyle>
+          <a:p>
+            <a:pPr algn="r">
               <a:lnSpc>
-                <a:spcPct val="90000"/>
+                <a:spcPct val="100000"/>
               </a:lnSpc>
-              <a:spcBef>
-                <a:spcPts val="451"/>
-              </a:spcBef>
-              <a:buClr>
-                <a:srgbClr val="000000"/>
-              </a:buClr>
-              <a:buSzPct val="45000"/>
-              <a:buFont typeface="Wingdings" charset="2"/>
-              <a:buChar char=""/>
-              <a:tabLst>
-                <a:tab algn="l" pos="0"/>
-              </a:tabLst>
+              <a:buNone/>
             </a:pPr>
-            <a:r>
-              <a:rPr b="0" lang="it-IT" sz="2400" spc="-1" strike="noStrike">
+            <a:fld id="{46796143-7CEA-447F-AA8B-3671DC3DCBF3}" type="slidenum">
+              <a:rPr b="1" lang="en-US" sz="1600" spc="114" strike="noStrike">
                 <a:solidFill>
-                  <a:srgbClr val="000000"/>
+                  <a:srgbClr val="404040"/>
                 </a:solidFill>
                 <a:latin typeface="Meiryo"/>
-                <a:ea typeface="DejaVu Sans"/>
               </a:rPr>
-              <a:t>Encryption (Vet keys?) for data and documents</a:t>
-            </a:r>
-            <a:endParaRPr b="0" lang="it-IT" sz="2400" spc="-1" strike="noStrike">
-              <a:latin typeface="Arial"/>
-            </a:endParaRPr>
-          </a:p>
-          <a:p>
-            <a:pPr marL="274320" indent="-228600" algn="just">
-              <a:lnSpc>
-                <a:spcPct val="90000"/>
-              </a:lnSpc>
-              <a:spcBef>
-                <a:spcPts val="451"/>
-              </a:spcBef>
-              <a:buClr>
-                <a:srgbClr val="000000"/>
-              </a:buClr>
-              <a:buSzPct val="45000"/>
-              <a:buFont typeface="Wingdings" charset="2"/>
-              <a:buChar char=""/>
-              <a:tabLst>
-                <a:tab algn="l" pos="0"/>
-              </a:tabLst>
-            </a:pPr>
-            <a:r>
-              <a:rPr b="0" lang="it-IT" sz="2400" spc="-1" strike="noStrike">
-                <a:solidFill>
-                  <a:srgbClr val="000000"/>
-                </a:solidFill>
-                <a:latin typeface="Meiryo"/>
-                <a:ea typeface="DejaVu Sans"/>
-              </a:rPr>
-              <a:t>Enpower financial operations:</a:t>
-            </a:r>
-            <a:endParaRPr b="0" lang="it-IT" sz="2400" spc="-1" strike="noStrike">
-              <a:latin typeface="Arial"/>
-            </a:endParaRPr>
-          </a:p>
-          <a:p>
-            <a:pPr lvl="2" marL="648000" indent="-216000" algn="just">
-              <a:lnSpc>
-                <a:spcPct val="90000"/>
-              </a:lnSpc>
-              <a:spcBef>
-                <a:spcPts val="451"/>
-              </a:spcBef>
-              <a:buClr>
-                <a:srgbClr val="000000"/>
-              </a:buClr>
-              <a:buSzPct val="45000"/>
-              <a:buFont typeface="Wingdings" charset="2"/>
-              <a:buChar char=""/>
-              <a:tabLst>
-                <a:tab algn="l" pos="0"/>
-              </a:tabLst>
-            </a:pPr>
-            <a:r>
-              <a:rPr b="0" lang="it-IT" sz="2400" spc="-1" strike="noStrike">
-                <a:solidFill>
-                  <a:srgbClr val="000000"/>
-                </a:solidFill>
-                <a:latin typeface="Meiryo"/>
-                <a:ea typeface="DejaVu Sans"/>
-              </a:rPr>
-              <a:t>Mint NFT of each artwork (enrich image with custom EXIF/XMP tags for DNA strings)</a:t>
-            </a:r>
-            <a:endParaRPr b="0" lang="it-IT" sz="2400" spc="-1" strike="noStrike">
-              <a:latin typeface="Arial"/>
-            </a:endParaRPr>
-          </a:p>
-          <a:p>
-            <a:pPr algn="just">
-              <a:lnSpc>
-                <a:spcPct val="90000"/>
-              </a:lnSpc>
-              <a:spcBef>
-                <a:spcPts val="451"/>
-              </a:spcBef>
-              <a:buNone/>
-              <a:tabLst>
-                <a:tab algn="l" pos="0"/>
-              </a:tabLst>
-            </a:pPr>
-            <a:endParaRPr b="0" lang="it-IT" sz="2400" spc="-1" strike="noStrike">
-              <a:latin typeface="Arial"/>
-            </a:endParaRPr>
-          </a:p>
-          <a:p>
-            <a:pPr marL="502920" indent="-228600" algn="just">
-              <a:lnSpc>
-                <a:spcPct val="90000"/>
-              </a:lnSpc>
-              <a:spcBef>
-                <a:spcPts val="451"/>
-              </a:spcBef>
-              <a:buNone/>
-              <a:tabLst>
-                <a:tab algn="l" pos="0"/>
-              </a:tabLst>
-            </a:pPr>
-            <a:endParaRPr b="0" lang="it-IT" sz="2400" spc="-1" strike="noStrike">
-              <a:latin typeface="Arial"/>
-            </a:endParaRPr>
-          </a:p>
-        </p:txBody>
-      </p:sp>
+              <a:t>1</a:t>
+            </a:fld>
+            <a:endParaRPr b="0" lang="it-IT" sz="1600" spc="-1" strike="noStrike">
+              <a:latin typeface="Times New Roman"/>
+            </a:endParaRPr>
+          </a:p>
+        </p:txBody>
+      </p:sp>
+      <p:sp>
+        <p:nvSpPr>
+          <p:cNvPr id="138" name="CasellaDiTesto 12"/>
+          <p:cNvSpPr/>
+          <p:nvPr/>
+        </p:nvSpPr>
+        <p:spPr>
+          <a:xfrm>
+            <a:off x="528840" y="1441080"/>
+            <a:ext cx="11015640" cy="4097160"/>
+          </a:xfrm>
+          <a:prstGeom prst="rect">
+            <a:avLst/>
+          </a:prstGeom>
+          <a:noFill/>
+          <a:ln w="0">
+            <a:noFill/>
+          </a:ln>
+        </p:spPr>
+        <p:style>
+          <a:lnRef idx="0"/>
+          <a:fillRef idx="0"/>
+          <a:effectRef idx="0"/>
+          <a:fontRef idx="minor"/>
+        </p:style>
+      </p:sp>
+      <p:pic>
+        <p:nvPicPr>
+          <p:cNvPr id="139" name="" descr=""/>
+          <p:cNvPicPr/>
+          <p:nvPr/>
+        </p:nvPicPr>
+        <p:blipFill>
+          <a:blip r:embed="rId1"/>
+          <a:stretch/>
+        </p:blipFill>
+        <p:spPr>
+          <a:xfrm>
+            <a:off x="3960000" y="2139840"/>
+            <a:ext cx="3374640" cy="2719800"/>
+          </a:xfrm>
+          <a:prstGeom prst="rect">
+            <a:avLst/>
+          </a:prstGeom>
+          <a:ln w="0">
+            <a:noFill/>
+          </a:ln>
+        </p:spPr>
+      </p:pic>
     </p:spTree>
   </p:cSld>
   <mc:AlternateContent>
@@ -8439,34 +9809,34 @@
         <a:sysClr val="window" lastClr="FFFFFF"/>
       </a:lt1>
       <a:dk2>
-        <a:srgbClr val="595460"/>
+        <a:srgbClr val="1f497d"/>
       </a:dk2>
       <a:lt2>
-        <a:srgbClr val="ebedeb"/>
+        <a:srgbClr val="eeece1"/>
       </a:lt2>
       <a:accent1>
-        <a:srgbClr val="97a7b8"/>
+        <a:srgbClr val="4f81bd"/>
       </a:accent1>
       <a:accent2>
-        <a:srgbClr val="a5b592"/>
+        <a:srgbClr val="c0504d"/>
       </a:accent2>
       <a:accent3>
-        <a:srgbClr val="ced228"/>
+        <a:srgbClr val="9bbb59"/>
       </a:accent3>
       <a:accent4>
-        <a:srgbClr val="d1c499"/>
+        <a:srgbClr val="8064a2"/>
       </a:accent4>
       <a:accent5>
-        <a:srgbClr val="bdb3b6"/>
+        <a:srgbClr val="4bacc6"/>
       </a:accent5>
       <a:accent6>
-        <a:srgbClr val="c5a98d"/>
+        <a:srgbClr val="f79646"/>
       </a:accent6>
       <a:hlink>
-        <a:srgbClr val="cc9900"/>
+        <a:srgbClr val="0000ff"/>
       </a:hlink>
       <a:folHlink>
-        <a:srgbClr val="96a9a9"/>
+        <a:srgbClr val="800080"/>
       </a:folHlink>
     </a:clrScheme>
     <a:fontScheme name="Office">
@@ -8665,34 +10035,34 @@
         <a:sysClr val="window" lastClr="FFFFFF"/>
       </a:lt1>
       <a:dk2>
-        <a:srgbClr val="595460"/>
+        <a:srgbClr val="1f497d"/>
       </a:dk2>
       <a:lt2>
-        <a:srgbClr val="ebedeb"/>
+        <a:srgbClr val="eeece1"/>
       </a:lt2>
       <a:accent1>
-        <a:srgbClr val="97a7b8"/>
+        <a:srgbClr val="4f81bd"/>
       </a:accent1>
       <a:accent2>
-        <a:srgbClr val="a5b592"/>
+        <a:srgbClr val="c0504d"/>
       </a:accent2>
       <a:accent3>
-        <a:srgbClr val="ced228"/>
+        <a:srgbClr val="9bbb59"/>
       </a:accent3>
       <a:accent4>
-        <a:srgbClr val="d1c499"/>
+        <a:srgbClr val="8064a2"/>
       </a:accent4>
       <a:accent5>
-        <a:srgbClr val="bdb3b6"/>
+        <a:srgbClr val="4bacc6"/>
       </a:accent5>
       <a:accent6>
-        <a:srgbClr val="c5a98d"/>
+        <a:srgbClr val="f79646"/>
       </a:accent6>
       <a:hlink>
-        <a:srgbClr val="cc9900"/>
+        <a:srgbClr val="0000ff"/>
       </a:hlink>
       <a:folHlink>
-        <a:srgbClr val="96a9a9"/>
+        <a:srgbClr val="800080"/>
       </a:folHlink>
     </a:clrScheme>
     <a:fontScheme name="Office">
@@ -8878,351 +10248,4 @@
     </a:fmtScheme>
   </a:themeElements>
 </a:theme>
-</file>
-
-<file path=customXml/item1.xml><?xml version="1.0" encoding="utf-8"?>
-<p:properties xmlns:p="http://schemas.microsoft.com/office/2006/metadata/properties" xmlns:xsi="http://www.w3.org/2001/XMLSchema-instance" xmlns:pc="http://schemas.microsoft.com/office/infopath/2007/PartnerControls">
-  <documentManagement>
-    <Status xmlns="71af3243-3dd4-4a8d-8c0d-dd76da1f02a5">Not started</Status>
-    <_ip_UnifiedCompliancePolicyUIAction xmlns="http://schemas.microsoft.com/sharepoint/v3" xsi:nil="true"/>
-    <Image xmlns="71af3243-3dd4-4a8d-8c0d-dd76da1f02a5">
-      <Url xsi:nil="true"/>
-      <Description xsi:nil="true"/>
-    </Image>
-    <_ip_UnifiedCompliancePolicyProperties xmlns="http://schemas.microsoft.com/sharepoint/v3" xsi:nil="true"/>
-    <lcf76f155ced4ddcb4097134ff3c332f xmlns="71af3243-3dd4-4a8d-8c0d-dd76da1f02a5">
-      <Terms xmlns="http://schemas.microsoft.com/office/infopath/2007/PartnerControls"/>
-    </lcf76f155ced4ddcb4097134ff3c332f>
-    <TaxCatchAll xmlns="230e9df3-be65-4c73-a93b-d1236ebd677e"/>
-    <MediaServiceKeyPoints xmlns="71af3243-3dd4-4a8d-8c0d-dd76da1f02a5" xsi:nil="true"/>
-  </documentManagement>
-</p:properties>
-</file>
-
-<file path=customXml/item2.xml><?xml version="1.0" encoding="utf-8"?>
-<?mso-contentType ?>
-<FormTemplates xmlns="http://schemas.microsoft.com/sharepoint/v3/contenttype/forms">
-  <Display>DocumentLibraryForm</Display>
-  <Edit>DocumentLibraryForm</Edit>
-  <New>DocumentLibraryForm</New>
-</FormTemplates>
-</file>
-
-<file path=customXml/item3.xml><?xml version="1.0" encoding="utf-8"?>
-<ct:contentTypeSchema xmlns:ct="http://schemas.microsoft.com/office/2006/metadata/contentType" xmlns:ma="http://schemas.microsoft.com/office/2006/metadata/properties/metaAttributes" ct:_="" ma:_="" ma:contentTypeName="Document" ma:contentTypeID="0x01010079F111ED35F8CC479449609E8A0923A6" ma:contentTypeVersion="18" ma:contentTypeDescription="Create a new document." ma:contentTypeScope="" ma:versionID="22a266b9fa9a230c5a512669d8b298c3">
-  <xsd:schema xmlns:xsd="http://www.w3.org/2001/XMLSchema" xmlns:xs="http://www.w3.org/2001/XMLSchema" xmlns:p="http://schemas.microsoft.com/office/2006/metadata/properties" xmlns:ns1="http://schemas.microsoft.com/sharepoint/v3" xmlns:ns2="71af3243-3dd4-4a8d-8c0d-dd76da1f02a5" xmlns:ns3="16c05727-aa75-4e4a-9b5f-8a80a1165891" xmlns:ns4="230e9df3-be65-4c73-a93b-d1236ebd677e" targetNamespace="http://schemas.microsoft.com/office/2006/metadata/properties" ma:root="true" ma:fieldsID="eddc33fff6b14141ee5c74a0d29ea6a1" ns1:_="" ns2:_="" ns3:_="" ns4:_="">
-    <xsd:import namespace="http://schemas.microsoft.com/sharepoint/v3"/>
-    <xsd:import namespace="71af3243-3dd4-4a8d-8c0d-dd76da1f02a5"/>
-    <xsd:import namespace="16c05727-aa75-4e4a-9b5f-8a80a1165891"/>
-    <xsd:import namespace="230e9df3-be65-4c73-a93b-d1236ebd677e"/>
-    <xsd:element name="properties">
-      <xsd:complexType>
-        <xsd:sequence>
-          <xsd:element name="documentManagement">
-            <xsd:complexType>
-              <xsd:all>
-                <xsd:element ref="ns2:MediaServiceMetadata" minOccurs="0"/>
-                <xsd:element ref="ns2:MediaServiceFastMetadata" minOccurs="0"/>
-                <xsd:element ref="ns2:MediaServiceOCR" minOccurs="0"/>
-                <xsd:element ref="ns2:MediaServiceAutoTags" minOccurs="0"/>
-                <xsd:element ref="ns2:MediaServiceEventHashCode" minOccurs="0"/>
-                <xsd:element ref="ns2:MediaServiceGenerationTime" minOccurs="0"/>
-                <xsd:element ref="ns3:SharedWithUsers" minOccurs="0"/>
-                <xsd:element ref="ns3:SharedWithDetails" minOccurs="0"/>
-                <xsd:element ref="ns2:MediaServiceAutoKeyPoints" minOccurs="0"/>
-                <xsd:element ref="ns2:MediaServiceKeyPoints" minOccurs="0"/>
-                <xsd:element ref="ns2:MediaServiceDateTaken" minOccurs="0"/>
-                <xsd:element ref="ns2:Status" minOccurs="0"/>
-                <xsd:element ref="ns1:_ip_UnifiedCompliancePolicyProperties" minOccurs="0"/>
-                <xsd:element ref="ns1:_ip_UnifiedCompliancePolicyUIAction" minOccurs="0"/>
-                <xsd:element ref="ns2:Image" minOccurs="0"/>
-                <xsd:element ref="ns2:lcf76f155ced4ddcb4097134ff3c332f" minOccurs="0"/>
-                <xsd:element ref="ns4:TaxCatchAll" minOccurs="0"/>
-              </xsd:all>
-            </xsd:complexType>
-          </xsd:element>
-        </xsd:sequence>
-      </xsd:complexType>
-    </xsd:element>
-  </xsd:schema>
-  <xsd:schema xmlns:xsd="http://www.w3.org/2001/XMLSchema" xmlns:xs="http://www.w3.org/2001/XMLSchema" xmlns:dms="http://schemas.microsoft.com/office/2006/documentManagement/types" xmlns:pc="http://schemas.microsoft.com/office/infopath/2007/PartnerControls" targetNamespace="http://schemas.microsoft.com/sharepoint/v3" elementFormDefault="qualified">
-    <xsd:import namespace="http://schemas.microsoft.com/office/2006/documentManagement/types"/>
-    <xsd:import namespace="http://schemas.microsoft.com/office/infopath/2007/PartnerControls"/>
-    <xsd:element name="_ip_UnifiedCompliancePolicyProperties" ma:index="20" nillable="true" ma:displayName="Unified Compliance Policy Properties" ma:hidden="true" ma:internalName="_ip_UnifiedCompliancePolicyProperties">
-      <xsd:simpleType>
-        <xsd:restriction base="dms:Note"/>
-      </xsd:simpleType>
-    </xsd:element>
-    <xsd:element name="_ip_UnifiedCompliancePolicyUIAction" ma:index="21" nillable="true" ma:displayName="Unified Compliance Policy UI Action" ma:hidden="true" ma:internalName="_ip_UnifiedCompliancePolicyUIAction">
-      <xsd:simpleType>
-        <xsd:restriction base="dms:Text"/>
-      </xsd:simpleType>
-    </xsd:element>
-  </xsd:schema>
-  <xsd:schema xmlns:xsd="http://www.w3.org/2001/XMLSchema" xmlns:xs="http://www.w3.org/2001/XMLSchema" xmlns:dms="http://schemas.microsoft.com/office/2006/documentManagement/types" xmlns:pc="http://schemas.microsoft.com/office/infopath/2007/PartnerControls" targetNamespace="71af3243-3dd4-4a8d-8c0d-dd76da1f02a5" elementFormDefault="qualified">
-    <xsd:import namespace="http://schemas.microsoft.com/office/2006/documentManagement/types"/>
-    <xsd:import namespace="http://schemas.microsoft.com/office/infopath/2007/PartnerControls"/>
-    <xsd:element name="MediaServiceMetadata" ma:index="8" nillable="true" ma:displayName="MediaServiceMetadata" ma:hidden="true" ma:internalName="MediaServiceMetadata" ma:readOnly="true">
-      <xsd:simpleType>
-        <xsd:restriction base="dms:Note"/>
-      </xsd:simpleType>
-    </xsd:element>
-    <xsd:element name="MediaServiceFastMetadata" ma:index="9" nillable="true" ma:displayName="MediaServiceFastMetadata" ma:hidden="true" ma:internalName="MediaServiceFastMetadata" ma:readOnly="true">
-      <xsd:simpleType>
-        <xsd:restriction base="dms:Note"/>
-      </xsd:simpleType>
-    </xsd:element>
-    <xsd:element name="MediaServiceOCR" ma:index="10" nillable="true" ma:displayName="MediaServiceOCR" ma:internalName="MediaServiceOCR" ma:readOnly="true">
-      <xsd:simpleType>
-        <xsd:restriction base="dms:Note">
-          <xsd:maxLength value="255"/>
-        </xsd:restriction>
-      </xsd:simpleType>
-    </xsd:element>
-    <xsd:element name="MediaServiceAutoTags" ma:index="11" nillable="true" ma:displayName="MediaServiceAutoTags" ma:internalName="MediaServiceAutoTags" ma:readOnly="true">
-      <xsd:simpleType>
-        <xsd:restriction base="dms:Text"/>
-      </xsd:simpleType>
-    </xsd:element>
-    <xsd:element name="MediaServiceEventHashCode" ma:index="12" nillable="true" ma:displayName="MediaServiceEventHashCode" ma:hidden="true" ma:internalName="MediaServiceEventHashCode" ma:readOnly="true">
-      <xsd:simpleType>
-        <xsd:restriction base="dms:Text"/>
-      </xsd:simpleType>
-    </xsd:element>
-    <xsd:element name="MediaServiceGenerationTime" ma:index="13" nillable="true" ma:displayName="MediaServiceGenerationTime" ma:hidden="true" ma:internalName="MediaServiceGenerationTime" ma:readOnly="true">
-      <xsd:simpleType>
-        <xsd:restriction base="dms:Text"/>
-      </xsd:simpleType>
-    </xsd:element>
-    <xsd:element name="MediaServiceAutoKeyPoints" ma:index="16" nillable="true" ma:displayName="MediaServiceAutoKeyPoints" ma:hidden="true" ma:internalName="MediaServiceAutoKeyPoints" ma:readOnly="true">
-      <xsd:simpleType>
-        <xsd:restriction base="dms:Note"/>
-      </xsd:simpleType>
-    </xsd:element>
-    <xsd:element name="MediaServiceKeyPoints" ma:index="17" nillable="true" ma:displayName="KeyPoints" ma:internalName="MediaServiceKeyPoints" ma:readOnly="false">
-      <xsd:simpleType>
-        <xsd:restriction base="dms:Note">
-          <xsd:maxLength value="255"/>
-        </xsd:restriction>
-      </xsd:simpleType>
-    </xsd:element>
-    <xsd:element name="MediaServiceDateTaken" ma:index="18" nillable="true" ma:displayName="MediaServiceDateTaken" ma:hidden="true" ma:internalName="MediaServiceDateTaken" ma:readOnly="true">
-      <xsd:simpleType>
-        <xsd:restriction base="dms:Text"/>
-      </xsd:simpleType>
-    </xsd:element>
-    <xsd:element name="Status" ma:index="19" nillable="true" ma:displayName="Status" ma:default="Not started" ma:format="Dropdown" ma:internalName="Status">
-      <xsd:simpleType>
-        <xsd:restriction base="dms:Choice">
-          <xsd:enumeration value="Not started"/>
-          <xsd:enumeration value="In Progress"/>
-          <xsd:enumeration value="Completed"/>
-        </xsd:restriction>
-      </xsd:simpleType>
-    </xsd:element>
-    <xsd:element name="Image" ma:index="22" nillable="true" ma:displayName="Image" ma:format="Image" ma:internalName="Image">
-      <xsd:complexType>
-        <xsd:complexContent>
-          <xsd:extension base="dms:URL">
-            <xsd:sequence>
-              <xsd:element name="Url" type="dms:ValidUrl" minOccurs="0" nillable="true"/>
-              <xsd:element name="Description" type="xsd:string" nillable="true"/>
-            </xsd:sequence>
-          </xsd:extension>
-        </xsd:complexContent>
-      </xsd:complexType>
-    </xsd:element>
-    <xsd:element name="lcf76f155ced4ddcb4097134ff3c332f" ma:index="24" nillable="true" ma:taxonomy="true" ma:internalName="lcf76f155ced4ddcb4097134ff3c332f" ma:taxonomyFieldName="MediaServiceAITags" ma:displayName="Image Tags" ma:readOnly="false" ma:fieldId="{5cf76f15-5ced-4ddc-b409-7134ff3c332f}" ma:taxonomyMulti="true" ma:sspId="e385fb40-52d4-4fae-9c5b-3e8ff8a5878e" ma:termSetId="09814cd3-568e-4e90-9814-8d621ff8fb84" ma:anchorId="00000000-0000-0000-0000-000000000000" ma:open="true" ma:isKeyword="false">
-      <xsd:complexType>
-        <xsd:sequence>
-          <xsd:element ref="pc:Terms" minOccurs="0" maxOccurs="1"/>
-        </xsd:sequence>
-      </xsd:complexType>
-    </xsd:element>
-  </xsd:schema>
-  <xsd:schema xmlns:xsd="http://www.w3.org/2001/XMLSchema" xmlns:xs="http://www.w3.org/2001/XMLSchema" xmlns:dms="http://schemas.microsoft.com/office/2006/documentManagement/types" xmlns:pc="http://schemas.microsoft.com/office/infopath/2007/PartnerControls" targetNamespace="16c05727-aa75-4e4a-9b5f-8a80a1165891" elementFormDefault="qualified">
-    <xsd:import namespace="http://schemas.microsoft.com/office/2006/documentManagement/types"/>
-    <xsd:import namespace="http://schemas.microsoft.com/office/infopath/2007/PartnerControls"/>
-    <xsd:element name="SharedWithUsers" ma:index="14" nillable="true" ma:displayName="Shared With" ma:internalName="SharedWithUsers" ma:readOnly="true">
-      <xsd:complexType>
-        <xsd:complexContent>
-          <xsd:extension base="dms:UserMulti">
-            <xsd:sequence>
-              <xsd:element name="UserInfo" minOccurs="0" maxOccurs="unbounded">
-                <xsd:complexType>
-                  <xsd:sequence>
-                    <xsd:element name="DisplayName" type="xsd:string" minOccurs="0"/>
-                    <xsd:element name="AccountId" type="dms:UserId" minOccurs="0" nillable="true"/>
-                    <xsd:element name="AccountType" type="xsd:string" minOccurs="0"/>
-                  </xsd:sequence>
-                </xsd:complexType>
-              </xsd:element>
-            </xsd:sequence>
-          </xsd:extension>
-        </xsd:complexContent>
-      </xsd:complexType>
-    </xsd:element>
-    <xsd:element name="SharedWithDetails" ma:index="15" nillable="true" ma:displayName="Shared With Details" ma:internalName="SharedWithDetails" ma:readOnly="true">
-      <xsd:simpleType>
-        <xsd:restriction base="dms:Note">
-          <xsd:maxLength value="255"/>
-        </xsd:restriction>
-      </xsd:simpleType>
-    </xsd:element>
-  </xsd:schema>
-  <xsd:schema xmlns:xsd="http://www.w3.org/2001/XMLSchema" xmlns:xs="http://www.w3.org/2001/XMLSchema" xmlns:dms="http://schemas.microsoft.com/office/2006/documentManagement/types" xmlns:pc="http://schemas.microsoft.com/office/infopath/2007/PartnerControls" targetNamespace="230e9df3-be65-4c73-a93b-d1236ebd677e" elementFormDefault="qualified">
-    <xsd:import namespace="http://schemas.microsoft.com/office/2006/documentManagement/types"/>
-    <xsd:import namespace="http://schemas.microsoft.com/office/infopath/2007/PartnerControls"/>
-    <xsd:element name="TaxCatchAll" ma:index="25" nillable="true" ma:displayName="Taxonomy Catch All Column" ma:hidden="true" ma:list="{3f6bfcbc-3db3-4ae6-bd76-326f0798ad28}" ma:internalName="TaxCatchAll" ma:showField="CatchAllData" ma:web="16c05727-aa75-4e4a-9b5f-8a80a1165891">
-      <xsd:complexType>
-        <xsd:complexContent>
-          <xsd:extension base="dms:MultiChoiceLookup">
-            <xsd:sequence>
-              <xsd:element name="Value" type="dms:Lookup" maxOccurs="unbounded" minOccurs="0" nillable="true"/>
-            </xsd:sequence>
-          </xsd:extension>
-        </xsd:complexContent>
-      </xsd:complexType>
-    </xsd:element>
-  </xsd:schema>
-  <xsd:schema xmlns="http://schemas.openxmlformats.org/package/2006/metadata/core-properties" xmlns:xsd="http://www.w3.org/2001/XMLSchema" xmlns:xsi="http://www.w3.org/2001/XMLSchema-instance" xmlns:dc="http://purl.org/dc/elements/1.1/" xmlns:dcterms="http://purl.org/dc/terms/" xmlns:odoc="http://schemas.microsoft.com/internal/obd" targetNamespace="http://schemas.openxmlformats.org/package/2006/metadata/core-properties" elementFormDefault="qualified" attributeFormDefault="unqualified" blockDefault="#all">
-    <xsd:import namespace="http://purl.org/dc/elements/1.1/" schemaLocation="http://dublincore.org/schemas/xmls/qdc/2003/04/02/dc.xsd"/>
-    <xsd:import namespace="http://purl.org/dc/terms/" schemaLocation="http://dublincore.org/schemas/xmls/qdc/2003/04/02/dcterms.xsd"/>
-    <xsd:element name="coreProperties" type="CT_coreProperties"/>
-    <xsd:complexType name="CT_coreProperties">
-      <xsd:all>
-        <xsd:element ref="dc:creator" minOccurs="0" maxOccurs="1"/>
-        <xsd:element ref="dcterms:created" minOccurs="0" maxOccurs="1"/>
-        <xsd:element ref="dc:identifier" minOccurs="0" maxOccurs="1"/>
-        <xsd:element name="contentType" minOccurs="0" maxOccurs="1" type="xsd:string" ma:index="0" ma:displayName="Content Type"/>
-        <xsd:element ref="dc:title" minOccurs="0" maxOccurs="1" ma:index="4" ma:displayName="Title"/>
-        <xsd:element ref="dc:subject" minOccurs="0" maxOccurs="1"/>
-        <xsd:element ref="dc:description" minOccurs="0" maxOccurs="1"/>
-        <xsd:element name="keywords" minOccurs="0" maxOccurs="1" type="xsd:string"/>
-        <xsd:element ref="dc:language" minOccurs="0" maxOccurs="1"/>
-        <xsd:element name="category" minOccurs="0" maxOccurs="1" type="xsd:string"/>
-        <xsd:element name="version" minOccurs="0" maxOccurs="1" type="xsd:string"/>
-        <xsd:element name="revision" minOccurs="0" maxOccurs="1" type="xsd:string">
-          <xsd:annotation>
-            <xsd:documentation>
-                        This value indicates the number of saves or revisions. The application is responsible for updating this value after each revision.
-                    </xsd:documentation>
-          </xsd:annotation>
-        </xsd:element>
-        <xsd:element name="lastModifiedBy" minOccurs="0" maxOccurs="1" type="xsd:string"/>
-        <xsd:element ref="dcterms:modified" minOccurs="0" maxOccurs="1"/>
-        <xsd:element name="contentStatus" minOccurs="0" maxOccurs="1" type="xsd:string"/>
-      </xsd:all>
-    </xsd:complexType>
-  </xsd:schema>
-  <xs:schema xmlns:pc="http://schemas.microsoft.com/office/infopath/2007/PartnerControls" xmlns:xs="http://www.w3.org/2001/XMLSchema" targetNamespace="http://schemas.microsoft.com/office/infopath/2007/PartnerControls" elementFormDefault="qualified" attributeFormDefault="unqualified">
-    <xs:element name="Person">
-      <xs:complexType>
-        <xs:sequence>
-          <xs:element ref="pc:DisplayName" minOccurs="0"/>
-          <xs:element ref="pc:AccountId" minOccurs="0"/>
-          <xs:element ref="pc:AccountType" minOccurs="0"/>
-        </xs:sequence>
-      </xs:complexType>
-    </xs:element>
-    <xs:element name="DisplayName" type="xs:string"/>
-    <xs:element name="AccountId" type="xs:string"/>
-    <xs:element name="AccountType" type="xs:string"/>
-    <xs:element name="BDCAssociatedEntity">
-      <xs:complexType>
-        <xs:sequence>
-          <xs:element ref="pc:BDCEntity" minOccurs="0" maxOccurs="unbounded"/>
-        </xs:sequence>
-        <xs:attribute ref="pc:EntityNamespace"/>
-        <xs:attribute ref="pc:EntityName"/>
-        <xs:attribute ref="pc:SystemInstanceName"/>
-        <xs:attribute ref="pc:AssociationName"/>
-      </xs:complexType>
-    </xs:element>
-    <xs:attribute name="EntityNamespace" type="xs:string"/>
-    <xs:attribute name="EntityName" type="xs:string"/>
-    <xs:attribute name="SystemInstanceName" type="xs:string"/>
-    <xs:attribute name="AssociationName" type="xs:string"/>
-    <xs:element name="BDCEntity">
-      <xs:complexType>
-        <xs:sequence>
-          <xs:element ref="pc:EntityDisplayName" minOccurs="0"/>
-          <xs:element ref="pc:EntityInstanceReference" minOccurs="0"/>
-          <xs:element ref="pc:EntityId1" minOccurs="0"/>
-          <xs:element ref="pc:EntityId2" minOccurs="0"/>
-          <xs:element ref="pc:EntityId3" minOccurs="0"/>
-          <xs:element ref="pc:EntityId4" minOccurs="0"/>
-          <xs:element ref="pc:EntityId5" minOccurs="0"/>
-        </xs:sequence>
-      </xs:complexType>
-    </xs:element>
-    <xs:element name="EntityDisplayName" type="xs:string"/>
-    <xs:element name="EntityInstanceReference" type="xs:string"/>
-    <xs:element name="EntityId1" type="xs:string"/>
-    <xs:element name="EntityId2" type="xs:string"/>
-    <xs:element name="EntityId3" type="xs:string"/>
-    <xs:element name="EntityId4" type="xs:string"/>
-    <xs:element name="EntityId5" type="xs:string"/>
-    <xs:element name="Terms">
-      <xs:complexType>
-        <xs:sequence>
-          <xs:element ref="pc:TermInfo" minOccurs="0" maxOccurs="unbounded"/>
-        </xs:sequence>
-      </xs:complexType>
-    </xs:element>
-    <xs:element name="TermInfo">
-      <xs:complexType>
-        <xs:sequence>
-          <xs:element ref="pc:TermName" minOccurs="0"/>
-          <xs:element ref="pc:TermId" minOccurs="0"/>
-        </xs:sequence>
-      </xs:complexType>
-    </xs:element>
-    <xs:element name="TermName" type="xs:string"/>
-    <xs:element name="TermId" type="xs:string"/>
-  </xs:schema>
-</ct:contentTypeSchema>
-</file>
-
-<file path=customXml/itemProps1.xml><?xml version="1.0" encoding="utf-8"?>
-<ds:datastoreItem xmlns:ds="http://schemas.openxmlformats.org/officeDocument/2006/customXml" ds:itemID="{D6B374A7-2E79-4FEF-822D-2492B9AD907B}">
-  <ds:schemaRefs>
-    <ds:schemaRef ds:uri="http://schemas.microsoft.com/office/2006/metadata/properties"/>
-    <ds:schemaRef ds:uri="http://www.w3.org/2000/xmlns/"/>
-    <ds:schemaRef ds:uri="71af3243-3dd4-4a8d-8c0d-dd76da1f02a5"/>
-    <ds:schemaRef ds:uri="http://schemas.microsoft.com/sharepoint/v3"/>
-    <ds:schemaRef ds:uri="http://www.w3.org/2001/XMLSchema-instance"/>
-    <ds:schemaRef ds:uri="http://schemas.microsoft.com/office/infopath/2007/PartnerControls"/>
-    <ds:schemaRef ds:uri="230e9df3-be65-4c73-a93b-d1236ebd677e"/>
-  </ds:schemaRefs>
-</ds:datastoreItem>
-</file>
-
-<file path=customXml/itemProps2.xml><?xml version="1.0" encoding="utf-8"?>
-<ds:datastoreItem xmlns:ds="http://schemas.openxmlformats.org/officeDocument/2006/customXml" ds:itemID="{C093A0A0-A69C-47FE-9FE5-21F06181BF4F}">
-  <ds:schemaRefs>
-    <ds:schemaRef ds:uri="http://schemas.microsoft.com/sharepoint/v3/contenttype/forms"/>
-  </ds:schemaRefs>
-</ds:datastoreItem>
-</file>
-
-<file path=customXml/itemProps3.xml><?xml version="1.0" encoding="utf-8"?>
-<ds:datastoreItem xmlns:ds="http://schemas.openxmlformats.org/officeDocument/2006/customXml" ds:itemID="{DA6507DE-E02C-4320-873D-704EA2AB6C24}">
-  <ds:schemaRefs>
-    <ds:schemaRef ds:uri="http://schemas.microsoft.com/office/2006/metadata/contentType"/>
-    <ds:schemaRef ds:uri="http://schemas.microsoft.com/office/2006/metadata/properties/metaAttributes"/>
-    <ds:schemaRef ds:uri="http://www.w3.org/2000/xmlns/"/>
-    <ds:schemaRef ds:uri="http://www.w3.org/2001/XMLSchema"/>
-    <ds:schemaRef ds:uri="http://schemas.microsoft.com/sharepoint/v3"/>
-    <ds:schemaRef ds:uri="71af3243-3dd4-4a8d-8c0d-dd76da1f02a5"/>
-    <ds:schemaRef ds:uri="16c05727-aa75-4e4a-9b5f-8a80a1165891"/>
-    <ds:schemaRef ds:uri="230e9df3-be65-4c73-a93b-d1236ebd677e"/>
-  </ds:schemaRefs>
-</ds:datastoreItem>
-</file>
-
-<file path=docMetadata/LabelInfo.xml><?xml version="1.0" encoding="utf-8"?>
-<clbl:labelList xmlns:clbl="http://schemas.microsoft.com/office/2020/mipLabelMetadata">
-  <clbl:label id="{72f988bf-86f1-41af-91ab-2d7cd011db47}" enabled="0" method="" siteId="{72f988bf-86f1-41af-91ab-2d7cd011db47}" removed="1"/>
-</clbl:labelList>
 </file>
--- a/src/docs/presentations/21maggio.pptx
+++ b/src/docs/presentations/21maggio.pptx
@@ -77,7 +77,7 @@
         <p:txBody>
           <a:bodyPr/>
           <a:p>
-            <a:fld id="{98096731-1C20-453D-B713-473BD1BFEC01}" type="slidenum">
+            <a:fld id="{F1BFCE16-03AD-4D41-AA12-20A237466C43}" type="slidenum">
               <a:t>&lt;#&gt;</a:t>
             </a:fld>
           </a:p>
@@ -265,7 +265,7 @@
         <p:txBody>
           <a:bodyPr/>
           <a:p>
-            <a:fld id="{07C63666-6596-46AF-80EB-1112EAFB773D}" type="slidenum">
+            <a:fld id="{9A8300D0-24FB-4FFF-824C-1C0D76556263}" type="slidenum">
               <a:t>&lt;#&gt;</a:t>
             </a:fld>
           </a:p>
@@ -521,7 +521,7 @@
         <p:txBody>
           <a:bodyPr/>
           <a:p>
-            <a:fld id="{B6516C09-E823-4054-8E9E-C393712B4DDD}" type="slidenum">
+            <a:fld id="{5112E467-2139-4458-B9DA-49E22F3C4B91}" type="slidenum">
               <a:t>&lt;#&gt;</a:t>
             </a:fld>
           </a:p>
@@ -845,7 +845,7 @@
         <p:txBody>
           <a:bodyPr/>
           <a:p>
-            <a:fld id="{83BFEBC6-4144-4B25-8CA7-A35D11DD706C}" type="slidenum">
+            <a:fld id="{AFEB5656-12DC-44F9-ADB4-DDF7A69B4EF4}" type="slidenum">
               <a:t>&lt;#&gt;</a:t>
             </a:fld>
           </a:p>
@@ -928,7 +928,7 @@
         <p:txBody>
           <a:bodyPr/>
           <a:p>
-            <a:fld id="{8E09A811-9C1D-4B92-A669-AFC3D9D266F8}" type="slidenum">
+            <a:fld id="{6E8A3B06-07CC-4101-972E-0FBC283F1161}" type="slidenum">
               <a:t>&lt;#&gt;</a:t>
             </a:fld>
           </a:p>
@@ -1085,7 +1085,7 @@
         <p:txBody>
           <a:bodyPr/>
           <a:p>
-            <a:fld id="{6E03A776-0A4F-4483-A4B7-6129A76F86DE}" type="slidenum">
+            <a:fld id="{CA01A28A-DF4C-4FA6-A894-164F9B09192E}" type="slidenum">
               <a:t>&lt;#&gt;</a:t>
             </a:fld>
           </a:p>
@@ -1239,7 +1239,7 @@
         <p:txBody>
           <a:bodyPr/>
           <a:p>
-            <a:fld id="{65160F9E-E6E4-420A-A386-AB63A9E5EA5C}" type="slidenum">
+            <a:fld id="{E9FE4BF5-972B-4FAB-A9FE-3C08F6999D65}" type="slidenum">
               <a:t>&lt;#&gt;</a:t>
             </a:fld>
           </a:p>
@@ -1427,7 +1427,7 @@
         <p:txBody>
           <a:bodyPr/>
           <a:p>
-            <a:fld id="{E5124602-B12B-45F8-953A-0E10882BEF55}" type="slidenum">
+            <a:fld id="{FBF54EB8-1F52-4846-89E6-6C0BA0EA21BC}" type="slidenum">
               <a:t>&lt;#&gt;</a:t>
             </a:fld>
           </a:p>
@@ -1547,7 +1547,7 @@
         <p:txBody>
           <a:bodyPr/>
           <a:p>
-            <a:fld id="{45CC22A7-30B9-438B-AE2D-6EDF12CD3550}" type="slidenum">
+            <a:fld id="{884FE89A-BB12-4BA3-BB63-17BE30041239}" type="slidenum">
               <a:t>&lt;#&gt;</a:t>
             </a:fld>
           </a:p>
@@ -1667,7 +1667,7 @@
         <p:txBody>
           <a:bodyPr/>
           <a:p>
-            <a:fld id="{9B1C3A68-CC2C-438A-B80E-BCFFE77D4703}" type="slidenum">
+            <a:fld id="{43A882E9-7D5C-4A57-B6F0-305BAF59D38A}" type="slidenum">
               <a:t>&lt;#&gt;</a:t>
             </a:fld>
           </a:p>
@@ -1889,7 +1889,7 @@
         <p:txBody>
           <a:bodyPr/>
           <a:p>
-            <a:fld id="{F2EA9198-A4DF-4065-9060-77B73D1D31E9}" type="slidenum">
+            <a:fld id="{FAB6EF72-EDDB-407C-BAB9-3C59C68CD632}" type="slidenum">
               <a:t>&lt;#&gt;</a:t>
             </a:fld>
           </a:p>
@@ -2046,7 +2046,7 @@
         <p:txBody>
           <a:bodyPr/>
           <a:p>
-            <a:fld id="{DD257F49-C669-4F5E-B02D-42FF185AAE62}" type="slidenum">
+            <a:fld id="{902BBBC7-1691-4318-8F8A-96B769099F55}" type="slidenum">
               <a:t>&lt;#&gt;</a:t>
             </a:fld>
           </a:p>
@@ -2268,7 +2268,7 @@
         <p:txBody>
           <a:bodyPr/>
           <a:p>
-            <a:fld id="{8C1F2898-0E24-4BC1-A202-7ADC08765969}" type="slidenum">
+            <a:fld id="{EB851201-E58C-41D5-A196-0A2757662973}" type="slidenum">
               <a:t>&lt;#&gt;</a:t>
             </a:fld>
           </a:p>
@@ -2490,7 +2490,7 @@
         <p:txBody>
           <a:bodyPr/>
           <a:p>
-            <a:fld id="{CF36F770-DE3D-4F7D-96FD-4353A4775286}" type="slidenum">
+            <a:fld id="{DE204EDC-9BC0-4D33-88AC-22FCB00D7410}" type="slidenum">
               <a:t>&lt;#&gt;</a:t>
             </a:fld>
           </a:p>
@@ -2678,7 +2678,7 @@
         <p:txBody>
           <a:bodyPr/>
           <a:p>
-            <a:fld id="{02A33D09-593E-4088-B163-D750B1F7F8A4}" type="slidenum">
+            <a:fld id="{A0C02366-CF38-4662-8325-87602A5B19C4}" type="slidenum">
               <a:t>&lt;#&gt;</a:t>
             </a:fld>
           </a:p>
@@ -2934,7 +2934,7 @@
         <p:txBody>
           <a:bodyPr/>
           <a:p>
-            <a:fld id="{B1D02978-F5F8-4D4F-B39C-1AD883E827EA}" type="slidenum">
+            <a:fld id="{474BAA9B-B717-4C97-AAB0-AD7B6A52A509}" type="slidenum">
               <a:t>&lt;#&gt;</a:t>
             </a:fld>
           </a:p>
@@ -3258,7 +3258,7 @@
         <p:txBody>
           <a:bodyPr/>
           <a:p>
-            <a:fld id="{900E609D-6A0D-4C15-836A-8BAB5A992C38}" type="slidenum">
+            <a:fld id="{49899184-1352-472B-A522-F69B484898A0}" type="slidenum">
               <a:t>&lt;#&gt;</a:t>
             </a:fld>
           </a:p>
@@ -3412,7 +3412,7 @@
         <p:txBody>
           <a:bodyPr/>
           <a:p>
-            <a:fld id="{CA62BDCF-9F86-4BA6-B623-9483F5DA12E3}" type="slidenum">
+            <a:fld id="{040A2F7C-982F-4FE1-ACF6-A5B164F2AC5B}" type="slidenum">
               <a:t>&lt;#&gt;</a:t>
             </a:fld>
           </a:p>
@@ -3600,7 +3600,7 @@
         <p:txBody>
           <a:bodyPr/>
           <a:p>
-            <a:fld id="{6027CA4E-77C7-460F-8813-74DBE9D35B6A}" type="slidenum">
+            <a:fld id="{954CF91C-9537-4A5F-A9E1-FA39229116D9}" type="slidenum">
               <a:t>&lt;#&gt;</a:t>
             </a:fld>
           </a:p>
@@ -3720,7 +3720,7 @@
         <p:txBody>
           <a:bodyPr/>
           <a:p>
-            <a:fld id="{66AF9F5A-F5A3-424C-A27A-5263DF1FE359}" type="slidenum">
+            <a:fld id="{31997A35-610A-4E03-8C7D-1055052E2681}" type="slidenum">
               <a:t>&lt;#&gt;</a:t>
             </a:fld>
           </a:p>
@@ -3840,7 +3840,7 @@
         <p:txBody>
           <a:bodyPr/>
           <a:p>
-            <a:fld id="{4D85DB63-E59A-4BF6-A4AE-8D3574745594}" type="slidenum">
+            <a:fld id="{CCA2BF3B-A1D5-45AB-A08C-EA582F34D09B}" type="slidenum">
               <a:t>&lt;#&gt;</a:t>
             </a:fld>
           </a:p>
@@ -4062,7 +4062,7 @@
         <p:txBody>
           <a:bodyPr/>
           <a:p>
-            <a:fld id="{AC77D559-50D5-47F9-83E9-071FBE499232}" type="slidenum">
+            <a:fld id="{7C89EFCC-A299-4D12-B78D-2E232C2F5491}" type="slidenum">
               <a:t>&lt;#&gt;</a:t>
             </a:fld>
           </a:p>
@@ -4284,7 +4284,7 @@
         <p:txBody>
           <a:bodyPr/>
           <a:p>
-            <a:fld id="{F5A8D15E-982D-4156-BE94-D3D98807F6E1}" type="slidenum">
+            <a:fld id="{4ACE1899-B4F1-4ACC-93FF-8732A437DE5D}" type="slidenum">
               <a:t>&lt;#&gt;</a:t>
             </a:fld>
           </a:p>
@@ -4506,7 +4506,7 @@
         <p:txBody>
           <a:bodyPr/>
           <a:p>
-            <a:fld id="{7B6F705B-83CA-4FAC-86EA-EBD75A2EF888}" type="slidenum">
+            <a:fld id="{635F333E-884C-4337-97CF-9E2614139047}" type="slidenum">
               <a:t>&lt;#&gt;</a:t>
             </a:fld>
           </a:p>
@@ -4571,7 +4571,7 @@
         <p:spPr>
           <a:xfrm>
             <a:off x="4718160" y="0"/>
-            <a:ext cx="7468920" cy="6853320"/>
+            <a:ext cx="7468560" cy="6852960"/>
           </a:xfrm>
           <a:prstGeom prst="rect">
             <a:avLst/>
@@ -4601,7 +4601,7 @@
         <p:spPr>
           <a:xfrm rot="5400000">
             <a:off x="1257120" y="3396960"/>
-            <a:ext cx="6853320" cy="59400"/>
+            <a:ext cx="6852960" cy="59040"/>
           </a:xfrm>
           <a:prstGeom prst="rect">
             <a:avLst/>
@@ -4628,8 +4628,8 @@
         </p:nvSpPr>
         <p:spPr>
           <a:xfrm flipH="1">
-            <a:off x="-5040" y="0"/>
-            <a:ext cx="12187440" cy="6853320"/>
+            <a:off x="-5760" y="0"/>
+            <a:ext cx="12187080" cy="6852960"/>
           </a:xfrm>
           <a:prstGeom prst="rect">
             <a:avLst/>
@@ -4657,7 +4657,7 @@
         <p:spPr>
           <a:xfrm>
             <a:off x="0" y="825840"/>
-            <a:ext cx="6791400" cy="2589480"/>
+            <a:ext cx="6791040" cy="2589120"/>
           </a:xfrm>
           <a:prstGeom prst="rect">
             <a:avLst/>
@@ -4685,7 +4685,7 @@
         <p:spPr>
           <a:xfrm>
             <a:off x="0" y="889560"/>
-            <a:ext cx="1065960" cy="2461680"/>
+            <a:ext cx="1065600" cy="2461320"/>
           </a:xfrm>
           <a:prstGeom prst="rect">
             <a:avLst/>
@@ -4712,8 +4712,8 @@
         </p:nvSpPr>
         <p:spPr>
           <a:xfrm rot="5400000">
-            <a:off x="-2360520" y="3396960"/>
-            <a:ext cx="6853320" cy="59400"/>
+            <a:off x="-2360160" y="3396960"/>
+            <a:ext cx="6852960" cy="59040"/>
           </a:xfrm>
           <a:prstGeom prst="rect">
             <a:avLst/>
@@ -4741,7 +4741,7 @@
         <p:spPr>
           <a:xfrm rot="5400000">
             <a:off x="3398760" y="3396960"/>
-            <a:ext cx="6853320" cy="59400"/>
+            <a:ext cx="6852960" cy="59040"/>
           </a:xfrm>
           <a:prstGeom prst="rect">
             <a:avLst/>
@@ -4807,186 +4807,13 @@
             <a:spLocks noGrp="1"/>
           </p:cNvSpPr>
           <p:nvPr>
-            <p:ph type="ftr" idx="1"/>
-          </p:nvPr>
-        </p:nvSpPr>
-        <p:spPr>
-          <a:xfrm>
-            <a:off x="1635120" y="6309360"/>
-            <a:ext cx="4792680" cy="452520"/>
-          </a:xfrm>
-          <a:prstGeom prst="rect">
-            <a:avLst/>
-          </a:prstGeom>
-          <a:noFill/>
-          <a:ln w="0">
-            <a:noFill/>
-          </a:ln>
-        </p:spPr>
-        <p:txBody>
-          <a:bodyPr lIns="109800" rIns="109800" tIns="109800" bIns="91440" anchor="ctr">
-            <a:noAutofit/>
-          </a:bodyPr>
-          <a:lstStyle>
-            <a:lvl1pPr>
-              <a:lnSpc>
-                <a:spcPct val="100000"/>
-              </a:lnSpc>
-              <a:buNone/>
-              <a:defRPr b="0" lang="en-GB" sz="1200" spc="114" strike="noStrike">
-                <a:solidFill>
-                  <a:srgbClr val="404040"/>
-                </a:solidFill>
-                <a:latin typeface="Meiryo"/>
-              </a:defRPr>
-            </a:lvl1pPr>
-          </a:lstStyle>
-          <a:p>
-            <a:pPr>
-              <a:lnSpc>
-                <a:spcPct val="100000"/>
-              </a:lnSpc>
-              <a:buNone/>
-            </a:pPr>
-            <a:r>
-              <a:rPr b="0" lang="en-GB" sz="1200" spc="114" strike="noStrike">
-                <a:solidFill>
-                  <a:srgbClr val="404040"/>
-                </a:solidFill>
-                <a:latin typeface="Meiryo"/>
-              </a:rPr>
-              <a:t>&lt;footer&gt;</a:t>
-            </a:r>
-            <a:endParaRPr b="0" lang="it-IT" sz="1200" spc="-1" strike="noStrike">
-              <a:latin typeface="Times New Roman"/>
-            </a:endParaRPr>
-          </a:p>
-        </p:txBody>
-      </p:sp>
-      <p:sp>
-        <p:nvSpPr>
-          <p:cNvPr id="9" name="PlaceHolder 3"/>
-          <p:cNvSpPr>
-            <a:spLocks noGrp="1"/>
-          </p:cNvSpPr>
-          <p:nvPr>
-            <p:ph type="sldNum" idx="2"/>
-          </p:nvPr>
-        </p:nvSpPr>
-        <p:spPr>
-          <a:xfrm>
-            <a:off x="10569240" y="6309360"/>
-            <a:ext cx="975240" cy="452520"/>
-          </a:xfrm>
-          <a:prstGeom prst="rect">
-            <a:avLst/>
-          </a:prstGeom>
-          <a:noFill/>
-          <a:ln w="0">
-            <a:noFill/>
-          </a:ln>
-        </p:spPr>
-        <p:txBody>
-          <a:bodyPr lIns="109800" rIns="109800" tIns="109800" bIns="91440" anchor="b">
-            <a:noAutofit/>
-          </a:bodyPr>
-          <a:lstStyle>
-            <a:lvl1pPr algn="r">
-              <a:lnSpc>
-                <a:spcPct val="100000"/>
-              </a:lnSpc>
-              <a:buNone/>
-              <a:defRPr b="1" lang="en-US" sz="1600" spc="114" strike="noStrike">
-                <a:solidFill>
-                  <a:srgbClr val="ffffff"/>
-                </a:solidFill>
-                <a:latin typeface="Meiryo"/>
-              </a:defRPr>
-            </a:lvl1pPr>
-          </a:lstStyle>
-          <a:p>
-            <a:pPr algn="r">
-              <a:lnSpc>
-                <a:spcPct val="100000"/>
-              </a:lnSpc>
-              <a:buNone/>
-            </a:pPr>
-            <a:fld id="{58263FC2-935B-4086-98B6-94C811090233}" type="slidenum">
-              <a:rPr b="1" lang="en-US" sz="1600" spc="114" strike="noStrike">
-                <a:solidFill>
-                  <a:srgbClr val="ffffff"/>
-                </a:solidFill>
-                <a:latin typeface="Meiryo"/>
-              </a:rPr>
-              <a:t>&lt;number&gt;</a:t>
-            </a:fld>
-            <a:endParaRPr b="0" lang="it-IT" sz="1600" spc="-1" strike="noStrike">
-              <a:latin typeface="Times New Roman"/>
-            </a:endParaRPr>
-          </a:p>
-        </p:txBody>
-      </p:sp>
-      <p:sp>
-        <p:nvSpPr>
-          <p:cNvPr id="10" name="PlaceHolder 4"/>
-          <p:cNvSpPr>
-            <a:spLocks noGrp="1"/>
-          </p:cNvSpPr>
-          <p:nvPr>
-            <p:ph type="dt" idx="3"/>
-          </p:nvPr>
-        </p:nvSpPr>
-        <p:spPr>
-          <a:xfrm>
-            <a:off x="8197200" y="6309360"/>
-            <a:ext cx="2146320" cy="452520"/>
-          </a:xfrm>
-          <a:prstGeom prst="rect">
-            <a:avLst/>
-          </a:prstGeom>
-          <a:noFill/>
-          <a:ln w="0">
-            <a:noFill/>
-          </a:ln>
-        </p:spPr>
-        <p:txBody>
-          <a:bodyPr lIns="109800" rIns="109800" tIns="109800" bIns="91440" anchor="ctr">
-            <a:noAutofit/>
-          </a:bodyPr>
-          <a:lstStyle>
-            <a:lvl1pPr>
-              <a:defRPr b="0" lang="it-IT" sz="1400" spc="-1" strike="noStrike">
-                <a:latin typeface="Times New Roman"/>
-              </a:defRPr>
-            </a:lvl1pPr>
-          </a:lstStyle>
-          <a:p>
-            <a:r>
-              <a:rPr b="0" lang="it-IT" sz="1400" spc="-1" strike="noStrike">
-                <a:latin typeface="Times New Roman"/>
-              </a:rPr>
-              <a:t>&lt;date/time&gt;</a:t>
-            </a:r>
-            <a:endParaRPr b="0" lang="it-IT" sz="1400" spc="-1" strike="noStrike">
-              <a:latin typeface="Times New Roman"/>
-            </a:endParaRPr>
-          </a:p>
-        </p:txBody>
-      </p:sp>
-      <p:sp>
-        <p:nvSpPr>
-          <p:cNvPr id="11" name="PlaceHolder 5"/>
-          <p:cNvSpPr>
-            <a:spLocks noGrp="1"/>
-          </p:cNvSpPr>
-          <p:nvPr>
             <p:ph type="body"/>
           </p:nvPr>
         </p:nvSpPr>
         <p:spPr>
           <a:xfrm>
             <a:off x="609480" y="1604520"/>
-            <a:ext cx="10972440" cy="3977280"/>
+            <a:ext cx="10972080" cy="3976920"/>
           </a:xfrm>
           <a:prstGeom prst="rect">
             <a:avLst/>
@@ -5013,12 +4840,12 @@
               <a:buChar char=""/>
             </a:pPr>
             <a:r>
-              <a:rPr b="0" lang="it-IT" sz="3200" spc="-1" strike="noStrike">
+              <a:rPr b="0" lang="it-IT" sz="1800" spc="-1" strike="noStrike">
                 <a:latin typeface="Arial"/>
               </a:rPr>
               <a:t>Click to edit the outline text format</a:t>
             </a:r>
-            <a:endParaRPr b="0" lang="it-IT" sz="3200" spc="-1" strike="noStrike">
+            <a:endParaRPr b="0" lang="it-IT" sz="1800" spc="-1" strike="noStrike">
               <a:latin typeface="Arial"/>
             </a:endParaRPr>
           </a:p>
@@ -5035,12 +4862,12 @@
               <a:buChar char=""/>
             </a:pPr>
             <a:r>
-              <a:rPr b="0" lang="it-IT" sz="2800" spc="-1" strike="noStrike">
+              <a:rPr b="0" lang="it-IT" sz="1800" spc="-1" strike="noStrike">
                 <a:latin typeface="Arial"/>
               </a:rPr>
               <a:t>Second Outline Level</a:t>
             </a:r>
-            <a:endParaRPr b="0" lang="it-IT" sz="2800" spc="-1" strike="noStrike">
+            <a:endParaRPr b="0" lang="it-IT" sz="1800" spc="-1" strike="noStrike">
               <a:latin typeface="Arial"/>
             </a:endParaRPr>
           </a:p>
@@ -5057,12 +4884,12 @@
               <a:buChar char=""/>
             </a:pPr>
             <a:r>
-              <a:rPr b="0" lang="it-IT" sz="2400" spc="-1" strike="noStrike">
+              <a:rPr b="0" lang="it-IT" sz="1800" spc="-1" strike="noStrike">
                 <a:latin typeface="Arial"/>
               </a:rPr>
               <a:t>Third Outline Level</a:t>
             </a:r>
-            <a:endParaRPr b="0" lang="it-IT" sz="2400" spc="-1" strike="noStrike">
+            <a:endParaRPr b="0" lang="it-IT" sz="1800" spc="-1" strike="noStrike">
               <a:latin typeface="Arial"/>
             </a:endParaRPr>
           </a:p>
@@ -5079,12 +4906,12 @@
               <a:buChar char=""/>
             </a:pPr>
             <a:r>
-              <a:rPr b="0" lang="it-IT" sz="2000" spc="-1" strike="noStrike">
+              <a:rPr b="0" lang="it-IT" sz="1800" spc="-1" strike="noStrike">
                 <a:latin typeface="Arial"/>
               </a:rPr>
               <a:t>Fourth Outline Level</a:t>
             </a:r>
-            <a:endParaRPr b="0" lang="it-IT" sz="2000" spc="-1" strike="noStrike">
+            <a:endParaRPr b="0" lang="it-IT" sz="1800" spc="-1" strike="noStrike">
               <a:latin typeface="Arial"/>
             </a:endParaRPr>
           </a:p>
@@ -5101,12 +4928,12 @@
               <a:buChar char=""/>
             </a:pPr>
             <a:r>
-              <a:rPr b="0" lang="it-IT" sz="2000" spc="-1" strike="noStrike">
+              <a:rPr b="0" lang="it-IT" sz="1800" spc="-1" strike="noStrike">
                 <a:latin typeface="Arial"/>
               </a:rPr>
               <a:t>Fifth Outline Level</a:t>
             </a:r>
-            <a:endParaRPr b="0" lang="it-IT" sz="2000" spc="-1" strike="noStrike">
+            <a:endParaRPr b="0" lang="it-IT" sz="1800" spc="-1" strike="noStrike">
               <a:latin typeface="Arial"/>
             </a:endParaRPr>
           </a:p>
@@ -5123,12 +4950,12 @@
               <a:buChar char=""/>
             </a:pPr>
             <a:r>
-              <a:rPr b="0" lang="it-IT" sz="2000" spc="-1" strike="noStrike">
+              <a:rPr b="0" lang="it-IT" sz="1800" spc="-1" strike="noStrike">
                 <a:latin typeface="Arial"/>
               </a:rPr>
               <a:t>Sixth Outline Level</a:t>
             </a:r>
-            <a:endParaRPr b="0" lang="it-IT" sz="2000" spc="-1" strike="noStrike">
+            <a:endParaRPr b="0" lang="it-IT" sz="1800" spc="-1" strike="noStrike">
               <a:latin typeface="Arial"/>
             </a:endParaRPr>
           </a:p>
@@ -5145,13 +4972,186 @@
               <a:buChar char=""/>
             </a:pPr>
             <a:r>
-              <a:rPr b="0" lang="it-IT" sz="2000" spc="-1" strike="noStrike">
+              <a:rPr b="0" lang="it-IT" sz="1800" spc="-1" strike="noStrike">
                 <a:latin typeface="Arial"/>
               </a:rPr>
               <a:t>Seventh Outline Level</a:t>
             </a:r>
-            <a:endParaRPr b="0" lang="it-IT" sz="2000" spc="-1" strike="noStrike">
-              <a:latin typeface="Arial"/>
+            <a:endParaRPr b="0" lang="it-IT" sz="1800" spc="-1" strike="noStrike">
+              <a:latin typeface="Arial"/>
+            </a:endParaRPr>
+          </a:p>
+        </p:txBody>
+      </p:sp>
+      <p:sp>
+        <p:nvSpPr>
+          <p:cNvPr id="9" name="PlaceHolder 3"/>
+          <p:cNvSpPr>
+            <a:spLocks noGrp="1"/>
+          </p:cNvSpPr>
+          <p:nvPr>
+            <p:ph type="ftr" idx="1"/>
+          </p:nvPr>
+        </p:nvSpPr>
+        <p:spPr>
+          <a:xfrm>
+            <a:off x="1635120" y="6309360"/>
+            <a:ext cx="4792320" cy="452160"/>
+          </a:xfrm>
+          <a:prstGeom prst="rect">
+            <a:avLst/>
+          </a:prstGeom>
+          <a:noFill/>
+          <a:ln w="0">
+            <a:noFill/>
+          </a:ln>
+        </p:spPr>
+        <p:txBody>
+          <a:bodyPr lIns="109800" rIns="109800" tIns="109800" bIns="91440" anchor="ctr">
+            <a:noAutofit/>
+          </a:bodyPr>
+          <a:lstStyle>
+            <a:lvl1pPr>
+              <a:lnSpc>
+                <a:spcPct val="100000"/>
+              </a:lnSpc>
+              <a:buNone/>
+              <a:defRPr b="0" lang="en-GB" sz="1200" spc="111" strike="noStrike">
+                <a:solidFill>
+                  <a:srgbClr val="404040"/>
+                </a:solidFill>
+                <a:latin typeface="Meiryo"/>
+              </a:defRPr>
+            </a:lvl1pPr>
+          </a:lstStyle>
+          <a:p>
+            <a:pPr>
+              <a:lnSpc>
+                <a:spcPct val="100000"/>
+              </a:lnSpc>
+              <a:buNone/>
+            </a:pPr>
+            <a:r>
+              <a:rPr b="0" lang="en-GB" sz="1200" spc="111" strike="noStrike">
+                <a:solidFill>
+                  <a:srgbClr val="404040"/>
+                </a:solidFill>
+                <a:latin typeface="Meiryo"/>
+              </a:rPr>
+              <a:t>&lt;footer&gt;</a:t>
+            </a:r>
+            <a:endParaRPr b="0" lang="it-IT" sz="1200" spc="-1" strike="noStrike">
+              <a:latin typeface="Times New Roman"/>
+            </a:endParaRPr>
+          </a:p>
+        </p:txBody>
+      </p:sp>
+      <p:sp>
+        <p:nvSpPr>
+          <p:cNvPr id="10" name="PlaceHolder 4"/>
+          <p:cNvSpPr>
+            <a:spLocks noGrp="1"/>
+          </p:cNvSpPr>
+          <p:nvPr>
+            <p:ph type="sldNum" idx="2"/>
+          </p:nvPr>
+        </p:nvSpPr>
+        <p:spPr>
+          <a:xfrm>
+            <a:off x="10569240" y="6309360"/>
+            <a:ext cx="974880" cy="452160"/>
+          </a:xfrm>
+          <a:prstGeom prst="rect">
+            <a:avLst/>
+          </a:prstGeom>
+          <a:noFill/>
+          <a:ln w="0">
+            <a:noFill/>
+          </a:ln>
+        </p:spPr>
+        <p:txBody>
+          <a:bodyPr lIns="109800" rIns="109800" tIns="109800" bIns="91440" anchor="b">
+            <a:noAutofit/>
+          </a:bodyPr>
+          <a:lstStyle>
+            <a:lvl1pPr algn="r">
+              <a:lnSpc>
+                <a:spcPct val="100000"/>
+              </a:lnSpc>
+              <a:buNone/>
+              <a:defRPr b="1" lang="en-US" sz="1600" spc="111" strike="noStrike">
+                <a:solidFill>
+                  <a:srgbClr val="ffffff"/>
+                </a:solidFill>
+                <a:latin typeface="Meiryo"/>
+              </a:defRPr>
+            </a:lvl1pPr>
+          </a:lstStyle>
+          <a:p>
+            <a:pPr algn="r">
+              <a:lnSpc>
+                <a:spcPct val="100000"/>
+              </a:lnSpc>
+              <a:buNone/>
+            </a:pPr>
+            <a:fld id="{4E32ABD4-5618-4C65-BC4B-A66F3F59B0C6}" type="slidenum">
+              <a:rPr b="1" lang="en-US" sz="1600" spc="111" strike="noStrike">
+                <a:solidFill>
+                  <a:srgbClr val="ffffff"/>
+                </a:solidFill>
+                <a:latin typeface="Meiryo"/>
+              </a:rPr>
+              <a:t>&lt;number&gt;</a:t>
+            </a:fld>
+            <a:endParaRPr b="0" lang="it-IT" sz="1600" spc="-1" strike="noStrike">
+              <a:latin typeface="Times New Roman"/>
+            </a:endParaRPr>
+          </a:p>
+        </p:txBody>
+      </p:sp>
+      <p:sp>
+        <p:nvSpPr>
+          <p:cNvPr id="11" name="PlaceHolder 5"/>
+          <p:cNvSpPr>
+            <a:spLocks noGrp="1"/>
+          </p:cNvSpPr>
+          <p:nvPr>
+            <p:ph type="dt" idx="3"/>
+          </p:nvPr>
+        </p:nvSpPr>
+        <p:spPr>
+          <a:xfrm>
+            <a:off x="8197200" y="6309360"/>
+            <a:ext cx="2145960" cy="452160"/>
+          </a:xfrm>
+          <a:prstGeom prst="rect">
+            <a:avLst/>
+          </a:prstGeom>
+          <a:noFill/>
+          <a:ln w="0">
+            <a:noFill/>
+          </a:ln>
+        </p:spPr>
+        <p:txBody>
+          <a:bodyPr lIns="109800" rIns="109800" tIns="109800" bIns="91440" anchor="ctr">
+            <a:noAutofit/>
+          </a:bodyPr>
+          <a:lstStyle>
+            <a:lvl1pPr>
+              <a:defRPr b="0" lang="it-IT" sz="1400" spc="-1" strike="noStrike">
+                <a:latin typeface="Times New Roman"/>
+              </a:defRPr>
+            </a:lvl1pPr>
+          </a:lstStyle>
+          <a:p>
+            <a:r>
+              <a:rPr b="0" lang="it-IT" sz="1400" spc="-1" strike="noStrike">
+                <a:latin typeface="Times New Roman"/>
+              </a:rPr>
+              <a:t>&lt;date/time&gt;</a:t>
+            </a:r>
+            <a:endParaRPr b="0" lang="it-IT" sz="1400" spc="-1" strike="noStrike">
+              <a:latin typeface="Times New Roman"/>
             </a:endParaRPr>
           </a:p>
         </p:txBody>
@@ -5209,7 +5209,7 @@
         <p:spPr>
           <a:xfrm>
             <a:off x="4718160" y="0"/>
-            <a:ext cx="7468920" cy="6853320"/>
+            <a:ext cx="7468560" cy="6852960"/>
           </a:xfrm>
           <a:prstGeom prst="rect">
             <a:avLst/>
@@ -5239,7 +5239,7 @@
         <p:spPr>
           <a:xfrm rot="5400000">
             <a:off x="1257120" y="3396960"/>
-            <a:ext cx="6853320" cy="59400"/>
+            <a:ext cx="6852960" cy="59040"/>
           </a:xfrm>
           <a:prstGeom prst="rect">
             <a:avLst/>
@@ -5267,7 +5267,7 @@
         <p:spPr>
           <a:xfrm>
             <a:off x="0" y="0"/>
-            <a:ext cx="12184200" cy="6853320"/>
+            <a:ext cx="12183840" cy="6852960"/>
           </a:xfrm>
           <a:prstGeom prst="rect">
             <a:avLst/>
@@ -5295,7 +5295,7 @@
         <p:spPr>
           <a:xfrm>
             <a:off x="0" y="3960"/>
-            <a:ext cx="12187440" cy="1343160"/>
+            <a:ext cx="12187080" cy="1342800"/>
           </a:xfrm>
           <a:prstGeom prst="rect">
             <a:avLst/>
@@ -5323,7 +5323,7 @@
         <p:spPr>
           <a:xfrm>
             <a:off x="0" y="1351440"/>
-            <a:ext cx="12187440" cy="4744800"/>
+            <a:ext cx="12187080" cy="4744440"/>
           </a:xfrm>
           <a:prstGeom prst="rect">
             <a:avLst/>
@@ -5353,7 +5353,7 @@
         <p:spPr>
           <a:xfrm>
             <a:off x="0" y="6107760"/>
-            <a:ext cx="4646520" cy="745560"/>
+            <a:ext cx="4646160" cy="745200"/>
           </a:xfrm>
           <a:prstGeom prst="rect">
             <a:avLst/>
@@ -5381,7 +5381,7 @@
         <p:spPr>
           <a:xfrm>
             <a:off x="1440" y="6101280"/>
-            <a:ext cx="12184200" cy="59400"/>
+            <a:ext cx="12183840" cy="59040"/>
           </a:xfrm>
           <a:prstGeom prst="rect">
             <a:avLst/>
@@ -5409,7 +5409,7 @@
         <p:spPr>
           <a:xfrm>
             <a:off x="4633920" y="6117480"/>
-            <a:ext cx="59400" cy="735840"/>
+            <a:ext cx="59040" cy="735480"/>
           </a:xfrm>
           <a:prstGeom prst="rect">
             <a:avLst/>
@@ -5441,7 +5441,7 @@
         <p:spPr>
           <a:xfrm>
             <a:off x="642960" y="6309360"/>
-            <a:ext cx="3419280" cy="452520"/>
+            <a:ext cx="3418920" cy="452160"/>
           </a:xfrm>
           <a:prstGeom prst="rect">
             <a:avLst/>
@@ -5461,7 +5461,7 @@
                 <a:spcPct val="100000"/>
               </a:lnSpc>
               <a:buNone/>
-              <a:defRPr b="0" lang="en-GB" sz="1200" spc="114" strike="noStrike">
+              <a:defRPr b="0" lang="en-GB" sz="1200" spc="111" strike="noStrike">
                 <a:solidFill>
                   <a:srgbClr val="ffffff"/>
                 </a:solidFill>
@@ -5477,7 +5477,7 @@
               <a:buNone/>
             </a:pPr>
             <a:r>
-              <a:rPr b="0" lang="en-GB" sz="1200" spc="114" strike="noStrike">
+              <a:rPr b="0" lang="en-GB" sz="1200" spc="111" strike="noStrike">
                 <a:solidFill>
                   <a:srgbClr val="ffffff"/>
                 </a:solidFill>
@@ -5504,7 +5504,7 @@
         <p:spPr>
           <a:xfrm>
             <a:off x="10569240" y="6309360"/>
-            <a:ext cx="975240" cy="452520"/>
+            <a:ext cx="974880" cy="452160"/>
           </a:xfrm>
           <a:prstGeom prst="rect">
             <a:avLst/>
@@ -5524,7 +5524,7 @@
                 <a:spcPct val="100000"/>
               </a:lnSpc>
               <a:buNone/>
-              <a:defRPr b="1" lang="en-US" sz="1600" spc="114" strike="noStrike">
+              <a:defRPr b="1" lang="en-US" sz="1600" spc="111" strike="noStrike">
                 <a:solidFill>
                   <a:srgbClr val="404040"/>
                 </a:solidFill>
@@ -5539,8 +5539,8 @@
               </a:lnSpc>
               <a:buNone/>
             </a:pPr>
-            <a:fld id="{18FC4CD0-D5A3-4AE0-8CB9-B40274115A6B}" type="slidenum">
-              <a:rPr b="1" lang="en-US" sz="1600" spc="114" strike="noStrike">
+            <a:fld id="{3B42AFAC-69B9-48DC-AE5E-543479BCD6BF}" type="slidenum">
+              <a:rPr b="1" lang="en-US" sz="1600" spc="111" strike="noStrike">
                 <a:solidFill>
                   <a:srgbClr val="404040"/>
                 </a:solidFill>
@@ -5567,7 +5567,7 @@
         <p:spPr>
           <a:xfrm>
             <a:off x="5373720" y="6309360"/>
-            <a:ext cx="3407400" cy="452520"/>
+            <a:ext cx="3407040" cy="452160"/>
           </a:xfrm>
           <a:prstGeom prst="rect">
             <a:avLst/>
@@ -5880,7 +5880,7 @@
         <p:spPr>
           <a:xfrm>
             <a:off x="7573680" y="0"/>
-            <a:ext cx="4613400" cy="6853320"/>
+            <a:ext cx="4613040" cy="6852960"/>
           </a:xfrm>
           <a:prstGeom prst="rect">
             <a:avLst/>
@@ -5960,7 +5960,7 @@
         <p:spPr>
           <a:xfrm rot="5400000">
             <a:off x="4101120" y="3396960"/>
-            <a:ext cx="6853320" cy="59400"/>
+            <a:ext cx="6852960" cy="59040"/>
           </a:xfrm>
           <a:prstGeom prst="rect">
             <a:avLst/>
@@ -5987,8 +5987,8 @@
         </p:nvSpPr>
         <p:spPr>
           <a:xfrm flipH="1">
-            <a:off x="717120" y="-540000"/>
-            <a:ext cx="12187440" cy="6853320"/>
+            <a:off x="716400" y="-540000"/>
+            <a:ext cx="12187080" cy="6852960"/>
           </a:xfrm>
           <a:prstGeom prst="rect">
             <a:avLst/>
@@ -6015,8 +6015,8 @@
         </p:nvSpPr>
         <p:spPr>
           <a:xfrm flipH="1">
-            <a:off x="-5040" y="0"/>
-            <a:ext cx="4421520" cy="1799280"/>
+            <a:off x="-5760" y="0"/>
+            <a:ext cx="4421160" cy="1798920"/>
           </a:xfrm>
           <a:prstGeom prst="rect">
             <a:avLst/>
@@ -6049,7 +6049,7 @@
         <p:spPr>
           <a:xfrm>
             <a:off x="0" y="1803960"/>
-            <a:ext cx="4453200" cy="4345200"/>
+            <a:ext cx="4452840" cy="4344840"/>
           </a:xfrm>
           <a:prstGeom prst="rect">
             <a:avLst/>
@@ -6067,8 +6067,8 @@
         </p:nvSpPr>
         <p:spPr>
           <a:xfrm flipH="1">
-            <a:off x="4835520" y="1335600"/>
-            <a:ext cx="7761240" cy="4422960"/>
+            <a:off x="4453200" y="1260000"/>
+            <a:ext cx="7760880" cy="4422600"/>
           </a:xfrm>
           <a:prstGeom prst="rect">
             <a:avLst/>
@@ -6102,7 +6102,7 @@
         <p:spPr>
           <a:xfrm>
             <a:off x="4881960" y="2146680"/>
-            <a:ext cx="6662160" cy="2653560"/>
+            <a:ext cx="6661800" cy="2653200"/>
           </a:xfrm>
           <a:prstGeom prst="rect">
             <a:avLst/>
@@ -6124,7 +6124,7 @@
               <a:buNone/>
             </a:pPr>
             <a:r>
-              <a:rPr b="0" lang="en-US" sz="3200" spc="114" strike="noStrike" cap="all">
+              <a:rPr b="0" lang="en-US" sz="3200" spc="111" strike="noStrike" cap="all">
                 <a:solidFill>
                   <a:srgbClr val="404040"/>
                 </a:solidFill>
@@ -6136,7 +6136,7 @@
               <a:rPr sz="3200"/>
             </a:br>
             <a:r>
-              <a:rPr b="0" lang="en-US" sz="3200" spc="114" strike="noStrike" cap="all">
+              <a:rPr b="0" lang="en-US" sz="3200" spc="111" strike="noStrike" cap="all">
                 <a:solidFill>
                   <a:srgbClr val="404040"/>
                 </a:solidFill>
@@ -6159,7 +6159,7 @@
         <p:spPr>
           <a:xfrm>
             <a:off x="1440" y="1753920"/>
-            <a:ext cx="12184200" cy="59400"/>
+            <a:ext cx="12183840" cy="59040"/>
           </a:xfrm>
           <a:prstGeom prst="rect">
             <a:avLst/>
@@ -6186,8 +6186,8 @@
         </p:nvSpPr>
         <p:spPr>
           <a:xfrm flipH="1">
-            <a:off x="-7920" y="6167520"/>
-            <a:ext cx="12187440" cy="685800"/>
+            <a:off x="-8640" y="6167520"/>
+            <a:ext cx="12187080" cy="685440"/>
           </a:xfrm>
           <a:prstGeom prst="rect">
             <a:avLst/>
@@ -6217,7 +6217,7 @@
         <p:spPr>
           <a:xfrm>
             <a:off x="1440" y="6109560"/>
-            <a:ext cx="12184200" cy="59400"/>
+            <a:ext cx="12183840" cy="59040"/>
           </a:xfrm>
           <a:prstGeom prst="rect">
             <a:avLst/>
@@ -6245,7 +6245,7 @@
         <p:spPr>
           <a:xfrm>
             <a:off x="4394160" y="0"/>
-            <a:ext cx="59400" cy="6853320"/>
+            <a:ext cx="59040" cy="6852960"/>
           </a:xfrm>
           <a:prstGeom prst="rect">
             <a:avLst/>
@@ -6277,7 +6277,7 @@
         <p:spPr>
           <a:xfrm>
             <a:off x="10569240" y="6309360"/>
-            <a:ext cx="975240" cy="452520"/>
+            <a:ext cx="974880" cy="452160"/>
           </a:xfrm>
           <a:prstGeom prst="rect">
             <a:avLst/>
@@ -6297,7 +6297,7 @@
                 <a:spcPct val="100000"/>
               </a:lnSpc>
               <a:buNone/>
-              <a:defRPr b="1" lang="en-US" sz="1600" spc="114" strike="noStrike">
+              <a:defRPr b="1" lang="en-US" sz="1600" spc="111" strike="noStrike">
                 <a:solidFill>
                   <a:srgbClr val="ffffff"/>
                 </a:solidFill>
@@ -6312,14 +6312,14 @@
               </a:lnSpc>
               <a:buNone/>
             </a:pPr>
-            <a:fld id="{43D043C8-F544-456A-AF6B-76C50124C232}" type="slidenum">
-              <a:rPr b="1" lang="en-US" sz="1600" spc="114" strike="noStrike">
+            <a:fld id="{8ED1536B-04EB-4E20-A518-5EFEBF45EC85}" type="slidenum">
+              <a:rPr b="1" lang="en-US" sz="1600" spc="111" strike="noStrike">
                 <a:solidFill>
                   <a:srgbClr val="ffffff"/>
                 </a:solidFill>
                 <a:latin typeface="Meiryo"/>
               </a:rPr>
-              <a:t>1</a:t>
+              <a:t>&lt;number&gt;</a:t>
             </a:fld>
             <a:endParaRPr b="0" lang="it-IT" sz="1600" spc="-1" strike="noStrike">
               <a:latin typeface="Times New Roman"/>
@@ -6370,7 +6370,7 @@
         <p:spPr>
           <a:xfrm>
             <a:off x="322560" y="180720"/>
-            <a:ext cx="11595600" cy="930960"/>
+            <a:ext cx="11595240" cy="930600"/>
           </a:xfrm>
           <a:prstGeom prst="rect">
             <a:avLst/>
@@ -6392,7 +6392,7 @@
               <a:buNone/>
             </a:pPr>
             <a:r>
-              <a:rPr b="1" lang="it-IT" sz="3600" spc="114" strike="noStrike">
+              <a:rPr b="1" lang="it-IT" sz="3600" spc="111" strike="noStrike">
                 <a:solidFill>
                   <a:srgbClr val="ffffff"/>
                 </a:solidFill>
@@ -6419,7 +6419,7 @@
         <p:spPr>
           <a:xfrm>
             <a:off x="10569240" y="6309360"/>
-            <a:ext cx="975240" cy="452520"/>
+            <a:ext cx="974880" cy="452160"/>
           </a:xfrm>
           <a:prstGeom prst="rect">
             <a:avLst/>
@@ -6439,7 +6439,7 @@
                 <a:spcPct val="100000"/>
               </a:lnSpc>
               <a:buNone/>
-              <a:defRPr b="1" lang="en-US" sz="1600" spc="114" strike="noStrike">
+              <a:defRPr b="1" lang="en-US" sz="1600" spc="111" strike="noStrike">
                 <a:solidFill>
                   <a:srgbClr val="404040"/>
                 </a:solidFill>
@@ -6454,14 +6454,14 @@
               </a:lnSpc>
               <a:buNone/>
             </a:pPr>
-            <a:fld id="{FA49F1E7-FA4F-4AA2-8A22-697EC57CF1A6}" type="slidenum">
-              <a:rPr b="1" lang="en-US" sz="1600" spc="114" strike="noStrike">
+            <a:fld id="{41EB7C43-8045-48B3-8DAC-288B08775452}" type="slidenum">
+              <a:rPr b="1" lang="en-US" sz="1600" spc="111" strike="noStrike">
                 <a:solidFill>
                   <a:srgbClr val="404040"/>
                 </a:solidFill>
                 <a:latin typeface="Meiryo"/>
               </a:rPr>
-              <a:t>1</a:t>
+              <a:t>&lt;number&gt;</a:t>
             </a:fld>
             <a:endParaRPr b="0" lang="it-IT" sz="1600" spc="-1" strike="noStrike">
               <a:latin typeface="Times New Roman"/>
@@ -6478,7 +6478,7 @@
         <p:spPr>
           <a:xfrm>
             <a:off x="528840" y="1441080"/>
-            <a:ext cx="11015640" cy="4097160"/>
+            <a:ext cx="11015280" cy="4096800"/>
           </a:xfrm>
           <a:prstGeom prst="rect">
             <a:avLst/>
@@ -6508,7 +6508,7 @@
         <p:spPr>
           <a:xfrm>
             <a:off x="2873520" y="1440000"/>
-            <a:ext cx="6486120" cy="4678560"/>
+            <a:ext cx="6485760" cy="4678200"/>
           </a:xfrm>
           <a:prstGeom prst="rect">
             <a:avLst/>
@@ -6561,7 +6561,7 @@
         <p:spPr>
           <a:xfrm>
             <a:off x="322560" y="180720"/>
-            <a:ext cx="11595600" cy="930960"/>
+            <a:ext cx="11595240" cy="930600"/>
           </a:xfrm>
           <a:prstGeom prst="rect">
             <a:avLst/>
@@ -6583,7 +6583,7 @@
               <a:buNone/>
             </a:pPr>
             <a:r>
-              <a:rPr b="1" lang="it-IT" sz="2400" spc="114" strike="noStrike">
+              <a:rPr b="1" lang="it-IT" sz="2400" spc="111" strike="noStrike">
                 <a:solidFill>
                   <a:srgbClr val="ffffff"/>
                 </a:solidFill>
@@ -6610,7 +6610,7 @@
         <p:spPr>
           <a:xfrm>
             <a:off x="10569240" y="6309360"/>
-            <a:ext cx="975240" cy="452520"/>
+            <a:ext cx="974880" cy="452160"/>
           </a:xfrm>
           <a:prstGeom prst="rect">
             <a:avLst/>
@@ -6630,7 +6630,7 @@
                 <a:spcPct val="100000"/>
               </a:lnSpc>
               <a:buNone/>
-              <a:defRPr b="1" lang="en-US" sz="1600" spc="114" strike="noStrike">
+              <a:defRPr b="1" lang="en-US" sz="1600" spc="111" strike="noStrike">
                 <a:solidFill>
                   <a:srgbClr val="404040"/>
                 </a:solidFill>
@@ -6645,14 +6645,14 @@
               </a:lnSpc>
               <a:buNone/>
             </a:pPr>
-            <a:fld id="{FBCC5483-4F3A-4481-897A-2D610322CBE6}" type="slidenum">
-              <a:rPr b="1" lang="en-US" sz="1600" spc="114" strike="noStrike">
+            <a:fld id="{BEFB4951-D3AD-474C-8195-584BDBE76E69}" type="slidenum">
+              <a:rPr b="1" lang="en-US" sz="1600" spc="111" strike="noStrike">
                 <a:solidFill>
                   <a:srgbClr val="404040"/>
                 </a:solidFill>
                 <a:latin typeface="Meiryo"/>
               </a:rPr>
-              <a:t>1</a:t>
+              <a:t>&lt;number&gt;</a:t>
             </a:fld>
             <a:endParaRPr b="0" lang="it-IT" sz="1600" spc="-1" strike="noStrike">
               <a:latin typeface="Times New Roman"/>
@@ -6669,7 +6669,7 @@
         <p:spPr>
           <a:xfrm>
             <a:off x="528840" y="1441080"/>
-            <a:ext cx="11015640" cy="4097160"/>
+            <a:ext cx="11015280" cy="4096800"/>
           </a:xfrm>
           <a:prstGeom prst="rect">
             <a:avLst/>
@@ -6698,8 +6698,8 @@
         </p:blipFill>
         <p:spPr>
           <a:xfrm rot="5411400">
-            <a:off x="-371880" y="1968840"/>
-            <a:ext cx="4530960" cy="3398040"/>
+            <a:off x="-371520" y="1968480"/>
+            <a:ext cx="4530600" cy="3397680"/>
           </a:xfrm>
           <a:prstGeom prst="rect">
             <a:avLst/>
@@ -6722,7 +6722,7 @@
         <p:spPr>
           <a:xfrm>
             <a:off x="4212000" y="1441080"/>
-            <a:ext cx="7847640" cy="4405320"/>
+            <a:ext cx="7847280" cy="4404960"/>
           </a:xfrm>
           <a:prstGeom prst="rect">
             <a:avLst/>
@@ -6775,7 +6775,7 @@
         <p:spPr>
           <a:xfrm>
             <a:off x="322560" y="180720"/>
-            <a:ext cx="11595600" cy="930960"/>
+            <a:ext cx="11595240" cy="930600"/>
           </a:xfrm>
           <a:prstGeom prst="rect">
             <a:avLst/>
@@ -6797,7 +6797,7 @@
               <a:buNone/>
             </a:pPr>
             <a:r>
-              <a:rPr b="1" lang="it-IT" sz="3600" spc="114" strike="noStrike">
+              <a:rPr b="1" lang="it-IT" sz="3600" spc="111" strike="noStrike">
                 <a:solidFill>
                   <a:srgbClr val="ffffff"/>
                 </a:solidFill>
@@ -6824,7 +6824,7 @@
         <p:spPr>
           <a:xfrm>
             <a:off x="10569240" y="6309360"/>
-            <a:ext cx="975240" cy="452520"/>
+            <a:ext cx="974880" cy="452160"/>
           </a:xfrm>
           <a:prstGeom prst="rect">
             <a:avLst/>
@@ -6844,7 +6844,7 @@
                 <a:spcPct val="100000"/>
               </a:lnSpc>
               <a:buNone/>
-              <a:defRPr b="1" lang="en-US" sz="1600" spc="114" strike="noStrike">
+              <a:defRPr b="1" lang="en-US" sz="1600" spc="111" strike="noStrike">
                 <a:solidFill>
                   <a:srgbClr val="404040"/>
                 </a:solidFill>
@@ -6859,14 +6859,14 @@
               </a:lnSpc>
               <a:buNone/>
             </a:pPr>
-            <a:fld id="{C186ECEA-D536-4DD7-ADEF-4D5BE7D576A8}" type="slidenum">
-              <a:rPr b="1" lang="en-US" sz="1600" spc="114" strike="noStrike">
+            <a:fld id="{1E25DEF8-4AF7-47A3-AA85-5AD658945A90}" type="slidenum">
+              <a:rPr b="1" lang="en-US" sz="1600" spc="111" strike="noStrike">
                 <a:solidFill>
                   <a:srgbClr val="404040"/>
                 </a:solidFill>
                 <a:latin typeface="Meiryo"/>
               </a:rPr>
-              <a:t>1</a:t>
+              <a:t>&lt;number&gt;</a:t>
             </a:fld>
             <a:endParaRPr b="0" lang="it-IT" sz="1600" spc="-1" strike="noStrike">
               <a:latin typeface="Times New Roman"/>
@@ -6883,7 +6883,7 @@
         <p:spPr>
           <a:xfrm>
             <a:off x="528840" y="1441080"/>
-            <a:ext cx="11015640" cy="4097160"/>
+            <a:ext cx="11015280" cy="4096800"/>
           </a:xfrm>
           <a:prstGeom prst="rect">
             <a:avLst/>
@@ -6913,7 +6913,7 @@
         <p:spPr>
           <a:xfrm>
             <a:off x="-108360" y="1344240"/>
-            <a:ext cx="6588000" cy="4775400"/>
+            <a:ext cx="6587640" cy="4775040"/>
           </a:xfrm>
           <a:prstGeom prst="rect">
             <a:avLst/>
@@ -6936,7 +6936,7 @@
         <p:spPr>
           <a:xfrm>
             <a:off x="7020000" y="1441080"/>
-            <a:ext cx="4319640" cy="4669200"/>
+            <a:ext cx="4319280" cy="4668840"/>
           </a:xfrm>
           <a:prstGeom prst="rect">
             <a:avLst/>
@@ -6989,7 +6989,7 @@
         <p:spPr>
           <a:xfrm>
             <a:off x="322560" y="180720"/>
-            <a:ext cx="11595600" cy="930960"/>
+            <a:ext cx="11595240" cy="930600"/>
           </a:xfrm>
           <a:prstGeom prst="rect">
             <a:avLst/>
@@ -7011,7 +7011,7 @@
               <a:buNone/>
             </a:pPr>
             <a:r>
-              <a:rPr b="1" lang="it-IT" sz="3600" spc="114" strike="noStrike">
+              <a:rPr b="1" lang="it-IT" sz="3600" spc="111" strike="noStrike">
                 <a:solidFill>
                   <a:srgbClr val="ffffff"/>
                 </a:solidFill>
@@ -7038,7 +7038,7 @@
         <p:spPr>
           <a:xfrm>
             <a:off x="10569240" y="6309360"/>
-            <a:ext cx="975240" cy="452520"/>
+            <a:ext cx="974880" cy="452160"/>
           </a:xfrm>
           <a:prstGeom prst="rect">
             <a:avLst/>
@@ -7058,7 +7058,7 @@
                 <a:spcPct val="100000"/>
               </a:lnSpc>
               <a:buNone/>
-              <a:defRPr b="1" lang="en-US" sz="1600" spc="114" strike="noStrike">
+              <a:defRPr b="1" lang="en-US" sz="1600" spc="111" strike="noStrike">
                 <a:solidFill>
                   <a:srgbClr val="404040"/>
                 </a:solidFill>
@@ -7073,14 +7073,14 @@
               </a:lnSpc>
               <a:buNone/>
             </a:pPr>
-            <a:fld id="{006DE9DD-6E3E-4DF2-BBC6-3C607423057A}" type="slidenum">
-              <a:rPr b="1" lang="en-US" sz="1600" spc="114" strike="noStrike">
+            <a:fld id="{C32B324D-4CBF-430B-AC18-2B6DA572C152}" type="slidenum">
+              <a:rPr b="1" lang="en-US" sz="1600" spc="111" strike="noStrike">
                 <a:solidFill>
                   <a:srgbClr val="404040"/>
                 </a:solidFill>
                 <a:latin typeface="Meiryo"/>
               </a:rPr>
-              <a:t>1</a:t>
+              <a:t>&lt;number&gt;</a:t>
             </a:fld>
             <a:endParaRPr b="0" lang="it-IT" sz="1600" spc="-1" strike="noStrike">
               <a:latin typeface="Times New Roman"/>
@@ -7097,7 +7097,7 @@
         <p:spPr>
           <a:xfrm>
             <a:off x="528840" y="1441080"/>
-            <a:ext cx="11015640" cy="719280"/>
+            <a:ext cx="11015280" cy="719280"/>
           </a:xfrm>
           <a:prstGeom prst="rect">
             <a:avLst/>
@@ -7166,7 +7166,7 @@
         <p:spPr>
           <a:xfrm>
             <a:off x="5490000" y="343080"/>
-            <a:ext cx="6702120" cy="6856920"/>
+            <a:ext cx="6701760" cy="6856560"/>
           </a:xfrm>
           <a:prstGeom prst="rect">
             <a:avLst/>
@@ -7179,27 +7179,39 @@
       <p:sp>
         <p:nvSpPr>
           <p:cNvPr id="158" name=""/>
-          <p:cNvSpPr txBox="1"/>
+          <p:cNvSpPr/>
           <p:nvPr/>
         </p:nvSpPr>
         <p:spPr>
           <a:xfrm>
             <a:off x="384840" y="5220000"/>
-            <a:ext cx="4655160" cy="602280"/>
-          </a:xfrm>
-          <a:prstGeom prst="rect">
-            <a:avLst/>
-          </a:prstGeom>
-          <a:noFill/>
-          <a:ln w="0">
-            <a:noFill/>
-          </a:ln>
-        </p:spPr>
+            <a:ext cx="4654800" cy="601920"/>
+          </a:xfrm>
+          <a:prstGeom prst="rect">
+            <a:avLst/>
+          </a:prstGeom>
+          <a:noFill/>
+          <a:ln w="0">
+            <a:noFill/>
+          </a:ln>
+        </p:spPr>
+        <p:style>
+          <a:lnRef idx="0"/>
+          <a:fillRef idx="0"/>
+          <a:effectRef idx="0"/>
+          <a:fontRef idx="minor"/>
+        </p:style>
         <p:txBody>
           <a:bodyPr lIns="90000" rIns="90000" tIns="45000" bIns="45000" anchor="t">
             <a:noAutofit/>
           </a:bodyPr>
           <a:p>
+            <a:pPr>
+              <a:lnSpc>
+                <a:spcPct val="100000"/>
+              </a:lnSpc>
+              <a:buNone/>
+            </a:pPr>
             <a:r>
               <a:rPr b="0" lang="it-IT" sz="1800" spc="-1" strike="noStrike">
                 <a:latin typeface="Arial"/>
@@ -7211,6 +7223,12 @@
             </a:endParaRPr>
           </a:p>
           <a:p>
+            <a:pPr>
+              <a:lnSpc>
+                <a:spcPct val="100000"/>
+              </a:lnSpc>
+              <a:buNone/>
+            </a:pPr>
             <a:r>
               <a:rPr b="0" lang="it-IT" sz="1800" spc="-1" strike="noStrike">
                 <a:latin typeface="Arial"/>
@@ -7266,7 +7284,7 @@
         <p:spPr>
           <a:xfrm>
             <a:off x="322560" y="180720"/>
-            <a:ext cx="11595600" cy="930960"/>
+            <a:ext cx="11595240" cy="930600"/>
           </a:xfrm>
           <a:prstGeom prst="rect">
             <a:avLst/>
@@ -7288,7 +7306,7 @@
               <a:buNone/>
             </a:pPr>
             <a:r>
-              <a:rPr b="1" lang="it-IT" sz="3600" spc="114" strike="noStrike">
+              <a:rPr b="1" lang="it-IT" sz="3600" spc="111" strike="noStrike">
                 <a:solidFill>
                   <a:srgbClr val="ffffff"/>
                 </a:solidFill>
@@ -7315,7 +7333,7 @@
         <p:spPr>
           <a:xfrm>
             <a:off x="10569240" y="6309360"/>
-            <a:ext cx="975240" cy="452520"/>
+            <a:ext cx="974880" cy="452160"/>
           </a:xfrm>
           <a:prstGeom prst="rect">
             <a:avLst/>
@@ -7335,7 +7353,7 @@
                 <a:spcPct val="100000"/>
               </a:lnSpc>
               <a:buNone/>
-              <a:defRPr b="1" lang="en-US" sz="1600" spc="114" strike="noStrike">
+              <a:defRPr b="1" lang="en-US" sz="1600" spc="111" strike="noStrike">
                 <a:solidFill>
                   <a:srgbClr val="404040"/>
                 </a:solidFill>
@@ -7350,8 +7368,8 @@
               </a:lnSpc>
               <a:buNone/>
             </a:pPr>
-            <a:fld id="{64A2AC3C-1C8A-4275-BE84-050353510F29}" type="slidenum">
-              <a:rPr b="1" lang="en-US" sz="1600" spc="114" strike="noStrike">
+            <a:fld id="{1AC54FBF-BE1B-40BD-B696-948C10F2D17A}" type="slidenum">
+              <a:rPr b="1" lang="en-US" sz="1600" spc="111" strike="noStrike">
                 <a:solidFill>
                   <a:srgbClr val="404040"/>
                 </a:solidFill>
@@ -7374,7 +7392,7 @@
         <p:spPr>
           <a:xfrm>
             <a:off x="528840" y="1441080"/>
-            <a:ext cx="11015640" cy="5240160"/>
+            <a:ext cx="11015280" cy="5240160"/>
           </a:xfrm>
           <a:prstGeom prst="rect">
             <a:avLst/>
@@ -7798,7 +7816,7 @@
         <p:spPr>
           <a:xfrm>
             <a:off x="322560" y="180720"/>
-            <a:ext cx="11595600" cy="930960"/>
+            <a:ext cx="11595240" cy="930600"/>
           </a:xfrm>
           <a:prstGeom prst="rect">
             <a:avLst/>
@@ -7820,7 +7838,7 @@
               <a:buNone/>
             </a:pPr>
             <a:r>
-              <a:rPr b="1" lang="it-IT" sz="3600" spc="114" strike="noStrike">
+              <a:rPr b="1" lang="it-IT" sz="3600" spc="111" strike="noStrike">
                 <a:solidFill>
                   <a:srgbClr val="ffffff"/>
                 </a:solidFill>
@@ -7847,7 +7865,7 @@
         <p:spPr>
           <a:xfrm>
             <a:off x="10569240" y="6309360"/>
-            <a:ext cx="975240" cy="452520"/>
+            <a:ext cx="974880" cy="452160"/>
           </a:xfrm>
           <a:prstGeom prst="rect">
             <a:avLst/>
@@ -7867,7 +7885,7 @@
                 <a:spcPct val="100000"/>
               </a:lnSpc>
               <a:buNone/>
-              <a:defRPr b="1" lang="en-US" sz="1600" spc="114" strike="noStrike">
+              <a:defRPr b="1" lang="en-US" sz="1600" spc="111" strike="noStrike">
                 <a:solidFill>
                   <a:srgbClr val="404040"/>
                 </a:solidFill>
@@ -7882,14 +7900,14 @@
               </a:lnSpc>
               <a:buNone/>
             </a:pPr>
-            <a:fld id="{551D0432-F9DC-43AC-B914-8CD049698110}" type="slidenum">
-              <a:rPr b="1" lang="en-US" sz="1600" spc="114" strike="noStrike">
+            <a:fld id="{596010B5-7644-4B29-B69C-FEB5C1D4E1D7}" type="slidenum">
+              <a:rPr b="1" lang="en-US" sz="1600" spc="111" strike="noStrike">
                 <a:solidFill>
                   <a:srgbClr val="404040"/>
                 </a:solidFill>
                 <a:latin typeface="Meiryo"/>
               </a:rPr>
-              <a:t>1</a:t>
+              <a:t>&lt;number&gt;</a:t>
             </a:fld>
             <a:endParaRPr b="0" lang="it-IT" sz="1600" spc="-1" strike="noStrike">
               <a:latin typeface="Times New Roman"/>
@@ -7906,7 +7924,7 @@
         <p:spPr>
           <a:xfrm>
             <a:off x="528840" y="1441080"/>
-            <a:ext cx="11015640" cy="2865240"/>
+            <a:ext cx="11015280" cy="2865240"/>
           </a:xfrm>
           <a:prstGeom prst="rect">
             <a:avLst/>
@@ -8158,7 +8176,7 @@
         <p:spPr>
           <a:xfrm>
             <a:off x="322560" y="180720"/>
-            <a:ext cx="11595600" cy="930960"/>
+            <a:ext cx="11595240" cy="930600"/>
           </a:xfrm>
           <a:prstGeom prst="rect">
             <a:avLst/>
@@ -8180,7 +8198,7 @@
               <a:buNone/>
             </a:pPr>
             <a:r>
-              <a:rPr b="1" lang="it-IT" sz="3600" spc="114" strike="noStrike">
+              <a:rPr b="1" lang="it-IT" sz="3600" spc="111" strike="noStrike">
                 <a:solidFill>
                   <a:srgbClr val="ffffff"/>
                 </a:solidFill>
@@ -8207,7 +8225,7 @@
         <p:spPr>
           <a:xfrm>
             <a:off x="10569240" y="6309360"/>
-            <a:ext cx="975240" cy="452520"/>
+            <a:ext cx="974880" cy="452160"/>
           </a:xfrm>
           <a:prstGeom prst="rect">
             <a:avLst/>
@@ -8227,7 +8245,7 @@
                 <a:spcPct val="100000"/>
               </a:lnSpc>
               <a:buNone/>
-              <a:defRPr b="1" lang="en-US" sz="1600" spc="114" strike="noStrike">
+              <a:defRPr b="1" lang="en-US" sz="1600" spc="111" strike="noStrike">
                 <a:solidFill>
                   <a:srgbClr val="404040"/>
                 </a:solidFill>
@@ -8242,14 +8260,14 @@
               </a:lnSpc>
               <a:buNone/>
             </a:pPr>
-            <a:fld id="{0E87DD34-CB54-482D-9FFD-22F9DBE7F07A}" type="slidenum">
-              <a:rPr b="1" lang="en-US" sz="1600" spc="114" strike="noStrike">
+            <a:fld id="{299759B1-2EFC-4AB8-91FF-4AE5DB7D2BBC}" type="slidenum">
+              <a:rPr b="1" lang="en-US" sz="1600" spc="111" strike="noStrike">
                 <a:solidFill>
                   <a:srgbClr val="404040"/>
                 </a:solidFill>
                 <a:latin typeface="Meiryo"/>
               </a:rPr>
-              <a:t>1</a:t>
+              <a:t>&lt;number&gt;</a:t>
             </a:fld>
             <a:endParaRPr b="0" lang="it-IT" sz="1600" spc="-1" strike="noStrike">
               <a:latin typeface="Times New Roman"/>
@@ -8266,7 +8284,7 @@
         <p:spPr>
           <a:xfrm>
             <a:off x="540000" y="1111680"/>
-            <a:ext cx="11015640" cy="5256360"/>
+            <a:ext cx="11015280" cy="5256360"/>
           </a:xfrm>
           <a:prstGeom prst="rect">
             <a:avLst/>
@@ -8682,7 +8700,7 @@
         <p:spPr>
           <a:xfrm>
             <a:off x="322560" y="180720"/>
-            <a:ext cx="11595600" cy="930960"/>
+            <a:ext cx="11595240" cy="930600"/>
           </a:xfrm>
           <a:prstGeom prst="rect">
             <a:avLst/>
@@ -8704,7 +8722,7 @@
               <a:buNone/>
             </a:pPr>
             <a:r>
-              <a:rPr b="1" lang="it-IT" sz="3600" spc="114" strike="noStrike">
+              <a:rPr b="1" lang="it-IT" sz="3600" spc="111" strike="noStrike">
                 <a:solidFill>
                   <a:srgbClr val="ffffff"/>
                 </a:solidFill>
@@ -8731,7 +8749,7 @@
         <p:spPr>
           <a:xfrm>
             <a:off x="10569240" y="6309360"/>
-            <a:ext cx="975240" cy="452520"/>
+            <a:ext cx="974880" cy="452160"/>
           </a:xfrm>
           <a:prstGeom prst="rect">
             <a:avLst/>
@@ -8751,7 +8769,7 @@
                 <a:spcPct val="100000"/>
               </a:lnSpc>
               <a:buNone/>
-              <a:defRPr b="1" lang="en-US" sz="1600" spc="114" strike="noStrike">
+              <a:defRPr b="1" lang="en-US" sz="1600" spc="111" strike="noStrike">
                 <a:solidFill>
                   <a:srgbClr val="404040"/>
                 </a:solidFill>
@@ -8766,14 +8784,14 @@
               </a:lnSpc>
               <a:buNone/>
             </a:pPr>
-            <a:fld id="{54C8554A-CF24-4DF4-8CC3-F24E8B44DF79}" type="slidenum">
-              <a:rPr b="1" lang="en-US" sz="1600" spc="114" strike="noStrike">
+            <a:fld id="{53C9B808-37B6-4EE9-A4F6-295D50E3B3C4}" type="slidenum">
+              <a:rPr b="1" lang="en-US" sz="1600" spc="111" strike="noStrike">
                 <a:solidFill>
                   <a:srgbClr val="404040"/>
                 </a:solidFill>
                 <a:latin typeface="Meiryo"/>
               </a:rPr>
-              <a:t>1</a:t>
+              <a:t>&lt;number&gt;</a:t>
             </a:fld>
             <a:endParaRPr b="0" lang="it-IT" sz="1600" spc="-1" strike="noStrike">
               <a:latin typeface="Times New Roman"/>
@@ -8790,7 +8808,7 @@
         <p:spPr>
           <a:xfrm>
             <a:off x="528840" y="1441080"/>
-            <a:ext cx="11015640" cy="4097520"/>
+            <a:ext cx="11015280" cy="4097160"/>
           </a:xfrm>
           <a:prstGeom prst="rect">
             <a:avLst/>
@@ -8820,7 +8838,7 @@
         <p:spPr>
           <a:xfrm>
             <a:off x="2880000" y="1653120"/>
-            <a:ext cx="5259960" cy="3566520"/>
+            <a:ext cx="5259600" cy="3566160"/>
           </a:xfrm>
           <a:prstGeom prst="rect">
             <a:avLst/>
@@ -8873,7 +8891,7 @@
         <p:spPr>
           <a:xfrm>
             <a:off x="322560" y="180720"/>
-            <a:ext cx="11595600" cy="930960"/>
+            <a:ext cx="11595240" cy="930600"/>
           </a:xfrm>
           <a:prstGeom prst="rect">
             <a:avLst/>
@@ -8895,7 +8913,7 @@
               <a:buNone/>
             </a:pPr>
             <a:r>
-              <a:rPr b="1" lang="it-IT" sz="3600" spc="114" strike="noStrike">
+              <a:rPr b="1" lang="it-IT" sz="3600" spc="111" strike="noStrike">
                 <a:solidFill>
                   <a:srgbClr val="ffffff"/>
                 </a:solidFill>
@@ -8922,7 +8940,7 @@
         <p:spPr>
           <a:xfrm>
             <a:off x="10569240" y="6309360"/>
-            <a:ext cx="975240" cy="452520"/>
+            <a:ext cx="974880" cy="452160"/>
           </a:xfrm>
           <a:prstGeom prst="rect">
             <a:avLst/>
@@ -8942,7 +8960,7 @@
                 <a:spcPct val="100000"/>
               </a:lnSpc>
               <a:buNone/>
-              <a:defRPr b="1" lang="en-US" sz="1600" spc="114" strike="noStrike">
+              <a:defRPr b="1" lang="en-US" sz="1600" spc="111" strike="noStrike">
                 <a:solidFill>
                   <a:srgbClr val="404040"/>
                 </a:solidFill>
@@ -8957,14 +8975,14 @@
               </a:lnSpc>
               <a:buNone/>
             </a:pPr>
-            <a:fld id="{6E4DC44A-7383-4E62-BAF5-7360CE658573}" type="slidenum">
-              <a:rPr b="1" lang="en-US" sz="1600" spc="114" strike="noStrike">
+            <a:fld id="{402691FF-F193-4B33-AF2A-845A7C7C0077}" type="slidenum">
+              <a:rPr b="1" lang="en-US" sz="1600" spc="111" strike="noStrike">
                 <a:solidFill>
                   <a:srgbClr val="404040"/>
                 </a:solidFill>
                 <a:latin typeface="Meiryo"/>
               </a:rPr>
-              <a:t>1</a:t>
+              <a:t>&lt;number&gt;</a:t>
             </a:fld>
             <a:endParaRPr b="0" lang="it-IT" sz="1600" spc="-1" strike="noStrike">
               <a:latin typeface="Times New Roman"/>
@@ -8981,7 +8999,7 @@
         <p:spPr>
           <a:xfrm>
             <a:off x="528840" y="1441080"/>
-            <a:ext cx="11015640" cy="4097160"/>
+            <a:ext cx="11015280" cy="4096800"/>
           </a:xfrm>
           <a:prstGeom prst="rect">
             <a:avLst/>
@@ -9011,7 +9029,7 @@
         <p:spPr>
           <a:xfrm>
             <a:off x="720000" y="1584720"/>
-            <a:ext cx="9030240" cy="3814920"/>
+            <a:ext cx="9029880" cy="3814560"/>
           </a:xfrm>
           <a:prstGeom prst="rect">
             <a:avLst/>
@@ -9064,7 +9082,7 @@
         <p:spPr>
           <a:xfrm>
             <a:off x="322560" y="180720"/>
-            <a:ext cx="11595600" cy="930960"/>
+            <a:ext cx="11595240" cy="930600"/>
           </a:xfrm>
           <a:prstGeom prst="rect">
             <a:avLst/>
@@ -9086,7 +9104,7 @@
               <a:buNone/>
             </a:pPr>
             <a:r>
-              <a:rPr b="1" lang="it-IT" sz="3600" spc="114" strike="noStrike">
+              <a:rPr b="1" lang="it-IT" sz="3600" spc="111" strike="noStrike">
                 <a:solidFill>
                   <a:srgbClr val="ffffff"/>
                 </a:solidFill>
@@ -9113,7 +9131,7 @@
         <p:spPr>
           <a:xfrm>
             <a:off x="10569240" y="6309360"/>
-            <a:ext cx="975240" cy="452520"/>
+            <a:ext cx="974880" cy="452160"/>
           </a:xfrm>
           <a:prstGeom prst="rect">
             <a:avLst/>
@@ -9133,7 +9151,7 @@
                 <a:spcPct val="100000"/>
               </a:lnSpc>
               <a:buNone/>
-              <a:defRPr b="1" lang="en-US" sz="1600" spc="114" strike="noStrike">
+              <a:defRPr b="1" lang="en-US" sz="1600" spc="111" strike="noStrike">
                 <a:solidFill>
                   <a:srgbClr val="404040"/>
                 </a:solidFill>
@@ -9148,14 +9166,14 @@
               </a:lnSpc>
               <a:buNone/>
             </a:pPr>
-            <a:fld id="{935B0E43-2E6F-4166-90D1-44F1C665E137}" type="slidenum">
-              <a:rPr b="1" lang="en-US" sz="1600" spc="114" strike="noStrike">
+            <a:fld id="{3FD0D09C-A873-4B35-B326-065D568A2763}" type="slidenum">
+              <a:rPr b="1" lang="en-US" sz="1600" spc="111" strike="noStrike">
                 <a:solidFill>
                   <a:srgbClr val="404040"/>
                 </a:solidFill>
                 <a:latin typeface="Meiryo"/>
               </a:rPr>
-              <a:t>1</a:t>
+              <a:t>&lt;number&gt;</a:t>
             </a:fld>
             <a:endParaRPr b="0" lang="it-IT" sz="1600" spc="-1" strike="noStrike">
               <a:latin typeface="Times New Roman"/>
@@ -9172,7 +9190,7 @@
         <p:spPr>
           <a:xfrm>
             <a:off x="528840" y="1441080"/>
-            <a:ext cx="11015640" cy="4097160"/>
+            <a:ext cx="11015280" cy="4096800"/>
           </a:xfrm>
           <a:prstGeom prst="rect">
             <a:avLst/>
@@ -9202,7 +9220,7 @@
         <p:spPr>
           <a:xfrm>
             <a:off x="3600000" y="1551960"/>
-            <a:ext cx="5832720" cy="4207680"/>
+            <a:ext cx="5832360" cy="4207320"/>
           </a:xfrm>
           <a:prstGeom prst="rect">
             <a:avLst/>
@@ -9255,7 +9273,7 @@
         <p:spPr>
           <a:xfrm>
             <a:off x="322560" y="180720"/>
-            <a:ext cx="11595600" cy="930960"/>
+            <a:ext cx="11595240" cy="930600"/>
           </a:xfrm>
           <a:prstGeom prst="rect">
             <a:avLst/>
@@ -9277,7 +9295,7 @@
               <a:buNone/>
             </a:pPr>
             <a:r>
-              <a:rPr b="1" lang="it-IT" sz="3600" spc="114" strike="noStrike">
+              <a:rPr b="1" lang="it-IT" sz="3600" spc="111" strike="noStrike">
                 <a:solidFill>
                   <a:srgbClr val="ffffff"/>
                 </a:solidFill>
@@ -9304,7 +9322,7 @@
         <p:spPr>
           <a:xfrm>
             <a:off x="10569240" y="6309360"/>
-            <a:ext cx="975240" cy="452520"/>
+            <a:ext cx="974880" cy="452160"/>
           </a:xfrm>
           <a:prstGeom prst="rect">
             <a:avLst/>
@@ -9324,7 +9342,7 @@
                 <a:spcPct val="100000"/>
               </a:lnSpc>
               <a:buNone/>
-              <a:defRPr b="1" lang="en-US" sz="1600" spc="114" strike="noStrike">
+              <a:defRPr b="1" lang="en-US" sz="1600" spc="111" strike="noStrike">
                 <a:solidFill>
                   <a:srgbClr val="404040"/>
                 </a:solidFill>
@@ -9339,14 +9357,14 @@
               </a:lnSpc>
               <a:buNone/>
             </a:pPr>
-            <a:fld id="{3A938B9F-21EC-4862-BBF2-CAD37666F8CC}" type="slidenum">
-              <a:rPr b="1" lang="en-US" sz="1600" spc="114" strike="noStrike">
+            <a:fld id="{73C003A3-32D5-4011-BAF7-0F0AFA1A8CF0}" type="slidenum">
+              <a:rPr b="1" lang="en-US" sz="1600" spc="111" strike="noStrike">
                 <a:solidFill>
                   <a:srgbClr val="404040"/>
                 </a:solidFill>
                 <a:latin typeface="Meiryo"/>
               </a:rPr>
-              <a:t>1</a:t>
+              <a:t>&lt;number&gt;</a:t>
             </a:fld>
             <a:endParaRPr b="0" lang="it-IT" sz="1600" spc="-1" strike="noStrike">
               <a:latin typeface="Times New Roman"/>
@@ -9363,7 +9381,7 @@
         <p:spPr>
           <a:xfrm>
             <a:off x="528840" y="1441080"/>
-            <a:ext cx="11015640" cy="4097160"/>
+            <a:ext cx="11015280" cy="4096800"/>
           </a:xfrm>
           <a:prstGeom prst="rect">
             <a:avLst/>
@@ -9393,7 +9411,7 @@
         <p:spPr>
           <a:xfrm>
             <a:off x="528840" y="1413000"/>
-            <a:ext cx="10904040" cy="4526640"/>
+            <a:ext cx="10903680" cy="4526280"/>
           </a:xfrm>
           <a:prstGeom prst="rect">
             <a:avLst/>
@@ -9446,7 +9464,7 @@
         <p:spPr>
           <a:xfrm>
             <a:off x="322560" y="180720"/>
-            <a:ext cx="11595600" cy="930960"/>
+            <a:ext cx="11595240" cy="930600"/>
           </a:xfrm>
           <a:prstGeom prst="rect">
             <a:avLst/>
@@ -9468,7 +9486,7 @@
               <a:buNone/>
             </a:pPr>
             <a:r>
-              <a:rPr b="1" lang="it-IT" sz="3600" spc="114" strike="noStrike">
+              <a:rPr b="1" lang="it-IT" sz="3600" spc="111" strike="noStrike">
                 <a:solidFill>
                   <a:srgbClr val="ffffff"/>
                 </a:solidFill>
@@ -9495,7 +9513,7 @@
         <p:spPr>
           <a:xfrm>
             <a:off x="10569240" y="6309360"/>
-            <a:ext cx="975240" cy="452520"/>
+            <a:ext cx="974880" cy="452160"/>
           </a:xfrm>
           <a:prstGeom prst="rect">
             <a:avLst/>
@@ -9515,7 +9533,7 @@
                 <a:spcPct val="100000"/>
               </a:lnSpc>
               <a:buNone/>
-              <a:defRPr b="1" lang="en-US" sz="1600" spc="114" strike="noStrike">
+              <a:defRPr b="1" lang="en-US" sz="1600" spc="111" strike="noStrike">
                 <a:solidFill>
                   <a:srgbClr val="404040"/>
                 </a:solidFill>
@@ -9530,14 +9548,14 @@
               </a:lnSpc>
               <a:buNone/>
             </a:pPr>
-            <a:fld id="{AFF8A40C-A364-4D2A-AE81-6B58439E89CD}" type="slidenum">
-              <a:rPr b="1" lang="en-US" sz="1600" spc="114" strike="noStrike">
+            <a:fld id="{D2500BB5-1BAE-40A4-860D-B6738E6A8A64}" type="slidenum">
+              <a:rPr b="1" lang="en-US" sz="1600" spc="111" strike="noStrike">
                 <a:solidFill>
                   <a:srgbClr val="404040"/>
                 </a:solidFill>
                 <a:latin typeface="Meiryo"/>
               </a:rPr>
-              <a:t>1</a:t>
+              <a:t>&lt;number&gt;</a:t>
             </a:fld>
             <a:endParaRPr b="0" lang="it-IT" sz="1600" spc="-1" strike="noStrike">
               <a:latin typeface="Times New Roman"/>
@@ -9554,7 +9572,7 @@
         <p:spPr>
           <a:xfrm>
             <a:off x="528840" y="1441080"/>
-            <a:ext cx="11015640" cy="4097160"/>
+            <a:ext cx="11015280" cy="4096800"/>
           </a:xfrm>
           <a:prstGeom prst="rect">
             <a:avLst/>
@@ -9584,7 +9602,7 @@
         <p:spPr>
           <a:xfrm>
             <a:off x="1023480" y="1386000"/>
-            <a:ext cx="7796160" cy="5453640"/>
+            <a:ext cx="7795800" cy="5453280"/>
           </a:xfrm>
           <a:prstGeom prst="rect">
             <a:avLst/>
@@ -9637,7 +9655,7 @@
         <p:spPr>
           <a:xfrm>
             <a:off x="322560" y="180720"/>
-            <a:ext cx="11595600" cy="930960"/>
+            <a:ext cx="11595240" cy="930600"/>
           </a:xfrm>
           <a:prstGeom prst="rect">
             <a:avLst/>
@@ -9659,7 +9677,7 @@
               <a:buNone/>
             </a:pPr>
             <a:r>
-              <a:rPr b="1" lang="it-IT" sz="3600" spc="114" strike="noStrike">
+              <a:rPr b="1" lang="it-IT" sz="3600" spc="111" strike="noStrike">
                 <a:solidFill>
                   <a:srgbClr val="ffffff"/>
                 </a:solidFill>
@@ -9686,7 +9704,7 @@
         <p:spPr>
           <a:xfrm>
             <a:off x="10569240" y="6309360"/>
-            <a:ext cx="975240" cy="452520"/>
+            <a:ext cx="974880" cy="452160"/>
           </a:xfrm>
           <a:prstGeom prst="rect">
             <a:avLst/>
@@ -9706,7 +9724,7 @@
                 <a:spcPct val="100000"/>
               </a:lnSpc>
               <a:buNone/>
-              <a:defRPr b="1" lang="en-US" sz="1600" spc="114" strike="noStrike">
+              <a:defRPr b="1" lang="en-US" sz="1600" spc="111" strike="noStrike">
                 <a:solidFill>
                   <a:srgbClr val="404040"/>
                 </a:solidFill>
@@ -9721,14 +9739,14 @@
               </a:lnSpc>
               <a:buNone/>
             </a:pPr>
-            <a:fld id="{46796143-7CEA-447F-AA8B-3671DC3DCBF3}" type="slidenum">
-              <a:rPr b="1" lang="en-US" sz="1600" spc="114" strike="noStrike">
+            <a:fld id="{EC82DEFB-9AEC-436A-A422-722AE9BBA805}" type="slidenum">
+              <a:rPr b="1" lang="en-US" sz="1600" spc="111" strike="noStrike">
                 <a:solidFill>
                   <a:srgbClr val="404040"/>
                 </a:solidFill>
                 <a:latin typeface="Meiryo"/>
               </a:rPr>
-              <a:t>1</a:t>
+              <a:t>&lt;number&gt;</a:t>
             </a:fld>
             <a:endParaRPr b="0" lang="it-IT" sz="1600" spc="-1" strike="noStrike">
               <a:latin typeface="Times New Roman"/>
@@ -9745,7 +9763,7 @@
         <p:spPr>
           <a:xfrm>
             <a:off x="528840" y="1441080"/>
-            <a:ext cx="11015640" cy="4097160"/>
+            <a:ext cx="11015280" cy="4096800"/>
           </a:xfrm>
           <a:prstGeom prst="rect">
             <a:avLst/>
@@ -9775,7 +9793,7 @@
         <p:spPr>
           <a:xfrm>
             <a:off x="3960000" y="2139840"/>
-            <a:ext cx="3374640" cy="2719800"/>
+            <a:ext cx="3374280" cy="2719440"/>
           </a:xfrm>
           <a:prstGeom prst="rect">
             <a:avLst/>

--- a/src/docs/presentations/21maggio.pptx
+++ b/src/docs/presentations/21maggio.pptx
@@ -16,10 +16,6 @@
     <p:sldId id="263" r:id="rId11"/>
     <p:sldId id="264" r:id="rId12"/>
     <p:sldId id="265" r:id="rId13"/>
-    <p:sldId id="266" r:id="rId14"/>
-    <p:sldId id="267" r:id="rId15"/>
-    <p:sldId id="268" r:id="rId16"/>
-    <p:sldId id="269" r:id="rId17"/>
   </p:sldIdLst>
   <p:sldSz cx="12192000" cy="6858000"/>
   <p:notesSz cx="7772400" cy="10058400"/>
@@ -77,7 +73,7 @@
         <p:txBody>
           <a:bodyPr/>
           <a:p>
-            <a:fld id="{F1BFCE16-03AD-4D41-AA12-20A237466C43}" type="slidenum">
+            <a:fld id="{863074E0-455A-45E4-A354-D8232BBCA6FF}" type="slidenum">
               <a:t>&lt;#&gt;</a:t>
             </a:fld>
           </a:p>
@@ -265,7 +261,7 @@
         <p:txBody>
           <a:bodyPr/>
           <a:p>
-            <a:fld id="{9A8300D0-24FB-4FFF-824C-1C0D76556263}" type="slidenum">
+            <a:fld id="{F57065D8-B522-4C86-80E6-BA7CC687B089}" type="slidenum">
               <a:t>&lt;#&gt;</a:t>
             </a:fld>
           </a:p>
@@ -521,7 +517,7 @@
         <p:txBody>
           <a:bodyPr/>
           <a:p>
-            <a:fld id="{5112E467-2139-4458-B9DA-49E22F3C4B91}" type="slidenum">
+            <a:fld id="{057D9513-6C92-4C4B-AA6F-4010684E4E5E}" type="slidenum">
               <a:t>&lt;#&gt;</a:t>
             </a:fld>
           </a:p>
@@ -845,7 +841,7 @@
         <p:txBody>
           <a:bodyPr/>
           <a:p>
-            <a:fld id="{AFEB5656-12DC-44F9-ADB4-DDF7A69B4EF4}" type="slidenum">
+            <a:fld id="{1D140B2F-0F1E-4232-AEF3-C03C16C419A7}" type="slidenum">
               <a:t>&lt;#&gt;</a:t>
             </a:fld>
           </a:p>
@@ -928,7 +924,7 @@
         <p:txBody>
           <a:bodyPr/>
           <a:p>
-            <a:fld id="{6E8A3B06-07CC-4101-972E-0FBC283F1161}" type="slidenum">
+            <a:fld id="{BE0664BC-C803-4602-8E73-AAD2AC0964E6}" type="slidenum">
               <a:t>&lt;#&gt;</a:t>
             </a:fld>
           </a:p>
@@ -1085,7 +1081,7 @@
         <p:txBody>
           <a:bodyPr/>
           <a:p>
-            <a:fld id="{CA01A28A-DF4C-4FA6-A894-164F9B09192E}" type="slidenum">
+            <a:fld id="{F8EB849E-8441-4ADE-9B1A-4A464F7D1582}" type="slidenum">
               <a:t>&lt;#&gt;</a:t>
             </a:fld>
           </a:p>
@@ -1239,7 +1235,7 @@
         <p:txBody>
           <a:bodyPr/>
           <a:p>
-            <a:fld id="{E9FE4BF5-972B-4FAB-A9FE-3C08F6999D65}" type="slidenum">
+            <a:fld id="{D1289B67-D973-4F48-849D-7B53412DC95E}" type="slidenum">
               <a:t>&lt;#&gt;</a:t>
             </a:fld>
           </a:p>
@@ -1427,7 +1423,7 @@
         <p:txBody>
           <a:bodyPr/>
           <a:p>
-            <a:fld id="{FBF54EB8-1F52-4846-89E6-6C0BA0EA21BC}" type="slidenum">
+            <a:fld id="{89ED8464-97DD-41F3-BE8A-4900ABCF378D}" type="slidenum">
               <a:t>&lt;#&gt;</a:t>
             </a:fld>
           </a:p>
@@ -1547,7 +1543,7 @@
         <p:txBody>
           <a:bodyPr/>
           <a:p>
-            <a:fld id="{884FE89A-BB12-4BA3-BB63-17BE30041239}" type="slidenum">
+            <a:fld id="{EB67D1FA-B83A-4277-9B56-0E07AFDD2BD6}" type="slidenum">
               <a:t>&lt;#&gt;</a:t>
             </a:fld>
           </a:p>
@@ -1667,7 +1663,7 @@
         <p:txBody>
           <a:bodyPr/>
           <a:p>
-            <a:fld id="{43A882E9-7D5C-4A57-B6F0-305BAF59D38A}" type="slidenum">
+            <a:fld id="{8C2D766E-F64D-427F-8169-368476A8E644}" type="slidenum">
               <a:t>&lt;#&gt;</a:t>
             </a:fld>
           </a:p>
@@ -1889,7 +1885,7 @@
         <p:txBody>
           <a:bodyPr/>
           <a:p>
-            <a:fld id="{FAB6EF72-EDDB-407C-BAB9-3C59C68CD632}" type="slidenum">
+            <a:fld id="{94D98493-705D-4973-853C-5E892B44DDB1}" type="slidenum">
               <a:t>&lt;#&gt;</a:t>
             </a:fld>
           </a:p>
@@ -2046,7 +2042,7 @@
         <p:txBody>
           <a:bodyPr/>
           <a:p>
-            <a:fld id="{902BBBC7-1691-4318-8F8A-96B769099F55}" type="slidenum">
+            <a:fld id="{F539432A-841C-442F-B64B-29438E1016BE}" type="slidenum">
               <a:t>&lt;#&gt;</a:t>
             </a:fld>
           </a:p>
@@ -2268,7 +2264,7 @@
         <p:txBody>
           <a:bodyPr/>
           <a:p>
-            <a:fld id="{EB851201-E58C-41D5-A196-0A2757662973}" type="slidenum">
+            <a:fld id="{ADEE6D0F-75A1-40B0-BC38-8F6020EA9AED}" type="slidenum">
               <a:t>&lt;#&gt;</a:t>
             </a:fld>
           </a:p>
@@ -2490,7 +2486,7 @@
         <p:txBody>
           <a:bodyPr/>
           <a:p>
-            <a:fld id="{DE204EDC-9BC0-4D33-88AC-22FCB00D7410}" type="slidenum">
+            <a:fld id="{AB11FB06-6BF0-430F-91D7-71546D0693D6}" type="slidenum">
               <a:t>&lt;#&gt;</a:t>
             </a:fld>
           </a:p>
@@ -2678,7 +2674,7 @@
         <p:txBody>
           <a:bodyPr/>
           <a:p>
-            <a:fld id="{A0C02366-CF38-4662-8325-87602A5B19C4}" type="slidenum">
+            <a:fld id="{103E20CD-0893-4FC8-B8E7-7A278B7077D8}" type="slidenum">
               <a:t>&lt;#&gt;</a:t>
             </a:fld>
           </a:p>
@@ -2934,7 +2930,7 @@
         <p:txBody>
           <a:bodyPr/>
           <a:p>
-            <a:fld id="{474BAA9B-B717-4C97-AAB0-AD7B6A52A509}" type="slidenum">
+            <a:fld id="{F1AC26EC-761D-4ABF-B075-EAEA26B30208}" type="slidenum">
               <a:t>&lt;#&gt;</a:t>
             </a:fld>
           </a:p>
@@ -3258,7 +3254,7 @@
         <p:txBody>
           <a:bodyPr/>
           <a:p>
-            <a:fld id="{49899184-1352-472B-A522-F69B484898A0}" type="slidenum">
+            <a:fld id="{5607CE1D-7DCE-404A-A5CA-4E10749C8EA8}" type="slidenum">
               <a:t>&lt;#&gt;</a:t>
             </a:fld>
           </a:p>
@@ -3412,7 +3408,7 @@
         <p:txBody>
           <a:bodyPr/>
           <a:p>
-            <a:fld id="{040A2F7C-982F-4FE1-ACF6-A5B164F2AC5B}" type="slidenum">
+            <a:fld id="{D5343A0B-3F10-4651-A98B-B1F4209E9962}" type="slidenum">
               <a:t>&lt;#&gt;</a:t>
             </a:fld>
           </a:p>
@@ -3600,7 +3596,7 @@
         <p:txBody>
           <a:bodyPr/>
           <a:p>
-            <a:fld id="{954CF91C-9537-4A5F-A9E1-FA39229116D9}" type="slidenum">
+            <a:fld id="{99E3F986-3196-48A8-B0C6-842C9395A3FC}" type="slidenum">
               <a:t>&lt;#&gt;</a:t>
             </a:fld>
           </a:p>
@@ -3720,7 +3716,7 @@
         <p:txBody>
           <a:bodyPr/>
           <a:p>
-            <a:fld id="{31997A35-610A-4E03-8C7D-1055052E2681}" type="slidenum">
+            <a:fld id="{3D23D78E-E08E-4C5A-9978-358FC5F02D58}" type="slidenum">
               <a:t>&lt;#&gt;</a:t>
             </a:fld>
           </a:p>
@@ -3840,7 +3836,7 @@
         <p:txBody>
           <a:bodyPr/>
           <a:p>
-            <a:fld id="{CCA2BF3B-A1D5-45AB-A08C-EA582F34D09B}" type="slidenum">
+            <a:fld id="{AC32B166-5F57-49EC-B520-49A67391E47C}" type="slidenum">
               <a:t>&lt;#&gt;</a:t>
             </a:fld>
           </a:p>
@@ -4062,7 +4058,7 @@
         <p:txBody>
           <a:bodyPr/>
           <a:p>
-            <a:fld id="{7C89EFCC-A299-4D12-B78D-2E232C2F5491}" type="slidenum">
+            <a:fld id="{B40B6174-BB28-40BC-A98C-B9FBC742DD2D}" type="slidenum">
               <a:t>&lt;#&gt;</a:t>
             </a:fld>
           </a:p>
@@ -4284,7 +4280,7 @@
         <p:txBody>
           <a:bodyPr/>
           <a:p>
-            <a:fld id="{4ACE1899-B4F1-4ACC-93FF-8732A437DE5D}" type="slidenum">
+            <a:fld id="{EA0AE545-962F-4046-A7BB-E7E51E521E8A}" type="slidenum">
               <a:t>&lt;#&gt;</a:t>
             </a:fld>
           </a:p>
@@ -4506,7 +4502,7 @@
         <p:txBody>
           <a:bodyPr/>
           <a:p>
-            <a:fld id="{635F333E-884C-4337-97CF-9E2614139047}" type="slidenum">
+            <a:fld id="{E3C77698-AEF8-4256-90F2-77903F708B18}" type="slidenum">
               <a:t>&lt;#&gt;</a:t>
             </a:fld>
           </a:p>
@@ -4571,7 +4567,7 @@
         <p:spPr>
           <a:xfrm>
             <a:off x="4718160" y="0"/>
-            <a:ext cx="7468560" cy="6852960"/>
+            <a:ext cx="7468200" cy="6852600"/>
           </a:xfrm>
           <a:prstGeom prst="rect">
             <a:avLst/>
@@ -4601,7 +4597,7 @@
         <p:spPr>
           <a:xfrm rot="5400000">
             <a:off x="1257120" y="3396960"/>
-            <a:ext cx="6852960" cy="59040"/>
+            <a:ext cx="6852600" cy="58680"/>
           </a:xfrm>
           <a:prstGeom prst="rect">
             <a:avLst/>
@@ -4629,7 +4625,7 @@
         <p:spPr>
           <a:xfrm flipH="1">
             <a:off x="-5760" y="0"/>
-            <a:ext cx="12187080" cy="6852960"/>
+            <a:ext cx="12186720" cy="6852600"/>
           </a:xfrm>
           <a:prstGeom prst="rect">
             <a:avLst/>
@@ -4657,7 +4653,7 @@
         <p:spPr>
           <a:xfrm>
             <a:off x="0" y="825840"/>
-            <a:ext cx="6791040" cy="2589120"/>
+            <a:ext cx="6790680" cy="2588760"/>
           </a:xfrm>
           <a:prstGeom prst="rect">
             <a:avLst/>
@@ -4685,7 +4681,7 @@
         <p:spPr>
           <a:xfrm>
             <a:off x="0" y="889560"/>
-            <a:ext cx="1065600" cy="2461320"/>
+            <a:ext cx="1065240" cy="2460960"/>
           </a:xfrm>
           <a:prstGeom prst="rect">
             <a:avLst/>
@@ -4712,8 +4708,8 @@
         </p:nvSpPr>
         <p:spPr>
           <a:xfrm rot="5400000">
-            <a:off x="-2360160" y="3396960"/>
-            <a:ext cx="6852960" cy="59040"/>
+            <a:off x="-2359800" y="3396960"/>
+            <a:ext cx="6852600" cy="58680"/>
           </a:xfrm>
           <a:prstGeom prst="rect">
             <a:avLst/>
@@ -4741,7 +4737,7 @@
         <p:spPr>
           <a:xfrm rot="5400000">
             <a:off x="3398760" y="3396960"/>
-            <a:ext cx="6852960" cy="59040"/>
+            <a:ext cx="6852600" cy="58680"/>
           </a:xfrm>
           <a:prstGeom prst="rect">
             <a:avLst/>
@@ -4767,13 +4763,186 @@
             <a:spLocks noGrp="1"/>
           </p:cNvSpPr>
           <p:nvPr>
+            <p:ph type="ftr" idx="1"/>
+          </p:nvPr>
+        </p:nvSpPr>
+        <p:spPr>
+          <a:xfrm>
+            <a:off x="1635120" y="6309360"/>
+            <a:ext cx="4791960" cy="451800"/>
+          </a:xfrm>
+          <a:prstGeom prst="rect">
+            <a:avLst/>
+          </a:prstGeom>
+          <a:noFill/>
+          <a:ln w="0">
+            <a:noFill/>
+          </a:ln>
+        </p:spPr>
+        <p:txBody>
+          <a:bodyPr lIns="109800" rIns="109800" tIns="109800" bIns="91440" anchor="ctr">
+            <a:noAutofit/>
+          </a:bodyPr>
+          <a:lstStyle>
+            <a:lvl1pPr>
+              <a:lnSpc>
+                <a:spcPct val="100000"/>
+              </a:lnSpc>
+              <a:buNone/>
+              <a:defRPr b="0" lang="en-GB" sz="1200" spc="109" strike="noStrike">
+                <a:solidFill>
+                  <a:srgbClr val="404040"/>
+                </a:solidFill>
+                <a:latin typeface="Meiryo"/>
+              </a:defRPr>
+            </a:lvl1pPr>
+          </a:lstStyle>
+          <a:p>
+            <a:pPr>
+              <a:lnSpc>
+                <a:spcPct val="100000"/>
+              </a:lnSpc>
+              <a:buNone/>
+            </a:pPr>
+            <a:r>
+              <a:rPr b="0" lang="en-GB" sz="1200" spc="109" strike="noStrike">
+                <a:solidFill>
+                  <a:srgbClr val="404040"/>
+                </a:solidFill>
+                <a:latin typeface="Meiryo"/>
+              </a:rPr>
+              <a:t>&lt;footer&gt;</a:t>
+            </a:r>
+            <a:endParaRPr b="0" lang="it-IT" sz="1200" spc="-1" strike="noStrike">
+              <a:latin typeface="Times New Roman"/>
+            </a:endParaRPr>
+          </a:p>
+        </p:txBody>
+      </p:sp>
+      <p:sp>
+        <p:nvSpPr>
+          <p:cNvPr id="8" name="PlaceHolder 2"/>
+          <p:cNvSpPr>
+            <a:spLocks noGrp="1"/>
+          </p:cNvSpPr>
+          <p:nvPr>
+            <p:ph type="sldNum" idx="2"/>
+          </p:nvPr>
+        </p:nvSpPr>
+        <p:spPr>
+          <a:xfrm>
+            <a:off x="10569240" y="6309360"/>
+            <a:ext cx="974520" cy="451800"/>
+          </a:xfrm>
+          <a:prstGeom prst="rect">
+            <a:avLst/>
+          </a:prstGeom>
+          <a:noFill/>
+          <a:ln w="0">
+            <a:noFill/>
+          </a:ln>
+        </p:spPr>
+        <p:txBody>
+          <a:bodyPr lIns="109800" rIns="109800" tIns="109800" bIns="91440" anchor="b">
+            <a:noAutofit/>
+          </a:bodyPr>
+          <a:lstStyle>
+            <a:lvl1pPr algn="r">
+              <a:lnSpc>
+                <a:spcPct val="100000"/>
+              </a:lnSpc>
+              <a:buNone/>
+              <a:defRPr b="1" lang="en-US" sz="1600" spc="109" strike="noStrike">
+                <a:solidFill>
+                  <a:srgbClr val="ffffff"/>
+                </a:solidFill>
+                <a:latin typeface="Meiryo"/>
+              </a:defRPr>
+            </a:lvl1pPr>
+          </a:lstStyle>
+          <a:p>
+            <a:pPr algn="r">
+              <a:lnSpc>
+                <a:spcPct val="100000"/>
+              </a:lnSpc>
+              <a:buNone/>
+            </a:pPr>
+            <a:fld id="{DD772A8B-4167-4B54-A3EC-2CB1EE6F8FEE}" type="slidenum">
+              <a:rPr b="1" lang="en-US" sz="1600" spc="109" strike="noStrike">
+                <a:solidFill>
+                  <a:srgbClr val="ffffff"/>
+                </a:solidFill>
+                <a:latin typeface="Meiryo"/>
+              </a:rPr>
+              <a:t>&lt;number&gt;</a:t>
+            </a:fld>
+            <a:endParaRPr b="0" lang="it-IT" sz="1600" spc="-1" strike="noStrike">
+              <a:latin typeface="Times New Roman"/>
+            </a:endParaRPr>
+          </a:p>
+        </p:txBody>
+      </p:sp>
+      <p:sp>
+        <p:nvSpPr>
+          <p:cNvPr id="9" name="PlaceHolder 3"/>
+          <p:cNvSpPr>
+            <a:spLocks noGrp="1"/>
+          </p:cNvSpPr>
+          <p:nvPr>
+            <p:ph type="dt" idx="3"/>
+          </p:nvPr>
+        </p:nvSpPr>
+        <p:spPr>
+          <a:xfrm>
+            <a:off x="8197200" y="6309360"/>
+            <a:ext cx="2145600" cy="451800"/>
+          </a:xfrm>
+          <a:prstGeom prst="rect">
+            <a:avLst/>
+          </a:prstGeom>
+          <a:noFill/>
+          <a:ln w="0">
+            <a:noFill/>
+          </a:ln>
+        </p:spPr>
+        <p:txBody>
+          <a:bodyPr lIns="109800" rIns="109800" tIns="109800" bIns="91440" anchor="ctr">
+            <a:noAutofit/>
+          </a:bodyPr>
+          <a:lstStyle>
+            <a:lvl1pPr>
+              <a:defRPr b="0" lang="it-IT" sz="1400" spc="-1" strike="noStrike">
+                <a:latin typeface="Times New Roman"/>
+              </a:defRPr>
+            </a:lvl1pPr>
+          </a:lstStyle>
+          <a:p>
+            <a:r>
+              <a:rPr b="0" lang="it-IT" sz="1400" spc="-1" strike="noStrike">
+                <a:latin typeface="Times New Roman"/>
+              </a:rPr>
+              <a:t>&lt;date/time&gt;</a:t>
+            </a:r>
+            <a:endParaRPr b="0" lang="it-IT" sz="1400" spc="-1" strike="noStrike">
+              <a:latin typeface="Times New Roman"/>
+            </a:endParaRPr>
+          </a:p>
+        </p:txBody>
+      </p:sp>
+      <p:sp>
+        <p:nvSpPr>
+          <p:cNvPr id="10" name="PlaceHolder 4"/>
+          <p:cNvSpPr>
+            <a:spLocks noGrp="1"/>
+          </p:cNvSpPr>
+          <p:nvPr>
             <p:ph type="title"/>
           </p:nvPr>
         </p:nvSpPr>
         <p:spPr>
           <a:xfrm>
             <a:off x="609480" y="273600"/>
-            <a:ext cx="10972080" cy="1144440"/>
+            <a:ext cx="10972440" cy="1144800"/>
           </a:xfrm>
           <a:prstGeom prst="rect">
             <a:avLst/>
@@ -4788,21 +4957,24 @@
             <a:noAutofit/>
           </a:bodyPr>
           <a:p>
-            <a:r>
-              <a:rPr b="0" lang="it-IT" sz="1800" spc="-1" strike="noStrike">
+            <a:pPr algn="ctr">
+              <a:buNone/>
+            </a:pPr>
+            <a:r>
+              <a:rPr b="0" lang="it-IT" sz="4400" spc="-1" strike="noStrike">
                 <a:latin typeface="Arial"/>
               </a:rPr>
               <a:t>Click to edit the title text format</a:t>
             </a:r>
-            <a:endParaRPr b="0" lang="it-IT" sz="1800" spc="-1" strike="noStrike">
-              <a:latin typeface="Arial"/>
-            </a:endParaRPr>
-          </a:p>
-        </p:txBody>
-      </p:sp>
-      <p:sp>
-        <p:nvSpPr>
-          <p:cNvPr id="8" name="PlaceHolder 2"/>
+            <a:endParaRPr b="0" lang="it-IT" sz="4400" spc="-1" strike="noStrike">
+              <a:latin typeface="Arial"/>
+            </a:endParaRPr>
+          </a:p>
+        </p:txBody>
+      </p:sp>
+      <p:sp>
+        <p:nvSpPr>
+          <p:cNvPr id="11" name="PlaceHolder 5"/>
           <p:cNvSpPr>
             <a:spLocks noGrp="1"/>
           </p:cNvSpPr>
@@ -4813,7 +4985,7 @@
         <p:spPr>
           <a:xfrm>
             <a:off x="609480" y="1604520"/>
-            <a:ext cx="10972080" cy="3976920"/>
+            <a:ext cx="10972440" cy="3977280"/>
           </a:xfrm>
           <a:prstGeom prst="rect">
             <a:avLst/>
@@ -4840,12 +5012,12 @@
               <a:buChar char=""/>
             </a:pPr>
             <a:r>
-              <a:rPr b="0" lang="it-IT" sz="1800" spc="-1" strike="noStrike">
+              <a:rPr b="0" lang="it-IT" sz="3200" spc="-1" strike="noStrike">
                 <a:latin typeface="Arial"/>
               </a:rPr>
               <a:t>Click to edit the outline text format</a:t>
             </a:r>
-            <a:endParaRPr b="0" lang="it-IT" sz="1800" spc="-1" strike="noStrike">
+            <a:endParaRPr b="0" lang="it-IT" sz="3200" spc="-1" strike="noStrike">
               <a:latin typeface="Arial"/>
             </a:endParaRPr>
           </a:p>
@@ -4862,12 +5034,12 @@
               <a:buChar char=""/>
             </a:pPr>
             <a:r>
-              <a:rPr b="0" lang="it-IT" sz="1800" spc="-1" strike="noStrike">
+              <a:rPr b="0" lang="it-IT" sz="2800" spc="-1" strike="noStrike">
                 <a:latin typeface="Arial"/>
               </a:rPr>
               <a:t>Second Outline Level</a:t>
             </a:r>
-            <a:endParaRPr b="0" lang="it-IT" sz="1800" spc="-1" strike="noStrike">
+            <a:endParaRPr b="0" lang="it-IT" sz="2800" spc="-1" strike="noStrike">
               <a:latin typeface="Arial"/>
             </a:endParaRPr>
           </a:p>
@@ -4884,12 +5056,12 @@
               <a:buChar char=""/>
             </a:pPr>
             <a:r>
-              <a:rPr b="0" lang="it-IT" sz="1800" spc="-1" strike="noStrike">
+              <a:rPr b="0" lang="it-IT" sz="2400" spc="-1" strike="noStrike">
                 <a:latin typeface="Arial"/>
               </a:rPr>
               <a:t>Third Outline Level</a:t>
             </a:r>
-            <a:endParaRPr b="0" lang="it-IT" sz="1800" spc="-1" strike="noStrike">
+            <a:endParaRPr b="0" lang="it-IT" sz="2400" spc="-1" strike="noStrike">
               <a:latin typeface="Arial"/>
             </a:endParaRPr>
           </a:p>
@@ -4906,12 +5078,12 @@
               <a:buChar char=""/>
             </a:pPr>
             <a:r>
-              <a:rPr b="0" lang="it-IT" sz="1800" spc="-1" strike="noStrike">
+              <a:rPr b="0" lang="it-IT" sz="2000" spc="-1" strike="noStrike">
                 <a:latin typeface="Arial"/>
               </a:rPr>
               <a:t>Fourth Outline Level</a:t>
             </a:r>
-            <a:endParaRPr b="0" lang="it-IT" sz="1800" spc="-1" strike="noStrike">
+            <a:endParaRPr b="0" lang="it-IT" sz="2000" spc="-1" strike="noStrike">
               <a:latin typeface="Arial"/>
             </a:endParaRPr>
           </a:p>
@@ -4928,12 +5100,12 @@
               <a:buChar char=""/>
             </a:pPr>
             <a:r>
-              <a:rPr b="0" lang="it-IT" sz="1800" spc="-1" strike="noStrike">
+              <a:rPr b="0" lang="it-IT" sz="2000" spc="-1" strike="noStrike">
                 <a:latin typeface="Arial"/>
               </a:rPr>
               <a:t>Fifth Outline Level</a:t>
             </a:r>
-            <a:endParaRPr b="0" lang="it-IT" sz="1800" spc="-1" strike="noStrike">
+            <a:endParaRPr b="0" lang="it-IT" sz="2000" spc="-1" strike="noStrike">
               <a:latin typeface="Arial"/>
             </a:endParaRPr>
           </a:p>
@@ -4950,12 +5122,12 @@
               <a:buChar char=""/>
             </a:pPr>
             <a:r>
-              <a:rPr b="0" lang="it-IT" sz="1800" spc="-1" strike="noStrike">
+              <a:rPr b="0" lang="it-IT" sz="2000" spc="-1" strike="noStrike">
                 <a:latin typeface="Arial"/>
               </a:rPr>
               <a:t>Sixth Outline Level</a:t>
             </a:r>
-            <a:endParaRPr b="0" lang="it-IT" sz="1800" spc="-1" strike="noStrike">
+            <a:endParaRPr b="0" lang="it-IT" sz="2000" spc="-1" strike="noStrike">
               <a:latin typeface="Arial"/>
             </a:endParaRPr>
           </a:p>
@@ -4972,186 +5144,13 @@
               <a:buChar char=""/>
             </a:pPr>
             <a:r>
-              <a:rPr b="0" lang="it-IT" sz="1800" spc="-1" strike="noStrike">
+              <a:rPr b="0" lang="it-IT" sz="2000" spc="-1" strike="noStrike">
                 <a:latin typeface="Arial"/>
               </a:rPr>
               <a:t>Seventh Outline Level</a:t>
             </a:r>
-            <a:endParaRPr b="0" lang="it-IT" sz="1800" spc="-1" strike="noStrike">
-              <a:latin typeface="Arial"/>
-            </a:endParaRPr>
-          </a:p>
-        </p:txBody>
-      </p:sp>
-      <p:sp>
-        <p:nvSpPr>
-          <p:cNvPr id="9" name="PlaceHolder 3"/>
-          <p:cNvSpPr>
-            <a:spLocks noGrp="1"/>
-          </p:cNvSpPr>
-          <p:nvPr>
-            <p:ph type="ftr" idx="1"/>
-          </p:nvPr>
-        </p:nvSpPr>
-        <p:spPr>
-          <a:xfrm>
-            <a:off x="1635120" y="6309360"/>
-            <a:ext cx="4792320" cy="452160"/>
-          </a:xfrm>
-          <a:prstGeom prst="rect">
-            <a:avLst/>
-          </a:prstGeom>
-          <a:noFill/>
-          <a:ln w="0">
-            <a:noFill/>
-          </a:ln>
-        </p:spPr>
-        <p:txBody>
-          <a:bodyPr lIns="109800" rIns="109800" tIns="109800" bIns="91440" anchor="ctr">
-            <a:noAutofit/>
-          </a:bodyPr>
-          <a:lstStyle>
-            <a:lvl1pPr>
-              <a:lnSpc>
-                <a:spcPct val="100000"/>
-              </a:lnSpc>
-              <a:buNone/>
-              <a:defRPr b="0" lang="en-GB" sz="1200" spc="111" strike="noStrike">
-                <a:solidFill>
-                  <a:srgbClr val="404040"/>
-                </a:solidFill>
-                <a:latin typeface="Meiryo"/>
-              </a:defRPr>
-            </a:lvl1pPr>
-          </a:lstStyle>
-          <a:p>
-            <a:pPr>
-              <a:lnSpc>
-                <a:spcPct val="100000"/>
-              </a:lnSpc>
-              <a:buNone/>
-            </a:pPr>
-            <a:r>
-              <a:rPr b="0" lang="en-GB" sz="1200" spc="111" strike="noStrike">
-                <a:solidFill>
-                  <a:srgbClr val="404040"/>
-                </a:solidFill>
-                <a:latin typeface="Meiryo"/>
-              </a:rPr>
-              <a:t>&lt;footer&gt;</a:t>
-            </a:r>
-            <a:endParaRPr b="0" lang="it-IT" sz="1200" spc="-1" strike="noStrike">
-              <a:latin typeface="Times New Roman"/>
-            </a:endParaRPr>
-          </a:p>
-        </p:txBody>
-      </p:sp>
-      <p:sp>
-        <p:nvSpPr>
-          <p:cNvPr id="10" name="PlaceHolder 4"/>
-          <p:cNvSpPr>
-            <a:spLocks noGrp="1"/>
-          </p:cNvSpPr>
-          <p:nvPr>
-            <p:ph type="sldNum" idx="2"/>
-          </p:nvPr>
-        </p:nvSpPr>
-        <p:spPr>
-          <a:xfrm>
-            <a:off x="10569240" y="6309360"/>
-            <a:ext cx="974880" cy="452160"/>
-          </a:xfrm>
-          <a:prstGeom prst="rect">
-            <a:avLst/>
-          </a:prstGeom>
-          <a:noFill/>
-          <a:ln w="0">
-            <a:noFill/>
-          </a:ln>
-        </p:spPr>
-        <p:txBody>
-          <a:bodyPr lIns="109800" rIns="109800" tIns="109800" bIns="91440" anchor="b">
-            <a:noAutofit/>
-          </a:bodyPr>
-          <a:lstStyle>
-            <a:lvl1pPr algn="r">
-              <a:lnSpc>
-                <a:spcPct val="100000"/>
-              </a:lnSpc>
-              <a:buNone/>
-              <a:defRPr b="1" lang="en-US" sz="1600" spc="111" strike="noStrike">
-                <a:solidFill>
-                  <a:srgbClr val="ffffff"/>
-                </a:solidFill>
-                <a:latin typeface="Meiryo"/>
-              </a:defRPr>
-            </a:lvl1pPr>
-          </a:lstStyle>
-          <a:p>
-            <a:pPr algn="r">
-              <a:lnSpc>
-                <a:spcPct val="100000"/>
-              </a:lnSpc>
-              <a:buNone/>
-            </a:pPr>
-            <a:fld id="{4E32ABD4-5618-4C65-BC4B-A66F3F59B0C6}" type="slidenum">
-              <a:rPr b="1" lang="en-US" sz="1600" spc="111" strike="noStrike">
-                <a:solidFill>
-                  <a:srgbClr val="ffffff"/>
-                </a:solidFill>
-                <a:latin typeface="Meiryo"/>
-              </a:rPr>
-              <a:t>&lt;number&gt;</a:t>
-            </a:fld>
-            <a:endParaRPr b="0" lang="it-IT" sz="1600" spc="-1" strike="noStrike">
-              <a:latin typeface="Times New Roman"/>
-            </a:endParaRPr>
-          </a:p>
-        </p:txBody>
-      </p:sp>
-      <p:sp>
-        <p:nvSpPr>
-          <p:cNvPr id="11" name="PlaceHolder 5"/>
-          <p:cNvSpPr>
-            <a:spLocks noGrp="1"/>
-          </p:cNvSpPr>
-          <p:nvPr>
-            <p:ph type="dt" idx="3"/>
-          </p:nvPr>
-        </p:nvSpPr>
-        <p:spPr>
-          <a:xfrm>
-            <a:off x="8197200" y="6309360"/>
-            <a:ext cx="2145960" cy="452160"/>
-          </a:xfrm>
-          <a:prstGeom prst="rect">
-            <a:avLst/>
-          </a:prstGeom>
-          <a:noFill/>
-          <a:ln w="0">
-            <a:noFill/>
-          </a:ln>
-        </p:spPr>
-        <p:txBody>
-          <a:bodyPr lIns="109800" rIns="109800" tIns="109800" bIns="91440" anchor="ctr">
-            <a:noAutofit/>
-          </a:bodyPr>
-          <a:lstStyle>
-            <a:lvl1pPr>
-              <a:defRPr b="0" lang="it-IT" sz="1400" spc="-1" strike="noStrike">
-                <a:latin typeface="Times New Roman"/>
-              </a:defRPr>
-            </a:lvl1pPr>
-          </a:lstStyle>
-          <a:p>
-            <a:r>
-              <a:rPr b="0" lang="it-IT" sz="1400" spc="-1" strike="noStrike">
-                <a:latin typeface="Times New Roman"/>
-              </a:rPr>
-              <a:t>&lt;date/time&gt;</a:t>
-            </a:r>
-            <a:endParaRPr b="0" lang="it-IT" sz="1400" spc="-1" strike="noStrike">
-              <a:latin typeface="Times New Roman"/>
+            <a:endParaRPr b="0" lang="it-IT" sz="2000" spc="-1" strike="noStrike">
+              <a:latin typeface="Arial"/>
             </a:endParaRPr>
           </a:p>
         </p:txBody>
@@ -5209,7 +5208,7 @@
         <p:spPr>
           <a:xfrm>
             <a:off x="4718160" y="0"/>
-            <a:ext cx="7468560" cy="6852960"/>
+            <a:ext cx="7468200" cy="6852600"/>
           </a:xfrm>
           <a:prstGeom prst="rect">
             <a:avLst/>
@@ -5239,7 +5238,7 @@
         <p:spPr>
           <a:xfrm rot="5400000">
             <a:off x="1257120" y="3396960"/>
-            <a:ext cx="6852960" cy="59040"/>
+            <a:ext cx="6852600" cy="58680"/>
           </a:xfrm>
           <a:prstGeom prst="rect">
             <a:avLst/>
@@ -5267,7 +5266,7 @@
         <p:spPr>
           <a:xfrm>
             <a:off x="0" y="0"/>
-            <a:ext cx="12183840" cy="6852960"/>
+            <a:ext cx="12183480" cy="6852600"/>
           </a:xfrm>
           <a:prstGeom prst="rect">
             <a:avLst/>
@@ -5295,7 +5294,7 @@
         <p:spPr>
           <a:xfrm>
             <a:off x="0" y="3960"/>
-            <a:ext cx="12187080" cy="1342800"/>
+            <a:ext cx="12186720" cy="1342440"/>
           </a:xfrm>
           <a:prstGeom prst="rect">
             <a:avLst/>
@@ -5323,7 +5322,7 @@
         <p:spPr>
           <a:xfrm>
             <a:off x="0" y="1351440"/>
-            <a:ext cx="12187080" cy="4744440"/>
+            <a:ext cx="12186720" cy="4744080"/>
           </a:xfrm>
           <a:prstGeom prst="rect">
             <a:avLst/>
@@ -5353,7 +5352,7 @@
         <p:spPr>
           <a:xfrm>
             <a:off x="0" y="6107760"/>
-            <a:ext cx="4646160" cy="745200"/>
+            <a:ext cx="4645800" cy="744840"/>
           </a:xfrm>
           <a:prstGeom prst="rect">
             <a:avLst/>
@@ -5381,7 +5380,7 @@
         <p:spPr>
           <a:xfrm>
             <a:off x="1440" y="6101280"/>
-            <a:ext cx="12183840" cy="59040"/>
+            <a:ext cx="12183480" cy="58680"/>
           </a:xfrm>
           <a:prstGeom prst="rect">
             <a:avLst/>
@@ -5409,7 +5408,7 @@
         <p:spPr>
           <a:xfrm>
             <a:off x="4633920" y="6117480"/>
-            <a:ext cx="59040" cy="735480"/>
+            <a:ext cx="58680" cy="735120"/>
           </a:xfrm>
           <a:prstGeom prst="rect">
             <a:avLst/>
@@ -5441,7 +5440,7 @@
         <p:spPr>
           <a:xfrm>
             <a:off x="642960" y="6309360"/>
-            <a:ext cx="3418920" cy="452160"/>
+            <a:ext cx="3418560" cy="451800"/>
           </a:xfrm>
           <a:prstGeom prst="rect">
             <a:avLst/>
@@ -5461,7 +5460,7 @@
                 <a:spcPct val="100000"/>
               </a:lnSpc>
               <a:buNone/>
-              <a:defRPr b="0" lang="en-GB" sz="1200" spc="111" strike="noStrike">
+              <a:defRPr b="0" lang="en-GB" sz="1200" spc="109" strike="noStrike">
                 <a:solidFill>
                   <a:srgbClr val="ffffff"/>
                 </a:solidFill>
@@ -5477,7 +5476,7 @@
               <a:buNone/>
             </a:pPr>
             <a:r>
-              <a:rPr b="0" lang="en-GB" sz="1200" spc="111" strike="noStrike">
+              <a:rPr b="0" lang="en-GB" sz="1200" spc="109" strike="noStrike">
                 <a:solidFill>
                   <a:srgbClr val="ffffff"/>
                 </a:solidFill>
@@ -5504,7 +5503,7 @@
         <p:spPr>
           <a:xfrm>
             <a:off x="10569240" y="6309360"/>
-            <a:ext cx="974880" cy="452160"/>
+            <a:ext cx="974520" cy="451800"/>
           </a:xfrm>
           <a:prstGeom prst="rect">
             <a:avLst/>
@@ -5524,7 +5523,7 @@
                 <a:spcPct val="100000"/>
               </a:lnSpc>
               <a:buNone/>
-              <a:defRPr b="1" lang="en-US" sz="1600" spc="111" strike="noStrike">
+              <a:defRPr b="1" lang="en-US" sz="1600" spc="109" strike="noStrike">
                 <a:solidFill>
                   <a:srgbClr val="404040"/>
                 </a:solidFill>
@@ -5539,8 +5538,8 @@
               </a:lnSpc>
               <a:buNone/>
             </a:pPr>
-            <a:fld id="{3B42AFAC-69B9-48DC-AE5E-543479BCD6BF}" type="slidenum">
-              <a:rPr b="1" lang="en-US" sz="1600" spc="111" strike="noStrike">
+            <a:fld id="{E60DF351-64E7-4FFA-9ED4-B78D51716064}" type="slidenum">
+              <a:rPr b="1" lang="en-US" sz="1600" spc="109" strike="noStrike">
                 <a:solidFill>
                   <a:srgbClr val="404040"/>
                 </a:solidFill>
@@ -5567,7 +5566,7 @@
         <p:spPr>
           <a:xfrm>
             <a:off x="5373720" y="6309360"/>
-            <a:ext cx="3407040" cy="452160"/>
+            <a:ext cx="3406680" cy="451800"/>
           </a:xfrm>
           <a:prstGeom prst="rect">
             <a:avLst/>
@@ -5880,7 +5879,7 @@
         <p:spPr>
           <a:xfrm>
             <a:off x="7573680" y="0"/>
-            <a:ext cx="4613040" cy="6852960"/>
+            <a:ext cx="4612680" cy="6852600"/>
           </a:xfrm>
           <a:prstGeom prst="rect">
             <a:avLst/>
@@ -5960,7 +5959,7 @@
         <p:spPr>
           <a:xfrm rot="5400000">
             <a:off x="4101120" y="3396960"/>
-            <a:ext cx="6852960" cy="59040"/>
+            <a:ext cx="6852600" cy="58680"/>
           </a:xfrm>
           <a:prstGeom prst="rect">
             <a:avLst/>
@@ -5987,8 +5986,8 @@
         </p:nvSpPr>
         <p:spPr>
           <a:xfrm flipH="1">
-            <a:off x="716400" y="-540000"/>
-            <a:ext cx="12187080" cy="6852960"/>
+            <a:off x="-180000" y="-540000"/>
+            <a:ext cx="12186720" cy="6852600"/>
           </a:xfrm>
           <a:prstGeom prst="rect">
             <a:avLst/>
@@ -6016,7 +6015,7 @@
         <p:spPr>
           <a:xfrm flipH="1">
             <a:off x="-5760" y="0"/>
-            <a:ext cx="4421160" cy="1798920"/>
+            <a:ext cx="4420800" cy="1798560"/>
           </a:xfrm>
           <a:prstGeom prst="rect">
             <a:avLst/>
@@ -6049,7 +6048,7 @@
         <p:spPr>
           <a:xfrm>
             <a:off x="0" y="1803960"/>
-            <a:ext cx="4452840" cy="4344840"/>
+            <a:ext cx="4452480" cy="4344480"/>
           </a:xfrm>
           <a:prstGeom prst="rect">
             <a:avLst/>
@@ -6067,8 +6066,8 @@
         </p:nvSpPr>
         <p:spPr>
           <a:xfrm flipH="1">
-            <a:off x="4453200" y="1260000"/>
-            <a:ext cx="7760880" cy="4422600"/>
+            <a:off x="4452480" y="1260000"/>
+            <a:ext cx="7760520" cy="4422240"/>
           </a:xfrm>
           <a:prstGeom prst="rect">
             <a:avLst/>
@@ -6102,7 +6101,7 @@
         <p:spPr>
           <a:xfrm>
             <a:off x="4881960" y="2146680"/>
-            <a:ext cx="6661800" cy="2653200"/>
+            <a:ext cx="6661440" cy="2652840"/>
           </a:xfrm>
           <a:prstGeom prst="rect">
             <a:avLst/>
@@ -6124,7 +6123,7 @@
               <a:buNone/>
             </a:pPr>
             <a:r>
-              <a:rPr b="0" lang="en-US" sz="3200" spc="111" strike="noStrike" cap="all">
+              <a:rPr b="0" lang="en-US" sz="3200" spc="109" strike="noStrike" cap="all">
                 <a:solidFill>
                   <a:srgbClr val="404040"/>
                 </a:solidFill>
@@ -6136,7 +6135,7 @@
               <a:rPr sz="3200"/>
             </a:br>
             <a:r>
-              <a:rPr b="0" lang="en-US" sz="3200" spc="111" strike="noStrike" cap="all">
+              <a:rPr b="0" lang="en-US" sz="3200" spc="109" strike="noStrike" cap="all">
                 <a:solidFill>
                   <a:srgbClr val="404040"/>
                 </a:solidFill>
@@ -6159,7 +6158,7 @@
         <p:spPr>
           <a:xfrm>
             <a:off x="1440" y="1753920"/>
-            <a:ext cx="12183840" cy="59040"/>
+            <a:ext cx="12183480" cy="58680"/>
           </a:xfrm>
           <a:prstGeom prst="rect">
             <a:avLst/>
@@ -6187,7 +6186,7 @@
         <p:spPr>
           <a:xfrm flipH="1">
             <a:off x="-8640" y="6167520"/>
-            <a:ext cx="12187080" cy="685440"/>
+            <a:ext cx="12186720" cy="685080"/>
           </a:xfrm>
           <a:prstGeom prst="rect">
             <a:avLst/>
@@ -6217,7 +6216,7 @@
         <p:spPr>
           <a:xfrm>
             <a:off x="1440" y="6109560"/>
-            <a:ext cx="12183840" cy="59040"/>
+            <a:ext cx="12183480" cy="58680"/>
           </a:xfrm>
           <a:prstGeom prst="rect">
             <a:avLst/>
@@ -6245,7 +6244,7 @@
         <p:spPr>
           <a:xfrm>
             <a:off x="4394160" y="0"/>
-            <a:ext cx="59040" cy="6852960"/>
+            <a:ext cx="58680" cy="6852600"/>
           </a:xfrm>
           <a:prstGeom prst="rect">
             <a:avLst/>
@@ -6277,7 +6276,7 @@
         <p:spPr>
           <a:xfrm>
             <a:off x="10569240" y="6309360"/>
-            <a:ext cx="974880" cy="452160"/>
+            <a:ext cx="974520" cy="451800"/>
           </a:xfrm>
           <a:prstGeom prst="rect">
             <a:avLst/>
@@ -6297,7 +6296,7 @@
                 <a:spcPct val="100000"/>
               </a:lnSpc>
               <a:buNone/>
-              <a:defRPr b="1" lang="en-US" sz="1600" spc="111" strike="noStrike">
+              <a:defRPr b="1" lang="en-US" sz="1600" spc="109" strike="noStrike">
                 <a:solidFill>
                   <a:srgbClr val="ffffff"/>
                 </a:solidFill>
@@ -6312,14 +6311,14 @@
               </a:lnSpc>
               <a:buNone/>
             </a:pPr>
-            <a:fld id="{8ED1536B-04EB-4E20-A518-5EFEBF45EC85}" type="slidenum">
-              <a:rPr b="1" lang="en-US" sz="1600" spc="111" strike="noStrike">
+            <a:fld id="{9A240508-0E5A-41C6-9A50-C8F413D307D2}" type="slidenum">
+              <a:rPr b="1" lang="en-US" sz="1600" spc="109" strike="noStrike">
                 <a:solidFill>
                   <a:srgbClr val="ffffff"/>
                 </a:solidFill>
                 <a:latin typeface="Meiryo"/>
               </a:rPr>
-              <a:t>&lt;number&gt;</a:t>
+              <a:t>1</a:t>
             </a:fld>
             <a:endParaRPr b="0" lang="it-IT" sz="1600" spc="-1" strike="noStrike">
               <a:latin typeface="Times New Roman"/>
@@ -6359,7 +6358,7 @@
       </p:grpSpPr>
       <p:sp>
         <p:nvSpPr>
-          <p:cNvPr id="140" name="PlaceHolder 1"/>
+          <p:cNvPr id="147" name="PlaceHolder 1"/>
           <p:cNvSpPr>
             <a:spLocks noGrp="1"/>
           </p:cNvSpPr>
@@ -6370,7 +6369,7 @@
         <p:spPr>
           <a:xfrm>
             <a:off x="322560" y="180720"/>
-            <a:ext cx="11595240" cy="930600"/>
+            <a:ext cx="11594880" cy="930240"/>
           </a:xfrm>
           <a:prstGeom prst="rect">
             <a:avLst/>
@@ -6392,13 +6391,13 @@
               <a:buNone/>
             </a:pPr>
             <a:r>
-              <a:rPr b="1" lang="it-IT" sz="3600" spc="111" strike="noStrike">
+              <a:rPr b="1" lang="it-IT" sz="3600" spc="109" strike="noStrike">
                 <a:solidFill>
                   <a:srgbClr val="ffffff"/>
                 </a:solidFill>
                 <a:latin typeface="Meiryo"/>
               </a:rPr>
-              <a:t>Owner: Register the DNA in Blockchain</a:t>
+              <a:t>Final Product needs</a:t>
             </a:r>
             <a:endParaRPr b="0" lang="it-IT" sz="3600" spc="-1" strike="noStrike">
               <a:latin typeface="Arial"/>
@@ -6408,7 +6407,7 @@
       </p:sp>
       <p:sp>
         <p:nvSpPr>
-          <p:cNvPr id="141" name="PlaceHolder 2"/>
+          <p:cNvPr id="148" name="PlaceHolder 2"/>
           <p:cNvSpPr>
             <a:spLocks noGrp="1"/>
           </p:cNvSpPr>
@@ -6419,7 +6418,7 @@
         <p:spPr>
           <a:xfrm>
             <a:off x="10569240" y="6309360"/>
-            <a:ext cx="974880" cy="452160"/>
+            <a:ext cx="974520" cy="451800"/>
           </a:xfrm>
           <a:prstGeom prst="rect">
             <a:avLst/>
@@ -6439,7 +6438,7 @@
                 <a:spcPct val="100000"/>
               </a:lnSpc>
               <a:buNone/>
-              <a:defRPr b="1" lang="en-US" sz="1600" spc="111" strike="noStrike">
+              <a:defRPr b="1" lang="en-US" sz="1600" spc="109" strike="noStrike">
                 <a:solidFill>
                   <a:srgbClr val="404040"/>
                 </a:solidFill>
@@ -6454,8 +6453,8 @@
               </a:lnSpc>
               <a:buNone/>
             </a:pPr>
-            <a:fld id="{41EB7C43-8045-48B3-8DAC-288B08775452}" type="slidenum">
-              <a:rPr b="1" lang="en-US" sz="1600" spc="111" strike="noStrike">
+            <a:fld id="{6A7A112B-B687-4809-B6FB-C052926D557B}" type="slidenum">
+              <a:rPr b="1" lang="en-US" sz="1600" spc="109" strike="noStrike">
                 <a:solidFill>
                   <a:srgbClr val="404040"/>
                 </a:solidFill>
@@ -6471,928 +6470,14 @@
       </p:sp>
       <p:sp>
         <p:nvSpPr>
-          <p:cNvPr id="142" name="CasellaDiTesto 9"/>
+          <p:cNvPr id="149" name="CasellaDiTesto 4"/>
           <p:cNvSpPr/>
           <p:nvPr/>
         </p:nvSpPr>
         <p:spPr>
           <a:xfrm>
             <a:off x="528840" y="1441080"/>
-            <a:ext cx="11015280" cy="4096800"/>
-          </a:xfrm>
-          <a:prstGeom prst="rect">
-            <a:avLst/>
-          </a:prstGeom>
-          <a:noFill/>
-          <a:ln w="0">
-            <a:noFill/>
-          </a:ln>
-        </p:spPr>
-        <p:style>
-          <a:lnRef idx="0"/>
-          <a:fillRef idx="0"/>
-          <a:effectRef idx="0"/>
-          <a:fontRef idx="minor"/>
-        </p:style>
-      </p:sp>
-      <p:pic>
-        <p:nvPicPr>
-          <p:cNvPr id="143" name="" descr=""/>
-          <p:cNvPicPr/>
-          <p:nvPr/>
-        </p:nvPicPr>
-        <p:blipFill>
-          <a:blip r:embed="rId1"/>
-          <a:stretch/>
-        </p:blipFill>
-        <p:spPr>
-          <a:xfrm>
-            <a:off x="2873520" y="1440000"/>
-            <a:ext cx="6485760" cy="4678200"/>
-          </a:xfrm>
-          <a:prstGeom prst="rect">
-            <a:avLst/>
-          </a:prstGeom>
-          <a:ln w="0">
-            <a:noFill/>
-          </a:ln>
-        </p:spPr>
-      </p:pic>
-    </p:spTree>
-  </p:cSld>
-  <mc:AlternateContent>
-    <mc:Choice Requires="p14">
-      <p:transition spd="slow" p14:dur="2000"/>
-    </mc:Choice>
-    <mc:Fallback>
-      <p:transition spd="slow"/>
-    </mc:Fallback>
-  </mc:AlternateContent>
-</p:sld>
-</file>
-
-<file path=ppt/slides/slide11.xml><?xml version="1.0" encoding="utf-8"?>
-<p:sld xmlns:a="http://schemas.openxmlformats.org/drawingml/2006/main" xmlns:p="http://schemas.openxmlformats.org/presentationml/2006/main" xmlns:r="http://schemas.openxmlformats.org/officeDocument/2006/relationships" xmlns:p14="http://schemas.microsoft.com/office/powerpoint/2010/main" xmlns:p15="http://schemas.microsoft.com/office/powerpoint/2012/main" xmlns:mc="http://schemas.openxmlformats.org/markup-compatibility/2006">
-  <p:cSld>
-    <p:spTree>
-      <p:nvGrpSpPr>
-        <p:cNvPr id="1" name=""/>
-        <p:cNvGrpSpPr/>
-        <p:nvPr/>
-      </p:nvGrpSpPr>
-      <p:grpSpPr>
-        <a:xfrm>
-          <a:off x="0" y="0"/>
-          <a:ext cx="0" cy="0"/>
-          <a:chOff x="0" y="0"/>
-          <a:chExt cx="0" cy="0"/>
-        </a:xfrm>
-      </p:grpSpPr>
-      <p:sp>
-        <p:nvSpPr>
-          <p:cNvPr id="144" name="PlaceHolder 1"/>
-          <p:cNvSpPr>
-            <a:spLocks noGrp="1"/>
-          </p:cNvSpPr>
-          <p:nvPr>
-            <p:ph type="title"/>
-          </p:nvPr>
-        </p:nvSpPr>
-        <p:spPr>
-          <a:xfrm>
-            <a:off x="322560" y="180720"/>
-            <a:ext cx="11595240" cy="930600"/>
-          </a:xfrm>
-          <a:prstGeom prst="rect">
-            <a:avLst/>
-          </a:prstGeom>
-          <a:noFill/>
-          <a:ln w="0">
-            <a:noFill/>
-          </a:ln>
-        </p:spPr>
-        <p:txBody>
-          <a:bodyPr lIns="109800" rIns="109800" tIns="109800" bIns="91440" anchor="ctr">
-            <a:noAutofit/>
-          </a:bodyPr>
-          <a:p>
-            <a:pPr>
-              <a:lnSpc>
-                <a:spcPct val="150000"/>
-              </a:lnSpc>
-              <a:buNone/>
-            </a:pPr>
-            <a:r>
-              <a:rPr b="1" lang="it-IT" sz="2400" spc="111" strike="noStrike">
-                <a:solidFill>
-                  <a:srgbClr val="ffffff"/>
-                </a:solidFill>
-                <a:latin typeface="Meiryo"/>
-              </a:rPr>
-              <a:t>Stakeholder: Pick the DNA with a swab and analyze it</a:t>
-            </a:r>
-            <a:endParaRPr b="0" lang="it-IT" sz="2400" spc="-1" strike="noStrike">
-              <a:latin typeface="Arial"/>
-            </a:endParaRPr>
-          </a:p>
-        </p:txBody>
-      </p:sp>
-      <p:sp>
-        <p:nvSpPr>
-          <p:cNvPr id="145" name="PlaceHolder 2"/>
-          <p:cNvSpPr>
-            <a:spLocks noGrp="1"/>
-          </p:cNvSpPr>
-          <p:nvPr>
-            <p:ph type="sldNum" idx="17"/>
-          </p:nvPr>
-        </p:nvSpPr>
-        <p:spPr>
-          <a:xfrm>
-            <a:off x="10569240" y="6309360"/>
-            <a:ext cx="974880" cy="452160"/>
-          </a:xfrm>
-          <a:prstGeom prst="rect">
-            <a:avLst/>
-          </a:prstGeom>
-          <a:noFill/>
-          <a:ln w="0">
-            <a:noFill/>
-          </a:ln>
-        </p:spPr>
-        <p:txBody>
-          <a:bodyPr lIns="109800" rIns="109800" tIns="109800" bIns="91440" anchor="b">
-            <a:noAutofit/>
-          </a:bodyPr>
-          <a:lstStyle>
-            <a:lvl1pPr algn="r">
-              <a:lnSpc>
-                <a:spcPct val="100000"/>
-              </a:lnSpc>
-              <a:buNone/>
-              <a:defRPr b="1" lang="en-US" sz="1600" spc="111" strike="noStrike">
-                <a:solidFill>
-                  <a:srgbClr val="404040"/>
-                </a:solidFill>
-                <a:latin typeface="Meiryo"/>
-              </a:defRPr>
-            </a:lvl1pPr>
-          </a:lstStyle>
-          <a:p>
-            <a:pPr algn="r">
-              <a:lnSpc>
-                <a:spcPct val="100000"/>
-              </a:lnSpc>
-              <a:buNone/>
-            </a:pPr>
-            <a:fld id="{BEFB4951-D3AD-474C-8195-584BDBE76E69}" type="slidenum">
-              <a:rPr b="1" lang="en-US" sz="1600" spc="111" strike="noStrike">
-                <a:solidFill>
-                  <a:srgbClr val="404040"/>
-                </a:solidFill>
-                <a:latin typeface="Meiryo"/>
-              </a:rPr>
-              <a:t>&lt;number&gt;</a:t>
-            </a:fld>
-            <a:endParaRPr b="0" lang="it-IT" sz="1600" spc="-1" strike="noStrike">
-              <a:latin typeface="Times New Roman"/>
-            </a:endParaRPr>
-          </a:p>
-        </p:txBody>
-      </p:sp>
-      <p:sp>
-        <p:nvSpPr>
-          <p:cNvPr id="146" name="CasellaDiTesto 13"/>
-          <p:cNvSpPr/>
-          <p:nvPr/>
-        </p:nvSpPr>
-        <p:spPr>
-          <a:xfrm>
-            <a:off x="528840" y="1441080"/>
-            <a:ext cx="11015280" cy="4096800"/>
-          </a:xfrm>
-          <a:prstGeom prst="rect">
-            <a:avLst/>
-          </a:prstGeom>
-          <a:noFill/>
-          <a:ln w="0">
-            <a:noFill/>
-          </a:ln>
-        </p:spPr>
-        <p:style>
-          <a:lnRef idx="0"/>
-          <a:fillRef idx="0"/>
-          <a:effectRef idx="0"/>
-          <a:fontRef idx="minor"/>
-        </p:style>
-      </p:sp>
-      <p:pic>
-        <p:nvPicPr>
-          <p:cNvPr id="147" name="" descr=""/>
-          <p:cNvPicPr/>
-          <p:nvPr/>
-        </p:nvPicPr>
-        <p:blipFill>
-          <a:blip r:embed="rId1"/>
-          <a:stretch/>
-        </p:blipFill>
-        <p:spPr>
-          <a:xfrm rot="5411400">
-            <a:off x="-371520" y="1968480"/>
-            <a:ext cx="4530600" cy="3397680"/>
-          </a:xfrm>
-          <a:prstGeom prst="rect">
-            <a:avLst/>
-          </a:prstGeom>
-          <a:ln w="0">
-            <a:noFill/>
-          </a:ln>
-        </p:spPr>
-      </p:pic>
-      <p:pic>
-        <p:nvPicPr>
-          <p:cNvPr id="148" name="" descr=""/>
-          <p:cNvPicPr/>
-          <p:nvPr/>
-        </p:nvPicPr>
-        <p:blipFill>
-          <a:blip r:embed="rId2"/>
-          <a:stretch/>
-        </p:blipFill>
-        <p:spPr>
-          <a:xfrm>
-            <a:off x="4212000" y="1441080"/>
-            <a:ext cx="7847280" cy="4404960"/>
-          </a:xfrm>
-          <a:prstGeom prst="rect">
-            <a:avLst/>
-          </a:prstGeom>
-          <a:ln w="0">
-            <a:noFill/>
-          </a:ln>
-        </p:spPr>
-      </p:pic>
-    </p:spTree>
-  </p:cSld>
-  <mc:AlternateContent>
-    <mc:Choice Requires="p14">
-      <p:transition spd="slow" p14:dur="2000"/>
-    </mc:Choice>
-    <mc:Fallback>
-      <p:transition spd="slow"/>
-    </mc:Fallback>
-  </mc:AlternateContent>
-</p:sld>
-</file>
-
-<file path=ppt/slides/slide12.xml><?xml version="1.0" encoding="utf-8"?>
-<p:sld xmlns:a="http://schemas.openxmlformats.org/drawingml/2006/main" xmlns:p="http://schemas.openxmlformats.org/presentationml/2006/main" xmlns:r="http://schemas.openxmlformats.org/officeDocument/2006/relationships" xmlns:p14="http://schemas.microsoft.com/office/powerpoint/2010/main" xmlns:p15="http://schemas.microsoft.com/office/powerpoint/2012/main" xmlns:mc="http://schemas.openxmlformats.org/markup-compatibility/2006">
-  <p:cSld>
-    <p:spTree>
-      <p:nvGrpSpPr>
-        <p:cNvPr id="1" name=""/>
-        <p:cNvGrpSpPr/>
-        <p:nvPr/>
-      </p:nvGrpSpPr>
-      <p:grpSpPr>
-        <a:xfrm>
-          <a:off x="0" y="0"/>
-          <a:ext cx="0" cy="0"/>
-          <a:chOff x="0" y="0"/>
-          <a:chExt cx="0" cy="0"/>
-        </a:xfrm>
-      </p:grpSpPr>
-      <p:sp>
-        <p:nvSpPr>
-          <p:cNvPr id="149" name="PlaceHolder 1"/>
-          <p:cNvSpPr>
-            <a:spLocks noGrp="1"/>
-          </p:cNvSpPr>
-          <p:nvPr>
-            <p:ph type="title"/>
-          </p:nvPr>
-        </p:nvSpPr>
-        <p:spPr>
-          <a:xfrm>
-            <a:off x="322560" y="180720"/>
-            <a:ext cx="11595240" cy="930600"/>
-          </a:xfrm>
-          <a:prstGeom prst="rect">
-            <a:avLst/>
-          </a:prstGeom>
-          <a:noFill/>
-          <a:ln w="0">
-            <a:noFill/>
-          </a:ln>
-        </p:spPr>
-        <p:txBody>
-          <a:bodyPr lIns="109800" rIns="109800" tIns="109800" bIns="91440" anchor="ctr">
-            <a:noAutofit/>
-          </a:bodyPr>
-          <a:p>
-            <a:pPr>
-              <a:lnSpc>
-                <a:spcPct val="150000"/>
-              </a:lnSpc>
-              <a:buNone/>
-            </a:pPr>
-            <a:r>
-              <a:rPr b="1" lang="it-IT" sz="3600" spc="111" strike="noStrike">
-                <a:solidFill>
-                  <a:srgbClr val="ffffff"/>
-                </a:solidFill>
-                <a:latin typeface="Meiryo"/>
-              </a:rPr>
-              <a:t>Stakeholder: Verify authenticity in BC</a:t>
-            </a:r>
-            <a:endParaRPr b="0" lang="it-IT" sz="3600" spc="-1" strike="noStrike">
-              <a:latin typeface="Arial"/>
-            </a:endParaRPr>
-          </a:p>
-        </p:txBody>
-      </p:sp>
-      <p:sp>
-        <p:nvSpPr>
-          <p:cNvPr id="150" name="PlaceHolder 2"/>
-          <p:cNvSpPr>
-            <a:spLocks noGrp="1"/>
-          </p:cNvSpPr>
-          <p:nvPr>
-            <p:ph type="sldNum" idx="18"/>
-          </p:nvPr>
-        </p:nvSpPr>
-        <p:spPr>
-          <a:xfrm>
-            <a:off x="10569240" y="6309360"/>
-            <a:ext cx="974880" cy="452160"/>
-          </a:xfrm>
-          <a:prstGeom prst="rect">
-            <a:avLst/>
-          </a:prstGeom>
-          <a:noFill/>
-          <a:ln w="0">
-            <a:noFill/>
-          </a:ln>
-        </p:spPr>
-        <p:txBody>
-          <a:bodyPr lIns="109800" rIns="109800" tIns="109800" bIns="91440" anchor="b">
-            <a:noAutofit/>
-          </a:bodyPr>
-          <a:lstStyle>
-            <a:lvl1pPr algn="r">
-              <a:lnSpc>
-                <a:spcPct val="100000"/>
-              </a:lnSpc>
-              <a:buNone/>
-              <a:defRPr b="1" lang="en-US" sz="1600" spc="111" strike="noStrike">
-                <a:solidFill>
-                  <a:srgbClr val="404040"/>
-                </a:solidFill>
-                <a:latin typeface="Meiryo"/>
-              </a:defRPr>
-            </a:lvl1pPr>
-          </a:lstStyle>
-          <a:p>
-            <a:pPr algn="r">
-              <a:lnSpc>
-                <a:spcPct val="100000"/>
-              </a:lnSpc>
-              <a:buNone/>
-            </a:pPr>
-            <a:fld id="{1E25DEF8-4AF7-47A3-AA85-5AD658945A90}" type="slidenum">
-              <a:rPr b="1" lang="en-US" sz="1600" spc="111" strike="noStrike">
-                <a:solidFill>
-                  <a:srgbClr val="404040"/>
-                </a:solidFill>
-                <a:latin typeface="Meiryo"/>
-              </a:rPr>
-              <a:t>&lt;number&gt;</a:t>
-            </a:fld>
-            <a:endParaRPr b="0" lang="it-IT" sz="1600" spc="-1" strike="noStrike">
-              <a:latin typeface="Times New Roman"/>
-            </a:endParaRPr>
-          </a:p>
-        </p:txBody>
-      </p:sp>
-      <p:sp>
-        <p:nvSpPr>
-          <p:cNvPr id="151" name="CasellaDiTesto 11"/>
-          <p:cNvSpPr/>
-          <p:nvPr/>
-        </p:nvSpPr>
-        <p:spPr>
-          <a:xfrm>
-            <a:off x="528840" y="1441080"/>
-            <a:ext cx="11015280" cy="4096800"/>
-          </a:xfrm>
-          <a:prstGeom prst="rect">
-            <a:avLst/>
-          </a:prstGeom>
-          <a:noFill/>
-          <a:ln w="0">
-            <a:noFill/>
-          </a:ln>
-        </p:spPr>
-        <p:style>
-          <a:lnRef idx="0"/>
-          <a:fillRef idx="0"/>
-          <a:effectRef idx="0"/>
-          <a:fontRef idx="minor"/>
-        </p:style>
-      </p:sp>
-      <p:pic>
-        <p:nvPicPr>
-          <p:cNvPr id="152" name="" descr=""/>
-          <p:cNvPicPr/>
-          <p:nvPr/>
-        </p:nvPicPr>
-        <p:blipFill>
-          <a:blip r:embed="rId1"/>
-          <a:stretch/>
-        </p:blipFill>
-        <p:spPr>
-          <a:xfrm>
-            <a:off x="-108360" y="1344240"/>
-            <a:ext cx="6587640" cy="4775040"/>
-          </a:xfrm>
-          <a:prstGeom prst="rect">
-            <a:avLst/>
-          </a:prstGeom>
-          <a:ln w="0">
-            <a:noFill/>
-          </a:ln>
-        </p:spPr>
-      </p:pic>
-      <p:pic>
-        <p:nvPicPr>
-          <p:cNvPr id="153" name="" descr=""/>
-          <p:cNvPicPr/>
-          <p:nvPr/>
-        </p:nvPicPr>
-        <p:blipFill>
-          <a:blip r:embed="rId2"/>
-          <a:stretch/>
-        </p:blipFill>
-        <p:spPr>
-          <a:xfrm>
-            <a:off x="7020000" y="1441080"/>
-            <a:ext cx="4319280" cy="4668840"/>
-          </a:xfrm>
-          <a:prstGeom prst="rect">
-            <a:avLst/>
-          </a:prstGeom>
-          <a:ln w="0">
-            <a:noFill/>
-          </a:ln>
-        </p:spPr>
-      </p:pic>
-    </p:spTree>
-  </p:cSld>
-  <mc:AlternateContent>
-    <mc:Choice Requires="p14">
-      <p:transition spd="slow" p14:dur="2000"/>
-    </mc:Choice>
-    <mc:Fallback>
-      <p:transition spd="slow"/>
-    </mc:Fallback>
-  </mc:AlternateContent>
-</p:sld>
-</file>
-
-<file path=ppt/slides/slide13.xml><?xml version="1.0" encoding="utf-8"?>
-<p:sld xmlns:a="http://schemas.openxmlformats.org/drawingml/2006/main" xmlns:p="http://schemas.openxmlformats.org/presentationml/2006/main" xmlns:r="http://schemas.openxmlformats.org/officeDocument/2006/relationships" xmlns:p14="http://schemas.microsoft.com/office/powerpoint/2010/main" xmlns:p15="http://schemas.microsoft.com/office/powerpoint/2012/main" xmlns:mc="http://schemas.openxmlformats.org/markup-compatibility/2006">
-  <p:cSld>
-    <p:spTree>
-      <p:nvGrpSpPr>
-        <p:cNvPr id="1" name=""/>
-        <p:cNvGrpSpPr/>
-        <p:nvPr/>
-      </p:nvGrpSpPr>
-      <p:grpSpPr>
-        <a:xfrm>
-          <a:off x="0" y="0"/>
-          <a:ext cx="0" cy="0"/>
-          <a:chOff x="0" y="0"/>
-          <a:chExt cx="0" cy="0"/>
-        </a:xfrm>
-      </p:grpSpPr>
-      <p:sp>
-        <p:nvSpPr>
-          <p:cNvPr id="154" name="PlaceHolder 1"/>
-          <p:cNvSpPr>
-            <a:spLocks noGrp="1"/>
-          </p:cNvSpPr>
-          <p:nvPr>
-            <p:ph type="title"/>
-          </p:nvPr>
-        </p:nvSpPr>
-        <p:spPr>
-          <a:xfrm>
-            <a:off x="322560" y="180720"/>
-            <a:ext cx="11595240" cy="930600"/>
-          </a:xfrm>
-          <a:prstGeom prst="rect">
-            <a:avLst/>
-          </a:prstGeom>
-          <a:noFill/>
-          <a:ln w="0">
-            <a:noFill/>
-          </a:ln>
-        </p:spPr>
-        <p:txBody>
-          <a:bodyPr lIns="109800" rIns="109800" tIns="109800" bIns="91440" anchor="ctr">
-            <a:noAutofit/>
-          </a:bodyPr>
-          <a:p>
-            <a:pPr>
-              <a:lnSpc>
-                <a:spcPct val="150000"/>
-              </a:lnSpc>
-              <a:buNone/>
-            </a:pPr>
-            <a:r>
-              <a:rPr b="1" lang="it-IT" sz="3600" spc="111" strike="noStrike">
-                <a:solidFill>
-                  <a:srgbClr val="ffffff"/>
-                </a:solidFill>
-                <a:latin typeface="Meiryo"/>
-              </a:rPr>
-              <a:t>MVP Architecure</a:t>
-            </a:r>
-            <a:endParaRPr b="0" lang="it-IT" sz="3600" spc="-1" strike="noStrike">
-              <a:latin typeface="Arial"/>
-            </a:endParaRPr>
-          </a:p>
-        </p:txBody>
-      </p:sp>
-      <p:sp>
-        <p:nvSpPr>
-          <p:cNvPr id="155" name="PlaceHolder 2"/>
-          <p:cNvSpPr>
-            <a:spLocks noGrp="1"/>
-          </p:cNvSpPr>
-          <p:nvPr>
-            <p:ph type="sldNum" idx="19"/>
-          </p:nvPr>
-        </p:nvSpPr>
-        <p:spPr>
-          <a:xfrm>
-            <a:off x="10569240" y="6309360"/>
-            <a:ext cx="974880" cy="452160"/>
-          </a:xfrm>
-          <a:prstGeom prst="rect">
-            <a:avLst/>
-          </a:prstGeom>
-          <a:noFill/>
-          <a:ln w="0">
-            <a:noFill/>
-          </a:ln>
-        </p:spPr>
-        <p:txBody>
-          <a:bodyPr lIns="109800" rIns="109800" tIns="109800" bIns="91440" anchor="b">
-            <a:noAutofit/>
-          </a:bodyPr>
-          <a:lstStyle>
-            <a:lvl1pPr algn="r">
-              <a:lnSpc>
-                <a:spcPct val="100000"/>
-              </a:lnSpc>
-              <a:buNone/>
-              <a:defRPr b="1" lang="en-US" sz="1600" spc="111" strike="noStrike">
-                <a:solidFill>
-                  <a:srgbClr val="404040"/>
-                </a:solidFill>
-                <a:latin typeface="Meiryo"/>
-              </a:defRPr>
-            </a:lvl1pPr>
-          </a:lstStyle>
-          <a:p>
-            <a:pPr algn="r">
-              <a:lnSpc>
-                <a:spcPct val="100000"/>
-              </a:lnSpc>
-              <a:buNone/>
-            </a:pPr>
-            <a:fld id="{C32B324D-4CBF-430B-AC18-2B6DA572C152}" type="slidenum">
-              <a:rPr b="1" lang="en-US" sz="1600" spc="111" strike="noStrike">
-                <a:solidFill>
-                  <a:srgbClr val="404040"/>
-                </a:solidFill>
-                <a:latin typeface="Meiryo"/>
-              </a:rPr>
-              <a:t>&lt;number&gt;</a:t>
-            </a:fld>
-            <a:endParaRPr b="0" lang="it-IT" sz="1600" spc="-1" strike="noStrike">
-              <a:latin typeface="Times New Roman"/>
-            </a:endParaRPr>
-          </a:p>
-        </p:txBody>
-      </p:sp>
-      <p:sp>
-        <p:nvSpPr>
-          <p:cNvPr id="156" name="CasellaDiTesto 2"/>
-          <p:cNvSpPr/>
-          <p:nvPr/>
-        </p:nvSpPr>
-        <p:spPr>
-          <a:xfrm>
-            <a:off x="528840" y="1441080"/>
-            <a:ext cx="11015280" cy="719280"/>
-          </a:xfrm>
-          <a:prstGeom prst="rect">
-            <a:avLst/>
-          </a:prstGeom>
-          <a:noFill/>
-          <a:ln w="0">
-            <a:noFill/>
-          </a:ln>
-        </p:spPr>
-        <p:style>
-          <a:lnRef idx="0"/>
-          <a:fillRef idx="0"/>
-          <a:effectRef idx="0"/>
-          <a:fontRef idx="minor"/>
-        </p:style>
-        <p:txBody>
-          <a:bodyPr lIns="90000" rIns="90000" tIns="45000" bIns="45000" anchor="t">
-            <a:spAutoFit/>
-          </a:bodyPr>
-          <a:p>
-            <a:pPr marL="274320" indent="-228600" algn="just">
-              <a:lnSpc>
-                <a:spcPct val="90000"/>
-              </a:lnSpc>
-              <a:spcBef>
-                <a:spcPts val="451"/>
-              </a:spcBef>
-              <a:buNone/>
-              <a:tabLst>
-                <a:tab algn="l" pos="0"/>
-              </a:tabLst>
-            </a:pPr>
-            <a:endParaRPr b="0" lang="it-IT" sz="1600" spc="-1" strike="noStrike">
-              <a:latin typeface="Arial"/>
-            </a:endParaRPr>
-          </a:p>
-          <a:p>
-            <a:pPr marL="502920" indent="-228600" algn="just">
-              <a:lnSpc>
-                <a:spcPct val="90000"/>
-              </a:lnSpc>
-              <a:spcBef>
-                <a:spcPts val="451"/>
-              </a:spcBef>
-              <a:buNone/>
-              <a:tabLst>
-                <a:tab algn="l" pos="0"/>
-              </a:tabLst>
-            </a:pPr>
-            <a:endParaRPr b="0" lang="it-IT" sz="2400" spc="-1" strike="noStrike">
-              <a:latin typeface="Arial"/>
-            </a:endParaRPr>
-          </a:p>
-        </p:txBody>
-      </p:sp>
-      <p:pic>
-        <p:nvPicPr>
-          <p:cNvPr id="157" name="" descr=""/>
-          <p:cNvPicPr/>
-          <p:nvPr/>
-        </p:nvPicPr>
-        <p:blipFill>
-          <a:blip r:embed="rId1"/>
-          <a:stretch/>
-        </p:blipFill>
-        <p:spPr>
-          <a:xfrm>
-            <a:off x="5490000" y="343080"/>
-            <a:ext cx="6701760" cy="6856560"/>
-          </a:xfrm>
-          <a:prstGeom prst="rect">
-            <a:avLst/>
-          </a:prstGeom>
-          <a:ln w="0">
-            <a:noFill/>
-          </a:ln>
-        </p:spPr>
-      </p:pic>
-      <p:sp>
-        <p:nvSpPr>
-          <p:cNvPr id="158" name=""/>
-          <p:cNvSpPr/>
-          <p:nvPr/>
-        </p:nvSpPr>
-        <p:spPr>
-          <a:xfrm>
-            <a:off x="384840" y="5220000"/>
-            <a:ext cx="4654800" cy="601920"/>
-          </a:xfrm>
-          <a:prstGeom prst="rect">
-            <a:avLst/>
-          </a:prstGeom>
-          <a:noFill/>
-          <a:ln w="0">
-            <a:noFill/>
-          </a:ln>
-        </p:spPr>
-        <p:style>
-          <a:lnRef idx="0"/>
-          <a:fillRef idx="0"/>
-          <a:effectRef idx="0"/>
-          <a:fontRef idx="minor"/>
-        </p:style>
-        <p:txBody>
-          <a:bodyPr lIns="90000" rIns="90000" tIns="45000" bIns="45000" anchor="t">
-            <a:noAutofit/>
-          </a:bodyPr>
-          <a:p>
-            <a:pPr>
-              <a:lnSpc>
-                <a:spcPct val="100000"/>
-              </a:lnSpc>
-              <a:buNone/>
-            </a:pPr>
-            <a:r>
-              <a:rPr b="0" lang="it-IT" sz="1800" spc="-1" strike="noStrike">
-                <a:latin typeface="Arial"/>
-              </a:rPr>
-              <a:t>MVP in mainnet:</a:t>
-            </a:r>
-            <a:endParaRPr b="0" lang="it-IT" sz="1800" spc="-1" strike="noStrike">
-              <a:latin typeface="Arial"/>
-            </a:endParaRPr>
-          </a:p>
-          <a:p>
-            <a:pPr>
-              <a:lnSpc>
-                <a:spcPct val="100000"/>
-              </a:lnSpc>
-              <a:buNone/>
-            </a:pPr>
-            <a:r>
-              <a:rPr b="0" lang="it-IT" sz="1800" spc="-1" strike="noStrike">
-                <a:latin typeface="Arial"/>
-              </a:rPr>
-              <a:t>https://way7l-iqaaa-aaaan-qmfoa-cai.icp0.io/</a:t>
-            </a:r>
-            <a:endParaRPr b="0" lang="it-IT" sz="1800" spc="-1" strike="noStrike">
-              <a:latin typeface="Arial"/>
-            </a:endParaRPr>
-          </a:p>
-        </p:txBody>
-      </p:sp>
-    </p:spTree>
-  </p:cSld>
-  <mc:AlternateContent>
-    <mc:Choice Requires="p14">
-      <p:transition spd="slow" p14:dur="2000"/>
-    </mc:Choice>
-    <mc:Fallback>
-      <p:transition spd="slow"/>
-    </mc:Fallback>
-  </mc:AlternateContent>
-</p:sld>
-</file>
-
-<file path=ppt/slides/slide14.xml><?xml version="1.0" encoding="utf-8"?>
-<p:sld xmlns:a="http://schemas.openxmlformats.org/drawingml/2006/main" xmlns:p="http://schemas.openxmlformats.org/presentationml/2006/main" xmlns:r="http://schemas.openxmlformats.org/officeDocument/2006/relationships" xmlns:p14="http://schemas.microsoft.com/office/powerpoint/2010/main" xmlns:p15="http://schemas.microsoft.com/office/powerpoint/2012/main" xmlns:mc="http://schemas.openxmlformats.org/markup-compatibility/2006">
-  <p:cSld>
-    <p:spTree>
-      <p:nvGrpSpPr>
-        <p:cNvPr id="1" name=""/>
-        <p:cNvGrpSpPr/>
-        <p:nvPr/>
-      </p:nvGrpSpPr>
-      <p:grpSpPr>
-        <a:xfrm>
-          <a:off x="0" y="0"/>
-          <a:ext cx="0" cy="0"/>
-          <a:chOff x="0" y="0"/>
-          <a:chExt cx="0" cy="0"/>
-        </a:xfrm>
-      </p:grpSpPr>
-      <p:sp>
-        <p:nvSpPr>
-          <p:cNvPr id="159" name="PlaceHolder 1"/>
-          <p:cNvSpPr>
-            <a:spLocks noGrp="1"/>
-          </p:cNvSpPr>
-          <p:nvPr>
-            <p:ph type="title"/>
-          </p:nvPr>
-        </p:nvSpPr>
-        <p:spPr>
-          <a:xfrm>
-            <a:off x="322560" y="180720"/>
-            <a:ext cx="11595240" cy="930600"/>
-          </a:xfrm>
-          <a:prstGeom prst="rect">
-            <a:avLst/>
-          </a:prstGeom>
-          <a:noFill/>
-          <a:ln w="0">
-            <a:noFill/>
-          </a:ln>
-        </p:spPr>
-        <p:txBody>
-          <a:bodyPr lIns="109800" rIns="109800" tIns="109800" bIns="91440" anchor="ctr">
-            <a:noAutofit/>
-          </a:bodyPr>
-          <a:p>
-            <a:pPr>
-              <a:lnSpc>
-                <a:spcPct val="150000"/>
-              </a:lnSpc>
-              <a:buNone/>
-            </a:pPr>
-            <a:r>
-              <a:rPr b="1" lang="it-IT" sz="3600" spc="111" strike="noStrike">
-                <a:solidFill>
-                  <a:srgbClr val="ffffff"/>
-                </a:solidFill>
-                <a:latin typeface="Meiryo"/>
-              </a:rPr>
-              <a:t>Final Product needs</a:t>
-            </a:r>
-            <a:endParaRPr b="0" lang="it-IT" sz="3600" spc="-1" strike="noStrike">
-              <a:latin typeface="Arial"/>
-            </a:endParaRPr>
-          </a:p>
-        </p:txBody>
-      </p:sp>
-      <p:sp>
-        <p:nvSpPr>
-          <p:cNvPr id="160" name="PlaceHolder 2"/>
-          <p:cNvSpPr>
-            <a:spLocks noGrp="1"/>
-          </p:cNvSpPr>
-          <p:nvPr>
-            <p:ph type="sldNum" idx="20"/>
-          </p:nvPr>
-        </p:nvSpPr>
-        <p:spPr>
-          <a:xfrm>
-            <a:off x="10569240" y="6309360"/>
-            <a:ext cx="974880" cy="452160"/>
-          </a:xfrm>
-          <a:prstGeom prst="rect">
-            <a:avLst/>
-          </a:prstGeom>
-          <a:noFill/>
-          <a:ln w="0">
-            <a:noFill/>
-          </a:ln>
-        </p:spPr>
-        <p:txBody>
-          <a:bodyPr lIns="109800" rIns="109800" tIns="109800" bIns="91440" anchor="b">
-            <a:noAutofit/>
-          </a:bodyPr>
-          <a:lstStyle>
-            <a:lvl1pPr algn="r">
-              <a:lnSpc>
-                <a:spcPct val="100000"/>
-              </a:lnSpc>
-              <a:buNone/>
-              <a:defRPr b="1" lang="en-US" sz="1600" spc="111" strike="noStrike">
-                <a:solidFill>
-                  <a:srgbClr val="404040"/>
-                </a:solidFill>
-                <a:latin typeface="Meiryo"/>
-              </a:defRPr>
-            </a:lvl1pPr>
-          </a:lstStyle>
-          <a:p>
-            <a:pPr algn="r">
-              <a:lnSpc>
-                <a:spcPct val="100000"/>
-              </a:lnSpc>
-              <a:buNone/>
-            </a:pPr>
-            <a:fld id="{1AC54FBF-BE1B-40BD-B696-948C10F2D17A}" type="slidenum">
-              <a:rPr b="1" lang="en-US" sz="1600" spc="111" strike="noStrike">
-                <a:solidFill>
-                  <a:srgbClr val="404040"/>
-                </a:solidFill>
-                <a:latin typeface="Meiryo"/>
-              </a:rPr>
-              <a:t>&lt;number&gt;</a:t>
-            </a:fld>
-            <a:endParaRPr b="0" lang="it-IT" sz="1600" spc="-1" strike="noStrike">
-              <a:latin typeface="Times New Roman"/>
-            </a:endParaRPr>
-          </a:p>
-        </p:txBody>
-      </p:sp>
-      <p:sp>
-        <p:nvSpPr>
-          <p:cNvPr id="161" name="CasellaDiTesto 4"/>
-          <p:cNvSpPr/>
-          <p:nvPr/>
-        </p:nvSpPr>
-        <p:spPr>
-          <a:xfrm>
-            <a:off x="528840" y="1441080"/>
-            <a:ext cx="11015280" cy="5240160"/>
+            <a:ext cx="11014920" cy="5240160"/>
           </a:xfrm>
           <a:prstGeom prst="rect">
             <a:avLst/>
@@ -7816,7 +6901,7 @@
         <p:spPr>
           <a:xfrm>
             <a:off x="322560" y="180720"/>
-            <a:ext cx="11595240" cy="930600"/>
+            <a:ext cx="11594880" cy="930240"/>
           </a:xfrm>
           <a:prstGeom prst="rect">
             <a:avLst/>
@@ -7838,7 +6923,7 @@
               <a:buNone/>
             </a:pPr>
             <a:r>
-              <a:rPr b="1" lang="it-IT" sz="3600" spc="111" strike="noStrike">
+              <a:rPr b="1" lang="it-IT" sz="3600" spc="109" strike="noStrike">
                 <a:solidFill>
                   <a:srgbClr val="ffffff"/>
                 </a:solidFill>
@@ -7865,7 +6950,7 @@
         <p:spPr>
           <a:xfrm>
             <a:off x="10569240" y="6309360"/>
-            <a:ext cx="974880" cy="452160"/>
+            <a:ext cx="974520" cy="451800"/>
           </a:xfrm>
           <a:prstGeom prst="rect">
             <a:avLst/>
@@ -7885,7 +6970,7 @@
                 <a:spcPct val="100000"/>
               </a:lnSpc>
               <a:buNone/>
-              <a:defRPr b="1" lang="en-US" sz="1600" spc="111" strike="noStrike">
+              <a:defRPr b="1" lang="en-US" sz="1600" spc="109" strike="noStrike">
                 <a:solidFill>
                   <a:srgbClr val="404040"/>
                 </a:solidFill>
@@ -7900,14 +6985,14 @@
               </a:lnSpc>
               <a:buNone/>
             </a:pPr>
-            <a:fld id="{596010B5-7644-4B29-B69C-FEB5C1D4E1D7}" type="slidenum">
-              <a:rPr b="1" lang="en-US" sz="1600" spc="111" strike="noStrike">
+            <a:fld id="{D59BFA1C-FC9A-4FE7-80A1-061623BAA89A}" type="slidenum">
+              <a:rPr b="1" lang="en-US" sz="1600" spc="109" strike="noStrike">
                 <a:solidFill>
                   <a:srgbClr val="404040"/>
                 </a:solidFill>
                 <a:latin typeface="Meiryo"/>
               </a:rPr>
-              <a:t>&lt;number&gt;</a:t>
+              <a:t>1</a:t>
             </a:fld>
             <a:endParaRPr b="0" lang="it-IT" sz="1600" spc="-1" strike="noStrike">
               <a:latin typeface="Times New Roman"/>
@@ -7924,7 +7009,7 @@
         <p:spPr>
           <a:xfrm>
             <a:off x="528840" y="1441080"/>
-            <a:ext cx="11015280" cy="2865240"/>
+            <a:ext cx="11014920" cy="2865240"/>
           </a:xfrm>
           <a:prstGeom prst="rect">
             <a:avLst/>
@@ -8057,7 +7142,27 @@
                 <a:latin typeface="Meiryo"/>
                 <a:ea typeface="DejaVu Sans"/>
               </a:rPr>
-              <a:t>The bond is made up of two elements: the genetic ink on the artwork and its digital representation on the IC Blockchain</a:t>
+              <a:t>The bond (our </a:t>
+            </a:r>
+            <a:r>
+              <a:rPr b="1" i="1" lang="it-IT" sz="2400" spc="-1" strike="noStrike">
+                <a:solidFill>
+                  <a:srgbClr val="595959"/>
+                </a:solidFill>
+                <a:latin typeface="Meiryo"/>
+                <a:ea typeface="DejaVu Sans"/>
+              </a:rPr>
+              <a:t>Signature Kit</a:t>
+            </a:r>
+            <a:r>
+              <a:rPr b="0" lang="it-IT" sz="2400" spc="-1" strike="noStrike">
+                <a:solidFill>
+                  <a:srgbClr val="595959"/>
+                </a:solidFill>
+                <a:latin typeface="Meiryo"/>
+                <a:ea typeface="DejaVu Sans"/>
+              </a:rPr>
+              <a:t>) is made up of two elements: the genetic ink on the artwork and its digital representation on the IC Blockchain</a:t>
             </a:r>
             <a:endParaRPr b="0" lang="it-IT" sz="2400" spc="-1" strike="noStrike">
               <a:latin typeface="Arial"/>
@@ -8176,7 +7281,7 @@
         <p:spPr>
           <a:xfrm>
             <a:off x="322560" y="180720"/>
-            <a:ext cx="11595240" cy="930600"/>
+            <a:ext cx="11594880" cy="930240"/>
           </a:xfrm>
           <a:prstGeom prst="rect">
             <a:avLst/>
@@ -8198,7 +7303,7 @@
               <a:buNone/>
             </a:pPr>
             <a:r>
-              <a:rPr b="1" lang="it-IT" sz="3600" spc="111" strike="noStrike">
+              <a:rPr b="1" lang="it-IT" sz="3600" spc="109" strike="noStrike">
                 <a:solidFill>
                   <a:srgbClr val="ffffff"/>
                 </a:solidFill>
@@ -8225,7 +7330,7 @@
         <p:spPr>
           <a:xfrm>
             <a:off x="10569240" y="6309360"/>
-            <a:ext cx="974880" cy="452160"/>
+            <a:ext cx="974520" cy="451800"/>
           </a:xfrm>
           <a:prstGeom prst="rect">
             <a:avLst/>
@@ -8245,7 +7350,7 @@
                 <a:spcPct val="100000"/>
               </a:lnSpc>
               <a:buNone/>
-              <a:defRPr b="1" lang="en-US" sz="1600" spc="111" strike="noStrike">
+              <a:defRPr b="1" lang="en-US" sz="1600" spc="109" strike="noStrike">
                 <a:solidFill>
                   <a:srgbClr val="404040"/>
                 </a:solidFill>
@@ -8260,14 +7365,14 @@
               </a:lnSpc>
               <a:buNone/>
             </a:pPr>
-            <a:fld id="{299759B1-2EFC-4AB8-91FF-4AE5DB7D2BBC}" type="slidenum">
-              <a:rPr b="1" lang="en-US" sz="1600" spc="111" strike="noStrike">
+            <a:fld id="{A2F544BD-A3ED-4081-9B3A-54181E826474}" type="slidenum">
+              <a:rPr b="1" lang="en-US" sz="1600" spc="109" strike="noStrike">
                 <a:solidFill>
                   <a:srgbClr val="404040"/>
                 </a:solidFill>
                 <a:latin typeface="Meiryo"/>
               </a:rPr>
-              <a:t>&lt;number&gt;</a:t>
+              <a:t>1</a:t>
             </a:fld>
             <a:endParaRPr b="0" lang="it-IT" sz="1600" spc="-1" strike="noStrike">
               <a:latin typeface="Times New Roman"/>
@@ -8284,7 +7389,7 @@
         <p:spPr>
           <a:xfrm>
             <a:off x="540000" y="1111680"/>
-            <a:ext cx="11015280" cy="5256360"/>
+            <a:ext cx="11014920" cy="5256360"/>
           </a:xfrm>
           <a:prstGeom prst="rect">
             <a:avLst/>
@@ -8632,7 +7737,7 @@
                 <a:latin typeface="Meiryo"/>
                 <a:ea typeface="DejaVu Sans"/>
               </a:rPr>
-              <a:t>DNA verify (xls analysis of the swab and ink position are checked against the Blockchain record)</a:t>
+              <a:t>DNA verify (analysis of the swab and ink position are checked against the Blockchain record)</a:t>
             </a:r>
             <a:endParaRPr b="0" lang="it-IT" sz="2400" spc="-1" strike="noStrike">
               <a:latin typeface="Arial"/>
@@ -8700,7 +7805,7 @@
         <p:spPr>
           <a:xfrm>
             <a:off x="322560" y="180720"/>
-            <a:ext cx="11595240" cy="930600"/>
+            <a:ext cx="11594880" cy="930240"/>
           </a:xfrm>
           <a:prstGeom prst="rect">
             <a:avLst/>
@@ -8722,13 +7827,13 @@
               <a:buNone/>
             </a:pPr>
             <a:r>
-              <a:rPr b="1" lang="it-IT" sz="3600" spc="111" strike="noStrike">
+              <a:rPr b="1" lang="it-IT" sz="3600" spc="109" strike="noStrike">
                 <a:solidFill>
                   <a:srgbClr val="ffffff"/>
                 </a:solidFill>
                 <a:latin typeface="Meiryo"/>
               </a:rPr>
-              <a:t>Laboratory: Create DNA Cartridge</a:t>
+              <a:t>Laboratory: Create Cartridge, Analyze, Load in BC</a:t>
             </a:r>
             <a:endParaRPr b="0" lang="it-IT" sz="3600" spc="-1" strike="noStrike">
               <a:latin typeface="Arial"/>
@@ -8749,7 +7854,7 @@
         <p:spPr>
           <a:xfrm>
             <a:off x="10569240" y="6309360"/>
-            <a:ext cx="974880" cy="452160"/>
+            <a:ext cx="974520" cy="451800"/>
           </a:xfrm>
           <a:prstGeom prst="rect">
             <a:avLst/>
@@ -8769,7 +7874,7 @@
                 <a:spcPct val="100000"/>
               </a:lnSpc>
               <a:buNone/>
-              <a:defRPr b="1" lang="en-US" sz="1600" spc="111" strike="noStrike">
+              <a:defRPr b="1" lang="en-US" sz="1600" spc="109" strike="noStrike">
                 <a:solidFill>
                   <a:srgbClr val="404040"/>
                 </a:solidFill>
@@ -8784,14 +7889,14 @@
               </a:lnSpc>
               <a:buNone/>
             </a:pPr>
-            <a:fld id="{53C9B808-37B6-4EE9-A4F6-295D50E3B3C4}" type="slidenum">
-              <a:rPr b="1" lang="en-US" sz="1600" spc="111" strike="noStrike">
+            <a:fld id="{2FF52F90-BF6A-4992-9FBA-C787A39840DF}" type="slidenum">
+              <a:rPr b="1" lang="en-US" sz="1600" spc="109" strike="noStrike">
                 <a:solidFill>
                   <a:srgbClr val="404040"/>
                 </a:solidFill>
                 <a:latin typeface="Meiryo"/>
               </a:rPr>
-              <a:t>&lt;number&gt;</a:t>
+              <a:t>1</a:t>
             </a:fld>
             <a:endParaRPr b="0" lang="it-IT" sz="1600" spc="-1" strike="noStrike">
               <a:latin typeface="Times New Roman"/>
@@ -8808,7 +7913,7 @@
         <p:spPr>
           <a:xfrm>
             <a:off x="528840" y="1441080"/>
-            <a:ext cx="11015280" cy="4097160"/>
+            <a:ext cx="11014920" cy="4096800"/>
           </a:xfrm>
           <a:prstGeom prst="rect">
             <a:avLst/>
@@ -8837,8 +7942,54 @@
         </p:blipFill>
         <p:spPr>
           <a:xfrm>
-            <a:off x="2880000" y="1653120"/>
-            <a:ext cx="5259600" cy="3566160"/>
+            <a:off x="0" y="1343520"/>
+            <a:ext cx="3115440" cy="3499200"/>
+          </a:xfrm>
+          <a:prstGeom prst="rect">
+            <a:avLst/>
+          </a:prstGeom>
+          <a:ln w="0">
+            <a:noFill/>
+          </a:ln>
+        </p:spPr>
+      </p:pic>
+      <p:pic>
+        <p:nvPicPr>
+          <p:cNvPr id="120" name="" descr=""/>
+          <p:cNvPicPr/>
+          <p:nvPr/>
+        </p:nvPicPr>
+        <p:blipFill>
+          <a:blip r:embed="rId2"/>
+          <a:stretch/>
+        </p:blipFill>
+        <p:spPr>
+          <a:xfrm>
+            <a:off x="2818080" y="2517840"/>
+            <a:ext cx="5821920" cy="2702160"/>
+          </a:xfrm>
+          <a:prstGeom prst="rect">
+            <a:avLst/>
+          </a:prstGeom>
+          <a:ln w="0">
+            <a:noFill/>
+          </a:ln>
+        </p:spPr>
+      </p:pic>
+      <p:pic>
+        <p:nvPicPr>
+          <p:cNvPr id="121" name="" descr=""/>
+          <p:cNvPicPr/>
+          <p:nvPr/>
+        </p:nvPicPr>
+        <p:blipFill>
+          <a:blip r:embed="rId3"/>
+          <a:stretch/>
+        </p:blipFill>
+        <p:spPr>
+          <a:xfrm>
+            <a:off x="8280000" y="3297960"/>
+            <a:ext cx="3912120" cy="2822040"/>
           </a:xfrm>
           <a:prstGeom prst="rect">
             <a:avLst/>
@@ -8880,7 +8031,7 @@
       </p:grpSpPr>
       <p:sp>
         <p:nvSpPr>
-          <p:cNvPr id="120" name="PlaceHolder 1"/>
+          <p:cNvPr id="122" name="PlaceHolder 1"/>
           <p:cNvSpPr>
             <a:spLocks noGrp="1"/>
           </p:cNvSpPr>
@@ -8891,7 +8042,7 @@
         <p:spPr>
           <a:xfrm>
             <a:off x="322560" y="180720"/>
-            <a:ext cx="11595240" cy="930600"/>
+            <a:ext cx="11594880" cy="930240"/>
           </a:xfrm>
           <a:prstGeom prst="rect">
             <a:avLst/>
@@ -8913,13 +8064,13 @@
               <a:buNone/>
             </a:pPr>
             <a:r>
-              <a:rPr b="1" lang="it-IT" sz="3600" spc="111" strike="noStrike">
+              <a:rPr b="1" lang="it-IT" sz="3600" spc="109" strike="noStrike">
                 <a:solidFill>
                   <a:srgbClr val="ffffff"/>
                 </a:solidFill>
                 <a:latin typeface="Meiryo"/>
               </a:rPr>
-              <a:t>Laboratory: Perform Analysis</a:t>
+              <a:t>Owner: Create Archive, documents and images</a:t>
             </a:r>
             <a:endParaRPr b="0" lang="it-IT" sz="3600" spc="-1" strike="noStrike">
               <a:latin typeface="Arial"/>
@@ -8929,7 +8080,7 @@
       </p:sp>
       <p:sp>
         <p:nvSpPr>
-          <p:cNvPr id="121" name="PlaceHolder 2"/>
+          <p:cNvPr id="123" name="PlaceHolder 2"/>
           <p:cNvSpPr>
             <a:spLocks noGrp="1"/>
           </p:cNvSpPr>
@@ -8940,7 +8091,7 @@
         <p:spPr>
           <a:xfrm>
             <a:off x="10569240" y="6309360"/>
-            <a:ext cx="974880" cy="452160"/>
+            <a:ext cx="974520" cy="451800"/>
           </a:xfrm>
           <a:prstGeom prst="rect">
             <a:avLst/>
@@ -8960,7 +8111,7 @@
                 <a:spcPct val="100000"/>
               </a:lnSpc>
               <a:buNone/>
-              <a:defRPr b="1" lang="en-US" sz="1600" spc="111" strike="noStrike">
+              <a:defRPr b="1" lang="en-US" sz="1600" spc="109" strike="noStrike">
                 <a:solidFill>
                   <a:srgbClr val="404040"/>
                 </a:solidFill>
@@ -8975,14 +8126,14 @@
               </a:lnSpc>
               <a:buNone/>
             </a:pPr>
-            <a:fld id="{402691FF-F193-4B33-AF2A-845A7C7C0077}" type="slidenum">
-              <a:rPr b="1" lang="en-US" sz="1600" spc="111" strike="noStrike">
+            <a:fld id="{1345055F-3598-4B8B-9FD3-159BA2323D0F}" type="slidenum">
+              <a:rPr b="1" lang="en-US" sz="1600" spc="109" strike="noStrike">
                 <a:solidFill>
                   <a:srgbClr val="404040"/>
                 </a:solidFill>
                 <a:latin typeface="Meiryo"/>
               </a:rPr>
-              <a:t>&lt;number&gt;</a:t>
+              <a:t>1</a:t>
             </a:fld>
             <a:endParaRPr b="0" lang="it-IT" sz="1600" spc="-1" strike="noStrike">
               <a:latin typeface="Times New Roman"/>
@@ -8992,14 +8143,14 @@
       </p:sp>
       <p:sp>
         <p:nvSpPr>
-          <p:cNvPr id="122" name="CasellaDiTesto 6"/>
+          <p:cNvPr id="124" name="CasellaDiTesto 8"/>
           <p:cNvSpPr/>
           <p:nvPr/>
         </p:nvSpPr>
         <p:spPr>
           <a:xfrm>
             <a:off x="528840" y="1441080"/>
-            <a:ext cx="11015280" cy="4096800"/>
+            <a:ext cx="11014920" cy="4096440"/>
           </a:xfrm>
           <a:prstGeom prst="rect">
             <a:avLst/>
@@ -9018,7 +8169,7 @@
       </p:sp>
       <p:pic>
         <p:nvPicPr>
-          <p:cNvPr id="123" name="" descr=""/>
+          <p:cNvPr id="125" name="" descr=""/>
           <p:cNvPicPr/>
           <p:nvPr/>
         </p:nvPicPr>
@@ -9028,8 +8179,31 @@
         </p:blipFill>
         <p:spPr>
           <a:xfrm>
-            <a:off x="720000" y="1584720"/>
-            <a:ext cx="9029880" cy="3814560"/>
+            <a:off x="0" y="1440000"/>
+            <a:ext cx="6660000" cy="4663440"/>
+          </a:xfrm>
+          <a:prstGeom prst="rect">
+            <a:avLst/>
+          </a:prstGeom>
+          <a:ln w="0">
+            <a:noFill/>
+          </a:ln>
+        </p:spPr>
+      </p:pic>
+      <p:pic>
+        <p:nvPicPr>
+          <p:cNvPr id="126" name="" descr=""/>
+          <p:cNvPicPr/>
+          <p:nvPr/>
+        </p:nvPicPr>
+        <p:blipFill>
+          <a:blip r:embed="rId2"/>
+          <a:stretch/>
+        </p:blipFill>
+        <p:spPr>
+          <a:xfrm>
+            <a:off x="6705360" y="1456560"/>
+            <a:ext cx="5534640" cy="4483440"/>
           </a:xfrm>
           <a:prstGeom prst="rect">
             <a:avLst/>
@@ -9071,7 +8245,7 @@
       </p:grpSpPr>
       <p:sp>
         <p:nvSpPr>
-          <p:cNvPr id="124" name="PlaceHolder 1"/>
+          <p:cNvPr id="127" name="PlaceHolder 1"/>
           <p:cNvSpPr>
             <a:spLocks noGrp="1"/>
           </p:cNvSpPr>
@@ -9082,7 +8256,7 @@
         <p:spPr>
           <a:xfrm>
             <a:off x="322560" y="180720"/>
-            <a:ext cx="11595240" cy="930600"/>
+            <a:ext cx="11594880" cy="930240"/>
           </a:xfrm>
           <a:prstGeom prst="rect">
             <a:avLst/>
@@ -9104,23 +8278,23 @@
               <a:buNone/>
             </a:pPr>
             <a:r>
-              <a:rPr b="1" lang="it-IT" sz="3600" spc="111" strike="noStrike">
+              <a:rPr b="1" lang="it-IT" sz="2400" spc="109" strike="noStrike">
                 <a:solidFill>
                   <a:srgbClr val="ffffff"/>
                 </a:solidFill>
                 <a:latin typeface="Meiryo"/>
               </a:rPr>
-              <a:t>Laboratory: Insert DNA in BC</a:t>
-            </a:r>
-            <a:endParaRPr b="0" lang="it-IT" sz="3600" spc="-1" strike="noStrike">
-              <a:latin typeface="Arial"/>
-            </a:endParaRPr>
-          </a:p>
-        </p:txBody>
-      </p:sp>
-      <p:sp>
-        <p:nvSpPr>
-          <p:cNvPr id="125" name="PlaceHolder 2"/>
+              <a:t>Owner, using the Signature Kit: put the genetic ink on the opera and in BC</a:t>
+            </a:r>
+            <a:endParaRPr b="0" lang="it-IT" sz="2400" spc="-1" strike="noStrike">
+              <a:latin typeface="Arial"/>
+            </a:endParaRPr>
+          </a:p>
+        </p:txBody>
+      </p:sp>
+      <p:sp>
+        <p:nvSpPr>
+          <p:cNvPr id="128" name="PlaceHolder 2"/>
           <p:cNvSpPr>
             <a:spLocks noGrp="1"/>
           </p:cNvSpPr>
@@ -9131,7 +8305,7 @@
         <p:spPr>
           <a:xfrm>
             <a:off x="10569240" y="6309360"/>
-            <a:ext cx="974880" cy="452160"/>
+            <a:ext cx="974520" cy="451800"/>
           </a:xfrm>
           <a:prstGeom prst="rect">
             <a:avLst/>
@@ -9151,7 +8325,7 @@
                 <a:spcPct val="100000"/>
               </a:lnSpc>
               <a:buNone/>
-              <a:defRPr b="1" lang="en-US" sz="1600" spc="111" strike="noStrike">
+              <a:defRPr b="1" lang="en-US" sz="1600" spc="109" strike="noStrike">
                 <a:solidFill>
                   <a:srgbClr val="404040"/>
                 </a:solidFill>
@@ -9166,14 +8340,14 @@
               </a:lnSpc>
               <a:buNone/>
             </a:pPr>
-            <a:fld id="{3FD0D09C-A873-4B35-B326-065D568A2763}" type="slidenum">
-              <a:rPr b="1" lang="en-US" sz="1600" spc="111" strike="noStrike">
+            <a:fld id="{CD13E6CA-B558-4616-8228-C0F08A0532EC}" type="slidenum">
+              <a:rPr b="1" lang="en-US" sz="1600" spc="109" strike="noStrike">
                 <a:solidFill>
                   <a:srgbClr val="404040"/>
                 </a:solidFill>
                 <a:latin typeface="Meiryo"/>
               </a:rPr>
-              <a:t>&lt;number&gt;</a:t>
+              <a:t>1</a:t>
             </a:fld>
             <a:endParaRPr b="0" lang="it-IT" sz="1600" spc="-1" strike="noStrike">
               <a:latin typeface="Times New Roman"/>
@@ -9183,14 +8357,14 @@
       </p:sp>
       <p:sp>
         <p:nvSpPr>
-          <p:cNvPr id="126" name="CasellaDiTesto 7"/>
+          <p:cNvPr id="129" name="CasellaDiTesto 12"/>
           <p:cNvSpPr/>
           <p:nvPr/>
         </p:nvSpPr>
         <p:spPr>
           <a:xfrm>
             <a:off x="528840" y="1441080"/>
-            <a:ext cx="11015280" cy="4096800"/>
+            <a:ext cx="11014920" cy="4096440"/>
           </a:xfrm>
           <a:prstGeom prst="rect">
             <a:avLst/>
@@ -9209,7 +8383,7 @@
       </p:sp>
       <p:pic>
         <p:nvPicPr>
-          <p:cNvPr id="127" name="" descr=""/>
+          <p:cNvPr id="130" name="" descr=""/>
           <p:cNvPicPr/>
           <p:nvPr/>
         </p:nvPicPr>
@@ -9219,8 +8393,31 @@
         </p:blipFill>
         <p:spPr>
           <a:xfrm>
-            <a:off x="3600000" y="1551960"/>
-            <a:ext cx="5832360" cy="4207320"/>
+            <a:off x="360000" y="1440000"/>
+            <a:ext cx="5360400" cy="4680000"/>
+          </a:xfrm>
+          <a:prstGeom prst="rect">
+            <a:avLst/>
+          </a:prstGeom>
+          <a:ln w="0">
+            <a:noFill/>
+          </a:ln>
+        </p:spPr>
+      </p:pic>
+      <p:pic>
+        <p:nvPicPr>
+          <p:cNvPr id="131" name="" descr=""/>
+          <p:cNvPicPr/>
+          <p:nvPr/>
+        </p:nvPicPr>
+        <p:blipFill>
+          <a:blip r:embed="rId2"/>
+          <a:stretch/>
+        </p:blipFill>
+        <p:spPr>
+          <a:xfrm>
+            <a:off x="5760000" y="1430640"/>
+            <a:ext cx="5632560" cy="4689360"/>
           </a:xfrm>
           <a:prstGeom prst="rect">
             <a:avLst/>
@@ -9262,7 +8459,7 @@
       </p:grpSpPr>
       <p:sp>
         <p:nvSpPr>
-          <p:cNvPr id="128" name="PlaceHolder 1"/>
+          <p:cNvPr id="132" name="PlaceHolder 1"/>
           <p:cNvSpPr>
             <a:spLocks noGrp="1"/>
           </p:cNvSpPr>
@@ -9273,7 +8470,7 @@
         <p:spPr>
           <a:xfrm>
             <a:off x="322560" y="180720"/>
-            <a:ext cx="11595240" cy="930600"/>
+            <a:ext cx="11594880" cy="930240"/>
           </a:xfrm>
           <a:prstGeom prst="rect">
             <a:avLst/>
@@ -9295,23 +8492,23 @@
               <a:buNone/>
             </a:pPr>
             <a:r>
-              <a:rPr b="1" lang="it-IT" sz="3600" spc="111" strike="noStrike">
+              <a:rPr b="1" lang="it-IT" sz="2400" spc="109" strike="noStrike">
                 <a:solidFill>
                   <a:srgbClr val="ffffff"/>
                 </a:solidFill>
                 <a:latin typeface="Meiryo"/>
               </a:rPr>
-              <a:t>Owners: Create Artworks Archive</a:t>
-            </a:r>
-            <a:endParaRPr b="0" lang="it-IT" sz="3600" spc="-1" strike="noStrike">
-              <a:latin typeface="Arial"/>
-            </a:endParaRPr>
-          </a:p>
-        </p:txBody>
-      </p:sp>
-      <p:sp>
-        <p:nvSpPr>
-          <p:cNvPr id="129" name="PlaceHolder 2"/>
+              <a:t>Verify Authenticity: Pick the DNA with a swab and analyze it</a:t>
+            </a:r>
+            <a:endParaRPr b="0" lang="it-IT" sz="2400" spc="-1" strike="noStrike">
+              <a:latin typeface="Arial"/>
+            </a:endParaRPr>
+          </a:p>
+        </p:txBody>
+      </p:sp>
+      <p:sp>
+        <p:nvSpPr>
+          <p:cNvPr id="133" name="PlaceHolder 2"/>
           <p:cNvSpPr>
             <a:spLocks noGrp="1"/>
           </p:cNvSpPr>
@@ -9322,7 +8519,7 @@
         <p:spPr>
           <a:xfrm>
             <a:off x="10569240" y="6309360"/>
-            <a:ext cx="974880" cy="452160"/>
+            <a:ext cx="974520" cy="451800"/>
           </a:xfrm>
           <a:prstGeom prst="rect">
             <a:avLst/>
@@ -9342,7 +8539,7 @@
                 <a:spcPct val="100000"/>
               </a:lnSpc>
               <a:buNone/>
-              <a:defRPr b="1" lang="en-US" sz="1600" spc="111" strike="noStrike">
+              <a:defRPr b="1" lang="en-US" sz="1600" spc="109" strike="noStrike">
                 <a:solidFill>
                   <a:srgbClr val="404040"/>
                 </a:solidFill>
@@ -9357,14 +8554,14 @@
               </a:lnSpc>
               <a:buNone/>
             </a:pPr>
-            <a:fld id="{73C003A3-32D5-4011-BAF7-0F0AFA1A8CF0}" type="slidenum">
-              <a:rPr b="1" lang="en-US" sz="1600" spc="111" strike="noStrike">
+            <a:fld id="{87649FCB-9801-4B14-B909-C591A9CCC124}" type="slidenum">
+              <a:rPr b="1" lang="en-US" sz="1600" spc="109" strike="noStrike">
                 <a:solidFill>
                   <a:srgbClr val="404040"/>
                 </a:solidFill>
                 <a:latin typeface="Meiryo"/>
               </a:rPr>
-              <a:t>&lt;number&gt;</a:t>
+              <a:t>1</a:t>
             </a:fld>
             <a:endParaRPr b="0" lang="it-IT" sz="1600" spc="-1" strike="noStrike">
               <a:latin typeface="Times New Roman"/>
@@ -9374,14 +8571,14 @@
       </p:sp>
       <p:sp>
         <p:nvSpPr>
-          <p:cNvPr id="130" name="CasellaDiTesto 8"/>
+          <p:cNvPr id="134" name="CasellaDiTesto 13"/>
           <p:cNvSpPr/>
           <p:nvPr/>
         </p:nvSpPr>
         <p:spPr>
           <a:xfrm>
             <a:off x="528840" y="1441080"/>
-            <a:ext cx="11015280" cy="4096800"/>
+            <a:ext cx="11014920" cy="4096440"/>
           </a:xfrm>
           <a:prstGeom prst="rect">
             <a:avLst/>
@@ -9400,7 +8597,7 @@
       </p:sp>
       <p:pic>
         <p:nvPicPr>
-          <p:cNvPr id="131" name="" descr=""/>
+          <p:cNvPr id="135" name="" descr=""/>
           <p:cNvPicPr/>
           <p:nvPr/>
         </p:nvPicPr>
@@ -9409,9 +8606,32 @@
           <a:stretch/>
         </p:blipFill>
         <p:spPr>
-          <a:xfrm>
-            <a:off x="528840" y="1413000"/>
-            <a:ext cx="10903680" cy="4526280"/>
+          <a:xfrm rot="5411400">
+            <a:off x="-371160" y="1968120"/>
+            <a:ext cx="4530240" cy="3397320"/>
+          </a:xfrm>
+          <a:prstGeom prst="rect">
+            <a:avLst/>
+          </a:prstGeom>
+          <a:ln w="0">
+            <a:noFill/>
+          </a:ln>
+        </p:spPr>
+      </p:pic>
+      <p:pic>
+        <p:nvPicPr>
+          <p:cNvPr id="136" name="" descr=""/>
+          <p:cNvPicPr/>
+          <p:nvPr/>
+        </p:nvPicPr>
+        <p:blipFill>
+          <a:blip r:embed="rId2"/>
+          <a:stretch/>
+        </p:blipFill>
+        <p:spPr>
+          <a:xfrm>
+            <a:off x="4212000" y="1441080"/>
+            <a:ext cx="7846920" cy="4404600"/>
           </a:xfrm>
           <a:prstGeom prst="rect">
             <a:avLst/>
@@ -9453,7 +8673,7 @@
       </p:grpSpPr>
       <p:sp>
         <p:nvSpPr>
-          <p:cNvPr id="132" name="PlaceHolder 1"/>
+          <p:cNvPr id="137" name="PlaceHolder 1"/>
           <p:cNvSpPr>
             <a:spLocks noGrp="1"/>
           </p:cNvSpPr>
@@ -9464,7 +8684,7 @@
         <p:spPr>
           <a:xfrm>
             <a:off x="322560" y="180720"/>
-            <a:ext cx="11595240" cy="930600"/>
+            <a:ext cx="11594880" cy="930240"/>
           </a:xfrm>
           <a:prstGeom prst="rect">
             <a:avLst/>
@@ -9486,13 +8706,13 @@
               <a:buNone/>
             </a:pPr>
             <a:r>
-              <a:rPr b="1" lang="it-IT" sz="3600" spc="111" strike="noStrike">
+              <a:rPr b="1" lang="it-IT" sz="3600" spc="109" strike="noStrike">
                 <a:solidFill>
                   <a:srgbClr val="ffffff"/>
                 </a:solidFill>
                 <a:latin typeface="Meiryo"/>
               </a:rPr>
-              <a:t>Owners: Opera detail</a:t>
+              <a:t>Verify: Compare analysis with DNA in BC</a:t>
             </a:r>
             <a:endParaRPr b="0" lang="it-IT" sz="3600" spc="-1" strike="noStrike">
               <a:latin typeface="Arial"/>
@@ -9502,7 +8722,7 @@
       </p:sp>
       <p:sp>
         <p:nvSpPr>
-          <p:cNvPr id="133" name="PlaceHolder 2"/>
+          <p:cNvPr id="138" name="PlaceHolder 2"/>
           <p:cNvSpPr>
             <a:spLocks noGrp="1"/>
           </p:cNvSpPr>
@@ -9513,7 +8733,7 @@
         <p:spPr>
           <a:xfrm>
             <a:off x="10569240" y="6309360"/>
-            <a:ext cx="974880" cy="452160"/>
+            <a:ext cx="974520" cy="451800"/>
           </a:xfrm>
           <a:prstGeom prst="rect">
             <a:avLst/>
@@ -9533,7 +8753,7 @@
                 <a:spcPct val="100000"/>
               </a:lnSpc>
               <a:buNone/>
-              <a:defRPr b="1" lang="en-US" sz="1600" spc="111" strike="noStrike">
+              <a:defRPr b="1" lang="en-US" sz="1600" spc="109" strike="noStrike">
                 <a:solidFill>
                   <a:srgbClr val="404040"/>
                 </a:solidFill>
@@ -9548,14 +8768,14 @@
               </a:lnSpc>
               <a:buNone/>
             </a:pPr>
-            <a:fld id="{D2500BB5-1BAE-40A4-860D-B6738E6A8A64}" type="slidenum">
-              <a:rPr b="1" lang="en-US" sz="1600" spc="111" strike="noStrike">
+            <a:fld id="{B0775B41-1A58-4890-834C-885F7BE11FF6}" type="slidenum">
+              <a:rPr b="1" lang="en-US" sz="1600" spc="109" strike="noStrike">
                 <a:solidFill>
                   <a:srgbClr val="404040"/>
                 </a:solidFill>
                 <a:latin typeface="Meiryo"/>
               </a:rPr>
-              <a:t>&lt;number&gt;</a:t>
+              <a:t>1</a:t>
             </a:fld>
             <a:endParaRPr b="0" lang="it-IT" sz="1600" spc="-1" strike="noStrike">
               <a:latin typeface="Times New Roman"/>
@@ -9565,14 +8785,14 @@
       </p:sp>
       <p:sp>
         <p:nvSpPr>
-          <p:cNvPr id="134" name="CasellaDiTesto 1"/>
+          <p:cNvPr id="139" name="CasellaDiTesto 11"/>
           <p:cNvSpPr/>
           <p:nvPr/>
         </p:nvSpPr>
         <p:spPr>
           <a:xfrm>
             <a:off x="528840" y="1441080"/>
-            <a:ext cx="11015280" cy="4096800"/>
+            <a:ext cx="11014920" cy="4096440"/>
           </a:xfrm>
           <a:prstGeom prst="rect">
             <a:avLst/>
@@ -9591,7 +8811,7 @@
       </p:sp>
       <p:pic>
         <p:nvPicPr>
-          <p:cNvPr id="135" name="" descr=""/>
+          <p:cNvPr id="140" name="" descr=""/>
           <p:cNvPicPr/>
           <p:nvPr/>
         </p:nvPicPr>
@@ -9601,8 +8821,31 @@
         </p:blipFill>
         <p:spPr>
           <a:xfrm>
-            <a:off x="1023480" y="1386000"/>
-            <a:ext cx="7795800" cy="5453280"/>
+            <a:off x="7020000" y="1441080"/>
+            <a:ext cx="4318920" cy="4668480"/>
+          </a:xfrm>
+          <a:prstGeom prst="rect">
+            <a:avLst/>
+          </a:prstGeom>
+          <a:ln w="0">
+            <a:noFill/>
+          </a:ln>
+        </p:spPr>
+      </p:pic>
+      <p:pic>
+        <p:nvPicPr>
+          <p:cNvPr id="141" name="" descr=""/>
+          <p:cNvPicPr/>
+          <p:nvPr/>
+        </p:nvPicPr>
+        <p:blipFill>
+          <a:blip r:embed="rId2"/>
+          <a:stretch/>
+        </p:blipFill>
+        <p:spPr>
+          <a:xfrm>
+            <a:off x="180000" y="1440000"/>
+            <a:ext cx="5400000" cy="4586760"/>
           </a:xfrm>
           <a:prstGeom prst="rect">
             <a:avLst/>
@@ -9644,7 +8887,7 @@
       </p:grpSpPr>
       <p:sp>
         <p:nvSpPr>
-          <p:cNvPr id="136" name="PlaceHolder 1"/>
+          <p:cNvPr id="142" name="PlaceHolder 1"/>
           <p:cNvSpPr>
             <a:spLocks noGrp="1"/>
           </p:cNvSpPr>
@@ -9655,7 +8898,7 @@
         <p:spPr>
           <a:xfrm>
             <a:off x="322560" y="180720"/>
-            <a:ext cx="11595240" cy="930600"/>
+            <a:ext cx="11594880" cy="930240"/>
           </a:xfrm>
           <a:prstGeom prst="rect">
             <a:avLst/>
@@ -9677,13 +8920,13 @@
               <a:buNone/>
             </a:pPr>
             <a:r>
-              <a:rPr b="1" lang="it-IT" sz="3600" spc="111" strike="noStrike">
+              <a:rPr b="1" lang="it-IT" sz="3600" spc="109" strike="noStrike">
                 <a:solidFill>
                   <a:srgbClr val="ffffff"/>
                 </a:solidFill>
                 <a:latin typeface="Meiryo"/>
               </a:rPr>
-              <a:t>Owner: Put the genetic ink on the opera</a:t>
+              <a:t>MVP Architecure</a:t>
             </a:r>
             <a:endParaRPr b="0" lang="it-IT" sz="3600" spc="-1" strike="noStrike">
               <a:latin typeface="Arial"/>
@@ -9693,7 +8936,7 @@
       </p:sp>
       <p:sp>
         <p:nvSpPr>
-          <p:cNvPr id="137" name="PlaceHolder 2"/>
+          <p:cNvPr id="143" name="PlaceHolder 2"/>
           <p:cNvSpPr>
             <a:spLocks noGrp="1"/>
           </p:cNvSpPr>
@@ -9704,7 +8947,7 @@
         <p:spPr>
           <a:xfrm>
             <a:off x="10569240" y="6309360"/>
-            <a:ext cx="974880" cy="452160"/>
+            <a:ext cx="974520" cy="451800"/>
           </a:xfrm>
           <a:prstGeom prst="rect">
             <a:avLst/>
@@ -9724,7 +8967,7 @@
                 <a:spcPct val="100000"/>
               </a:lnSpc>
               <a:buNone/>
-              <a:defRPr b="1" lang="en-US" sz="1600" spc="111" strike="noStrike">
+              <a:defRPr b="1" lang="en-US" sz="1600" spc="109" strike="noStrike">
                 <a:solidFill>
                   <a:srgbClr val="404040"/>
                 </a:solidFill>
@@ -9739,14 +8982,14 @@
               </a:lnSpc>
               <a:buNone/>
             </a:pPr>
-            <a:fld id="{EC82DEFB-9AEC-436A-A422-722AE9BBA805}" type="slidenum">
-              <a:rPr b="1" lang="en-US" sz="1600" spc="111" strike="noStrike">
+            <a:fld id="{030F5142-9B8D-441E-A93F-DEAC1D97FCDF}" type="slidenum">
+              <a:rPr b="1" lang="en-US" sz="1600" spc="109" strike="noStrike">
                 <a:solidFill>
                   <a:srgbClr val="404040"/>
                 </a:solidFill>
                 <a:latin typeface="Meiryo"/>
               </a:rPr>
-              <a:t>&lt;number&gt;</a:t>
+              <a:t>1</a:t>
             </a:fld>
             <a:endParaRPr b="0" lang="it-IT" sz="1600" spc="-1" strike="noStrike">
               <a:latin typeface="Times New Roman"/>
@@ -9756,14 +8999,14 @@
       </p:sp>
       <p:sp>
         <p:nvSpPr>
-          <p:cNvPr id="138" name="CasellaDiTesto 12"/>
+          <p:cNvPr id="144" name="CasellaDiTesto 2"/>
           <p:cNvSpPr/>
           <p:nvPr/>
         </p:nvSpPr>
         <p:spPr>
           <a:xfrm>
             <a:off x="528840" y="1441080"/>
-            <a:ext cx="11015280" cy="4096800"/>
+            <a:ext cx="11014920" cy="719280"/>
           </a:xfrm>
           <a:prstGeom prst="rect">
             <a:avLst/>
@@ -9779,10 +9022,49 @@
           <a:effectRef idx="0"/>
           <a:fontRef idx="minor"/>
         </p:style>
+        <p:txBody>
+          <a:bodyPr lIns="90000" rIns="90000" tIns="45000" bIns="45000" anchor="t">
+            <a:spAutoFit/>
+          </a:bodyPr>
+          <a:p>
+            <a:pPr marL="274320" indent="-228600" algn="just">
+              <a:lnSpc>
+                <a:spcPct val="90000"/>
+              </a:lnSpc>
+              <a:spcBef>
+                <a:spcPts val="451"/>
+              </a:spcBef>
+              <a:buNone/>
+              <a:tabLst>
+                <a:tab algn="l" pos="0"/>
+              </a:tabLst>
+            </a:pPr>
+            <a:endParaRPr b="0" lang="it-IT" sz="1600" spc="-1" strike="noStrike">
+              <a:latin typeface="Arial"/>
+            </a:endParaRPr>
+          </a:p>
+          <a:p>
+            <a:pPr marL="502920" indent="-228600" algn="just">
+              <a:lnSpc>
+                <a:spcPct val="90000"/>
+              </a:lnSpc>
+              <a:spcBef>
+                <a:spcPts val="451"/>
+              </a:spcBef>
+              <a:buNone/>
+              <a:tabLst>
+                <a:tab algn="l" pos="0"/>
+              </a:tabLst>
+            </a:pPr>
+            <a:endParaRPr b="0" lang="it-IT" sz="2400" spc="-1" strike="noStrike">
+              <a:latin typeface="Arial"/>
+            </a:endParaRPr>
+          </a:p>
+        </p:txBody>
       </p:sp>
       <p:pic>
         <p:nvPicPr>
-          <p:cNvPr id="139" name="" descr=""/>
+          <p:cNvPr id="145" name="" descr=""/>
           <p:cNvPicPr/>
           <p:nvPr/>
         </p:nvPicPr>
@@ -9792,8 +9074,8 @@
         </p:blipFill>
         <p:spPr>
           <a:xfrm>
-            <a:off x="3960000" y="2139840"/>
-            <a:ext cx="3374280" cy="2719440"/>
+            <a:off x="5490000" y="343080"/>
+            <a:ext cx="6701400" cy="6856200"/>
           </a:xfrm>
           <a:prstGeom prst="rect">
             <a:avLst/>
@@ -9803,6 +9085,79 @@
           </a:ln>
         </p:spPr>
       </p:pic>
+      <p:sp>
+        <p:nvSpPr>
+          <p:cNvPr id="146" name=""/>
+          <p:cNvSpPr/>
+          <p:nvPr/>
+        </p:nvSpPr>
+        <p:spPr>
+          <a:xfrm>
+            <a:off x="384840" y="5220000"/>
+            <a:ext cx="4654440" cy="601560"/>
+          </a:xfrm>
+          <a:prstGeom prst="rect">
+            <a:avLst/>
+          </a:prstGeom>
+          <a:noFill/>
+          <a:ln w="0">
+            <a:noFill/>
+          </a:ln>
+        </p:spPr>
+        <p:style>
+          <a:lnRef idx="0"/>
+          <a:fillRef idx="0"/>
+          <a:effectRef idx="0"/>
+          <a:fontRef idx="minor"/>
+        </p:style>
+        <p:txBody>
+          <a:bodyPr lIns="90000" rIns="90000" tIns="45000" bIns="45000" anchor="t">
+            <a:noAutofit/>
+          </a:bodyPr>
+          <a:p>
+            <a:pPr>
+              <a:lnSpc>
+                <a:spcPct val="100000"/>
+              </a:lnSpc>
+              <a:buNone/>
+            </a:pPr>
+            <a:r>
+              <a:rPr b="0" lang="it-IT" sz="1800" spc="-1" strike="noStrike">
+                <a:solidFill>
+                  <a:srgbClr val="000000"/>
+                </a:solidFill>
+                <a:latin typeface="Arial"/>
+                <a:ea typeface="DejaVu Sans"/>
+              </a:rPr>
+              <a:t>MVP in mainnet:</a:t>
+            </a:r>
+            <a:endParaRPr b="0" lang="it-IT" sz="1800" spc="-1" strike="noStrike">
+              <a:latin typeface="Arial"/>
+            </a:endParaRPr>
+          </a:p>
+          <a:p>
+            <a:pPr>
+              <a:lnSpc>
+                <a:spcPct val="100000"/>
+              </a:lnSpc>
+              <a:buNone/>
+            </a:pPr>
+            <a:r>
+              <a:rPr b="0" lang="it-IT" sz="1800" spc="-1" strike="noStrike">
+                <a:solidFill>
+                  <a:srgbClr val="000000"/>
+                </a:solidFill>
+                <a:latin typeface="Arial"/>
+                <a:ea typeface="DejaVu Sans"/>
+              </a:rPr>
+              <a:t>https://way7l-iqaaa-aaaan-qmfoa-cai.icp0.io/</a:t>
+            </a:r>
+            <a:endParaRPr b="0" lang="it-IT" sz="1800" spc="-1" strike="noStrike">
+              <a:latin typeface="Arial"/>
+            </a:endParaRPr>
+          </a:p>
+        </p:txBody>
+      </p:sp>
     </p:spTree>
   </p:cSld>
   <mc:AlternateContent>

--- a/src/docs/presentations/21maggio.pptx
+++ b/src/docs/presentations/21maggio.pptx
@@ -14,8 +14,6 @@
     <p:sldId id="261" r:id="rId9"/>
     <p:sldId id="262" r:id="rId10"/>
     <p:sldId id="263" r:id="rId11"/>
-    <p:sldId id="264" r:id="rId12"/>
-    <p:sldId id="265" r:id="rId13"/>
   </p:sldIdLst>
   <p:sldSz cx="12192000" cy="6858000"/>
   <p:notesSz cx="7772400" cy="10058400"/>
@@ -73,7 +71,7 @@
         <p:txBody>
           <a:bodyPr/>
           <a:p>
-            <a:fld id="{863074E0-455A-45E4-A354-D8232BBCA6FF}" type="slidenum">
+            <a:fld id="{E8519FEB-57EE-4E8D-A37D-DFAF61439790}" type="slidenum">
               <a:t>&lt;#&gt;</a:t>
             </a:fld>
           </a:p>
@@ -261,7 +259,7 @@
         <p:txBody>
           <a:bodyPr/>
           <a:p>
-            <a:fld id="{F57065D8-B522-4C86-80E6-BA7CC687B089}" type="slidenum">
+            <a:fld id="{64C1C728-FC60-49E4-AEFA-C92D619E40BC}" type="slidenum">
               <a:t>&lt;#&gt;</a:t>
             </a:fld>
           </a:p>
@@ -517,7 +515,7 @@
         <p:txBody>
           <a:bodyPr/>
           <a:p>
-            <a:fld id="{057D9513-6C92-4C4B-AA6F-4010684E4E5E}" type="slidenum">
+            <a:fld id="{57BA606F-316E-49F9-B446-E926D7EF568B}" type="slidenum">
               <a:t>&lt;#&gt;</a:t>
             </a:fld>
           </a:p>
@@ -841,7 +839,7 @@
         <p:txBody>
           <a:bodyPr/>
           <a:p>
-            <a:fld id="{1D140B2F-0F1E-4232-AEF3-C03C16C419A7}" type="slidenum">
+            <a:fld id="{F583E599-62DE-4FFA-9688-8AB96E8630A5}" type="slidenum">
               <a:t>&lt;#&gt;</a:t>
             </a:fld>
           </a:p>
@@ -924,7 +922,7 @@
         <p:txBody>
           <a:bodyPr/>
           <a:p>
-            <a:fld id="{BE0664BC-C803-4602-8E73-AAD2AC0964E6}" type="slidenum">
+            <a:fld id="{2C44AF25-5BA4-43A8-9338-B42D0F3C3EBA}" type="slidenum">
               <a:t>&lt;#&gt;</a:t>
             </a:fld>
           </a:p>
@@ -1081,7 +1079,7 @@
         <p:txBody>
           <a:bodyPr/>
           <a:p>
-            <a:fld id="{F8EB849E-8441-4ADE-9B1A-4A464F7D1582}" type="slidenum">
+            <a:fld id="{A46EAFAA-C3E3-4366-B1D5-0DE76D25CD49}" type="slidenum">
               <a:t>&lt;#&gt;</a:t>
             </a:fld>
           </a:p>
@@ -1235,7 +1233,7 @@
         <p:txBody>
           <a:bodyPr/>
           <a:p>
-            <a:fld id="{D1289B67-D973-4F48-849D-7B53412DC95E}" type="slidenum">
+            <a:fld id="{7B3AD253-B33D-40C1-8574-FCF835E134C1}" type="slidenum">
               <a:t>&lt;#&gt;</a:t>
             </a:fld>
           </a:p>
@@ -1423,7 +1421,7 @@
         <p:txBody>
           <a:bodyPr/>
           <a:p>
-            <a:fld id="{89ED8464-97DD-41F3-BE8A-4900ABCF378D}" type="slidenum">
+            <a:fld id="{1B100D60-9112-44C8-A146-340351528B9D}" type="slidenum">
               <a:t>&lt;#&gt;</a:t>
             </a:fld>
           </a:p>
@@ -1543,7 +1541,7 @@
         <p:txBody>
           <a:bodyPr/>
           <a:p>
-            <a:fld id="{EB67D1FA-B83A-4277-9B56-0E07AFDD2BD6}" type="slidenum">
+            <a:fld id="{7D302645-A8DA-4159-9540-08039961485F}" type="slidenum">
               <a:t>&lt;#&gt;</a:t>
             </a:fld>
           </a:p>
@@ -1663,7 +1661,7 @@
         <p:txBody>
           <a:bodyPr/>
           <a:p>
-            <a:fld id="{8C2D766E-F64D-427F-8169-368476A8E644}" type="slidenum">
+            <a:fld id="{C44EFC64-9B9C-45B1-BDFE-B5B00F909ABB}" type="slidenum">
               <a:t>&lt;#&gt;</a:t>
             </a:fld>
           </a:p>
@@ -1885,7 +1883,7 @@
         <p:txBody>
           <a:bodyPr/>
           <a:p>
-            <a:fld id="{94D98493-705D-4973-853C-5E892B44DDB1}" type="slidenum">
+            <a:fld id="{63D13587-0B5D-4CCB-9D53-BF71CD3DF8BF}" type="slidenum">
               <a:t>&lt;#&gt;</a:t>
             </a:fld>
           </a:p>
@@ -2042,7 +2040,7 @@
         <p:txBody>
           <a:bodyPr/>
           <a:p>
-            <a:fld id="{F539432A-841C-442F-B64B-29438E1016BE}" type="slidenum">
+            <a:fld id="{E7F419F0-1629-438B-8BC5-17B567C214F3}" type="slidenum">
               <a:t>&lt;#&gt;</a:t>
             </a:fld>
           </a:p>
@@ -2264,7 +2262,7 @@
         <p:txBody>
           <a:bodyPr/>
           <a:p>
-            <a:fld id="{ADEE6D0F-75A1-40B0-BC38-8F6020EA9AED}" type="slidenum">
+            <a:fld id="{A8FCCACC-F906-4F18-8882-1E0743176F6A}" type="slidenum">
               <a:t>&lt;#&gt;</a:t>
             </a:fld>
           </a:p>
@@ -2486,7 +2484,7 @@
         <p:txBody>
           <a:bodyPr/>
           <a:p>
-            <a:fld id="{AB11FB06-6BF0-430F-91D7-71546D0693D6}" type="slidenum">
+            <a:fld id="{04B826E8-F134-4629-87B4-7E5960E93781}" type="slidenum">
               <a:t>&lt;#&gt;</a:t>
             </a:fld>
           </a:p>
@@ -2674,7 +2672,7 @@
         <p:txBody>
           <a:bodyPr/>
           <a:p>
-            <a:fld id="{103E20CD-0893-4FC8-B8E7-7A278B7077D8}" type="slidenum">
+            <a:fld id="{D6740EBF-BD8D-4C8D-89A2-4547A0ED646F}" type="slidenum">
               <a:t>&lt;#&gt;</a:t>
             </a:fld>
           </a:p>
@@ -2930,7 +2928,7 @@
         <p:txBody>
           <a:bodyPr/>
           <a:p>
-            <a:fld id="{F1AC26EC-761D-4ABF-B075-EAEA26B30208}" type="slidenum">
+            <a:fld id="{D2E0F36F-FAAA-4094-83EC-943800E74EA1}" type="slidenum">
               <a:t>&lt;#&gt;</a:t>
             </a:fld>
           </a:p>
@@ -3254,7 +3252,7 @@
         <p:txBody>
           <a:bodyPr/>
           <a:p>
-            <a:fld id="{5607CE1D-7DCE-404A-A5CA-4E10749C8EA8}" type="slidenum">
+            <a:fld id="{73BB123E-F4D4-4AC2-AEF8-330B52E91539}" type="slidenum">
               <a:t>&lt;#&gt;</a:t>
             </a:fld>
           </a:p>
@@ -3408,7 +3406,7 @@
         <p:txBody>
           <a:bodyPr/>
           <a:p>
-            <a:fld id="{D5343A0B-3F10-4651-A98B-B1F4209E9962}" type="slidenum">
+            <a:fld id="{FC9274FD-D0EF-4A44-9AA9-947CF155AFD9}" type="slidenum">
               <a:t>&lt;#&gt;</a:t>
             </a:fld>
           </a:p>
@@ -3596,7 +3594,7 @@
         <p:txBody>
           <a:bodyPr/>
           <a:p>
-            <a:fld id="{99E3F986-3196-48A8-B0C6-842C9395A3FC}" type="slidenum">
+            <a:fld id="{7EB44CA8-62EF-4970-B3CA-65B2F411D893}" type="slidenum">
               <a:t>&lt;#&gt;</a:t>
             </a:fld>
           </a:p>
@@ -3716,7 +3714,7 @@
         <p:txBody>
           <a:bodyPr/>
           <a:p>
-            <a:fld id="{3D23D78E-E08E-4C5A-9978-358FC5F02D58}" type="slidenum">
+            <a:fld id="{C9B830B5-B638-488C-B49D-2F6CC5B2B21D}" type="slidenum">
               <a:t>&lt;#&gt;</a:t>
             </a:fld>
           </a:p>
@@ -3836,7 +3834,7 @@
         <p:txBody>
           <a:bodyPr/>
           <a:p>
-            <a:fld id="{AC32B166-5F57-49EC-B520-49A67391E47C}" type="slidenum">
+            <a:fld id="{F17D445F-71C6-41E9-8E17-6F5DE494A232}" type="slidenum">
               <a:t>&lt;#&gt;</a:t>
             </a:fld>
           </a:p>
@@ -4058,7 +4056,7 @@
         <p:txBody>
           <a:bodyPr/>
           <a:p>
-            <a:fld id="{B40B6174-BB28-40BC-A98C-B9FBC742DD2D}" type="slidenum">
+            <a:fld id="{E3DD3208-4EE7-43F4-A64D-A9AB24A6790C}" type="slidenum">
               <a:t>&lt;#&gt;</a:t>
             </a:fld>
           </a:p>
@@ -4280,7 +4278,7 @@
         <p:txBody>
           <a:bodyPr/>
           <a:p>
-            <a:fld id="{EA0AE545-962F-4046-A7BB-E7E51E521E8A}" type="slidenum">
+            <a:fld id="{61468A21-A6BF-4EE9-AD6C-C24B2E261F52}" type="slidenum">
               <a:t>&lt;#&gt;</a:t>
             </a:fld>
           </a:p>
@@ -4502,7 +4500,7 @@
         <p:txBody>
           <a:bodyPr/>
           <a:p>
-            <a:fld id="{E3C77698-AEF8-4256-90F2-77903F708B18}" type="slidenum">
+            <a:fld id="{52413265-F1A2-4400-BB6D-3DAF339529DB}" type="slidenum">
               <a:t>&lt;#&gt;</a:t>
             </a:fld>
           </a:p>
@@ -4567,7 +4565,7 @@
         <p:spPr>
           <a:xfrm>
             <a:off x="4718160" y="0"/>
-            <a:ext cx="7468200" cy="6852600"/>
+            <a:ext cx="7467840" cy="6852240"/>
           </a:xfrm>
           <a:prstGeom prst="rect">
             <a:avLst/>
@@ -4597,7 +4595,7 @@
         <p:spPr>
           <a:xfrm rot="5400000">
             <a:off x="1257120" y="3396960"/>
-            <a:ext cx="6852600" cy="58680"/>
+            <a:ext cx="6852240" cy="58320"/>
           </a:xfrm>
           <a:prstGeom prst="rect">
             <a:avLst/>
@@ -4624,8 +4622,8 @@
         </p:nvSpPr>
         <p:spPr>
           <a:xfrm flipH="1">
-            <a:off x="-5760" y="0"/>
-            <a:ext cx="12186720" cy="6852600"/>
+            <a:off x="-6480" y="0"/>
+            <a:ext cx="12186360" cy="6852240"/>
           </a:xfrm>
           <a:prstGeom prst="rect">
             <a:avLst/>
@@ -4653,7 +4651,7 @@
         <p:spPr>
           <a:xfrm>
             <a:off x="0" y="825840"/>
-            <a:ext cx="6790680" cy="2588760"/>
+            <a:ext cx="6790320" cy="2588400"/>
           </a:xfrm>
           <a:prstGeom prst="rect">
             <a:avLst/>
@@ -4681,7 +4679,7 @@
         <p:spPr>
           <a:xfrm>
             <a:off x="0" y="889560"/>
-            <a:ext cx="1065240" cy="2460960"/>
+            <a:ext cx="1064880" cy="2460600"/>
           </a:xfrm>
           <a:prstGeom prst="rect">
             <a:avLst/>
@@ -4708,8 +4706,8 @@
         </p:nvSpPr>
         <p:spPr>
           <a:xfrm rot="5400000">
-            <a:off x="-2359800" y="3396960"/>
-            <a:ext cx="6852600" cy="58680"/>
+            <a:off x="-2359440" y="3396960"/>
+            <a:ext cx="6852240" cy="58320"/>
           </a:xfrm>
           <a:prstGeom prst="rect">
             <a:avLst/>
@@ -4737,7 +4735,7 @@
         <p:spPr>
           <a:xfrm rot="5400000">
             <a:off x="3398760" y="3396960"/>
-            <a:ext cx="6852600" cy="58680"/>
+            <a:ext cx="6852240" cy="58320"/>
           </a:xfrm>
           <a:prstGeom prst="rect">
             <a:avLst/>
@@ -4769,7 +4767,7 @@
         <p:spPr>
           <a:xfrm>
             <a:off x="1635120" y="6309360"/>
-            <a:ext cx="4791960" cy="451800"/>
+            <a:ext cx="4791600" cy="451440"/>
           </a:xfrm>
           <a:prstGeom prst="rect">
             <a:avLst/>
@@ -4789,7 +4787,7 @@
                 <a:spcPct val="100000"/>
               </a:lnSpc>
               <a:buNone/>
-              <a:defRPr b="0" lang="en-GB" sz="1200" spc="109" strike="noStrike">
+              <a:defRPr b="0" lang="en-GB" sz="1200" spc="106" strike="noStrike">
                 <a:solidFill>
                   <a:srgbClr val="404040"/>
                 </a:solidFill>
@@ -4805,7 +4803,7 @@
               <a:buNone/>
             </a:pPr>
             <a:r>
-              <a:rPr b="0" lang="en-GB" sz="1200" spc="109" strike="noStrike">
+              <a:rPr b="0" lang="en-GB" sz="1200" spc="106" strike="noStrike">
                 <a:solidFill>
                   <a:srgbClr val="404040"/>
                 </a:solidFill>
@@ -4832,7 +4830,7 @@
         <p:spPr>
           <a:xfrm>
             <a:off x="10569240" y="6309360"/>
-            <a:ext cx="974520" cy="451800"/>
+            <a:ext cx="974160" cy="451440"/>
           </a:xfrm>
           <a:prstGeom prst="rect">
             <a:avLst/>
@@ -4852,7 +4850,7 @@
                 <a:spcPct val="100000"/>
               </a:lnSpc>
               <a:buNone/>
-              <a:defRPr b="1" lang="en-US" sz="1600" spc="109" strike="noStrike">
+              <a:defRPr b="1" lang="en-US" sz="1600" spc="106" strike="noStrike">
                 <a:solidFill>
                   <a:srgbClr val="ffffff"/>
                 </a:solidFill>
@@ -4867,8 +4865,8 @@
               </a:lnSpc>
               <a:buNone/>
             </a:pPr>
-            <a:fld id="{DD772A8B-4167-4B54-A3EC-2CB1EE6F8FEE}" type="slidenum">
-              <a:rPr b="1" lang="en-US" sz="1600" spc="109" strike="noStrike">
+            <a:fld id="{D7458693-F2AA-4129-BFCE-CB37F0F1E9E9}" type="slidenum">
+              <a:rPr b="1" lang="en-US" sz="1600" spc="106" strike="noStrike">
                 <a:solidFill>
                   <a:srgbClr val="ffffff"/>
                 </a:solidFill>
@@ -4895,7 +4893,7 @@
         <p:spPr>
           <a:xfrm>
             <a:off x="8197200" y="6309360"/>
-            <a:ext cx="2145600" cy="451800"/>
+            <a:ext cx="2145240" cy="451440"/>
           </a:xfrm>
           <a:prstGeom prst="rect">
             <a:avLst/>
@@ -5208,7 +5206,7 @@
         <p:spPr>
           <a:xfrm>
             <a:off x="4718160" y="0"/>
-            <a:ext cx="7468200" cy="6852600"/>
+            <a:ext cx="7467840" cy="6852240"/>
           </a:xfrm>
           <a:prstGeom prst="rect">
             <a:avLst/>
@@ -5238,7 +5236,7 @@
         <p:spPr>
           <a:xfrm rot="5400000">
             <a:off x="1257120" y="3396960"/>
-            <a:ext cx="6852600" cy="58680"/>
+            <a:ext cx="6852240" cy="58320"/>
           </a:xfrm>
           <a:prstGeom prst="rect">
             <a:avLst/>
@@ -5266,7 +5264,7 @@
         <p:spPr>
           <a:xfrm>
             <a:off x="0" y="0"/>
-            <a:ext cx="12183480" cy="6852600"/>
+            <a:ext cx="12183120" cy="6852240"/>
           </a:xfrm>
           <a:prstGeom prst="rect">
             <a:avLst/>
@@ -5294,7 +5292,7 @@
         <p:spPr>
           <a:xfrm>
             <a:off x="0" y="3960"/>
-            <a:ext cx="12186720" cy="1342440"/>
+            <a:ext cx="12186360" cy="1342080"/>
           </a:xfrm>
           <a:prstGeom prst="rect">
             <a:avLst/>
@@ -5322,7 +5320,7 @@
         <p:spPr>
           <a:xfrm>
             <a:off x="0" y="1351440"/>
-            <a:ext cx="12186720" cy="4744080"/>
+            <a:ext cx="12186360" cy="4743720"/>
           </a:xfrm>
           <a:prstGeom prst="rect">
             <a:avLst/>
@@ -5352,7 +5350,7 @@
         <p:spPr>
           <a:xfrm>
             <a:off x="0" y="6107760"/>
-            <a:ext cx="4645800" cy="744840"/>
+            <a:ext cx="4645440" cy="744480"/>
           </a:xfrm>
           <a:prstGeom prst="rect">
             <a:avLst/>
@@ -5380,7 +5378,7 @@
         <p:spPr>
           <a:xfrm>
             <a:off x="1440" y="6101280"/>
-            <a:ext cx="12183480" cy="58680"/>
+            <a:ext cx="12183120" cy="58320"/>
           </a:xfrm>
           <a:prstGeom prst="rect">
             <a:avLst/>
@@ -5408,7 +5406,7 @@
         <p:spPr>
           <a:xfrm>
             <a:off x="4633920" y="6117480"/>
-            <a:ext cx="58680" cy="735120"/>
+            <a:ext cx="58320" cy="734760"/>
           </a:xfrm>
           <a:prstGeom prst="rect">
             <a:avLst/>
@@ -5440,7 +5438,7 @@
         <p:spPr>
           <a:xfrm>
             <a:off x="642960" y="6309360"/>
-            <a:ext cx="3418560" cy="451800"/>
+            <a:ext cx="3418200" cy="451440"/>
           </a:xfrm>
           <a:prstGeom prst="rect">
             <a:avLst/>
@@ -5460,7 +5458,7 @@
                 <a:spcPct val="100000"/>
               </a:lnSpc>
               <a:buNone/>
-              <a:defRPr b="0" lang="en-GB" sz="1200" spc="109" strike="noStrike">
+              <a:defRPr b="0" lang="en-GB" sz="1200" spc="106" strike="noStrike">
                 <a:solidFill>
                   <a:srgbClr val="ffffff"/>
                 </a:solidFill>
@@ -5476,7 +5474,7 @@
               <a:buNone/>
             </a:pPr>
             <a:r>
-              <a:rPr b="0" lang="en-GB" sz="1200" spc="109" strike="noStrike">
+              <a:rPr b="0" lang="en-GB" sz="1200" spc="106" strike="noStrike">
                 <a:solidFill>
                   <a:srgbClr val="ffffff"/>
                 </a:solidFill>
@@ -5503,7 +5501,7 @@
         <p:spPr>
           <a:xfrm>
             <a:off x="10569240" y="6309360"/>
-            <a:ext cx="974520" cy="451800"/>
+            <a:ext cx="974160" cy="451440"/>
           </a:xfrm>
           <a:prstGeom prst="rect">
             <a:avLst/>
@@ -5523,7 +5521,7 @@
                 <a:spcPct val="100000"/>
               </a:lnSpc>
               <a:buNone/>
-              <a:defRPr b="1" lang="en-US" sz="1600" spc="109" strike="noStrike">
+              <a:defRPr b="1" lang="en-US" sz="1600" spc="106" strike="noStrike">
                 <a:solidFill>
                   <a:srgbClr val="404040"/>
                 </a:solidFill>
@@ -5538,8 +5536,8 @@
               </a:lnSpc>
               <a:buNone/>
             </a:pPr>
-            <a:fld id="{E60DF351-64E7-4FFA-9ED4-B78D51716064}" type="slidenum">
-              <a:rPr b="1" lang="en-US" sz="1600" spc="109" strike="noStrike">
+            <a:fld id="{86576B53-826E-4646-8B47-BFF60EBF615B}" type="slidenum">
+              <a:rPr b="1" lang="en-US" sz="1600" spc="106" strike="noStrike">
                 <a:solidFill>
                   <a:srgbClr val="404040"/>
                 </a:solidFill>
@@ -5566,7 +5564,7 @@
         <p:spPr>
           <a:xfrm>
             <a:off x="5373720" y="6309360"/>
-            <a:ext cx="3406680" cy="451800"/>
+            <a:ext cx="3406320" cy="451440"/>
           </a:xfrm>
           <a:prstGeom prst="rect">
             <a:avLst/>
@@ -5879,7 +5877,7 @@
         <p:spPr>
           <a:xfrm>
             <a:off x="7573680" y="0"/>
-            <a:ext cx="4612680" cy="6852600"/>
+            <a:ext cx="4612320" cy="6852240"/>
           </a:xfrm>
           <a:prstGeom prst="rect">
             <a:avLst/>
@@ -5959,7 +5957,7 @@
         <p:spPr>
           <a:xfrm rot="5400000">
             <a:off x="4101120" y="3396960"/>
-            <a:ext cx="6852600" cy="58680"/>
+            <a:ext cx="6852240" cy="58320"/>
           </a:xfrm>
           <a:prstGeom prst="rect">
             <a:avLst/>
@@ -5986,8 +5984,8 @@
         </p:nvSpPr>
         <p:spPr>
           <a:xfrm flipH="1">
-            <a:off x="-180000" y="-540000"/>
-            <a:ext cx="12186720" cy="6852600"/>
+            <a:off x="-180720" y="-540000"/>
+            <a:ext cx="12186360" cy="6852240"/>
           </a:xfrm>
           <a:prstGeom prst="rect">
             <a:avLst/>
@@ -6014,8 +6012,8 @@
         </p:nvSpPr>
         <p:spPr>
           <a:xfrm flipH="1">
-            <a:off x="-5760" y="0"/>
-            <a:ext cx="4420800" cy="1798560"/>
+            <a:off x="-6480" y="0"/>
+            <a:ext cx="4420440" cy="1798200"/>
           </a:xfrm>
           <a:prstGeom prst="rect">
             <a:avLst/>
@@ -6048,7 +6046,7 @@
         <p:spPr>
           <a:xfrm>
             <a:off x="0" y="1803960"/>
-            <a:ext cx="4452480" cy="4344480"/>
+            <a:ext cx="4452120" cy="4344120"/>
           </a:xfrm>
           <a:prstGeom prst="rect">
             <a:avLst/>
@@ -6067,7 +6065,7 @@
         <p:spPr>
           <a:xfrm flipH="1">
             <a:off x="4452480" y="1260000"/>
-            <a:ext cx="7760520" cy="4422240"/>
+            <a:ext cx="7760160" cy="4421880"/>
           </a:xfrm>
           <a:prstGeom prst="rect">
             <a:avLst/>
@@ -6101,7 +6099,7 @@
         <p:spPr>
           <a:xfrm>
             <a:off x="4881960" y="2146680"/>
-            <a:ext cx="6661440" cy="2652840"/>
+            <a:ext cx="6661080" cy="2652480"/>
           </a:xfrm>
           <a:prstGeom prst="rect">
             <a:avLst/>
@@ -6123,7 +6121,7 @@
               <a:buNone/>
             </a:pPr>
             <a:r>
-              <a:rPr b="0" lang="en-US" sz="3200" spc="109" strike="noStrike" cap="all">
+              <a:rPr b="0" lang="en-US" sz="3200" spc="106" strike="noStrike" cap="all">
                 <a:solidFill>
                   <a:srgbClr val="404040"/>
                 </a:solidFill>
@@ -6135,7 +6133,7 @@
               <a:rPr sz="3200"/>
             </a:br>
             <a:r>
-              <a:rPr b="0" lang="en-US" sz="3200" spc="109" strike="noStrike" cap="all">
+              <a:rPr b="0" lang="en-US" sz="3200" spc="106" strike="noStrike" cap="all">
                 <a:solidFill>
                   <a:srgbClr val="404040"/>
                 </a:solidFill>
@@ -6158,7 +6156,7 @@
         <p:spPr>
           <a:xfrm>
             <a:off x="1440" y="1753920"/>
-            <a:ext cx="12183480" cy="58680"/>
+            <a:ext cx="12183120" cy="58320"/>
           </a:xfrm>
           <a:prstGeom prst="rect">
             <a:avLst/>
@@ -6185,8 +6183,8 @@
         </p:nvSpPr>
         <p:spPr>
           <a:xfrm flipH="1">
-            <a:off x="-8640" y="6167520"/>
-            <a:ext cx="12186720" cy="685080"/>
+            <a:off x="-9360" y="6167520"/>
+            <a:ext cx="12186360" cy="684720"/>
           </a:xfrm>
           <a:prstGeom prst="rect">
             <a:avLst/>
@@ -6216,7 +6214,7 @@
         <p:spPr>
           <a:xfrm>
             <a:off x="1440" y="6109560"/>
-            <a:ext cx="12183480" cy="58680"/>
+            <a:ext cx="12183120" cy="58320"/>
           </a:xfrm>
           <a:prstGeom prst="rect">
             <a:avLst/>
@@ -6244,7 +6242,7 @@
         <p:spPr>
           <a:xfrm>
             <a:off x="4394160" y="0"/>
-            <a:ext cx="58680" cy="6852600"/>
+            <a:ext cx="58320" cy="6852240"/>
           </a:xfrm>
           <a:prstGeom prst="rect">
             <a:avLst/>
@@ -6276,7 +6274,7 @@
         <p:spPr>
           <a:xfrm>
             <a:off x="10569240" y="6309360"/>
-            <a:ext cx="974520" cy="451800"/>
+            <a:ext cx="974160" cy="451440"/>
           </a:xfrm>
           <a:prstGeom prst="rect">
             <a:avLst/>
@@ -6296,7 +6294,7 @@
                 <a:spcPct val="100000"/>
               </a:lnSpc>
               <a:buNone/>
-              <a:defRPr b="1" lang="en-US" sz="1600" spc="109" strike="noStrike">
+              <a:defRPr b="1" lang="en-US" sz="1600" spc="106" strike="noStrike">
                 <a:solidFill>
                   <a:srgbClr val="ffffff"/>
                 </a:solidFill>
@@ -6311,152 +6309,10 @@
               </a:lnSpc>
               <a:buNone/>
             </a:pPr>
-            <a:fld id="{9A240508-0E5A-41C6-9A50-C8F413D307D2}" type="slidenum">
-              <a:rPr b="1" lang="en-US" sz="1600" spc="109" strike="noStrike">
+            <a:fld id="{FCF02641-C193-4A43-88D8-E6320B97A52D}" type="slidenum">
+              <a:rPr b="1" lang="en-US" sz="1600" spc="106" strike="noStrike">
                 <a:solidFill>
                   <a:srgbClr val="ffffff"/>
-                </a:solidFill>
-                <a:latin typeface="Meiryo"/>
-              </a:rPr>
-              <a:t>1</a:t>
-            </a:fld>
-            <a:endParaRPr b="0" lang="it-IT" sz="1600" spc="-1" strike="noStrike">
-              <a:latin typeface="Times New Roman"/>
-            </a:endParaRPr>
-          </a:p>
-        </p:txBody>
-      </p:sp>
-    </p:spTree>
-  </p:cSld>
-  <mc:AlternateContent>
-    <mc:Choice Requires="p14">
-      <p:transition spd="slow" p14:dur="2000"/>
-    </mc:Choice>
-    <mc:Fallback>
-      <p:transition spd="slow"/>
-    </mc:Fallback>
-  </mc:AlternateContent>
-</p:sld>
-</file>
-
-<file path=ppt/slides/slide10.xml><?xml version="1.0" encoding="utf-8"?>
-<p:sld xmlns:a="http://schemas.openxmlformats.org/drawingml/2006/main" xmlns:p="http://schemas.openxmlformats.org/presentationml/2006/main" xmlns:r="http://schemas.openxmlformats.org/officeDocument/2006/relationships" xmlns:p14="http://schemas.microsoft.com/office/powerpoint/2010/main" xmlns:p15="http://schemas.microsoft.com/office/powerpoint/2012/main" xmlns:mc="http://schemas.openxmlformats.org/markup-compatibility/2006">
-  <p:cSld>
-    <p:spTree>
-      <p:nvGrpSpPr>
-        <p:cNvPr id="1" name=""/>
-        <p:cNvGrpSpPr/>
-        <p:nvPr/>
-      </p:nvGrpSpPr>
-      <p:grpSpPr>
-        <a:xfrm>
-          <a:off x="0" y="0"/>
-          <a:ext cx="0" cy="0"/>
-          <a:chOff x="0" y="0"/>
-          <a:chExt cx="0" cy="0"/>
-        </a:xfrm>
-      </p:grpSpPr>
-      <p:sp>
-        <p:nvSpPr>
-          <p:cNvPr id="147" name="PlaceHolder 1"/>
-          <p:cNvSpPr>
-            <a:spLocks noGrp="1"/>
-          </p:cNvSpPr>
-          <p:nvPr>
-            <p:ph type="title"/>
-          </p:nvPr>
-        </p:nvSpPr>
-        <p:spPr>
-          <a:xfrm>
-            <a:off x="322560" y="180720"/>
-            <a:ext cx="11594880" cy="930240"/>
-          </a:xfrm>
-          <a:prstGeom prst="rect">
-            <a:avLst/>
-          </a:prstGeom>
-          <a:noFill/>
-          <a:ln w="0">
-            <a:noFill/>
-          </a:ln>
-        </p:spPr>
-        <p:txBody>
-          <a:bodyPr lIns="109800" rIns="109800" tIns="109800" bIns="91440" anchor="ctr">
-            <a:noAutofit/>
-          </a:bodyPr>
-          <a:p>
-            <a:pPr>
-              <a:lnSpc>
-                <a:spcPct val="150000"/>
-              </a:lnSpc>
-              <a:buNone/>
-            </a:pPr>
-            <a:r>
-              <a:rPr b="1" lang="it-IT" sz="3600" spc="109" strike="noStrike">
-                <a:solidFill>
-                  <a:srgbClr val="ffffff"/>
-                </a:solidFill>
-                <a:latin typeface="Meiryo"/>
-              </a:rPr>
-              <a:t>Final Product needs</a:t>
-            </a:r>
-            <a:endParaRPr b="0" lang="it-IT" sz="3600" spc="-1" strike="noStrike">
-              <a:latin typeface="Arial"/>
-            </a:endParaRPr>
-          </a:p>
-        </p:txBody>
-      </p:sp>
-      <p:sp>
-        <p:nvSpPr>
-          <p:cNvPr id="148" name="PlaceHolder 2"/>
-          <p:cNvSpPr>
-            <a:spLocks noGrp="1"/>
-          </p:cNvSpPr>
-          <p:nvPr>
-            <p:ph type="sldNum" idx="16"/>
-          </p:nvPr>
-        </p:nvSpPr>
-        <p:spPr>
-          <a:xfrm>
-            <a:off x="10569240" y="6309360"/>
-            <a:ext cx="974520" cy="451800"/>
-          </a:xfrm>
-          <a:prstGeom prst="rect">
-            <a:avLst/>
-          </a:prstGeom>
-          <a:noFill/>
-          <a:ln w="0">
-            <a:noFill/>
-          </a:ln>
-        </p:spPr>
-        <p:txBody>
-          <a:bodyPr lIns="109800" rIns="109800" tIns="109800" bIns="91440" anchor="b">
-            <a:noAutofit/>
-          </a:bodyPr>
-          <a:lstStyle>
-            <a:lvl1pPr algn="r">
-              <a:lnSpc>
-                <a:spcPct val="100000"/>
-              </a:lnSpc>
-              <a:buNone/>
-              <a:defRPr b="1" lang="en-US" sz="1600" spc="109" strike="noStrike">
-                <a:solidFill>
-                  <a:srgbClr val="404040"/>
-                </a:solidFill>
-                <a:latin typeface="Meiryo"/>
-              </a:defRPr>
-            </a:lvl1pPr>
-          </a:lstStyle>
-          <a:p>
-            <a:pPr algn="r">
-              <a:lnSpc>
-                <a:spcPct val="100000"/>
-              </a:lnSpc>
-              <a:buNone/>
-            </a:pPr>
-            <a:fld id="{6A7A112B-B687-4809-B6FB-C052926D557B}" type="slidenum">
-              <a:rPr b="1" lang="en-US" sz="1600" spc="109" strike="noStrike">
-                <a:solidFill>
-                  <a:srgbClr val="404040"/>
                 </a:solidFill>
                 <a:latin typeface="Meiryo"/>
               </a:rPr>
@@ -6464,396 +6320,6 @@
             </a:fld>
             <a:endParaRPr b="0" lang="it-IT" sz="1600" spc="-1" strike="noStrike">
               <a:latin typeface="Times New Roman"/>
-            </a:endParaRPr>
-          </a:p>
-        </p:txBody>
-      </p:sp>
-      <p:sp>
-        <p:nvSpPr>
-          <p:cNvPr id="149" name="CasellaDiTesto 4"/>
-          <p:cNvSpPr/>
-          <p:nvPr/>
-        </p:nvSpPr>
-        <p:spPr>
-          <a:xfrm>
-            <a:off x="528840" y="1441080"/>
-            <a:ext cx="11014920" cy="5240160"/>
-          </a:xfrm>
-          <a:prstGeom prst="rect">
-            <a:avLst/>
-          </a:prstGeom>
-          <a:noFill/>
-          <a:ln w="0">
-            <a:noFill/>
-          </a:ln>
-        </p:spPr>
-        <p:style>
-          <a:lnRef idx="0"/>
-          <a:fillRef idx="0"/>
-          <a:effectRef idx="0"/>
-          <a:fontRef idx="minor"/>
-        </p:style>
-        <p:txBody>
-          <a:bodyPr lIns="90000" rIns="90000" tIns="45000" bIns="45000" anchor="t">
-            <a:spAutoFit/>
-          </a:bodyPr>
-          <a:p>
-            <a:pPr marL="274320" indent="-228600" algn="just">
-              <a:lnSpc>
-                <a:spcPct val="90000"/>
-              </a:lnSpc>
-              <a:spcBef>
-                <a:spcPts val="451"/>
-              </a:spcBef>
-              <a:buNone/>
-              <a:tabLst>
-                <a:tab algn="l" pos="0"/>
-              </a:tabLst>
-            </a:pPr>
-            <a:endParaRPr b="0" lang="it-IT" sz="1600" spc="-1" strike="noStrike">
-              <a:latin typeface="Arial"/>
-            </a:endParaRPr>
-          </a:p>
-          <a:p>
-            <a:pPr marL="274320" indent="-228600" algn="just">
-              <a:lnSpc>
-                <a:spcPct val="90000"/>
-              </a:lnSpc>
-              <a:spcBef>
-                <a:spcPts val="451"/>
-              </a:spcBef>
-              <a:buClr>
-                <a:srgbClr val="000000"/>
-              </a:buClr>
-              <a:buSzPct val="45000"/>
-              <a:buFont typeface="Wingdings" charset="2"/>
-              <a:buChar char=""/>
-              <a:tabLst>
-                <a:tab algn="l" pos="0"/>
-              </a:tabLst>
-            </a:pPr>
-            <a:r>
-              <a:rPr b="0" lang="it-IT" sz="2400" spc="-1" strike="noStrike">
-                <a:solidFill>
-                  <a:srgbClr val="000000"/>
-                </a:solidFill>
-                <a:latin typeface="Meiryo"/>
-                <a:ea typeface="DejaVu Sans"/>
-              </a:rPr>
-              <a:t>Reduce adoption friction:</a:t>
-            </a:r>
-            <a:endParaRPr b="0" lang="it-IT" sz="2400" spc="-1" strike="noStrike">
-              <a:latin typeface="Arial"/>
-            </a:endParaRPr>
-          </a:p>
-          <a:p>
-            <a:pPr lvl="2" marL="648000" indent="-216000" algn="just">
-              <a:lnSpc>
-                <a:spcPct val="90000"/>
-              </a:lnSpc>
-              <a:spcBef>
-                <a:spcPts val="451"/>
-              </a:spcBef>
-              <a:buClr>
-                <a:srgbClr val="000000"/>
-              </a:buClr>
-              <a:buSzPct val="45000"/>
-              <a:buFont typeface="Wingdings" charset="2"/>
-              <a:buChar char=""/>
-              <a:tabLst>
-                <a:tab algn="l" pos="0"/>
-              </a:tabLst>
-            </a:pPr>
-            <a:r>
-              <a:rPr b="0" lang="it-IT" sz="2400" spc="-1" strike="noStrike">
-                <a:solidFill>
-                  <a:srgbClr val="000000"/>
-                </a:solidFill>
-                <a:latin typeface="Meiryo"/>
-                <a:ea typeface="DejaVu Sans"/>
-              </a:rPr>
-              <a:t>NFID authentication?</a:t>
-            </a:r>
-            <a:endParaRPr b="0" lang="it-IT" sz="2400" spc="-1" strike="noStrike">
-              <a:latin typeface="Arial"/>
-            </a:endParaRPr>
-          </a:p>
-          <a:p>
-            <a:pPr lvl="2" marL="648000" indent="-216000" algn="just">
-              <a:lnSpc>
-                <a:spcPct val="90000"/>
-              </a:lnSpc>
-              <a:spcBef>
-                <a:spcPts val="451"/>
-              </a:spcBef>
-              <a:buClr>
-                <a:srgbClr val="000000"/>
-              </a:buClr>
-              <a:buSzPct val="45000"/>
-              <a:buFont typeface="Wingdings" charset="2"/>
-              <a:buChar char=""/>
-              <a:tabLst>
-                <a:tab algn="l" pos="0"/>
-              </a:tabLst>
-            </a:pPr>
-            <a:r>
-              <a:rPr b="0" lang="it-IT" sz="2400" spc="-1" strike="noStrike">
-                <a:solidFill>
-                  <a:srgbClr val="000000"/>
-                </a:solidFill>
-                <a:latin typeface="Meiryo"/>
-                <a:ea typeface="DejaVu Sans"/>
-              </a:rPr>
-              <a:t>Cartridge and Services Purchase: </a:t>
-            </a:r>
-            <a:r>
-              <a:rPr b="0" i="1" lang="it-IT" sz="2400" spc="-1" strike="noStrike">
-                <a:solidFill>
-                  <a:srgbClr val="000000"/>
-                </a:solidFill>
-                <a:latin typeface="Meiryo"/>
-                <a:ea typeface="DejaVu Sans"/>
-              </a:rPr>
-              <a:t>on ramp</a:t>
-            </a:r>
-            <a:r>
-              <a:rPr b="0" lang="it-IT" sz="2400" spc="-1" strike="noStrike">
-                <a:solidFill>
-                  <a:srgbClr val="000000"/>
-                </a:solidFill>
-                <a:latin typeface="Meiryo"/>
-                <a:ea typeface="DejaVu Sans"/>
-              </a:rPr>
-              <a:t> solutions (alchemy, banxa, ...), or even pure Fiat, off chain money</a:t>
-            </a:r>
-            <a:endParaRPr b="0" lang="it-IT" sz="2400" spc="-1" strike="noStrike">
-              <a:latin typeface="Arial"/>
-            </a:endParaRPr>
-          </a:p>
-          <a:p>
-            <a:pPr lvl="2" marL="648000" indent="-216000" algn="just">
-              <a:lnSpc>
-                <a:spcPct val="90000"/>
-              </a:lnSpc>
-              <a:spcBef>
-                <a:spcPts val="451"/>
-              </a:spcBef>
-              <a:buClr>
-                <a:srgbClr val="000000"/>
-              </a:buClr>
-              <a:buSzPct val="45000"/>
-              <a:buFont typeface="Wingdings" charset="2"/>
-              <a:buChar char=""/>
-              <a:tabLst>
-                <a:tab algn="l" pos="0"/>
-              </a:tabLst>
-            </a:pPr>
-            <a:r>
-              <a:rPr b="0" lang="it-IT" sz="2400" spc="-1" strike="noStrike">
-                <a:solidFill>
-                  <a:srgbClr val="000000"/>
-                </a:solidFill>
-                <a:latin typeface="Meiryo"/>
-                <a:ea typeface="DejaVu Sans"/>
-              </a:rPr>
-              <a:t>KYC for physical delivery of cardridges</a:t>
-            </a:r>
-            <a:endParaRPr b="0" lang="it-IT" sz="2400" spc="-1" strike="noStrike">
-              <a:latin typeface="Arial"/>
-            </a:endParaRPr>
-          </a:p>
-          <a:p>
-            <a:pPr marL="274320" indent="-228600" algn="just">
-              <a:lnSpc>
-                <a:spcPct val="90000"/>
-              </a:lnSpc>
-              <a:spcBef>
-                <a:spcPts val="451"/>
-              </a:spcBef>
-              <a:buClr>
-                <a:srgbClr val="000000"/>
-              </a:buClr>
-              <a:buSzPct val="45000"/>
-              <a:buFont typeface="Wingdings" charset="2"/>
-              <a:buChar char=""/>
-              <a:tabLst>
-                <a:tab algn="l" pos="0"/>
-              </a:tabLst>
-            </a:pPr>
-            <a:r>
-              <a:rPr b="0" lang="it-IT" sz="2400" spc="-1" strike="noStrike">
-                <a:solidFill>
-                  <a:srgbClr val="000000"/>
-                </a:solidFill>
-                <a:latin typeface="Meiryo"/>
-                <a:ea typeface="DejaVu Sans"/>
-              </a:rPr>
-              <a:t>Enforce Trust and Privacy:</a:t>
-            </a:r>
-            <a:endParaRPr b="0" lang="it-IT" sz="2400" spc="-1" strike="noStrike">
-              <a:latin typeface="Arial"/>
-            </a:endParaRPr>
-          </a:p>
-          <a:p>
-            <a:pPr lvl="1" marL="432000" indent="-216000" algn="just">
-              <a:lnSpc>
-                <a:spcPct val="90000"/>
-              </a:lnSpc>
-              <a:spcBef>
-                <a:spcPts val="451"/>
-              </a:spcBef>
-              <a:buClr>
-                <a:srgbClr val="000000"/>
-              </a:buClr>
-              <a:buSzPct val="45000"/>
-              <a:buFont typeface="Wingdings" charset="2"/>
-              <a:buChar char=""/>
-              <a:tabLst>
-                <a:tab algn="l" pos="0"/>
-              </a:tabLst>
-            </a:pPr>
-            <a:r>
-              <a:rPr b="0" lang="it-IT" sz="2400" spc="-1" strike="noStrike">
-                <a:solidFill>
-                  <a:srgbClr val="000000"/>
-                </a:solidFill>
-                <a:latin typeface="Meiryo"/>
-                <a:ea typeface="DejaVu Sans"/>
-              </a:rPr>
-              <a:t>IC Certified Assets</a:t>
-            </a:r>
-            <a:endParaRPr b="0" lang="it-IT" sz="2400" spc="-1" strike="noStrike">
-              <a:latin typeface="Arial"/>
-            </a:endParaRPr>
-          </a:p>
-          <a:p>
-            <a:pPr lvl="1" marL="432000" indent="-216000" algn="just">
-              <a:lnSpc>
-                <a:spcPct val="90000"/>
-              </a:lnSpc>
-              <a:spcBef>
-                <a:spcPts val="451"/>
-              </a:spcBef>
-              <a:buClr>
-                <a:srgbClr val="000000"/>
-              </a:buClr>
-              <a:buSzPct val="45000"/>
-              <a:buFont typeface="Wingdings" charset="2"/>
-              <a:buChar char=""/>
-              <a:tabLst>
-                <a:tab algn="l" pos="0"/>
-              </a:tabLst>
-            </a:pPr>
-            <a:r>
-              <a:rPr b="0" lang="it-IT" sz="2400" spc="-1" strike="noStrike">
-                <a:solidFill>
-                  <a:srgbClr val="000000"/>
-                </a:solidFill>
-                <a:latin typeface="Meiryo"/>
-                <a:ea typeface="DejaVu Sans"/>
-              </a:rPr>
-              <a:t>Encryption (Vet keys?) for data and documents</a:t>
-            </a:r>
-            <a:endParaRPr b="0" lang="it-IT" sz="2400" spc="-1" strike="noStrike">
-              <a:latin typeface="Arial"/>
-            </a:endParaRPr>
-          </a:p>
-          <a:p>
-            <a:pPr marL="274320" indent="-228600" algn="just">
-              <a:lnSpc>
-                <a:spcPct val="90000"/>
-              </a:lnSpc>
-              <a:spcBef>
-                <a:spcPts val="451"/>
-              </a:spcBef>
-              <a:buClr>
-                <a:srgbClr val="000000"/>
-              </a:buClr>
-              <a:buSzPct val="45000"/>
-              <a:buFont typeface="Wingdings" charset="2"/>
-              <a:buChar char=""/>
-              <a:tabLst>
-                <a:tab algn="l" pos="0"/>
-              </a:tabLst>
-            </a:pPr>
-            <a:r>
-              <a:rPr b="0" lang="it-IT" sz="2400" spc="-1" strike="noStrike">
-                <a:solidFill>
-                  <a:srgbClr val="000000"/>
-                </a:solidFill>
-                <a:latin typeface="Meiryo"/>
-                <a:ea typeface="DejaVu Sans"/>
-              </a:rPr>
-              <a:t>Enpower financial operations:</a:t>
-            </a:r>
-            <a:endParaRPr b="0" lang="it-IT" sz="2400" spc="-1" strike="noStrike">
-              <a:latin typeface="Arial"/>
-            </a:endParaRPr>
-          </a:p>
-          <a:p>
-            <a:pPr lvl="2" marL="648000" indent="-216000" algn="just">
-              <a:lnSpc>
-                <a:spcPct val="90000"/>
-              </a:lnSpc>
-              <a:spcBef>
-                <a:spcPts val="451"/>
-              </a:spcBef>
-              <a:buClr>
-                <a:srgbClr val="000000"/>
-              </a:buClr>
-              <a:buSzPct val="45000"/>
-              <a:buFont typeface="Wingdings" charset="2"/>
-              <a:buChar char=""/>
-              <a:tabLst>
-                <a:tab algn="l" pos="0"/>
-              </a:tabLst>
-            </a:pPr>
-            <a:r>
-              <a:rPr b="0" lang="it-IT" sz="2400" spc="-1" strike="noStrike">
-                <a:solidFill>
-                  <a:srgbClr val="000000"/>
-                </a:solidFill>
-                <a:latin typeface="Meiryo"/>
-                <a:ea typeface="DejaVu Sans"/>
-              </a:rPr>
-              <a:t>Mint NFT of each artwork (enrich image with custom EXIF/XMP tags for DNA strings)</a:t>
-            </a:r>
-            <a:endParaRPr b="0" lang="it-IT" sz="2400" spc="-1" strike="noStrike">
-              <a:latin typeface="Arial"/>
-            </a:endParaRPr>
-          </a:p>
-          <a:p>
-            <a:pPr algn="just">
-              <a:lnSpc>
-                <a:spcPct val="90000"/>
-              </a:lnSpc>
-              <a:spcBef>
-                <a:spcPts val="451"/>
-              </a:spcBef>
-              <a:buNone/>
-              <a:tabLst>
-                <a:tab algn="l" pos="0"/>
-              </a:tabLst>
-            </a:pPr>
-            <a:endParaRPr b="0" lang="it-IT" sz="2400" spc="-1" strike="noStrike">
-              <a:latin typeface="Arial"/>
-            </a:endParaRPr>
-          </a:p>
-          <a:p>
-            <a:pPr marL="502920" indent="-228600" algn="just">
-              <a:lnSpc>
-                <a:spcPct val="90000"/>
-              </a:lnSpc>
-              <a:spcBef>
-                <a:spcPts val="451"/>
-              </a:spcBef>
-              <a:buNone/>
-              <a:tabLst>
-                <a:tab algn="l" pos="0"/>
-              </a:tabLst>
-            </a:pPr>
-            <a:endParaRPr b="0" lang="it-IT" sz="2400" spc="-1" strike="noStrike">
-              <a:latin typeface="Arial"/>
             </a:endParaRPr>
           </a:p>
         </p:txBody>
@@ -6901,7 +6367,7 @@
         <p:spPr>
           <a:xfrm>
             <a:off x="322560" y="180720"/>
-            <a:ext cx="11594880" cy="930240"/>
+            <a:ext cx="11594520" cy="929880"/>
           </a:xfrm>
           <a:prstGeom prst="rect">
             <a:avLst/>
@@ -6923,13 +6389,13 @@
               <a:buNone/>
             </a:pPr>
             <a:r>
-              <a:rPr b="1" lang="it-IT" sz="3600" spc="109" strike="noStrike">
+              <a:rPr b="1" lang="it-IT" sz="3600" spc="106" strike="noStrike">
                 <a:solidFill>
                   <a:srgbClr val="ffffff"/>
                 </a:solidFill>
                 <a:latin typeface="Meiryo"/>
               </a:rPr>
-              <a:t>Company Mission and MVP Goal</a:t>
+              <a:t>Basic Roles</a:t>
             </a:r>
             <a:endParaRPr b="0" lang="it-IT" sz="3600" spc="-1" strike="noStrike">
               <a:latin typeface="Arial"/>
@@ -6950,7 +6416,7 @@
         <p:spPr>
           <a:xfrm>
             <a:off x="10569240" y="6309360"/>
-            <a:ext cx="974520" cy="451800"/>
+            <a:ext cx="974160" cy="451440"/>
           </a:xfrm>
           <a:prstGeom prst="rect">
             <a:avLst/>
@@ -6970,7 +6436,7 @@
                 <a:spcPct val="100000"/>
               </a:lnSpc>
               <a:buNone/>
-              <a:defRPr b="1" lang="en-US" sz="1600" spc="109" strike="noStrike">
+              <a:defRPr b="1" lang="en-US" sz="1600" spc="106" strike="noStrike">
                 <a:solidFill>
                   <a:srgbClr val="404040"/>
                 </a:solidFill>
@@ -6985,14 +6451,14 @@
               </a:lnSpc>
               <a:buNone/>
             </a:pPr>
-            <a:fld id="{D59BFA1C-FC9A-4FE7-80A1-061623BAA89A}" type="slidenum">
-              <a:rPr b="1" lang="en-US" sz="1600" spc="109" strike="noStrike">
+            <a:fld id="{7E586DE1-D206-4272-996B-E7FB2DF70059}" type="slidenum">
+              <a:rPr b="1" lang="en-US" sz="1600" spc="106" strike="noStrike">
                 <a:solidFill>
                   <a:srgbClr val="404040"/>
                 </a:solidFill>
                 <a:latin typeface="Meiryo"/>
               </a:rPr>
-              <a:t>1</a:t>
+              <a:t>&lt;number&gt;</a:t>
             </a:fld>
             <a:endParaRPr b="0" lang="it-IT" sz="1600" spc="-1" strike="noStrike">
               <a:latin typeface="Times New Roman"/>
@@ -7002,14 +6468,14 @@
       </p:sp>
       <p:sp>
         <p:nvSpPr>
-          <p:cNvPr id="112" name="CasellaDiTesto 3"/>
+          <p:cNvPr id="112" name="CasellaDiTesto 10"/>
           <p:cNvSpPr/>
           <p:nvPr/>
         </p:nvSpPr>
         <p:spPr>
           <a:xfrm>
-            <a:off x="528840" y="1441080"/>
-            <a:ext cx="11014920" cy="2865240"/>
+            <a:off x="540000" y="1111680"/>
+            <a:ext cx="11014560" cy="5256360"/>
           </a:xfrm>
           <a:prstGeom prst="rect">
             <a:avLst/>
@@ -7047,7 +6513,7 @@
             </a:endParaRPr>
           </a:p>
           <a:p>
-            <a:pPr lvl="1" marL="502920" indent="-228600" algn="just">
+            <a:pPr marL="274320" indent="-228600" algn="just">
               <a:lnSpc>
                 <a:spcPct val="90000"/>
               </a:lnSpc>
@@ -7057,48 +6523,29 @@
               <a:buClr>
                 <a:srgbClr val="000000"/>
               </a:buClr>
-              <a:buSzPct val="80000"/>
+              <a:buSzPct val="45000"/>
               <a:buFont typeface="Wingdings" charset="2"/>
-              <a:buChar char=""/>
+              <a:buChar char=""/>
               <a:tabLst>
-                <a:tab algn="l" pos="446040"/>
-                <a:tab algn="l" pos="895320"/>
-                <a:tab algn="l" pos="1344600"/>
-                <a:tab algn="l" pos="1793880"/>
-                <a:tab algn="l" pos="2243160"/>
-                <a:tab algn="l" pos="2692440"/>
-                <a:tab algn="l" pos="3141720"/>
-                <a:tab algn="l" pos="3591000"/>
-                <a:tab algn="l" pos="4040280"/>
-                <a:tab algn="l" pos="4489560"/>
-                <a:tab algn="l" pos="4938840"/>
-                <a:tab algn="l" pos="5388120"/>
-                <a:tab algn="l" pos="5837400"/>
-                <a:tab algn="l" pos="6286680"/>
-                <a:tab algn="l" pos="6735600"/>
-                <a:tab algn="l" pos="7184880"/>
-                <a:tab algn="l" pos="7634160"/>
-                <a:tab algn="l" pos="8083440"/>
-                <a:tab algn="l" pos="8532720"/>
-                <a:tab algn="l" pos="8982000"/>
+                <a:tab algn="l" pos="0"/>
               </a:tabLst>
             </a:pPr>
             <a:r>
               <a:rPr b="0" lang="it-IT" sz="2400" spc="-1" strike="noStrike">
                 <a:solidFill>
-                  <a:srgbClr val="595959"/>
+                  <a:srgbClr val="000000"/>
                 </a:solidFill>
                 <a:latin typeface="Meiryo"/>
                 <a:ea typeface="DejaVu Sans"/>
               </a:rPr>
-              <a:t>Artwork forgery is a big concern. Our aim is to create an unbreakable and unique bond between the physical artwork and its digital representation, that will help to fight fakes</a:t>
+              <a:t>Laboratory: </a:t>
             </a:r>
             <a:endParaRPr b="0" lang="it-IT" sz="2400" spc="-1" strike="noStrike">
               <a:latin typeface="Arial"/>
             </a:endParaRPr>
           </a:p>
           <a:p>
-            <a:pPr lvl="1" marL="502920" indent="-228600" algn="just">
+            <a:pPr lvl="2" marL="648000" indent="-216000" algn="just">
               <a:lnSpc>
                 <a:spcPct val="90000"/>
               </a:lnSpc>
@@ -7108,68 +6555,29 @@
               <a:buClr>
                 <a:srgbClr val="000000"/>
               </a:buClr>
-              <a:buSzPct val="80000"/>
+              <a:buSzPct val="45000"/>
               <a:buFont typeface="Wingdings" charset="2"/>
-              <a:buChar char=""/>
+              <a:buChar char=""/>
               <a:tabLst>
-                <a:tab algn="l" pos="446040"/>
-                <a:tab algn="l" pos="895320"/>
-                <a:tab algn="l" pos="1344600"/>
-                <a:tab algn="l" pos="1793880"/>
-                <a:tab algn="l" pos="2243160"/>
-                <a:tab algn="l" pos="2692440"/>
-                <a:tab algn="l" pos="3141720"/>
-                <a:tab algn="l" pos="3591000"/>
-                <a:tab algn="l" pos="4040280"/>
-                <a:tab algn="l" pos="4489560"/>
-                <a:tab algn="l" pos="4938840"/>
-                <a:tab algn="l" pos="5388120"/>
-                <a:tab algn="l" pos="5837400"/>
-                <a:tab algn="l" pos="6286680"/>
-                <a:tab algn="l" pos="6735600"/>
-                <a:tab algn="l" pos="7184880"/>
-                <a:tab algn="l" pos="7634160"/>
-                <a:tab algn="l" pos="8083440"/>
-                <a:tab algn="l" pos="8532720"/>
-                <a:tab algn="l" pos="8982000"/>
+                <a:tab algn="l" pos="0"/>
               </a:tabLst>
             </a:pPr>
             <a:r>
               <a:rPr b="0" lang="it-IT" sz="2400" spc="-1" strike="noStrike">
                 <a:solidFill>
-                  <a:srgbClr val="595959"/>
+                  <a:srgbClr val="000000"/>
                 </a:solidFill>
                 <a:latin typeface="Meiryo"/>
                 <a:ea typeface="DejaVu Sans"/>
               </a:rPr>
-              <a:t>The bond (our </a:t>
-            </a:r>
-            <a:r>
-              <a:rPr b="1" i="1" lang="it-IT" sz="2400" spc="-1" strike="noStrike">
-                <a:solidFill>
-                  <a:srgbClr val="595959"/>
-                </a:solidFill>
-                <a:latin typeface="Meiryo"/>
-                <a:ea typeface="DejaVu Sans"/>
-              </a:rPr>
-              <a:t>Signature Kit</a:t>
-            </a:r>
-            <a:r>
-              <a:rPr b="0" lang="it-IT" sz="2400" spc="-1" strike="noStrike">
-                <a:solidFill>
-                  <a:srgbClr val="595959"/>
-                </a:solidFill>
-                <a:latin typeface="Meiryo"/>
-                <a:ea typeface="DejaVu Sans"/>
-              </a:rPr>
-              <a:t>) is made up of two elements: the genetic ink on the artwork and its digital representation on the IC Blockchain</a:t>
+              <a:t>Create DNA Cartridge</a:t>
             </a:r>
             <a:endParaRPr b="0" lang="it-IT" sz="2400" spc="-1" strike="noStrike">
               <a:latin typeface="Arial"/>
             </a:endParaRPr>
           </a:p>
           <a:p>
-            <a:pPr lvl="1" marL="502920" indent="-228600" algn="just">
+            <a:pPr lvl="2" marL="648000" indent="-216000" algn="just">
               <a:lnSpc>
                 <a:spcPct val="90000"/>
               </a:lnSpc>
@@ -7179,41 +6587,243 @@
               <a:buClr>
                 <a:srgbClr val="000000"/>
               </a:buClr>
-              <a:buSzPct val="80000"/>
+              <a:buSzPct val="45000"/>
               <a:buFont typeface="Wingdings" charset="2"/>
-              <a:buChar char=""/>
+              <a:buChar char=""/>
               <a:tabLst>
-                <a:tab algn="l" pos="446040"/>
-                <a:tab algn="l" pos="895320"/>
-                <a:tab algn="l" pos="1344600"/>
-                <a:tab algn="l" pos="1793880"/>
-                <a:tab algn="l" pos="2243160"/>
-                <a:tab algn="l" pos="2692440"/>
-                <a:tab algn="l" pos="3141720"/>
-                <a:tab algn="l" pos="3591000"/>
-                <a:tab algn="l" pos="4040280"/>
-                <a:tab algn="l" pos="4489560"/>
-                <a:tab algn="l" pos="4938840"/>
-                <a:tab algn="l" pos="5388120"/>
-                <a:tab algn="l" pos="5837400"/>
-                <a:tab algn="l" pos="6286680"/>
-                <a:tab algn="l" pos="6735600"/>
-                <a:tab algn="l" pos="7184880"/>
-                <a:tab algn="l" pos="7634160"/>
-                <a:tab algn="l" pos="8083440"/>
-                <a:tab algn="l" pos="8532720"/>
-                <a:tab algn="l" pos="8982000"/>
+                <a:tab algn="l" pos="0"/>
               </a:tabLst>
             </a:pPr>
             <a:r>
               <a:rPr b="0" lang="it-IT" sz="2400" spc="-1" strike="noStrike">
                 <a:solidFill>
-                  <a:srgbClr val="595959"/>
+                  <a:srgbClr val="000000"/>
                 </a:solidFill>
                 <a:latin typeface="Meiryo"/>
                 <a:ea typeface="DejaVu Sans"/>
               </a:rPr>
-              <a:t>The MVP will focus on the application logic of this solution</a:t>
+              <a:t>Insert the DNA analysis (both xls and pdf) in BlockChain</a:t>
+            </a:r>
+            <a:endParaRPr b="0" lang="it-IT" sz="2400" spc="-1" strike="noStrike">
+              <a:latin typeface="Arial"/>
+            </a:endParaRPr>
+          </a:p>
+          <a:p>
+            <a:pPr marL="274320" indent="-228600" algn="just">
+              <a:lnSpc>
+                <a:spcPct val="90000"/>
+              </a:lnSpc>
+              <a:spcBef>
+                <a:spcPts val="451"/>
+              </a:spcBef>
+              <a:buClr>
+                <a:srgbClr val="000000"/>
+              </a:buClr>
+              <a:buSzPct val="45000"/>
+              <a:buFont typeface="Wingdings" charset="2"/>
+              <a:buChar char=""/>
+              <a:tabLst>
+                <a:tab algn="l" pos="0"/>
+              </a:tabLst>
+            </a:pPr>
+            <a:r>
+              <a:rPr b="0" lang="it-IT" sz="2400" spc="-1" strike="noStrike">
+                <a:solidFill>
+                  <a:srgbClr val="000000"/>
+                </a:solidFill>
+                <a:latin typeface="Meiryo"/>
+                <a:ea typeface="DejaVu Sans"/>
+              </a:rPr>
+              <a:t>Artwork Owner: </a:t>
+            </a:r>
+            <a:endParaRPr b="0" lang="it-IT" sz="2400" spc="-1" strike="noStrike">
+              <a:latin typeface="Arial"/>
+            </a:endParaRPr>
+          </a:p>
+          <a:p>
+            <a:pPr lvl="2" marL="648000" indent="-216000" algn="just">
+              <a:lnSpc>
+                <a:spcPct val="90000"/>
+              </a:lnSpc>
+              <a:spcBef>
+                <a:spcPts val="451"/>
+              </a:spcBef>
+              <a:buClr>
+                <a:srgbClr val="000000"/>
+              </a:buClr>
+              <a:buSzPct val="45000"/>
+              <a:buFont typeface="Wingdings" charset="2"/>
+              <a:buChar char=""/>
+              <a:tabLst>
+                <a:tab algn="l" pos="0"/>
+              </a:tabLst>
+            </a:pPr>
+            <a:r>
+              <a:rPr b="0" lang="it-IT" sz="2400" spc="-1" strike="noStrike">
+                <a:solidFill>
+                  <a:srgbClr val="000000"/>
+                </a:solidFill>
+                <a:latin typeface="Meiryo"/>
+                <a:ea typeface="DejaVu Sans"/>
+              </a:rPr>
+              <a:t>create the opera folder in BC</a:t>
+            </a:r>
+            <a:endParaRPr b="0" lang="it-IT" sz="2400" spc="-1" strike="noStrike">
+              <a:latin typeface="Arial"/>
+            </a:endParaRPr>
+          </a:p>
+          <a:p>
+            <a:pPr lvl="2" marL="648000" indent="-216000" algn="just">
+              <a:lnSpc>
+                <a:spcPct val="90000"/>
+              </a:lnSpc>
+              <a:spcBef>
+                <a:spcPts val="451"/>
+              </a:spcBef>
+              <a:buClr>
+                <a:srgbClr val="000000"/>
+              </a:buClr>
+              <a:buSzPct val="45000"/>
+              <a:buFont typeface="Wingdings" charset="2"/>
+              <a:buChar char=""/>
+              <a:tabLst>
+                <a:tab algn="l" pos="0"/>
+              </a:tabLst>
+            </a:pPr>
+            <a:r>
+              <a:rPr b="0" lang="it-IT" sz="2400" spc="-1" strike="noStrike">
+                <a:solidFill>
+                  <a:srgbClr val="000000"/>
+                </a:solidFill>
+                <a:latin typeface="Meiryo"/>
+                <a:ea typeface="DejaVu Sans"/>
+              </a:rPr>
+              <a:t>Purchase cartridges</a:t>
+            </a:r>
+            <a:endParaRPr b="0" lang="it-IT" sz="2400" spc="-1" strike="noStrike">
+              <a:latin typeface="Arial"/>
+            </a:endParaRPr>
+          </a:p>
+          <a:p>
+            <a:pPr lvl="2" marL="648000" indent="-216000" algn="just">
+              <a:lnSpc>
+                <a:spcPct val="90000"/>
+              </a:lnSpc>
+              <a:spcBef>
+                <a:spcPts val="451"/>
+              </a:spcBef>
+              <a:buClr>
+                <a:srgbClr val="000000"/>
+              </a:buClr>
+              <a:buSzPct val="45000"/>
+              <a:buFont typeface="Wingdings" charset="2"/>
+              <a:buChar char=""/>
+              <a:tabLst>
+                <a:tab algn="l" pos="0"/>
+              </a:tabLst>
+            </a:pPr>
+            <a:r>
+              <a:rPr b="0" lang="it-IT" sz="2400" spc="-1" strike="noStrike">
+                <a:solidFill>
+                  <a:srgbClr val="000000"/>
+                </a:solidFill>
+                <a:latin typeface="Meiryo"/>
+                <a:ea typeface="DejaVu Sans"/>
+              </a:rPr>
+              <a:t>Place DNA ink on the artwork</a:t>
+            </a:r>
+            <a:endParaRPr b="0" lang="it-IT" sz="2400" spc="-1" strike="noStrike">
+              <a:latin typeface="Arial"/>
+            </a:endParaRPr>
+          </a:p>
+          <a:p>
+            <a:pPr lvl="2" marL="648000" indent="-216000">
+              <a:lnSpc>
+                <a:spcPct val="100000"/>
+              </a:lnSpc>
+              <a:buClr>
+                <a:srgbClr val="000000"/>
+              </a:buClr>
+              <a:buSzPct val="45000"/>
+              <a:buFont typeface="Wingdings" charset="2"/>
+              <a:buChar char=""/>
+              <a:tabLst>
+                <a:tab algn="l" pos="0"/>
+              </a:tabLst>
+            </a:pPr>
+            <a:r>
+              <a:rPr b="0" lang="it-IT" sz="2400" spc="-1" strike="noStrike">
+                <a:solidFill>
+                  <a:srgbClr val="000000"/>
+                </a:solidFill>
+                <a:latin typeface="Meiryo"/>
+                <a:ea typeface="DejaVu Sans"/>
+              </a:rPr>
+              <a:t>Insert Dna data in blockchain  (cartridge identifier and ink position on the artwork)</a:t>
+            </a:r>
+            <a:endParaRPr b="0" lang="it-IT" sz="2400" spc="-1" strike="noStrike">
+              <a:latin typeface="Arial"/>
+            </a:endParaRPr>
+          </a:p>
+          <a:p>
+            <a:pPr marL="274320" indent="-228600" algn="just">
+              <a:lnSpc>
+                <a:spcPct val="90000"/>
+              </a:lnSpc>
+              <a:spcBef>
+                <a:spcPts val="451"/>
+              </a:spcBef>
+              <a:buClr>
+                <a:srgbClr val="000000"/>
+              </a:buClr>
+              <a:buSzPct val="45000"/>
+              <a:buFont typeface="Wingdings" charset="2"/>
+              <a:buChar char=""/>
+              <a:tabLst>
+                <a:tab algn="l" pos="0"/>
+              </a:tabLst>
+            </a:pPr>
+            <a:r>
+              <a:rPr b="0" lang="it-IT" sz="2400" spc="-1" strike="noStrike">
+                <a:solidFill>
+                  <a:srgbClr val="000000"/>
+                </a:solidFill>
+                <a:latin typeface="Meiryo"/>
+                <a:ea typeface="DejaVu Sans"/>
+              </a:rPr>
+              <a:t>Artwork Stakeholder: </a:t>
+            </a:r>
+            <a:endParaRPr b="0" lang="it-IT" sz="2400" spc="-1" strike="noStrike">
+              <a:latin typeface="Arial"/>
+            </a:endParaRPr>
+          </a:p>
+          <a:p>
+            <a:pPr lvl="2" marL="648000" indent="-216000" algn="just">
+              <a:lnSpc>
+                <a:spcPct val="90000"/>
+              </a:lnSpc>
+              <a:spcBef>
+                <a:spcPts val="451"/>
+              </a:spcBef>
+              <a:buClr>
+                <a:srgbClr val="000000"/>
+              </a:buClr>
+              <a:buSzPct val="45000"/>
+              <a:buFont typeface="Wingdings" charset="2"/>
+              <a:buChar char=""/>
+              <a:tabLst>
+                <a:tab algn="l" pos="0"/>
+              </a:tabLst>
+            </a:pPr>
+            <a:r>
+              <a:rPr b="0" lang="it-IT" sz="2400" spc="-1" strike="noStrike">
+                <a:solidFill>
+                  <a:srgbClr val="000000"/>
+                </a:solidFill>
+                <a:latin typeface="Meiryo"/>
+                <a:ea typeface="DejaVu Sans"/>
+              </a:rPr>
+              <a:t>DNA verify (analysis of the swab and ink position are checked against the Blockchain record)</a:t>
             </a:r>
             <a:endParaRPr b="0" lang="it-IT" sz="2400" spc="-1" strike="noStrike">
               <a:latin typeface="Arial"/>
@@ -7281,7 +6891,7 @@
         <p:spPr>
           <a:xfrm>
             <a:off x="322560" y="180720"/>
-            <a:ext cx="11594880" cy="930240"/>
+            <a:ext cx="11594520" cy="929880"/>
           </a:xfrm>
           <a:prstGeom prst="rect">
             <a:avLst/>
@@ -7303,13 +6913,13 @@
               <a:buNone/>
             </a:pPr>
             <a:r>
-              <a:rPr b="1" lang="it-IT" sz="3600" spc="109" strike="noStrike">
+              <a:rPr b="1" lang="it-IT" sz="3600" spc="106" strike="noStrike">
                 <a:solidFill>
                   <a:srgbClr val="ffffff"/>
                 </a:solidFill>
                 <a:latin typeface="Meiryo"/>
               </a:rPr>
-              <a:t>Simplified Solution Flow</a:t>
+              <a:t>Laboratory: Create Cartridge, Analyze, Load in BC</a:t>
             </a:r>
             <a:endParaRPr b="0" lang="it-IT" sz="3600" spc="-1" strike="noStrike">
               <a:latin typeface="Arial"/>
@@ -7330,7 +6940,7 @@
         <p:spPr>
           <a:xfrm>
             <a:off x="10569240" y="6309360"/>
-            <a:ext cx="974520" cy="451800"/>
+            <a:ext cx="974160" cy="451440"/>
           </a:xfrm>
           <a:prstGeom prst="rect">
             <a:avLst/>
@@ -7350,7 +6960,7 @@
                 <a:spcPct val="100000"/>
               </a:lnSpc>
               <a:buNone/>
-              <a:defRPr b="1" lang="en-US" sz="1600" spc="109" strike="noStrike">
+              <a:defRPr b="1" lang="en-US" sz="1600" spc="106" strike="noStrike">
                 <a:solidFill>
                   <a:srgbClr val="404040"/>
                 </a:solidFill>
@@ -7365,14 +6975,14 @@
               </a:lnSpc>
               <a:buNone/>
             </a:pPr>
-            <a:fld id="{A2F544BD-A3ED-4081-9B3A-54181E826474}" type="slidenum">
-              <a:rPr b="1" lang="en-US" sz="1600" spc="109" strike="noStrike">
+            <a:fld id="{38A21FB0-6344-492C-97E0-AD4F0805CB90}" type="slidenum">
+              <a:rPr b="1" lang="en-US" sz="1600" spc="106" strike="noStrike">
                 <a:solidFill>
                   <a:srgbClr val="404040"/>
                 </a:solidFill>
                 <a:latin typeface="Meiryo"/>
               </a:rPr>
-              <a:t>1</a:t>
+              <a:t>&lt;number&gt;</a:t>
             </a:fld>
             <a:endParaRPr b="0" lang="it-IT" sz="1600" spc="-1" strike="noStrike">
               <a:latin typeface="Times New Roman"/>
@@ -7382,14 +6992,14 @@
       </p:sp>
       <p:sp>
         <p:nvSpPr>
-          <p:cNvPr id="115" name="CasellaDiTesto 10"/>
+          <p:cNvPr id="115" name="CasellaDiTesto 5"/>
           <p:cNvSpPr/>
           <p:nvPr/>
         </p:nvSpPr>
         <p:spPr>
           <a:xfrm>
-            <a:off x="540000" y="1111680"/>
-            <a:ext cx="11014920" cy="5256360"/>
+            <a:off x="528840" y="1441080"/>
+            <a:ext cx="11014560" cy="4096440"/>
           </a:xfrm>
           <a:prstGeom prst="rect">
             <a:avLst/>
@@ -7405,363 +7015,76 @@
           <a:effectRef idx="0"/>
           <a:fontRef idx="minor"/>
         </p:style>
-        <p:txBody>
-          <a:bodyPr lIns="90000" rIns="90000" tIns="45000" bIns="45000" anchor="t">
-            <a:spAutoFit/>
-          </a:bodyPr>
-          <a:p>
-            <a:pPr marL="274320" indent="-228600" algn="just">
-              <a:lnSpc>
-                <a:spcPct val="90000"/>
-              </a:lnSpc>
-              <a:spcBef>
-                <a:spcPts val="451"/>
-              </a:spcBef>
-              <a:buNone/>
-              <a:tabLst>
-                <a:tab algn="l" pos="0"/>
-              </a:tabLst>
-            </a:pPr>
-            <a:endParaRPr b="0" lang="it-IT" sz="1600" spc="-1" strike="noStrike">
-              <a:latin typeface="Arial"/>
-            </a:endParaRPr>
-          </a:p>
-          <a:p>
-            <a:pPr marL="274320" indent="-228600" algn="just">
-              <a:lnSpc>
-                <a:spcPct val="90000"/>
-              </a:lnSpc>
-              <a:spcBef>
-                <a:spcPts val="451"/>
-              </a:spcBef>
-              <a:buClr>
-                <a:srgbClr val="000000"/>
-              </a:buClr>
-              <a:buSzPct val="45000"/>
-              <a:buFont typeface="Wingdings" charset="2"/>
-              <a:buChar char=""/>
-              <a:tabLst>
-                <a:tab algn="l" pos="0"/>
-              </a:tabLst>
-            </a:pPr>
-            <a:r>
-              <a:rPr b="0" lang="it-IT" sz="2400" spc="-1" strike="noStrike">
-                <a:solidFill>
-                  <a:srgbClr val="000000"/>
-                </a:solidFill>
-                <a:latin typeface="Meiryo"/>
-                <a:ea typeface="DejaVu Sans"/>
-              </a:rPr>
-              <a:t>Laboratory: </a:t>
-            </a:r>
-            <a:endParaRPr b="0" lang="it-IT" sz="2400" spc="-1" strike="noStrike">
-              <a:latin typeface="Arial"/>
-            </a:endParaRPr>
-          </a:p>
-          <a:p>
-            <a:pPr lvl="2" marL="648000" indent="-216000" algn="just">
-              <a:lnSpc>
-                <a:spcPct val="90000"/>
-              </a:lnSpc>
-              <a:spcBef>
-                <a:spcPts val="451"/>
-              </a:spcBef>
-              <a:buClr>
-                <a:srgbClr val="000000"/>
-              </a:buClr>
-              <a:buSzPct val="45000"/>
-              <a:buFont typeface="Wingdings" charset="2"/>
-              <a:buChar char=""/>
-              <a:tabLst>
-                <a:tab algn="l" pos="0"/>
-              </a:tabLst>
-            </a:pPr>
-            <a:r>
-              <a:rPr b="0" lang="it-IT" sz="2400" spc="-1" strike="noStrike">
-                <a:solidFill>
-                  <a:srgbClr val="000000"/>
-                </a:solidFill>
-                <a:latin typeface="Meiryo"/>
-                <a:ea typeface="DejaVu Sans"/>
-              </a:rPr>
-              <a:t>Create DNA Cartridge</a:t>
-            </a:r>
-            <a:endParaRPr b="0" lang="it-IT" sz="2400" spc="-1" strike="noStrike">
-              <a:latin typeface="Arial"/>
-            </a:endParaRPr>
-          </a:p>
-          <a:p>
-            <a:pPr lvl="2" marL="648000" indent="-216000" algn="just">
-              <a:lnSpc>
-                <a:spcPct val="90000"/>
-              </a:lnSpc>
-              <a:spcBef>
-                <a:spcPts val="451"/>
-              </a:spcBef>
-              <a:buClr>
-                <a:srgbClr val="000000"/>
-              </a:buClr>
-              <a:buSzPct val="45000"/>
-              <a:buFont typeface="Wingdings" charset="2"/>
-              <a:buChar char=""/>
-              <a:tabLst>
-                <a:tab algn="l" pos="0"/>
-              </a:tabLst>
-            </a:pPr>
-            <a:r>
-              <a:rPr b="0" lang="it-IT" sz="2400" spc="-1" strike="noStrike">
-                <a:solidFill>
-                  <a:srgbClr val="000000"/>
-                </a:solidFill>
-                <a:latin typeface="Meiryo"/>
-                <a:ea typeface="DejaVu Sans"/>
-              </a:rPr>
-              <a:t>Insert the DNA analysis (both xls and pdf) in BlockChain</a:t>
-            </a:r>
-            <a:endParaRPr b="0" lang="it-IT" sz="2400" spc="-1" strike="noStrike">
-              <a:latin typeface="Arial"/>
-            </a:endParaRPr>
-          </a:p>
-          <a:p>
-            <a:pPr marL="274320" indent="-228600" algn="just">
-              <a:lnSpc>
-                <a:spcPct val="90000"/>
-              </a:lnSpc>
-              <a:spcBef>
-                <a:spcPts val="451"/>
-              </a:spcBef>
-              <a:buClr>
-                <a:srgbClr val="000000"/>
-              </a:buClr>
-              <a:buSzPct val="45000"/>
-              <a:buFont typeface="Wingdings" charset="2"/>
-              <a:buChar char=""/>
-              <a:tabLst>
-                <a:tab algn="l" pos="0"/>
-              </a:tabLst>
-            </a:pPr>
-            <a:r>
-              <a:rPr b="0" lang="it-IT" sz="2400" spc="-1" strike="noStrike">
-                <a:solidFill>
-                  <a:srgbClr val="000000"/>
-                </a:solidFill>
-                <a:latin typeface="Meiryo"/>
-                <a:ea typeface="DejaVu Sans"/>
-              </a:rPr>
-              <a:t>Artwork Owner: </a:t>
-            </a:r>
-            <a:endParaRPr b="0" lang="it-IT" sz="2400" spc="-1" strike="noStrike">
-              <a:latin typeface="Arial"/>
-            </a:endParaRPr>
-          </a:p>
-          <a:p>
-            <a:pPr lvl="2" marL="648000" indent="-216000" algn="just">
-              <a:lnSpc>
-                <a:spcPct val="90000"/>
-              </a:lnSpc>
-              <a:spcBef>
-                <a:spcPts val="451"/>
-              </a:spcBef>
-              <a:buClr>
-                <a:srgbClr val="000000"/>
-              </a:buClr>
-              <a:buSzPct val="45000"/>
-              <a:buFont typeface="Wingdings" charset="2"/>
-              <a:buChar char=""/>
-              <a:tabLst>
-                <a:tab algn="l" pos="0"/>
-              </a:tabLst>
-            </a:pPr>
-            <a:r>
-              <a:rPr b="0" lang="it-IT" sz="2400" spc="-1" strike="noStrike">
-                <a:solidFill>
-                  <a:srgbClr val="000000"/>
-                </a:solidFill>
-                <a:latin typeface="Meiryo"/>
-                <a:ea typeface="DejaVu Sans"/>
-              </a:rPr>
-              <a:t>create the opera folder in BC</a:t>
-            </a:r>
-            <a:endParaRPr b="0" lang="it-IT" sz="2400" spc="-1" strike="noStrike">
-              <a:latin typeface="Arial"/>
-            </a:endParaRPr>
-          </a:p>
-          <a:p>
-            <a:pPr lvl="2" marL="648000" indent="-216000" algn="just">
-              <a:lnSpc>
-                <a:spcPct val="90000"/>
-              </a:lnSpc>
-              <a:spcBef>
-                <a:spcPts val="451"/>
-              </a:spcBef>
-              <a:buClr>
-                <a:srgbClr val="000000"/>
-              </a:buClr>
-              <a:buSzPct val="45000"/>
-              <a:buFont typeface="Wingdings" charset="2"/>
-              <a:buChar char=""/>
-              <a:tabLst>
-                <a:tab algn="l" pos="0"/>
-              </a:tabLst>
-            </a:pPr>
-            <a:r>
-              <a:rPr b="0" lang="it-IT" sz="2400" spc="-1" strike="noStrike">
-                <a:solidFill>
-                  <a:srgbClr val="000000"/>
-                </a:solidFill>
-                <a:latin typeface="Meiryo"/>
-                <a:ea typeface="DejaVu Sans"/>
-              </a:rPr>
-              <a:t>Purchase cartridges</a:t>
-            </a:r>
-            <a:endParaRPr b="0" lang="it-IT" sz="2400" spc="-1" strike="noStrike">
-              <a:latin typeface="Arial"/>
-            </a:endParaRPr>
-          </a:p>
-          <a:p>
-            <a:pPr lvl="2" marL="648000" indent="-216000" algn="just">
-              <a:lnSpc>
-                <a:spcPct val="90000"/>
-              </a:lnSpc>
-              <a:spcBef>
-                <a:spcPts val="451"/>
-              </a:spcBef>
-              <a:buClr>
-                <a:srgbClr val="000000"/>
-              </a:buClr>
-              <a:buSzPct val="45000"/>
-              <a:buFont typeface="Wingdings" charset="2"/>
-              <a:buChar char=""/>
-              <a:tabLst>
-                <a:tab algn="l" pos="0"/>
-              </a:tabLst>
-            </a:pPr>
-            <a:r>
-              <a:rPr b="0" lang="it-IT" sz="2400" spc="-1" strike="noStrike">
-                <a:solidFill>
-                  <a:srgbClr val="000000"/>
-                </a:solidFill>
-                <a:latin typeface="Meiryo"/>
-                <a:ea typeface="DejaVu Sans"/>
-              </a:rPr>
-              <a:t>Place DNA ink on the artwork</a:t>
-            </a:r>
-            <a:endParaRPr b="0" lang="it-IT" sz="2400" spc="-1" strike="noStrike">
-              <a:latin typeface="Arial"/>
-            </a:endParaRPr>
-          </a:p>
-          <a:p>
-            <a:pPr lvl="2" marL="648000" indent="-216000">
-              <a:lnSpc>
-                <a:spcPct val="100000"/>
-              </a:lnSpc>
-              <a:buClr>
-                <a:srgbClr val="000000"/>
-              </a:buClr>
-              <a:buSzPct val="45000"/>
-              <a:buFont typeface="Wingdings" charset="2"/>
-              <a:buChar char=""/>
-              <a:tabLst>
-                <a:tab algn="l" pos="0"/>
-              </a:tabLst>
-            </a:pPr>
-            <a:r>
-              <a:rPr b="0" lang="it-IT" sz="2400" spc="-1" strike="noStrike">
-                <a:solidFill>
-                  <a:srgbClr val="000000"/>
-                </a:solidFill>
-                <a:latin typeface="Meiryo"/>
-                <a:ea typeface="DejaVu Sans"/>
-              </a:rPr>
-              <a:t>Insert Dna data in blockchain  (cartridge identifier and ink position on the artwork)</a:t>
-            </a:r>
-            <a:endParaRPr b="0" lang="it-IT" sz="2400" spc="-1" strike="noStrike">
-              <a:latin typeface="Arial"/>
-            </a:endParaRPr>
-          </a:p>
-          <a:p>
-            <a:pPr marL="274320" indent="-228600" algn="just">
-              <a:lnSpc>
-                <a:spcPct val="90000"/>
-              </a:lnSpc>
-              <a:spcBef>
-                <a:spcPts val="451"/>
-              </a:spcBef>
-              <a:buClr>
-                <a:srgbClr val="000000"/>
-              </a:buClr>
-              <a:buSzPct val="45000"/>
-              <a:buFont typeface="Wingdings" charset="2"/>
-              <a:buChar char=""/>
-              <a:tabLst>
-                <a:tab algn="l" pos="0"/>
-              </a:tabLst>
-            </a:pPr>
-            <a:r>
-              <a:rPr b="0" lang="it-IT" sz="2400" spc="-1" strike="noStrike">
-                <a:solidFill>
-                  <a:srgbClr val="000000"/>
-                </a:solidFill>
-                <a:latin typeface="Meiryo"/>
-                <a:ea typeface="DejaVu Sans"/>
-              </a:rPr>
-              <a:t>Artwork Stakeholder: </a:t>
-            </a:r>
-            <a:endParaRPr b="0" lang="it-IT" sz="2400" spc="-1" strike="noStrike">
-              <a:latin typeface="Arial"/>
-            </a:endParaRPr>
-          </a:p>
-          <a:p>
-            <a:pPr lvl="2" marL="648000" indent="-216000" algn="just">
-              <a:lnSpc>
-                <a:spcPct val="90000"/>
-              </a:lnSpc>
-              <a:spcBef>
-                <a:spcPts val="451"/>
-              </a:spcBef>
-              <a:buClr>
-                <a:srgbClr val="000000"/>
-              </a:buClr>
-              <a:buSzPct val="45000"/>
-              <a:buFont typeface="Wingdings" charset="2"/>
-              <a:buChar char=""/>
-              <a:tabLst>
-                <a:tab algn="l" pos="0"/>
-              </a:tabLst>
-            </a:pPr>
-            <a:r>
-              <a:rPr b="0" lang="it-IT" sz="2400" spc="-1" strike="noStrike">
-                <a:solidFill>
-                  <a:srgbClr val="000000"/>
-                </a:solidFill>
-                <a:latin typeface="Meiryo"/>
-                <a:ea typeface="DejaVu Sans"/>
-              </a:rPr>
-              <a:t>DNA verify (analysis of the swab and ink position are checked against the Blockchain record)</a:t>
-            </a:r>
-            <a:endParaRPr b="0" lang="it-IT" sz="2400" spc="-1" strike="noStrike">
-              <a:latin typeface="Arial"/>
-            </a:endParaRPr>
-          </a:p>
-          <a:p>
-            <a:pPr marL="502920" indent="-228600" algn="just">
-              <a:lnSpc>
-                <a:spcPct val="90000"/>
-              </a:lnSpc>
-              <a:spcBef>
-                <a:spcPts val="451"/>
-              </a:spcBef>
-              <a:buNone/>
-              <a:tabLst>
-                <a:tab algn="l" pos="0"/>
-              </a:tabLst>
-            </a:pPr>
-            <a:endParaRPr b="0" lang="it-IT" sz="2400" spc="-1" strike="noStrike">
-              <a:latin typeface="Arial"/>
-            </a:endParaRPr>
-          </a:p>
-        </p:txBody>
-      </p:sp>
+      </p:sp>
+      <p:pic>
+        <p:nvPicPr>
+          <p:cNvPr id="116" name="" descr=""/>
+          <p:cNvPicPr/>
+          <p:nvPr/>
+        </p:nvPicPr>
+        <p:blipFill>
+          <a:blip r:embed="rId1"/>
+          <a:stretch/>
+        </p:blipFill>
+        <p:spPr>
+          <a:xfrm>
+            <a:off x="0" y="1343520"/>
+            <a:ext cx="3115080" cy="3498840"/>
+          </a:xfrm>
+          <a:prstGeom prst="rect">
+            <a:avLst/>
+          </a:prstGeom>
+          <a:ln w="0">
+            <a:noFill/>
+          </a:ln>
+        </p:spPr>
+      </p:pic>
+      <p:pic>
+        <p:nvPicPr>
+          <p:cNvPr id="117" name="" descr=""/>
+          <p:cNvPicPr/>
+          <p:nvPr/>
+        </p:nvPicPr>
+        <p:blipFill>
+          <a:blip r:embed="rId2"/>
+          <a:stretch/>
+        </p:blipFill>
+        <p:spPr>
+          <a:xfrm>
+            <a:off x="2818080" y="2517840"/>
+            <a:ext cx="5821560" cy="2701800"/>
+          </a:xfrm>
+          <a:prstGeom prst="rect">
+            <a:avLst/>
+          </a:prstGeom>
+          <a:ln w="0">
+            <a:noFill/>
+          </a:ln>
+        </p:spPr>
+      </p:pic>
+      <p:pic>
+        <p:nvPicPr>
+          <p:cNvPr id="118" name="" descr=""/>
+          <p:cNvPicPr/>
+          <p:nvPr/>
+        </p:nvPicPr>
+        <p:blipFill>
+          <a:blip r:embed="rId3"/>
+          <a:stretch/>
+        </p:blipFill>
+        <p:spPr>
+          <a:xfrm>
+            <a:off x="8280000" y="3297960"/>
+            <a:ext cx="3911760" cy="2821680"/>
+          </a:xfrm>
+          <a:prstGeom prst="rect">
+            <a:avLst/>
+          </a:prstGeom>
+          <a:ln w="0">
+            <a:noFill/>
+          </a:ln>
+        </p:spPr>
+      </p:pic>
     </p:spTree>
   </p:cSld>
   <mc:AlternateContent>
@@ -7794,7 +7117,7 @@
       </p:grpSpPr>
       <p:sp>
         <p:nvSpPr>
-          <p:cNvPr id="116" name="PlaceHolder 1"/>
+          <p:cNvPr id="119" name="PlaceHolder 1"/>
           <p:cNvSpPr>
             <a:spLocks noGrp="1"/>
           </p:cNvSpPr>
@@ -7805,7 +7128,7 @@
         <p:spPr>
           <a:xfrm>
             <a:off x="322560" y="180720"/>
-            <a:ext cx="11594880" cy="930240"/>
+            <a:ext cx="11594520" cy="929880"/>
           </a:xfrm>
           <a:prstGeom prst="rect">
             <a:avLst/>
@@ -7827,13 +7150,13 @@
               <a:buNone/>
             </a:pPr>
             <a:r>
-              <a:rPr b="1" lang="it-IT" sz="3600" spc="109" strike="noStrike">
+              <a:rPr b="1" lang="it-IT" sz="3600" spc="106" strike="noStrike">
                 <a:solidFill>
                   <a:srgbClr val="ffffff"/>
                 </a:solidFill>
                 <a:latin typeface="Meiryo"/>
               </a:rPr>
-              <a:t>Laboratory: Create Cartridge, Analyze, Load in BC</a:t>
+              <a:t>Owner: Create Archive, documents and images</a:t>
             </a:r>
             <a:endParaRPr b="0" lang="it-IT" sz="3600" spc="-1" strike="noStrike">
               <a:latin typeface="Arial"/>
@@ -7843,7 +7166,7 @@
       </p:sp>
       <p:sp>
         <p:nvSpPr>
-          <p:cNvPr id="117" name="PlaceHolder 2"/>
+          <p:cNvPr id="120" name="PlaceHolder 2"/>
           <p:cNvSpPr>
             <a:spLocks noGrp="1"/>
           </p:cNvSpPr>
@@ -7854,7 +7177,7 @@
         <p:spPr>
           <a:xfrm>
             <a:off x="10569240" y="6309360"/>
-            <a:ext cx="974520" cy="451800"/>
+            <a:ext cx="974160" cy="451440"/>
           </a:xfrm>
           <a:prstGeom prst="rect">
             <a:avLst/>
@@ -7874,7 +7197,7 @@
                 <a:spcPct val="100000"/>
               </a:lnSpc>
               <a:buNone/>
-              <a:defRPr b="1" lang="en-US" sz="1600" spc="109" strike="noStrike">
+              <a:defRPr b="1" lang="en-US" sz="1600" spc="106" strike="noStrike">
                 <a:solidFill>
                   <a:srgbClr val="404040"/>
                 </a:solidFill>
@@ -7889,14 +7212,14 @@
               </a:lnSpc>
               <a:buNone/>
             </a:pPr>
-            <a:fld id="{2FF52F90-BF6A-4992-9FBA-C787A39840DF}" type="slidenum">
-              <a:rPr b="1" lang="en-US" sz="1600" spc="109" strike="noStrike">
+            <a:fld id="{568616D8-03A3-45C3-8E6B-A2A497091B1E}" type="slidenum">
+              <a:rPr b="1" lang="en-US" sz="1600" spc="106" strike="noStrike">
                 <a:solidFill>
                   <a:srgbClr val="404040"/>
                 </a:solidFill>
                 <a:latin typeface="Meiryo"/>
               </a:rPr>
-              <a:t>1</a:t>
+              <a:t>&lt;number&gt;</a:t>
             </a:fld>
             <a:endParaRPr b="0" lang="it-IT" sz="1600" spc="-1" strike="noStrike">
               <a:latin typeface="Times New Roman"/>
@@ -7906,14 +7229,14 @@
       </p:sp>
       <p:sp>
         <p:nvSpPr>
-          <p:cNvPr id="118" name="CasellaDiTesto 5"/>
+          <p:cNvPr id="121" name="CasellaDiTesto 1"/>
           <p:cNvSpPr/>
           <p:nvPr/>
         </p:nvSpPr>
         <p:spPr>
           <a:xfrm>
             <a:off x="528840" y="1441080"/>
-            <a:ext cx="11014920" cy="4096800"/>
+            <a:ext cx="11014560" cy="4096080"/>
           </a:xfrm>
           <a:prstGeom prst="rect">
             <a:avLst/>
@@ -7932,7 +7255,7 @@
       </p:sp>
       <p:pic>
         <p:nvPicPr>
-          <p:cNvPr id="119" name="" descr=""/>
+          <p:cNvPr id="122" name="" descr=""/>
           <p:cNvPicPr/>
           <p:nvPr/>
         </p:nvPicPr>
@@ -7942,8 +7265,8 @@
         </p:blipFill>
         <p:spPr>
           <a:xfrm>
-            <a:off x="0" y="1343520"/>
-            <a:ext cx="3115440" cy="3499200"/>
+            <a:off x="0" y="1440000"/>
+            <a:ext cx="6659640" cy="4663080"/>
           </a:xfrm>
           <a:prstGeom prst="rect">
             <a:avLst/>
@@ -7955,7 +7278,7 @@
       </p:pic>
       <p:pic>
         <p:nvPicPr>
-          <p:cNvPr id="120" name="" descr=""/>
+          <p:cNvPr id="123" name="" descr=""/>
           <p:cNvPicPr/>
           <p:nvPr/>
         </p:nvPicPr>
@@ -7965,31 +7288,8 @@
         </p:blipFill>
         <p:spPr>
           <a:xfrm>
-            <a:off x="2818080" y="2517840"/>
-            <a:ext cx="5821920" cy="2702160"/>
-          </a:xfrm>
-          <a:prstGeom prst="rect">
-            <a:avLst/>
-          </a:prstGeom>
-          <a:ln w="0">
-            <a:noFill/>
-          </a:ln>
-        </p:spPr>
-      </p:pic>
-      <p:pic>
-        <p:nvPicPr>
-          <p:cNvPr id="121" name="" descr=""/>
-          <p:cNvPicPr/>
-          <p:nvPr/>
-        </p:nvPicPr>
-        <p:blipFill>
-          <a:blip r:embed="rId3"/>
-          <a:stretch/>
-        </p:blipFill>
-        <p:spPr>
-          <a:xfrm>
-            <a:off x="8280000" y="3297960"/>
-            <a:ext cx="3912120" cy="2822040"/>
+            <a:off x="6705360" y="1456560"/>
+            <a:ext cx="5534280" cy="4483080"/>
           </a:xfrm>
           <a:prstGeom prst="rect">
             <a:avLst/>
@@ -8031,7 +7331,7 @@
       </p:grpSpPr>
       <p:sp>
         <p:nvSpPr>
-          <p:cNvPr id="122" name="PlaceHolder 1"/>
+          <p:cNvPr id="124" name="PlaceHolder 1"/>
           <p:cNvSpPr>
             <a:spLocks noGrp="1"/>
           </p:cNvSpPr>
@@ -8042,7 +7342,7 @@
         <p:spPr>
           <a:xfrm>
             <a:off x="322560" y="180720"/>
-            <a:ext cx="11594880" cy="930240"/>
+            <a:ext cx="11594520" cy="929880"/>
           </a:xfrm>
           <a:prstGeom prst="rect">
             <a:avLst/>
@@ -8064,23 +7364,23 @@
               <a:buNone/>
             </a:pPr>
             <a:r>
-              <a:rPr b="1" lang="it-IT" sz="3600" spc="109" strike="noStrike">
+              <a:rPr b="1" lang="it-IT" sz="2400" spc="106" strike="noStrike">
                 <a:solidFill>
                   <a:srgbClr val="ffffff"/>
                 </a:solidFill>
                 <a:latin typeface="Meiryo"/>
               </a:rPr>
-              <a:t>Owner: Create Archive, documents and images</a:t>
-            </a:r>
-            <a:endParaRPr b="0" lang="it-IT" sz="3600" spc="-1" strike="noStrike">
-              <a:latin typeface="Arial"/>
-            </a:endParaRPr>
-          </a:p>
-        </p:txBody>
-      </p:sp>
-      <p:sp>
-        <p:nvSpPr>
-          <p:cNvPr id="123" name="PlaceHolder 2"/>
+              <a:t>Owner, using the Signature Kit: put the genetic ink on the opera and in BC</a:t>
+            </a:r>
+            <a:endParaRPr b="0" lang="it-IT" sz="2400" spc="-1" strike="noStrike">
+              <a:latin typeface="Arial"/>
+            </a:endParaRPr>
+          </a:p>
+        </p:txBody>
+      </p:sp>
+      <p:sp>
+        <p:nvSpPr>
+          <p:cNvPr id="125" name="PlaceHolder 2"/>
           <p:cNvSpPr>
             <a:spLocks noGrp="1"/>
           </p:cNvSpPr>
@@ -8091,7 +7391,7 @@
         <p:spPr>
           <a:xfrm>
             <a:off x="10569240" y="6309360"/>
-            <a:ext cx="974520" cy="451800"/>
+            <a:ext cx="974160" cy="451440"/>
           </a:xfrm>
           <a:prstGeom prst="rect">
             <a:avLst/>
@@ -8111,7 +7411,7 @@
                 <a:spcPct val="100000"/>
               </a:lnSpc>
               <a:buNone/>
-              <a:defRPr b="1" lang="en-US" sz="1600" spc="109" strike="noStrike">
+              <a:defRPr b="1" lang="en-US" sz="1600" spc="106" strike="noStrike">
                 <a:solidFill>
                   <a:srgbClr val="404040"/>
                 </a:solidFill>
@@ -8126,14 +7426,14 @@
               </a:lnSpc>
               <a:buNone/>
             </a:pPr>
-            <a:fld id="{1345055F-3598-4B8B-9FD3-159BA2323D0F}" type="slidenum">
-              <a:rPr b="1" lang="en-US" sz="1600" spc="109" strike="noStrike">
+            <a:fld id="{AF177EE6-2DB5-4F0E-A587-4981DE711C1F}" type="slidenum">
+              <a:rPr b="1" lang="en-US" sz="1600" spc="106" strike="noStrike">
                 <a:solidFill>
                   <a:srgbClr val="404040"/>
                 </a:solidFill>
                 <a:latin typeface="Meiryo"/>
               </a:rPr>
-              <a:t>1</a:t>
+              <a:t>&lt;number&gt;</a:t>
             </a:fld>
             <a:endParaRPr b="0" lang="it-IT" sz="1600" spc="-1" strike="noStrike">
               <a:latin typeface="Times New Roman"/>
@@ -8143,14 +7443,14 @@
       </p:sp>
       <p:sp>
         <p:nvSpPr>
-          <p:cNvPr id="124" name="CasellaDiTesto 8"/>
+          <p:cNvPr id="126" name="CasellaDiTesto 12"/>
           <p:cNvSpPr/>
           <p:nvPr/>
         </p:nvSpPr>
         <p:spPr>
           <a:xfrm>
             <a:off x="528840" y="1441080"/>
-            <a:ext cx="11014920" cy="4096440"/>
+            <a:ext cx="11014560" cy="4096080"/>
           </a:xfrm>
           <a:prstGeom prst="rect">
             <a:avLst/>
@@ -8169,7 +7469,7 @@
       </p:sp>
       <p:pic>
         <p:nvPicPr>
-          <p:cNvPr id="125" name="" descr=""/>
+          <p:cNvPr id="127" name="" descr=""/>
           <p:cNvPicPr/>
           <p:nvPr/>
         </p:nvPicPr>
@@ -8179,8 +7479,8 @@
         </p:blipFill>
         <p:spPr>
           <a:xfrm>
-            <a:off x="0" y="1440000"/>
-            <a:ext cx="6660000" cy="4663440"/>
+            <a:off x="360000" y="1440000"/>
+            <a:ext cx="5360040" cy="4679640"/>
           </a:xfrm>
           <a:prstGeom prst="rect">
             <a:avLst/>
@@ -8192,7 +7492,7 @@
       </p:pic>
       <p:pic>
         <p:nvPicPr>
-          <p:cNvPr id="126" name="" descr=""/>
+          <p:cNvPr id="128" name="" descr=""/>
           <p:cNvPicPr/>
           <p:nvPr/>
         </p:nvPicPr>
@@ -8202,8 +7502,8 @@
         </p:blipFill>
         <p:spPr>
           <a:xfrm>
-            <a:off x="6705360" y="1456560"/>
-            <a:ext cx="5534640" cy="4483440"/>
+            <a:off x="5760000" y="1430640"/>
+            <a:ext cx="5632200" cy="4689000"/>
           </a:xfrm>
           <a:prstGeom prst="rect">
             <a:avLst/>
@@ -8245,7 +7545,7 @@
       </p:grpSpPr>
       <p:sp>
         <p:nvSpPr>
-          <p:cNvPr id="127" name="PlaceHolder 1"/>
+          <p:cNvPr id="129" name="PlaceHolder 1"/>
           <p:cNvSpPr>
             <a:spLocks noGrp="1"/>
           </p:cNvSpPr>
@@ -8256,7 +7556,7 @@
         <p:spPr>
           <a:xfrm>
             <a:off x="322560" y="180720"/>
-            <a:ext cx="11594880" cy="930240"/>
+            <a:ext cx="11594520" cy="929880"/>
           </a:xfrm>
           <a:prstGeom prst="rect">
             <a:avLst/>
@@ -8278,13 +7578,13 @@
               <a:buNone/>
             </a:pPr>
             <a:r>
-              <a:rPr b="1" lang="it-IT" sz="2400" spc="109" strike="noStrike">
+              <a:rPr b="1" lang="it-IT" sz="2400" spc="106" strike="noStrike">
                 <a:solidFill>
                   <a:srgbClr val="ffffff"/>
                 </a:solidFill>
                 <a:latin typeface="Meiryo"/>
               </a:rPr>
-              <a:t>Owner, using the Signature Kit: put the genetic ink on the opera and in BC</a:t>
+              <a:t>Verify Authenticity: Pick the DNA with a swab and analyze it</a:t>
             </a:r>
             <a:endParaRPr b="0" lang="it-IT" sz="2400" spc="-1" strike="noStrike">
               <a:latin typeface="Arial"/>
@@ -8294,7 +7594,7 @@
       </p:sp>
       <p:sp>
         <p:nvSpPr>
-          <p:cNvPr id="128" name="PlaceHolder 2"/>
+          <p:cNvPr id="130" name="PlaceHolder 2"/>
           <p:cNvSpPr>
             <a:spLocks noGrp="1"/>
           </p:cNvSpPr>
@@ -8305,7 +7605,7 @@
         <p:spPr>
           <a:xfrm>
             <a:off x="10569240" y="6309360"/>
-            <a:ext cx="974520" cy="451800"/>
+            <a:ext cx="974160" cy="451440"/>
           </a:xfrm>
           <a:prstGeom prst="rect">
             <a:avLst/>
@@ -8325,7 +7625,7 @@
                 <a:spcPct val="100000"/>
               </a:lnSpc>
               <a:buNone/>
-              <a:defRPr b="1" lang="en-US" sz="1600" spc="109" strike="noStrike">
+              <a:defRPr b="1" lang="en-US" sz="1600" spc="106" strike="noStrike">
                 <a:solidFill>
                   <a:srgbClr val="404040"/>
                 </a:solidFill>
@@ -8340,14 +7640,14 @@
               </a:lnSpc>
               <a:buNone/>
             </a:pPr>
-            <a:fld id="{CD13E6CA-B558-4616-8228-C0F08A0532EC}" type="slidenum">
-              <a:rPr b="1" lang="en-US" sz="1600" spc="109" strike="noStrike">
+            <a:fld id="{8FD67E5A-8F06-4850-A26F-0D9484F17AD6}" type="slidenum">
+              <a:rPr b="1" lang="en-US" sz="1600" spc="106" strike="noStrike">
                 <a:solidFill>
                   <a:srgbClr val="404040"/>
                 </a:solidFill>
                 <a:latin typeface="Meiryo"/>
               </a:rPr>
-              <a:t>1</a:t>
+              <a:t>&lt;number&gt;</a:t>
             </a:fld>
             <a:endParaRPr b="0" lang="it-IT" sz="1600" spc="-1" strike="noStrike">
               <a:latin typeface="Times New Roman"/>
@@ -8357,14 +7657,14 @@
       </p:sp>
       <p:sp>
         <p:nvSpPr>
-          <p:cNvPr id="129" name="CasellaDiTesto 12"/>
+          <p:cNvPr id="131" name="CasellaDiTesto 13"/>
           <p:cNvSpPr/>
           <p:nvPr/>
         </p:nvSpPr>
         <p:spPr>
           <a:xfrm>
             <a:off x="528840" y="1441080"/>
-            <a:ext cx="11014920" cy="4096440"/>
+            <a:ext cx="11014560" cy="4096080"/>
           </a:xfrm>
           <a:prstGeom prst="rect">
             <a:avLst/>
@@ -8383,7 +7683,7 @@
       </p:sp>
       <p:pic>
         <p:nvPicPr>
-          <p:cNvPr id="130" name="" descr=""/>
+          <p:cNvPr id="132" name="" descr=""/>
           <p:cNvPicPr/>
           <p:nvPr/>
         </p:nvPicPr>
@@ -8392,9 +7692,9 @@
           <a:stretch/>
         </p:blipFill>
         <p:spPr>
-          <a:xfrm>
-            <a:off x="360000" y="1440000"/>
-            <a:ext cx="5360400" cy="4680000"/>
+          <a:xfrm rot="5411400">
+            <a:off x="-370800" y="1967760"/>
+            <a:ext cx="4529880" cy="3396960"/>
           </a:xfrm>
           <a:prstGeom prst="rect">
             <a:avLst/>
@@ -8406,7 +7706,7 @@
       </p:pic>
       <p:pic>
         <p:nvPicPr>
-          <p:cNvPr id="131" name="" descr=""/>
+          <p:cNvPr id="133" name="" descr=""/>
           <p:cNvPicPr/>
           <p:nvPr/>
         </p:nvPicPr>
@@ -8416,8 +7716,8 @@
         </p:blipFill>
         <p:spPr>
           <a:xfrm>
-            <a:off x="5760000" y="1430640"/>
-            <a:ext cx="5632560" cy="4689360"/>
+            <a:off x="4212000" y="1441080"/>
+            <a:ext cx="7846560" cy="4404240"/>
           </a:xfrm>
           <a:prstGeom prst="rect">
             <a:avLst/>
@@ -8459,7 +7759,7 @@
       </p:grpSpPr>
       <p:sp>
         <p:nvSpPr>
-          <p:cNvPr id="132" name="PlaceHolder 1"/>
+          <p:cNvPr id="134" name="PlaceHolder 1"/>
           <p:cNvSpPr>
             <a:spLocks noGrp="1"/>
           </p:cNvSpPr>
@@ -8470,7 +7770,7 @@
         <p:spPr>
           <a:xfrm>
             <a:off x="322560" y="180720"/>
-            <a:ext cx="11594880" cy="930240"/>
+            <a:ext cx="11594520" cy="929880"/>
           </a:xfrm>
           <a:prstGeom prst="rect">
             <a:avLst/>
@@ -8492,23 +7792,23 @@
               <a:buNone/>
             </a:pPr>
             <a:r>
-              <a:rPr b="1" lang="it-IT" sz="2400" spc="109" strike="noStrike">
+              <a:rPr b="1" lang="it-IT" sz="3600" spc="106" strike="noStrike">
                 <a:solidFill>
                   <a:srgbClr val="ffffff"/>
                 </a:solidFill>
                 <a:latin typeface="Meiryo"/>
               </a:rPr>
-              <a:t>Verify Authenticity: Pick the DNA with a swab and analyze it</a:t>
-            </a:r>
-            <a:endParaRPr b="0" lang="it-IT" sz="2400" spc="-1" strike="noStrike">
-              <a:latin typeface="Arial"/>
-            </a:endParaRPr>
-          </a:p>
-        </p:txBody>
-      </p:sp>
-      <p:sp>
-        <p:nvSpPr>
-          <p:cNvPr id="133" name="PlaceHolder 2"/>
+              <a:t>Verify: Compare analysis with DNA in BC</a:t>
+            </a:r>
+            <a:endParaRPr b="0" lang="it-IT" sz="3600" spc="-1" strike="noStrike">
+              <a:latin typeface="Arial"/>
+            </a:endParaRPr>
+          </a:p>
+        </p:txBody>
+      </p:sp>
+      <p:sp>
+        <p:nvSpPr>
+          <p:cNvPr id="135" name="PlaceHolder 2"/>
           <p:cNvSpPr>
             <a:spLocks noGrp="1"/>
           </p:cNvSpPr>
@@ -8519,7 +7819,7 @@
         <p:spPr>
           <a:xfrm>
             <a:off x="10569240" y="6309360"/>
-            <a:ext cx="974520" cy="451800"/>
+            <a:ext cx="974160" cy="451440"/>
           </a:xfrm>
           <a:prstGeom prst="rect">
             <a:avLst/>
@@ -8539,7 +7839,7 @@
                 <a:spcPct val="100000"/>
               </a:lnSpc>
               <a:buNone/>
-              <a:defRPr b="1" lang="en-US" sz="1600" spc="109" strike="noStrike">
+              <a:defRPr b="1" lang="en-US" sz="1600" spc="106" strike="noStrike">
                 <a:solidFill>
                   <a:srgbClr val="404040"/>
                 </a:solidFill>
@@ -8554,14 +7854,14 @@
               </a:lnSpc>
               <a:buNone/>
             </a:pPr>
-            <a:fld id="{87649FCB-9801-4B14-B909-C591A9CCC124}" type="slidenum">
-              <a:rPr b="1" lang="en-US" sz="1600" spc="109" strike="noStrike">
+            <a:fld id="{3FA1AC6B-C740-4362-BBEB-2B1F54997FF7}" type="slidenum">
+              <a:rPr b="1" lang="en-US" sz="1600" spc="106" strike="noStrike">
                 <a:solidFill>
                   <a:srgbClr val="404040"/>
                 </a:solidFill>
                 <a:latin typeface="Meiryo"/>
               </a:rPr>
-              <a:t>1</a:t>
+              <a:t>&lt;number&gt;</a:t>
             </a:fld>
             <a:endParaRPr b="0" lang="it-IT" sz="1600" spc="-1" strike="noStrike">
               <a:latin typeface="Times New Roman"/>
@@ -8571,14 +7871,14 @@
       </p:sp>
       <p:sp>
         <p:nvSpPr>
-          <p:cNvPr id="134" name="CasellaDiTesto 13"/>
+          <p:cNvPr id="136" name="CasellaDiTesto 11"/>
           <p:cNvSpPr/>
           <p:nvPr/>
         </p:nvSpPr>
         <p:spPr>
           <a:xfrm>
             <a:off x="528840" y="1441080"/>
-            <a:ext cx="11014920" cy="4096440"/>
+            <a:ext cx="11014560" cy="4096080"/>
           </a:xfrm>
           <a:prstGeom prst="rect">
             <a:avLst/>
@@ -8597,7 +7897,7 @@
       </p:sp>
       <p:pic>
         <p:nvPicPr>
-          <p:cNvPr id="135" name="" descr=""/>
+          <p:cNvPr id="137" name="" descr=""/>
           <p:cNvPicPr/>
           <p:nvPr/>
         </p:nvPicPr>
@@ -8606,9 +7906,9 @@
           <a:stretch/>
         </p:blipFill>
         <p:spPr>
-          <a:xfrm rot="5411400">
-            <a:off x="-371160" y="1968120"/>
-            <a:ext cx="4530240" cy="3397320"/>
+          <a:xfrm>
+            <a:off x="7020000" y="1441080"/>
+            <a:ext cx="4318560" cy="4668120"/>
           </a:xfrm>
           <a:prstGeom prst="rect">
             <a:avLst/>
@@ -8620,7 +7920,7 @@
       </p:pic>
       <p:pic>
         <p:nvPicPr>
-          <p:cNvPr id="136" name="" descr=""/>
+          <p:cNvPr id="138" name="" descr=""/>
           <p:cNvPicPr/>
           <p:nvPr/>
         </p:nvPicPr>
@@ -8630,8 +7930,8 @@
         </p:blipFill>
         <p:spPr>
           <a:xfrm>
-            <a:off x="4212000" y="1441080"/>
-            <a:ext cx="7846920" cy="4404600"/>
+            <a:off x="180000" y="1440000"/>
+            <a:ext cx="5399640" cy="4586400"/>
           </a:xfrm>
           <a:prstGeom prst="rect">
             <a:avLst/>
@@ -8673,7 +7973,7 @@
       </p:grpSpPr>
       <p:sp>
         <p:nvSpPr>
-          <p:cNvPr id="137" name="PlaceHolder 1"/>
+          <p:cNvPr id="139" name="PlaceHolder 1"/>
           <p:cNvSpPr>
             <a:spLocks noGrp="1"/>
           </p:cNvSpPr>
@@ -8684,7 +7984,7 @@
         <p:spPr>
           <a:xfrm>
             <a:off x="322560" y="180720"/>
-            <a:ext cx="11594880" cy="930240"/>
+            <a:ext cx="11594520" cy="929880"/>
           </a:xfrm>
           <a:prstGeom prst="rect">
             <a:avLst/>
@@ -8706,13 +8006,13 @@
               <a:buNone/>
             </a:pPr>
             <a:r>
-              <a:rPr b="1" lang="it-IT" sz="3600" spc="109" strike="noStrike">
+              <a:rPr b="1" lang="it-IT" sz="3600" spc="106" strike="noStrike">
                 <a:solidFill>
                   <a:srgbClr val="ffffff"/>
                 </a:solidFill>
                 <a:latin typeface="Meiryo"/>
               </a:rPr>
-              <a:t>Verify: Compare analysis with DNA in BC</a:t>
+              <a:t>MVP Architecure</a:t>
             </a:r>
             <a:endParaRPr b="0" lang="it-IT" sz="3600" spc="-1" strike="noStrike">
               <a:latin typeface="Arial"/>
@@ -8722,7 +8022,7 @@
       </p:sp>
       <p:sp>
         <p:nvSpPr>
-          <p:cNvPr id="138" name="PlaceHolder 2"/>
+          <p:cNvPr id="140" name="PlaceHolder 2"/>
           <p:cNvSpPr>
             <a:spLocks noGrp="1"/>
           </p:cNvSpPr>
@@ -8733,7 +8033,7 @@
         <p:spPr>
           <a:xfrm>
             <a:off x="10569240" y="6309360"/>
-            <a:ext cx="974520" cy="451800"/>
+            <a:ext cx="974160" cy="451440"/>
           </a:xfrm>
           <a:prstGeom prst="rect">
             <a:avLst/>
@@ -8753,7 +8053,7 @@
                 <a:spcPct val="100000"/>
               </a:lnSpc>
               <a:buNone/>
-              <a:defRPr b="1" lang="en-US" sz="1600" spc="109" strike="noStrike">
+              <a:defRPr b="1" lang="en-US" sz="1600" spc="106" strike="noStrike">
                 <a:solidFill>
                   <a:srgbClr val="404040"/>
                 </a:solidFill>
@@ -8768,14 +8068,14 @@
               </a:lnSpc>
               <a:buNone/>
             </a:pPr>
-            <a:fld id="{B0775B41-1A58-4890-834C-885F7BE11FF6}" type="slidenum">
-              <a:rPr b="1" lang="en-US" sz="1600" spc="109" strike="noStrike">
+            <a:fld id="{C160A05A-5BFB-4541-A816-363F2721AD98}" type="slidenum">
+              <a:rPr b="1" lang="en-US" sz="1600" spc="106" strike="noStrike">
                 <a:solidFill>
                   <a:srgbClr val="404040"/>
                 </a:solidFill>
                 <a:latin typeface="Meiryo"/>
               </a:rPr>
-              <a:t>1</a:t>
+              <a:t>&lt;number&gt;</a:t>
             </a:fld>
             <a:endParaRPr b="0" lang="it-IT" sz="1600" spc="-1" strike="noStrike">
               <a:latin typeface="Times New Roman"/>
@@ -8785,228 +8085,14 @@
       </p:sp>
       <p:sp>
         <p:nvSpPr>
-          <p:cNvPr id="139" name="CasellaDiTesto 11"/>
+          <p:cNvPr id="141" name="CasellaDiTesto 2"/>
           <p:cNvSpPr/>
           <p:nvPr/>
         </p:nvSpPr>
         <p:spPr>
           <a:xfrm>
             <a:off x="528840" y="1441080"/>
-            <a:ext cx="11014920" cy="4096440"/>
-          </a:xfrm>
-          <a:prstGeom prst="rect">
-            <a:avLst/>
-          </a:prstGeom>
-          <a:noFill/>
-          <a:ln w="0">
-            <a:noFill/>
-          </a:ln>
-        </p:spPr>
-        <p:style>
-          <a:lnRef idx="0"/>
-          <a:fillRef idx="0"/>
-          <a:effectRef idx="0"/>
-          <a:fontRef idx="minor"/>
-        </p:style>
-      </p:sp>
-      <p:pic>
-        <p:nvPicPr>
-          <p:cNvPr id="140" name="" descr=""/>
-          <p:cNvPicPr/>
-          <p:nvPr/>
-        </p:nvPicPr>
-        <p:blipFill>
-          <a:blip r:embed="rId1"/>
-          <a:stretch/>
-        </p:blipFill>
-        <p:spPr>
-          <a:xfrm>
-            <a:off x="7020000" y="1441080"/>
-            <a:ext cx="4318920" cy="4668480"/>
-          </a:xfrm>
-          <a:prstGeom prst="rect">
-            <a:avLst/>
-          </a:prstGeom>
-          <a:ln w="0">
-            <a:noFill/>
-          </a:ln>
-        </p:spPr>
-      </p:pic>
-      <p:pic>
-        <p:nvPicPr>
-          <p:cNvPr id="141" name="" descr=""/>
-          <p:cNvPicPr/>
-          <p:nvPr/>
-        </p:nvPicPr>
-        <p:blipFill>
-          <a:blip r:embed="rId2"/>
-          <a:stretch/>
-        </p:blipFill>
-        <p:spPr>
-          <a:xfrm>
-            <a:off x="180000" y="1440000"/>
-            <a:ext cx="5400000" cy="4586760"/>
-          </a:xfrm>
-          <a:prstGeom prst="rect">
-            <a:avLst/>
-          </a:prstGeom>
-          <a:ln w="0">
-            <a:noFill/>
-          </a:ln>
-        </p:spPr>
-      </p:pic>
-    </p:spTree>
-  </p:cSld>
-  <mc:AlternateContent>
-    <mc:Choice Requires="p14">
-      <p:transition spd="slow" p14:dur="2000"/>
-    </mc:Choice>
-    <mc:Fallback>
-      <p:transition spd="slow"/>
-    </mc:Fallback>
-  </mc:AlternateContent>
-</p:sld>
-</file>
-
-<file path=ppt/slides/slide9.xml><?xml version="1.0" encoding="utf-8"?>
-<p:sld xmlns:a="http://schemas.openxmlformats.org/drawingml/2006/main" xmlns:p="http://schemas.openxmlformats.org/presentationml/2006/main" xmlns:r="http://schemas.openxmlformats.org/officeDocument/2006/relationships" xmlns:p14="http://schemas.microsoft.com/office/powerpoint/2010/main" xmlns:p15="http://schemas.microsoft.com/office/powerpoint/2012/main" xmlns:mc="http://schemas.openxmlformats.org/markup-compatibility/2006">
-  <p:cSld>
-    <p:spTree>
-      <p:nvGrpSpPr>
-        <p:cNvPr id="1" name=""/>
-        <p:cNvGrpSpPr/>
-        <p:nvPr/>
-      </p:nvGrpSpPr>
-      <p:grpSpPr>
-        <a:xfrm>
-          <a:off x="0" y="0"/>
-          <a:ext cx="0" cy="0"/>
-          <a:chOff x="0" y="0"/>
-          <a:chExt cx="0" cy="0"/>
-        </a:xfrm>
-      </p:grpSpPr>
-      <p:sp>
-        <p:nvSpPr>
-          <p:cNvPr id="142" name="PlaceHolder 1"/>
-          <p:cNvSpPr>
-            <a:spLocks noGrp="1"/>
-          </p:cNvSpPr>
-          <p:nvPr>
-            <p:ph type="title"/>
-          </p:nvPr>
-        </p:nvSpPr>
-        <p:spPr>
-          <a:xfrm>
-            <a:off x="322560" y="180720"/>
-            <a:ext cx="11594880" cy="930240"/>
-          </a:xfrm>
-          <a:prstGeom prst="rect">
-            <a:avLst/>
-          </a:prstGeom>
-          <a:noFill/>
-          <a:ln w="0">
-            <a:noFill/>
-          </a:ln>
-        </p:spPr>
-        <p:txBody>
-          <a:bodyPr lIns="109800" rIns="109800" tIns="109800" bIns="91440" anchor="ctr">
-            <a:noAutofit/>
-          </a:bodyPr>
-          <a:p>
-            <a:pPr>
-              <a:lnSpc>
-                <a:spcPct val="150000"/>
-              </a:lnSpc>
-              <a:buNone/>
-            </a:pPr>
-            <a:r>
-              <a:rPr b="1" lang="it-IT" sz="3600" spc="109" strike="noStrike">
-                <a:solidFill>
-                  <a:srgbClr val="ffffff"/>
-                </a:solidFill>
-                <a:latin typeface="Meiryo"/>
-              </a:rPr>
-              <a:t>MVP Architecure</a:t>
-            </a:r>
-            <a:endParaRPr b="0" lang="it-IT" sz="3600" spc="-1" strike="noStrike">
-              <a:latin typeface="Arial"/>
-            </a:endParaRPr>
-          </a:p>
-        </p:txBody>
-      </p:sp>
-      <p:sp>
-        <p:nvSpPr>
-          <p:cNvPr id="143" name="PlaceHolder 2"/>
-          <p:cNvSpPr>
-            <a:spLocks noGrp="1"/>
-          </p:cNvSpPr>
-          <p:nvPr>
-            <p:ph type="sldNum" idx="15"/>
-          </p:nvPr>
-        </p:nvSpPr>
-        <p:spPr>
-          <a:xfrm>
-            <a:off x="10569240" y="6309360"/>
-            <a:ext cx="974520" cy="451800"/>
-          </a:xfrm>
-          <a:prstGeom prst="rect">
-            <a:avLst/>
-          </a:prstGeom>
-          <a:noFill/>
-          <a:ln w="0">
-            <a:noFill/>
-          </a:ln>
-        </p:spPr>
-        <p:txBody>
-          <a:bodyPr lIns="109800" rIns="109800" tIns="109800" bIns="91440" anchor="b">
-            <a:noAutofit/>
-          </a:bodyPr>
-          <a:lstStyle>
-            <a:lvl1pPr algn="r">
-              <a:lnSpc>
-                <a:spcPct val="100000"/>
-              </a:lnSpc>
-              <a:buNone/>
-              <a:defRPr b="1" lang="en-US" sz="1600" spc="109" strike="noStrike">
-                <a:solidFill>
-                  <a:srgbClr val="404040"/>
-                </a:solidFill>
-                <a:latin typeface="Meiryo"/>
-              </a:defRPr>
-            </a:lvl1pPr>
-          </a:lstStyle>
-          <a:p>
-            <a:pPr algn="r">
-              <a:lnSpc>
-                <a:spcPct val="100000"/>
-              </a:lnSpc>
-              <a:buNone/>
-            </a:pPr>
-            <a:fld id="{030F5142-9B8D-441E-A93F-DEAC1D97FCDF}" type="slidenum">
-              <a:rPr b="1" lang="en-US" sz="1600" spc="109" strike="noStrike">
-                <a:solidFill>
-                  <a:srgbClr val="404040"/>
-                </a:solidFill>
-                <a:latin typeface="Meiryo"/>
-              </a:rPr>
-              <a:t>1</a:t>
-            </a:fld>
-            <a:endParaRPr b="0" lang="it-IT" sz="1600" spc="-1" strike="noStrike">
-              <a:latin typeface="Times New Roman"/>
-            </a:endParaRPr>
-          </a:p>
-        </p:txBody>
-      </p:sp>
-      <p:sp>
-        <p:nvSpPr>
-          <p:cNvPr id="144" name="CasellaDiTesto 2"/>
-          <p:cNvSpPr/>
-          <p:nvPr/>
-        </p:nvSpPr>
-        <p:spPr>
-          <a:xfrm>
-            <a:off x="528840" y="1441080"/>
-            <a:ext cx="11014920" cy="719280"/>
+            <a:ext cx="11014560" cy="719280"/>
           </a:xfrm>
           <a:prstGeom prst="rect">
             <a:avLst/>
@@ -9064,7 +8150,7 @@
       </p:sp>
       <p:pic>
         <p:nvPicPr>
-          <p:cNvPr id="145" name="" descr=""/>
+          <p:cNvPr id="142" name="" descr=""/>
           <p:cNvPicPr/>
           <p:nvPr/>
         </p:nvPicPr>
@@ -9075,7 +8161,7 @@
         <p:spPr>
           <a:xfrm>
             <a:off x="5490000" y="343080"/>
-            <a:ext cx="6701400" cy="6856200"/>
+            <a:ext cx="6701040" cy="6855840"/>
           </a:xfrm>
           <a:prstGeom prst="rect">
             <a:avLst/>
@@ -9087,14 +8173,14 @@
       </p:pic>
       <p:sp>
         <p:nvSpPr>
-          <p:cNvPr id="146" name=""/>
+          <p:cNvPr id="143" name=""/>
           <p:cNvSpPr/>
           <p:nvPr/>
         </p:nvSpPr>
         <p:spPr>
           <a:xfrm>
             <a:off x="384840" y="5220000"/>
-            <a:ext cx="4654440" cy="601560"/>
+            <a:ext cx="4654080" cy="601200"/>
           </a:xfrm>
           <a:prstGeom prst="rect">
             <a:avLst/>
